--- a/קומפוננטות.pptx
+++ b/קומפוננטות.pptx
@@ -2282,6 +2282,39 @@
         </a:p>
       </dgm:t>
     </dgm:pt>
+    <dgm:pt modelId="{7979330E-D5D4-4A4A-8516-5E820A4F947E}">
+      <dgm:prSet phldrT="[Text]"/>
+      <dgm:spPr>
+        <a:solidFill>
+          <a:srgbClr val="FBF3FF"/>
+        </a:solidFill>
+        <a:ln>
+          <a:solidFill>
+            <a:srgbClr val="9E2A7D"/>
+          </a:solidFill>
+        </a:ln>
+      </dgm:spPr>
+      <dgm:t>
+        <a:bodyPr/>
+        <a:lstStyle/>
+        <a:p>
+          <a:pPr rtl="0"/>
+          <a:r>
+            <a:rPr lang="en-US" dirty="0" err="1" smtClean="0"/>
+            <a:t>InfoScreen</a:t>
+          </a:r>
+          <a:endParaRPr lang="en-US" dirty="0"/>
+        </a:p>
+      </dgm:t>
+    </dgm:pt>
+    <dgm:pt modelId="{9017FBA4-D0F2-4D41-B83D-E6CF6C5445B3}" type="parTrans" cxnId="{738F7AFA-E50E-4CA5-8C10-F893CCBD6641}">
+      <dgm:prSet/>
+      <dgm:spPr/>
+    </dgm:pt>
+    <dgm:pt modelId="{ABF74151-6FFD-42BB-81AC-1D7F1421F6C5}" type="sibTrans" cxnId="{738F7AFA-E50E-4CA5-8C10-F893CCBD6641}">
+      <dgm:prSet/>
+      <dgm:spPr/>
+    </dgm:pt>
     <dgm:pt modelId="{357217D7-E997-4DC1-9529-B7B2E839F24F}" type="pres">
       <dgm:prSet presAssocID="{30D72F0B-8627-4509-BD07-206D93348A6D}" presName="hierChild1" presStyleCnt="0">
         <dgm:presLayoutVars>
@@ -2468,6 +2501,14 @@
     <dgm:pt modelId="{E76B8D6A-5940-4854-8CA7-4C00FEE573D6}" type="pres">
       <dgm:prSet presAssocID="{3FD591D2-CB3A-4B1A-B5D3-02F9DF85F558}" presName="Name37" presStyleLbl="parChTrans1D2" presStyleIdx="2" presStyleCnt="5"/>
       <dgm:spPr/>
+      <dgm:t>
+        <a:bodyPr/>
+        <a:lstStyle/>
+        <a:p>
+          <a:pPr rtl="1"/>
+          <a:endParaRPr lang="he-IL"/>
+        </a:p>
+      </dgm:t>
     </dgm:pt>
     <dgm:pt modelId="{A35C3966-5BAA-4642-8E06-4A55C10C28F7}" type="pres">
       <dgm:prSet presAssocID="{8410C6A1-C0F5-4CA5-A1A1-5F41CEB57DD4}" presName="hierRoot2" presStyleCnt="0">
@@ -2632,8 +2673,60 @@
       <dgm:prSet presAssocID="{3716FBD4-3C5F-4D6C-94F0-71A031BDD296}" presName="hierChild4" presStyleCnt="0"/>
       <dgm:spPr/>
     </dgm:pt>
+    <dgm:pt modelId="{ACA96EDD-3CA6-4167-A11B-957E107A250E}" type="pres">
+      <dgm:prSet presAssocID="{9017FBA4-D0F2-4D41-B83D-E6CF6C5445B3}" presName="Name37" presStyleLbl="parChTrans1D3" presStyleIdx="0" presStyleCnt="4"/>
+      <dgm:spPr/>
+    </dgm:pt>
+    <dgm:pt modelId="{DC5FD263-2ED0-44B9-8FA3-5EEFA5011B80}" type="pres">
+      <dgm:prSet presAssocID="{7979330E-D5D4-4A4A-8516-5E820A4F947E}" presName="hierRoot2" presStyleCnt="0">
+        <dgm:presLayoutVars>
+          <dgm:hierBranch val="init"/>
+        </dgm:presLayoutVars>
+      </dgm:prSet>
+      <dgm:spPr/>
+    </dgm:pt>
+    <dgm:pt modelId="{4DA6A65E-753F-423D-A487-F93757ACCBF5}" type="pres">
+      <dgm:prSet presAssocID="{7979330E-D5D4-4A4A-8516-5E820A4F947E}" presName="rootComposite" presStyleCnt="0"/>
+      <dgm:spPr/>
+    </dgm:pt>
+    <dgm:pt modelId="{88E9A28C-7D5F-42DB-AF86-68098B6C6099}" type="pres">
+      <dgm:prSet presAssocID="{7979330E-D5D4-4A4A-8516-5E820A4F947E}" presName="rootText" presStyleLbl="node3" presStyleIdx="0" presStyleCnt="4">
+        <dgm:presLayoutVars>
+          <dgm:chPref val="3"/>
+        </dgm:presLayoutVars>
+      </dgm:prSet>
+      <dgm:spPr/>
+      <dgm:t>
+        <a:bodyPr/>
+        <a:lstStyle/>
+        <a:p>
+          <a:pPr rtl="1"/>
+          <a:endParaRPr lang="he-IL"/>
+        </a:p>
+      </dgm:t>
+    </dgm:pt>
+    <dgm:pt modelId="{E6260200-7DC6-4A85-8E57-006D1C292FF4}" type="pres">
+      <dgm:prSet presAssocID="{7979330E-D5D4-4A4A-8516-5E820A4F947E}" presName="rootConnector" presStyleLbl="node3" presStyleIdx="0" presStyleCnt="4"/>
+      <dgm:spPr/>
+      <dgm:t>
+        <a:bodyPr/>
+        <a:lstStyle/>
+        <a:p>
+          <a:pPr rtl="1"/>
+          <a:endParaRPr lang="he-IL"/>
+        </a:p>
+      </dgm:t>
+    </dgm:pt>
+    <dgm:pt modelId="{3F7D2FA7-546F-403F-A968-1D7C656791C3}" type="pres">
+      <dgm:prSet presAssocID="{7979330E-D5D4-4A4A-8516-5E820A4F947E}" presName="hierChild4" presStyleCnt="0"/>
+      <dgm:spPr/>
+    </dgm:pt>
+    <dgm:pt modelId="{79585A00-00CB-4C6F-9575-354F49F44106}" type="pres">
+      <dgm:prSet presAssocID="{7979330E-D5D4-4A4A-8516-5E820A4F947E}" presName="hierChild5" presStyleCnt="0"/>
+      <dgm:spPr/>
+    </dgm:pt>
     <dgm:pt modelId="{2F5BB800-7A86-49A9-B404-D8FD24275A24}" type="pres">
-      <dgm:prSet presAssocID="{176874B7-EEC5-4EBE-A759-BD1DAEC8B4AE}" presName="Name37" presStyleLbl="parChTrans1D3" presStyleIdx="0" presStyleCnt="3"/>
+      <dgm:prSet presAssocID="{176874B7-EEC5-4EBE-A759-BD1DAEC8B4AE}" presName="Name37" presStyleLbl="parChTrans1D3" presStyleIdx="1" presStyleCnt="4"/>
       <dgm:spPr/>
       <dgm:t>
         <a:bodyPr/>
@@ -2657,7 +2750,7 @@
       <dgm:spPr/>
     </dgm:pt>
     <dgm:pt modelId="{F9747D89-83FC-4FED-BC11-4F28DE71050F}" type="pres">
-      <dgm:prSet presAssocID="{B16D12D9-70C8-4FA3-94A4-5FCD0C6314D8}" presName="rootText" presStyleLbl="node3" presStyleIdx="0" presStyleCnt="3">
+      <dgm:prSet presAssocID="{B16D12D9-70C8-4FA3-94A4-5FCD0C6314D8}" presName="rootText" presStyleLbl="node3" presStyleIdx="1" presStyleCnt="4">
         <dgm:presLayoutVars>
           <dgm:chPref val="3"/>
         </dgm:presLayoutVars>
@@ -2672,7 +2765,7 @@
       </dgm:t>
     </dgm:pt>
     <dgm:pt modelId="{535D0227-452F-4594-8F39-12D0C1149FB4}" type="pres">
-      <dgm:prSet presAssocID="{B16D12D9-70C8-4FA3-94A4-5FCD0C6314D8}" presName="rootConnector" presStyleLbl="node3" presStyleIdx="0" presStyleCnt="3"/>
+      <dgm:prSet presAssocID="{B16D12D9-70C8-4FA3-94A4-5FCD0C6314D8}" presName="rootConnector" presStyleLbl="node3" presStyleIdx="1" presStyleCnt="4"/>
       <dgm:spPr/>
       <dgm:t>
         <a:bodyPr/>
@@ -2751,7 +2844,7 @@
       <dgm:spPr/>
     </dgm:pt>
     <dgm:pt modelId="{4A96A4EA-CDD2-468D-8CF1-E8DCEA727108}" type="pres">
-      <dgm:prSet presAssocID="{C8B9830C-6D70-4FCD-ACA0-417D261B7E99}" presName="Name37" presStyleLbl="parChTrans1D3" presStyleIdx="1" presStyleCnt="3"/>
+      <dgm:prSet presAssocID="{C8B9830C-6D70-4FCD-ACA0-417D261B7E99}" presName="Name37" presStyleLbl="parChTrans1D3" presStyleIdx="2" presStyleCnt="4"/>
       <dgm:spPr/>
       <dgm:t>
         <a:bodyPr/>
@@ -2775,7 +2868,7 @@
       <dgm:spPr/>
     </dgm:pt>
     <dgm:pt modelId="{CC0EFF5C-38AD-48E6-86A5-F01F47114886}" type="pres">
-      <dgm:prSet presAssocID="{9CDF2204-DF35-4930-8BEC-6ED3226E8D4C}" presName="rootText" presStyleLbl="node3" presStyleIdx="1" presStyleCnt="3">
+      <dgm:prSet presAssocID="{9CDF2204-DF35-4930-8BEC-6ED3226E8D4C}" presName="rootText" presStyleLbl="node3" presStyleIdx="2" presStyleCnt="4">
         <dgm:presLayoutVars>
           <dgm:chPref val="3"/>
         </dgm:presLayoutVars>
@@ -2790,7 +2883,7 @@
       </dgm:t>
     </dgm:pt>
     <dgm:pt modelId="{AF23D5C4-3B99-458B-818A-9ACD1707FC6E}" type="pres">
-      <dgm:prSet presAssocID="{9CDF2204-DF35-4930-8BEC-6ED3226E8D4C}" presName="rootConnector" presStyleLbl="node3" presStyleIdx="1" presStyleCnt="3"/>
+      <dgm:prSet presAssocID="{9CDF2204-DF35-4930-8BEC-6ED3226E8D4C}" presName="rootConnector" presStyleLbl="node3" presStyleIdx="2" presStyleCnt="4"/>
       <dgm:spPr/>
       <dgm:t>
         <a:bodyPr/>
@@ -2930,7 +3023,7 @@
       <dgm:spPr/>
     </dgm:pt>
     <dgm:pt modelId="{7B059F1C-2A77-45CC-B8BA-795A28DAEB50}" type="pres">
-      <dgm:prSet presAssocID="{C330D18D-477B-4F4C-A084-52BC2E257722}" presName="Name37" presStyleLbl="parChTrans1D3" presStyleIdx="2" presStyleCnt="3"/>
+      <dgm:prSet presAssocID="{C330D18D-477B-4F4C-A084-52BC2E257722}" presName="Name37" presStyleLbl="parChTrans1D3" presStyleIdx="3" presStyleCnt="4"/>
       <dgm:spPr/>
       <dgm:t>
         <a:bodyPr/>
@@ -2954,7 +3047,7 @@
       <dgm:spPr/>
     </dgm:pt>
     <dgm:pt modelId="{B7301427-B76D-4A92-BE88-2ADB332D4263}" type="pres">
-      <dgm:prSet presAssocID="{55F33DDB-F3FE-49EF-9E6E-D918B5B59CEC}" presName="rootText" presStyleLbl="node3" presStyleIdx="2" presStyleCnt="3" custLinFactNeighborX="64863" custLinFactNeighborY="-6552">
+      <dgm:prSet presAssocID="{55F33DDB-F3FE-49EF-9E6E-D918B5B59CEC}" presName="rootText" presStyleLbl="node3" presStyleIdx="3" presStyleCnt="4" custLinFactNeighborX="64863" custLinFactNeighborY="-6552">
         <dgm:presLayoutVars>
           <dgm:chPref val="3"/>
         </dgm:presLayoutVars>
@@ -2969,7 +3062,7 @@
       </dgm:t>
     </dgm:pt>
     <dgm:pt modelId="{7F0DE215-8FC4-4A5E-8A91-2B3056656056}" type="pres">
-      <dgm:prSet presAssocID="{55F33DDB-F3FE-49EF-9E6E-D918B5B59CEC}" presName="rootConnector" presStyleLbl="node3" presStyleIdx="2" presStyleCnt="3"/>
+      <dgm:prSet presAssocID="{55F33DDB-F3FE-49EF-9E6E-D918B5B59CEC}" presName="rootConnector" presStyleLbl="node3" presStyleIdx="3" presStyleCnt="4"/>
       <dgm:spPr/>
       <dgm:t>
         <a:bodyPr/>
@@ -3593,94 +3686,98 @@
     </dgm:pt>
   </dgm:ptLst>
   <dgm:cxnLst>
+    <dgm:cxn modelId="{439C6037-8D77-423D-BFB7-4B88080CC94B}" type="presOf" srcId="{9CDF2204-DF35-4930-8BEC-6ED3226E8D4C}" destId="{AF23D5C4-3B99-458B-818A-9ACD1707FC6E}" srcOrd="1" destOrd="0" presId="urn:microsoft.com/office/officeart/2005/8/layout/orgChart1"/>
+    <dgm:cxn modelId="{C29FAF13-E11A-4FDA-860E-3D3F72BE4F9E}" type="presOf" srcId="{B49E01E3-7CF0-4A02-977A-75AF04B690A5}" destId="{197E904F-99D5-4CDD-9C91-07E78832DDD6}" srcOrd="0" destOrd="0" presId="urn:microsoft.com/office/officeart/2005/8/layout/orgChart1"/>
+    <dgm:cxn modelId="{DDA5A756-9299-4917-AAFC-981DFE8E02A3}" type="presOf" srcId="{1F0214E2-8F2B-4FC2-9C09-2EC8D18854A1}" destId="{84F84986-8C30-43FB-998C-2C108CE22EAC}" srcOrd="1" destOrd="0" presId="urn:microsoft.com/office/officeart/2005/8/layout/orgChart1"/>
     <dgm:cxn modelId="{5AE6A116-7DB4-4702-9E7A-5C299FFD1E8C}" srcId="{9CDF2204-DF35-4930-8BEC-6ED3226E8D4C}" destId="{67FAC17F-112D-4DE1-87A6-FAEFBF0C05C8}" srcOrd="1" destOrd="0" parTransId="{404A3F45-3A54-4659-817E-B99C1EE11929}" sibTransId="{77C2CAEF-738B-4EEC-98FE-C101544ED9C0}"/>
-    <dgm:cxn modelId="{B0D39225-AE58-4FDE-B893-3B13E4783907}" type="presOf" srcId="{9CDF2204-DF35-4930-8BEC-6ED3226E8D4C}" destId="{CC0EFF5C-38AD-48E6-86A5-F01F47114886}" srcOrd="0" destOrd="0" presId="urn:microsoft.com/office/officeart/2005/8/layout/orgChart1"/>
+    <dgm:cxn modelId="{D9A9CC3C-5C5B-412F-B9B0-7AC7EE108559}" type="presOf" srcId="{91BD2826-9564-4E68-A2DE-B95E59BD0ABA}" destId="{BEA9CC4C-6381-40BF-9897-F80C23F3E44E}" srcOrd="0" destOrd="0" presId="urn:microsoft.com/office/officeart/2005/8/layout/orgChart1"/>
+    <dgm:cxn modelId="{5209A91F-CDA0-4C50-9AAA-193F85905A9A}" type="presOf" srcId="{109D664E-1681-4CD1-845F-12DB0FD5BECA}" destId="{54504B6F-BACC-4F6A-A379-C64AE0971DA4}" srcOrd="0" destOrd="0" presId="urn:microsoft.com/office/officeart/2005/8/layout/orgChart1"/>
+    <dgm:cxn modelId="{4410BF44-C030-4922-9AEB-EF6EAF12B09D}" type="presOf" srcId="{88A99C8B-61A9-4BA5-B059-B232DE710ABC}" destId="{652BD52C-24BD-44EE-B696-68AE54825E8B}" srcOrd="1" destOrd="0" presId="urn:microsoft.com/office/officeart/2005/8/layout/orgChart1"/>
+    <dgm:cxn modelId="{BE114542-B6A4-40A7-95E4-130576B63869}" type="presOf" srcId="{404A3F45-3A54-4659-817E-B99C1EE11929}" destId="{64100A3E-937A-4304-B967-3B8B3D1B0D56}" srcOrd="0" destOrd="0" presId="urn:microsoft.com/office/officeart/2005/8/layout/orgChart1"/>
     <dgm:cxn modelId="{C1A32411-261D-4B48-B53E-6EE529B5A6A1}" type="presOf" srcId="{3716FBD4-3C5F-4D6C-94F0-71A031BDD296}" destId="{B4362041-D265-4273-BBF3-BBDD1CC8F357}" srcOrd="0" destOrd="0" presId="urn:microsoft.com/office/officeart/2005/8/layout/orgChart1"/>
     <dgm:cxn modelId="{79D37E03-1C02-4A37-A0A3-EA0223DE4022}" type="presOf" srcId="{3716FBD4-3C5F-4D6C-94F0-71A031BDD296}" destId="{80D767F4-FF62-4CA2-94D9-6E4015EDBFA2}" srcOrd="1" destOrd="0" presId="urn:microsoft.com/office/officeart/2005/8/layout/orgChart1"/>
-    <dgm:cxn modelId="{E4C2ECE5-5062-4593-9E67-5D154EC4C478}" type="presOf" srcId="{EE6960EE-FA4C-4892-AAFC-9BA1416C69B6}" destId="{F2A6A286-5031-4E4E-88A4-4B1B4D30917E}" srcOrd="0" destOrd="0" presId="urn:microsoft.com/office/officeart/2005/8/layout/orgChart1"/>
+    <dgm:cxn modelId="{F7BEA0CC-A49E-45E2-A056-D3C593780058}" type="presOf" srcId="{B156CFBF-8FB9-4C28-93CE-3580C2B16D4E}" destId="{F4D3BADB-F675-4F0D-AC78-77D2F55085CE}" srcOrd="0" destOrd="0" presId="urn:microsoft.com/office/officeart/2005/8/layout/orgChart1"/>
+    <dgm:cxn modelId="{6FC91CB5-9B12-409D-B620-0519E26FC63F}" type="presOf" srcId="{DBE85596-CA97-4160-B69D-2C6E7888E444}" destId="{3696C109-D2B8-4DDF-B71D-63D26E08D8BF}" srcOrd="0" destOrd="0" presId="urn:microsoft.com/office/officeart/2005/8/layout/orgChart1"/>
+    <dgm:cxn modelId="{03D0D80A-04AD-4641-A28C-05839B674D5E}" type="presOf" srcId="{B31B9A4B-16DB-4E49-93AD-6D53F6137659}" destId="{7E8D883E-EDC2-4950-8E0C-7115A153DFF2}" srcOrd="0" destOrd="0" presId="urn:microsoft.com/office/officeart/2005/8/layout/orgChart1"/>
     <dgm:cxn modelId="{440F1E04-17C2-431A-93DC-6686FFBDCF87}" srcId="{D2C9D5AA-95B1-46B9-B353-2365975D3EEF}" destId="{88A99C8B-61A9-4BA5-B059-B232DE710ABC}" srcOrd="0" destOrd="0" parTransId="{529E795D-9641-46EB-A1F9-4C395C9DD8E7}" sibTransId="{093BA88D-002C-40BF-AD52-61FAD214A07F}"/>
     <dgm:cxn modelId="{788C97C8-3F50-4946-B973-B0AD5D00DEEA}" srcId="{9CDF2204-DF35-4930-8BEC-6ED3226E8D4C}" destId="{1695B8AE-F47A-40F1-A3F2-691EC3C5C9DD}" srcOrd="0" destOrd="0" parTransId="{DBE85596-CA97-4160-B69D-2C6E7888E444}" sibTransId="{42FFA051-F5DD-46EC-B13D-D031A0C36ADA}"/>
-    <dgm:cxn modelId="{0C91A658-F0CD-4960-9ABC-7051F90416E4}" type="presOf" srcId="{B49E01E3-7CF0-4A02-977A-75AF04B690A5}" destId="{197E904F-99D5-4CDD-9C91-07E78832DDD6}" srcOrd="0" destOrd="0" presId="urn:microsoft.com/office/officeart/2005/8/layout/orgChart1"/>
     <dgm:cxn modelId="{A2BB8665-80F8-4482-8A3E-357F66B41F13}" srcId="{BC679AAB-B4EF-431E-97D6-04B868D47101}" destId="{3B4C7DB4-D5BF-4797-8143-5B2EE5A93FA3}" srcOrd="0" destOrd="0" parTransId="{1B4F5134-75F2-40BF-9FE6-09D1BDE96C4F}" sibTransId="{A41E1FCB-CECC-4CEC-8A64-67693FA22BDB}"/>
-    <dgm:cxn modelId="{DA2EBF64-505C-4932-AE95-696A07D81DD7}" type="presOf" srcId="{FBE49655-A8B8-4017-BD93-97827E67D2C2}" destId="{A3A6F7C8-397C-4BEE-8F83-883196A60EF1}" srcOrd="0" destOrd="0" presId="urn:microsoft.com/office/officeart/2005/8/layout/orgChart1"/>
     <dgm:cxn modelId="{879E1AE5-D2C5-4E57-96CC-7238A6FA6E13}" srcId="{EE6960EE-FA4C-4892-AAFC-9BA1416C69B6}" destId="{B49E01E3-7CF0-4A02-977A-75AF04B690A5}" srcOrd="0" destOrd="0" parTransId="{2E57C3C5-4903-445D-823A-42BE0737490C}" sibTransId="{EAB6871B-40EE-4808-B0D6-A2691815F094}"/>
-    <dgm:cxn modelId="{6D4496AF-A5F5-425E-A154-FA73B27AFFBF}" type="presOf" srcId="{C0669DE6-7488-4277-AB5A-C897F06723CE}" destId="{ED02F395-49D8-4077-9DE2-95636B94DCD8}" srcOrd="0" destOrd="0" presId="urn:microsoft.com/office/officeart/2005/8/layout/orgChart1"/>
-    <dgm:cxn modelId="{FA56D9BB-6B66-4213-9BEC-DFE739DD6EB0}" type="presOf" srcId="{176874B7-EEC5-4EBE-A759-BD1DAEC8B4AE}" destId="{2F5BB800-7A86-49A9-B404-D8FD24275A24}" srcOrd="0" destOrd="0" presId="urn:microsoft.com/office/officeart/2005/8/layout/orgChart1"/>
+    <dgm:cxn modelId="{9272F00E-F0CB-4861-9F35-9E37303F8900}" type="presOf" srcId="{C0669DE6-7488-4277-AB5A-C897F06723CE}" destId="{ED02F395-49D8-4077-9DE2-95636B94DCD8}" srcOrd="0" destOrd="0" presId="urn:microsoft.com/office/officeart/2005/8/layout/orgChart1"/>
+    <dgm:cxn modelId="{6B21FAA6-5B58-42BE-8DEE-4D805BE0B0E9}" type="presOf" srcId="{B156CFBF-8FB9-4C28-93CE-3580C2B16D4E}" destId="{770877B4-D7EA-4869-8F5D-8078F35418DA}" srcOrd="1" destOrd="0" presId="urn:microsoft.com/office/officeart/2005/8/layout/orgChart1"/>
+    <dgm:cxn modelId="{68514341-A1F1-4EBC-B6DE-D7E3B02366B1}" type="presOf" srcId="{C8B9830C-6D70-4FCD-ACA0-417D261B7E99}" destId="{4A96A4EA-CDD2-468D-8CF1-E8DCEA727108}" srcOrd="0" destOrd="0" presId="urn:microsoft.com/office/officeart/2005/8/layout/orgChart1"/>
     <dgm:cxn modelId="{5E18F997-BFCA-4651-8CFF-3939455D4247}" srcId="{30D72F0B-8627-4509-BD07-206D93348A6D}" destId="{BC679AAB-B4EF-431E-97D6-04B868D47101}" srcOrd="0" destOrd="0" parTransId="{90CD970A-C5F8-436D-BE8D-0D9054D3040E}" sibTransId="{AB0A3252-6781-4A32-9DCA-26765CA1D771}"/>
-    <dgm:cxn modelId="{50F00AA7-4F20-4E15-9E1F-345FE6201B24}" type="presOf" srcId="{B156CFBF-8FB9-4C28-93CE-3580C2B16D4E}" destId="{770877B4-D7EA-4869-8F5D-8078F35418DA}" srcOrd="1" destOrd="0" presId="urn:microsoft.com/office/officeart/2005/8/layout/orgChart1"/>
     <dgm:cxn modelId="{EB16A013-FE1E-40EC-AE47-FA075C68A239}" srcId="{BC679AAB-B4EF-431E-97D6-04B868D47101}" destId="{8410C6A1-C0F5-4CA5-A1A1-5F41CEB57DD4}" srcOrd="2" destOrd="0" parTransId="{3FD591D2-CB3A-4B1A-B5D3-02F9DF85F558}" sibTransId="{315A9D24-1055-411E-A54A-C46EE95A7F4D}"/>
-    <dgm:cxn modelId="{EABB0427-923C-4C61-815D-D3BD4D79CA4F}" type="presOf" srcId="{55F33DDB-F3FE-49EF-9E6E-D918B5B59CEC}" destId="{7F0DE215-8FC4-4A5E-8A91-2B3056656056}" srcOrd="1" destOrd="0" presId="urn:microsoft.com/office/officeart/2005/8/layout/orgChart1"/>
     <dgm:cxn modelId="{9BDFE948-A85E-43B0-96E6-A42844D2B994}" type="presOf" srcId="{BC679AAB-B4EF-431E-97D6-04B868D47101}" destId="{81FCCA99-E23F-44B6-82FE-CE4D95358963}" srcOrd="1" destOrd="0" presId="urn:microsoft.com/office/officeart/2005/8/layout/orgChart1"/>
     <dgm:cxn modelId="{D4572882-328E-4DF3-8DEE-FF8D45F24142}" srcId="{B16D12D9-70C8-4FA3-94A4-5FCD0C6314D8}" destId="{D9C7C2CA-434E-49B5-A1E5-E6001E59A43F}" srcOrd="0" destOrd="0" parTransId="{FBE49655-A8B8-4017-BD93-97827E67D2C2}" sibTransId="{FC96CAFC-F9EC-4AC3-8C95-D30DFF614B4C}"/>
-    <dgm:cxn modelId="{01B36BA9-EDF3-4E4F-AECF-264E5033BDEC}" type="presOf" srcId="{109D664E-1681-4CD1-845F-12DB0FD5BECA}" destId="{54504B6F-BACC-4F6A-A379-C64AE0971DA4}" srcOrd="0" destOrd="0" presId="urn:microsoft.com/office/officeart/2005/8/layout/orgChart1"/>
+    <dgm:cxn modelId="{81D3B3C8-7762-40D5-A996-C2661C705FA5}" type="presOf" srcId="{C08534DF-810C-4C4A-A162-CBC854E24ADC}" destId="{81CAB74E-900C-44DA-A097-595FC72C39A4}" srcOrd="0" destOrd="0" presId="urn:microsoft.com/office/officeart/2005/8/layout/orgChart1"/>
+    <dgm:cxn modelId="{58D0659C-A78A-4484-9406-CC99D38CB04D}" type="presOf" srcId="{6C08CD29-9B4F-4608-824F-45B3CB8FF9FB}" destId="{658B4E26-1420-462B-995F-19C8E2CC3357}" srcOrd="0" destOrd="0" presId="urn:microsoft.com/office/officeart/2005/8/layout/orgChart1"/>
     <dgm:cxn modelId="{58C7FF6D-5FC0-4A3D-9AAD-21C1DB58DE9A}" srcId="{55F33DDB-F3FE-49EF-9E6E-D918B5B59CEC}" destId="{EE6960EE-FA4C-4892-AAFC-9BA1416C69B6}" srcOrd="1" destOrd="0" parTransId="{C0669DE6-7488-4277-AB5A-C897F06723CE}" sibTransId="{87C1BC26-4383-4EAA-AAA3-C05C3D493E38}"/>
-    <dgm:cxn modelId="{38E1A305-0F36-4387-BD4D-732452D9C10D}" type="presOf" srcId="{DBE85596-CA97-4160-B69D-2C6E7888E444}" destId="{3696C109-D2B8-4DDF-B71D-63D26E08D8BF}" srcOrd="0" destOrd="0" presId="urn:microsoft.com/office/officeart/2005/8/layout/orgChart1"/>
-    <dgm:cxn modelId="{6E0CC9D1-06DE-49D1-96F2-16DD9C707ABA}" type="presOf" srcId="{1695B8AE-F47A-40F1-A3F2-691EC3C5C9DD}" destId="{1FDC30F1-387E-4DB9-8503-8DE4AC0489F0}" srcOrd="0" destOrd="0" presId="urn:microsoft.com/office/officeart/2005/8/layout/orgChart1"/>
-    <dgm:cxn modelId="{FF100FCC-EFD4-4D6F-90DF-B65A564B1DAF}" type="presOf" srcId="{1695B8AE-F47A-40F1-A3F2-691EC3C5C9DD}" destId="{8C06F057-B079-47C7-9295-C4614CF74D64}" srcOrd="1" destOrd="0" presId="urn:microsoft.com/office/officeart/2005/8/layout/orgChart1"/>
+    <dgm:cxn modelId="{0394C306-BD6F-4640-A524-FB888D9A131C}" type="presOf" srcId="{B16D12D9-70C8-4FA3-94A4-5FCD0C6314D8}" destId="{F9747D89-83FC-4FED-BC11-4F28DE71050F}" srcOrd="0" destOrd="0" presId="urn:microsoft.com/office/officeart/2005/8/layout/orgChart1"/>
+    <dgm:cxn modelId="{E9B6D672-2010-4E51-BE97-9770F43B0918}" type="presOf" srcId="{C435BF3D-3F50-4781-911F-1403A325BDAF}" destId="{502E229C-B5D4-494D-A93B-300A4CC6AA74}" srcOrd="0" destOrd="0" presId="urn:microsoft.com/office/officeart/2005/8/layout/orgChart1"/>
     <dgm:cxn modelId="{1AED60B8-215F-4E45-B7E7-3482F80E1CC7}" type="presOf" srcId="{8410C6A1-C0F5-4CA5-A1A1-5F41CEB57DD4}" destId="{31AA37E8-89E9-4D38-8D57-8365EAF07506}" srcOrd="1" destOrd="0" presId="urn:microsoft.com/office/officeart/2005/8/layout/orgChart1"/>
-    <dgm:cxn modelId="{9F7B87C6-E617-4BED-BFBF-4DEB5E98D5A3}" type="presOf" srcId="{91BD2826-9564-4E68-A2DE-B95E59BD0ABA}" destId="{BEA9CC4C-6381-40BF-9897-F80C23F3E44E}" srcOrd="0" destOrd="0" presId="urn:microsoft.com/office/officeart/2005/8/layout/orgChart1"/>
-    <dgm:cxn modelId="{F71E4DCF-4F8C-4E92-ABF6-DF5E98D06D9B}" type="presOf" srcId="{B31B9A4B-16DB-4E49-93AD-6D53F6137659}" destId="{7E8D883E-EDC2-4950-8E0C-7115A153DFF2}" srcOrd="0" destOrd="0" presId="urn:microsoft.com/office/officeart/2005/8/layout/orgChart1"/>
     <dgm:cxn modelId="{BC324AA7-AB8D-42B5-8C6D-EE4FC2C5FF10}" srcId="{EE6960EE-FA4C-4892-AAFC-9BA1416C69B6}" destId="{B156CFBF-8FB9-4C28-93CE-3580C2B16D4E}" srcOrd="3" destOrd="0" parTransId="{9F878B2F-24E6-454F-977A-16EAB2A26CF1}" sibTransId="{2B22AF17-3C55-4B88-B385-8558A702E22E}"/>
-    <dgm:cxn modelId="{E85C4F7D-7454-4972-8F43-3A35F5CD6762}" type="presOf" srcId="{2E57C3C5-4903-445D-823A-42BE0737490C}" destId="{BB548C89-C98C-4DC4-8330-A28280CCED94}" srcOrd="0" destOrd="0" presId="urn:microsoft.com/office/officeart/2005/8/layout/orgChart1"/>
-    <dgm:cxn modelId="{ED40B3D4-1810-4035-983E-E28049B4B70C}" type="presOf" srcId="{88A99C8B-61A9-4BA5-B059-B232DE710ABC}" destId="{652BD52C-24BD-44EE-B696-68AE54825E8B}" srcOrd="1" destOrd="0" presId="urn:microsoft.com/office/officeart/2005/8/layout/orgChart1"/>
     <dgm:cxn modelId="{16BA1D4C-9740-4233-8AC4-830173883048}" srcId="{B156CFBF-8FB9-4C28-93CE-3580C2B16D4E}" destId="{33A55FD1-C916-43B2-A6E5-649031493C92}" srcOrd="0" destOrd="0" parTransId="{6C08CD29-9B4F-4608-824F-45B3CB8FF9FB}" sibTransId="{CEC76D3D-9E2E-484F-AB81-844C76169042}"/>
     <dgm:cxn modelId="{C0A37E3B-E6A6-4291-92D0-7C16C61354C2}" type="presOf" srcId="{BC679AAB-B4EF-431E-97D6-04B868D47101}" destId="{2F22C519-FE96-4D2C-9E49-C86A0F2C0CCC}" srcOrd="0" destOrd="0" presId="urn:microsoft.com/office/officeart/2005/8/layout/orgChart1"/>
-    <dgm:cxn modelId="{C6A31C8A-C036-4731-8D2C-6AF19B2DDDE6}" type="presOf" srcId="{CFE51ED1-AC75-4A0D-839E-1FEEC730988E}" destId="{C3E3873B-E45D-45B5-89AF-9B4493DD4BA4}" srcOrd="0" destOrd="0" presId="urn:microsoft.com/office/officeart/2005/8/layout/orgChart1"/>
-    <dgm:cxn modelId="{8E2F3B94-4E01-445A-890B-739CB1EEEC02}" type="presOf" srcId="{9CDF2204-DF35-4930-8BEC-6ED3226E8D4C}" destId="{AF23D5C4-3B99-458B-818A-9ACD1707FC6E}" srcOrd="1" destOrd="0" presId="urn:microsoft.com/office/officeart/2005/8/layout/orgChart1"/>
-    <dgm:cxn modelId="{10F7E2D2-927F-4B17-9BC8-58456653E8B2}" type="presOf" srcId="{C435BF3D-3F50-4781-911F-1403A325BDAF}" destId="{502E229C-B5D4-494D-A93B-300A4CC6AA74}" srcOrd="0" destOrd="0" presId="urn:microsoft.com/office/officeart/2005/8/layout/orgChart1"/>
-    <dgm:cxn modelId="{295C2373-9B25-40B8-9E8D-FCE606368857}" type="presOf" srcId="{D2C9D5AA-95B1-46B9-B353-2365975D3EEF}" destId="{2AB27E19-3434-4D1E-8B90-F342FC85AF8E}" srcOrd="0" destOrd="0" presId="urn:microsoft.com/office/officeart/2005/8/layout/orgChart1"/>
+    <dgm:cxn modelId="{F9590B18-1DF4-43B4-A18E-2D76AB4C01EB}" type="presOf" srcId="{CFE51ED1-AC75-4A0D-839E-1FEEC730988E}" destId="{C3E3873B-E45D-45B5-89AF-9B4493DD4BA4}" srcOrd="0" destOrd="0" presId="urn:microsoft.com/office/officeart/2005/8/layout/orgChart1"/>
     <dgm:cxn modelId="{E7E501E1-2215-4BD0-8B1E-30E76753E799}" type="presOf" srcId="{451EFCF6-ED10-4C2F-B2C5-EB750C542AE0}" destId="{0AA78D04-F27D-4CDF-AC21-38321A1ED0B5}" srcOrd="1" destOrd="0" presId="urn:microsoft.com/office/officeart/2005/8/layout/orgChart1"/>
-    <dgm:cxn modelId="{BDF3843D-D7DF-46DC-9F7C-4B76ACBB7AAC}" type="presOf" srcId="{33A55FD1-C916-43B2-A6E5-649031493C92}" destId="{6A5CFB99-A6C1-4AF7-8BE3-612ED22C908D}" srcOrd="1" destOrd="0" presId="urn:microsoft.com/office/officeart/2005/8/layout/orgChart1"/>
     <dgm:cxn modelId="{32199852-2284-4554-B093-4F3EA652B317}" srcId="{BC679AAB-B4EF-431E-97D6-04B868D47101}" destId="{451EFCF6-ED10-4C2F-B2C5-EB750C542AE0}" srcOrd="3" destOrd="0" parTransId="{591EFF60-65BB-4ADC-96AD-DB82D8960F90}" sibTransId="{A1A26685-5BC3-425F-889F-2D11B6BEC174}"/>
+    <dgm:cxn modelId="{0A8D42D0-6A02-4229-BF9F-1A733E1A465C}" type="presOf" srcId="{3FD591D2-CB3A-4B1A-B5D3-02F9DF85F558}" destId="{E76B8D6A-5940-4854-8CA7-4C00FEE573D6}" srcOrd="0" destOrd="0" presId="urn:microsoft.com/office/officeart/2005/8/layout/orgChart1"/>
     <dgm:cxn modelId="{3009FEB7-54C2-41C1-9557-62F63A299277}" srcId="{55F33DDB-F3FE-49EF-9E6E-D918B5B59CEC}" destId="{C08534DF-810C-4C4A-A162-CBC854E24ADC}" srcOrd="0" destOrd="0" parTransId="{109D664E-1681-4CD1-845F-12DB0FD5BECA}" sibTransId="{AA47121E-C243-4D0D-A3F8-9E5D90EDBDE2}"/>
-    <dgm:cxn modelId="{F0DB6D40-582D-430A-99B2-28A50A55554E}" type="presOf" srcId="{C08534DF-810C-4C4A-A162-CBC854E24ADC}" destId="{81CAB74E-900C-44DA-A097-595FC72C39A4}" srcOrd="0" destOrd="0" presId="urn:microsoft.com/office/officeart/2005/8/layout/orgChart1"/>
-    <dgm:cxn modelId="{0A8D42D0-6A02-4229-BF9F-1A733E1A465C}" type="presOf" srcId="{3FD591D2-CB3A-4B1A-B5D3-02F9DF85F558}" destId="{E76B8D6A-5940-4854-8CA7-4C00FEE573D6}" srcOrd="0" destOrd="0" presId="urn:microsoft.com/office/officeart/2005/8/layout/orgChart1"/>
-    <dgm:cxn modelId="{4991B0BF-4C96-475E-8FB8-BCDD97535947}" type="presOf" srcId="{1F0214E2-8F2B-4FC2-9C09-2EC8D18854A1}" destId="{D5306EEC-79F4-4003-82E3-A11E6B2AB031}" srcOrd="0" destOrd="0" presId="urn:microsoft.com/office/officeart/2005/8/layout/orgChart1"/>
-    <dgm:cxn modelId="{68494819-85B3-4C4C-9185-AC8A05C663F3}" type="presOf" srcId="{67FAC17F-112D-4DE1-87A6-FAEFBF0C05C8}" destId="{1CA50B8E-5051-4B05-BD18-73373B9C07E4}" srcOrd="0" destOrd="0" presId="urn:microsoft.com/office/officeart/2005/8/layout/orgChart1"/>
-    <dgm:cxn modelId="{B6EDE6E1-A4DC-4DA1-8CA7-0D9693484987}" type="presOf" srcId="{C435BF3D-3F50-4781-911F-1403A325BDAF}" destId="{AE0F7EC3-81E9-4CFB-A882-9E51998501C7}" srcOrd="1" destOrd="0" presId="urn:microsoft.com/office/officeart/2005/8/layout/orgChart1"/>
-    <dgm:cxn modelId="{A67B218B-5781-4CFB-B0E6-6A83DE101BD3}" srcId="{3716FBD4-3C5F-4D6C-94F0-71A031BDD296}" destId="{9CDF2204-DF35-4930-8BEC-6ED3226E8D4C}" srcOrd="1" destOrd="0" parTransId="{C8B9830C-6D70-4FCD-ACA0-417D261B7E99}" sibTransId="{4AACA5E1-0C09-4463-9909-9F09077CAEE2}"/>
-    <dgm:cxn modelId="{CC05F719-A38F-409E-AB84-D90901CFE55C}" type="presOf" srcId="{404A3F45-3A54-4659-817E-B99C1EE11929}" destId="{64100A3E-937A-4304-B967-3B8B3D1B0D56}" srcOrd="0" destOrd="0" presId="urn:microsoft.com/office/officeart/2005/8/layout/orgChart1"/>
+    <dgm:cxn modelId="{D5BF218F-270A-435A-872A-CB4BE9E49E98}" type="presOf" srcId="{B49E01E3-7CF0-4A02-977A-75AF04B690A5}" destId="{9217255E-81B6-43C1-8C48-572EEF1DDACE}" srcOrd="1" destOrd="0" presId="urn:microsoft.com/office/officeart/2005/8/layout/orgChart1"/>
+    <dgm:cxn modelId="{DA38C74B-4E66-4827-84E0-BD6699F7DBB6}" type="presOf" srcId="{529E795D-9641-46EB-A1F9-4C395C9DD8E7}" destId="{F0DA768B-60EE-4EA6-92BA-3A73EC52CB7C}" srcOrd="0" destOrd="0" presId="urn:microsoft.com/office/officeart/2005/8/layout/orgChart1"/>
+    <dgm:cxn modelId="{A67B218B-5781-4CFB-B0E6-6A83DE101BD3}" srcId="{3716FBD4-3C5F-4D6C-94F0-71A031BDD296}" destId="{9CDF2204-DF35-4930-8BEC-6ED3226E8D4C}" srcOrd="2" destOrd="0" parTransId="{C8B9830C-6D70-4FCD-ACA0-417D261B7E99}" sibTransId="{4AACA5E1-0C09-4463-9909-9F09077CAEE2}"/>
+    <dgm:cxn modelId="{0ECF264B-C5EC-4F94-8005-3216D10D161E}" type="presOf" srcId="{67FAC17F-112D-4DE1-87A6-FAEFBF0C05C8}" destId="{018D4EAD-AEC9-4483-942A-187A631DE38F}" srcOrd="1" destOrd="0" presId="urn:microsoft.com/office/officeart/2005/8/layout/orgChart1"/>
     <dgm:cxn modelId="{FE7B8862-5874-4571-9172-331510574590}" srcId="{9C5F8BBA-795F-4B0B-AB83-3DC27CE2B835}" destId="{1F0214E2-8F2B-4FC2-9C09-2EC8D18854A1}" srcOrd="0" destOrd="0" parTransId="{CFE51ED1-AC75-4A0D-839E-1FEEC730988E}" sibTransId="{1C834F6E-3DDB-4B51-9153-9C1925D48E78}"/>
-    <dgm:cxn modelId="{65B89DA7-55B3-4D06-8ECC-CD4BCC7563D7}" type="presOf" srcId="{67FAC17F-112D-4DE1-87A6-FAEFBF0C05C8}" destId="{018D4EAD-AEC9-4483-942A-187A631DE38F}" srcOrd="1" destOrd="0" presId="urn:microsoft.com/office/officeart/2005/8/layout/orgChart1"/>
-    <dgm:cxn modelId="{8A731D28-E151-44A3-8341-5D7BA8EBE3BF}" type="presOf" srcId="{9C5F8BBA-795F-4B0B-AB83-3DC27CE2B835}" destId="{5B856F03-06B7-41D7-90A4-34E0B8767D59}" srcOrd="1" destOrd="0" presId="urn:microsoft.com/office/officeart/2005/8/layout/orgChart1"/>
+    <dgm:cxn modelId="{CB4C2E1A-2396-4EDD-BD27-35E6451A408E}" type="presOf" srcId="{C08534DF-810C-4C4A-A162-CBC854E24ADC}" destId="{25206967-D74C-4BE5-BB8F-CC411DC4D379}" srcOrd="1" destOrd="0" presId="urn:microsoft.com/office/officeart/2005/8/layout/orgChart1"/>
+    <dgm:cxn modelId="{2CD38859-C5C7-4476-BD28-95076A21BFE0}" type="presOf" srcId="{EE6960EE-FA4C-4892-AAFC-9BA1416C69B6}" destId="{8135DA40-52DC-4B8F-84A3-B0975FF99609}" srcOrd="1" destOrd="0" presId="urn:microsoft.com/office/officeart/2005/8/layout/orgChart1"/>
+    <dgm:cxn modelId="{54F2789E-DD68-4A7E-B200-71994D692DB1}" type="presOf" srcId="{9D2C36C9-572B-4D13-A39F-1155445FD442}" destId="{F601E592-7A11-4289-A717-589F96F0E7C1}" srcOrd="0" destOrd="0" presId="urn:microsoft.com/office/officeart/2005/8/layout/orgChart1"/>
     <dgm:cxn modelId="{05AD5439-A99E-40DD-8BE8-E049A3C54C40}" srcId="{BC679AAB-B4EF-431E-97D6-04B868D47101}" destId="{C9FDA09F-4D0F-44D6-995C-D46D1E859300}" srcOrd="1" destOrd="0" parTransId="{2DD68A91-10FE-4222-92EE-13E57FCE63AB}" sibTransId="{F302BB99-5295-4C20-AAD3-F458A086B84E}"/>
+    <dgm:cxn modelId="{D429EBFF-B971-4B7A-BCC1-D23FF7DC2326}" type="presOf" srcId="{7979330E-D5D4-4A4A-8516-5E820A4F947E}" destId="{88E9A28C-7D5F-42DB-AF86-68098B6C6099}" srcOrd="0" destOrd="0" presId="urn:microsoft.com/office/officeart/2005/8/layout/orgChart1"/>
+    <dgm:cxn modelId="{7BAE2429-BF1A-4EE0-84F4-9DFE94AC6995}" type="presOf" srcId="{1695B8AE-F47A-40F1-A3F2-691EC3C5C9DD}" destId="{1FDC30F1-387E-4DB9-8503-8DE4AC0489F0}" srcOrd="0" destOrd="0" presId="urn:microsoft.com/office/officeart/2005/8/layout/orgChart1"/>
     <dgm:cxn modelId="{66A6A7FF-1430-433D-9C87-88797ED7A6D8}" type="presOf" srcId="{3B4C7DB4-D5BF-4797-8143-5B2EE5A93FA3}" destId="{86678178-EAD0-433A-B360-19818A42A0B9}" srcOrd="1" destOrd="0" presId="urn:microsoft.com/office/officeart/2005/8/layout/orgChart1"/>
-    <dgm:cxn modelId="{B95E98CB-627A-43F8-BABD-625AB4F24B84}" type="presOf" srcId="{B16D12D9-70C8-4FA3-94A4-5FCD0C6314D8}" destId="{535D0227-452F-4594-8F39-12D0C1149FB4}" srcOrd="1" destOrd="0" presId="urn:microsoft.com/office/officeart/2005/8/layout/orgChart1"/>
+    <dgm:cxn modelId="{5EAA0F02-322E-45B6-B8AD-F92D60F7691C}" type="presOf" srcId="{EE6960EE-FA4C-4892-AAFC-9BA1416C69B6}" destId="{F2A6A286-5031-4E4E-88A4-4B1B4D30917E}" srcOrd="0" destOrd="0" presId="urn:microsoft.com/office/officeart/2005/8/layout/orgChart1"/>
+    <dgm:cxn modelId="{FF3E37FF-1AC6-4F3E-A87D-9E0ED9593117}" type="presOf" srcId="{9017FBA4-D0F2-4D41-B83D-E6CF6C5445B3}" destId="{ACA96EDD-3CA6-4167-A11B-957E107A250E}" srcOrd="0" destOrd="0" presId="urn:microsoft.com/office/officeart/2005/8/layout/orgChart1"/>
+    <dgm:cxn modelId="{E66952FA-5155-417F-BB76-FB02A9C08676}" type="presOf" srcId="{1F0214E2-8F2B-4FC2-9C09-2EC8D18854A1}" destId="{D5306EEC-79F4-4003-82E3-A11E6B2AB031}" srcOrd="0" destOrd="0" presId="urn:microsoft.com/office/officeart/2005/8/layout/orgChart1"/>
+    <dgm:cxn modelId="{CC7AFE17-FDDE-4BCB-AF5D-8DA6021C6A77}" type="presOf" srcId="{D2C9D5AA-95B1-46B9-B353-2365975D3EEF}" destId="{D0CC252B-A416-49BC-BDD3-B3B11793EB57}" srcOrd="1" destOrd="0" presId="urn:microsoft.com/office/officeart/2005/8/layout/orgChart1"/>
     <dgm:cxn modelId="{9E555A53-64F2-4775-ADE5-11DF1C3F4C12}" type="presOf" srcId="{C9FDA09F-4D0F-44D6-995C-D46D1E859300}" destId="{8F30FBC8-D80D-42A6-BB4B-72A945E2212D}" srcOrd="0" destOrd="0" presId="urn:microsoft.com/office/officeart/2005/8/layout/orgChart1"/>
-    <dgm:cxn modelId="{3851B1CC-9D6A-4912-9A1F-43D9EF8D3EA4}" type="presOf" srcId="{C330D18D-477B-4F4C-A084-52BC2E257722}" destId="{7B059F1C-2A77-45CC-B8BA-795A28DAEB50}" srcOrd="0" destOrd="0" presId="urn:microsoft.com/office/officeart/2005/8/layout/orgChart1"/>
+    <dgm:cxn modelId="{0A1DD8C3-8AC4-41BC-A086-50535B5B2A8C}" type="presOf" srcId="{1695B8AE-F47A-40F1-A3F2-691EC3C5C9DD}" destId="{8C06F057-B079-47C7-9295-C4614CF74D64}" srcOrd="1" destOrd="0" presId="urn:microsoft.com/office/officeart/2005/8/layout/orgChart1"/>
+    <dgm:cxn modelId="{3BF6536E-D29A-4BF0-B985-DA1ECA056E27}" type="presOf" srcId="{7979330E-D5D4-4A4A-8516-5E820A4F947E}" destId="{E6260200-7DC6-4A85-8E57-006D1C292FF4}" srcOrd="1" destOrd="0" presId="urn:microsoft.com/office/officeart/2005/8/layout/orgChart1"/>
+    <dgm:cxn modelId="{55CBB418-8F0A-42F3-8289-6AD37D6F0B55}" type="presOf" srcId="{67FAC17F-112D-4DE1-87A6-FAEFBF0C05C8}" destId="{1CA50B8E-5051-4B05-BD18-73373B9C07E4}" srcOrd="0" destOrd="0" presId="urn:microsoft.com/office/officeart/2005/8/layout/orgChart1"/>
+    <dgm:cxn modelId="{13FE1BEE-8950-425C-A617-4296F1A2685D}" type="presOf" srcId="{D9C7C2CA-434E-49B5-A1E5-E6001E59A43F}" destId="{CA327F2C-556C-4D98-80C1-A657A2ECFCBF}" srcOrd="1" destOrd="0" presId="urn:microsoft.com/office/officeart/2005/8/layout/orgChart1"/>
     <dgm:cxn modelId="{CE3E13B5-2284-46AB-A736-18D99F1DDD2A}" srcId="{EE6960EE-FA4C-4892-AAFC-9BA1416C69B6}" destId="{C435BF3D-3F50-4781-911F-1403A325BDAF}" srcOrd="1" destOrd="0" parTransId="{9D2C36C9-572B-4D13-A39F-1155445FD442}" sibTransId="{05D8FB53-F9E3-4EDF-98D0-39C4240FA4DC}"/>
-    <dgm:cxn modelId="{D9B99C44-FC8D-4137-A241-4507153DCEDD}" type="presOf" srcId="{B49E01E3-7CF0-4A02-977A-75AF04B690A5}" destId="{9217255E-81B6-43C1-8C48-572EEF1DDACE}" srcOrd="1" destOrd="0" presId="urn:microsoft.com/office/officeart/2005/8/layout/orgChart1"/>
-    <dgm:cxn modelId="{7505296E-DDC7-4DF5-B696-B42D73614840}" type="presOf" srcId="{EE6960EE-FA4C-4892-AAFC-9BA1416C69B6}" destId="{8135DA40-52DC-4B8F-84A3-B0975FF99609}" srcOrd="1" destOrd="0" presId="urn:microsoft.com/office/officeart/2005/8/layout/orgChart1"/>
+    <dgm:cxn modelId="{E5984B82-7620-406A-908B-5EE2C23C9D69}" type="presOf" srcId="{C435BF3D-3F50-4781-911F-1403A325BDAF}" destId="{AE0F7EC3-81E9-4CFB-A882-9E51998501C7}" srcOrd="1" destOrd="0" presId="urn:microsoft.com/office/officeart/2005/8/layout/orgChart1"/>
+    <dgm:cxn modelId="{1171F323-973A-4201-850D-C960FBAB36B3}" type="presOf" srcId="{33A55FD1-C916-43B2-A6E5-649031493C92}" destId="{6A5CFB99-A6C1-4AF7-8BE3-612ED22C908D}" srcOrd="1" destOrd="0" presId="urn:microsoft.com/office/officeart/2005/8/layout/orgChart1"/>
+    <dgm:cxn modelId="{CAE1B8D3-2E85-499C-93E1-A0DC6EBB5722}" type="presOf" srcId="{9C5F8BBA-795F-4B0B-AB83-3DC27CE2B835}" destId="{5B856F03-06B7-41D7-90A4-34E0B8767D59}" srcOrd="1" destOrd="0" presId="urn:microsoft.com/office/officeart/2005/8/layout/orgChart1"/>
     <dgm:cxn modelId="{4D5EA6BA-0F03-490B-803D-1F22AA47E8D7}" srcId="{BC679AAB-B4EF-431E-97D6-04B868D47101}" destId="{3716FBD4-3C5F-4D6C-94F0-71A031BDD296}" srcOrd="4" destOrd="0" parTransId="{E09CAA5C-462A-46B3-86FE-53B262FD9C67}" sibTransId="{F26809A2-EC37-430F-AB2C-D4F965425CE4}"/>
+    <dgm:cxn modelId="{0728366D-7377-4F98-AB45-E43C6F430427}" type="presOf" srcId="{55F33DDB-F3FE-49EF-9E6E-D918B5B59CEC}" destId="{B7301427-B76D-4A92-BE88-2ADB332D4263}" srcOrd="0" destOrd="0" presId="urn:microsoft.com/office/officeart/2005/8/layout/orgChart1"/>
+    <dgm:cxn modelId="{2565436C-330A-4E93-9C5D-525B2D540D78}" type="presOf" srcId="{9F878B2F-24E6-454F-977A-16EAB2A26CF1}" destId="{38120314-31DC-478F-8C57-EBAFAA562BAB}" srcOrd="0" destOrd="0" presId="urn:microsoft.com/office/officeart/2005/8/layout/orgChart1"/>
+    <dgm:cxn modelId="{4C1A9132-D9D5-46CB-A4FC-33620DF32398}" type="presOf" srcId="{9C5F8BBA-795F-4B0B-AB83-3DC27CE2B835}" destId="{5484E96B-9D16-4DB0-8F1D-242C4DA2623A}" srcOrd="0" destOrd="0" presId="urn:microsoft.com/office/officeart/2005/8/layout/orgChart1"/>
     <dgm:cxn modelId="{C27B00CD-CF9E-4FFE-9BBE-E3E61D43ED3A}" type="presOf" srcId="{2DD68A91-10FE-4222-92EE-13E57FCE63AB}" destId="{77393199-4630-4A5C-A719-115C0DC9B8D9}" srcOrd="0" destOrd="0" presId="urn:microsoft.com/office/officeart/2005/8/layout/orgChart1"/>
-    <dgm:cxn modelId="{3865FE25-905C-4E31-AAFF-557444229F7A}" type="presOf" srcId="{6C08CD29-9B4F-4608-824F-45B3CB8FF9FB}" destId="{658B4E26-1420-462B-995F-19C8E2CC3357}" srcOrd="0" destOrd="0" presId="urn:microsoft.com/office/officeart/2005/8/layout/orgChart1"/>
-    <dgm:cxn modelId="{B6C41BC2-EB0C-44C6-BB68-06A3E96D7ACE}" type="presOf" srcId="{88A99C8B-61A9-4BA5-B059-B232DE710ABC}" destId="{382C2874-AC17-4C6C-AF45-9743FCBC0C75}" srcOrd="0" destOrd="0" presId="urn:microsoft.com/office/officeart/2005/8/layout/orgChart1"/>
-    <dgm:cxn modelId="{C7EE4685-8913-47C9-ACE0-DBE18C380678}" type="presOf" srcId="{B156CFBF-8FB9-4C28-93CE-3580C2B16D4E}" destId="{F4D3BADB-F675-4F0D-AC78-77D2F55085CE}" srcOrd="0" destOrd="0" presId="urn:microsoft.com/office/officeart/2005/8/layout/orgChart1"/>
-    <dgm:cxn modelId="{84C30B18-59F4-41E2-A044-F20BF5359F52}" type="presOf" srcId="{C8B9830C-6D70-4FCD-ACA0-417D261B7E99}" destId="{4A96A4EA-CDD2-468D-8CF1-E8DCEA727108}" srcOrd="0" destOrd="0" presId="urn:microsoft.com/office/officeart/2005/8/layout/orgChart1"/>
+    <dgm:cxn modelId="{0CC35F8D-5043-4D07-94CD-9CA821CCEDF8}" type="presOf" srcId="{B16D12D9-70C8-4FA3-94A4-5FCD0C6314D8}" destId="{535D0227-452F-4594-8F39-12D0C1149FB4}" srcOrd="1" destOrd="0" presId="urn:microsoft.com/office/officeart/2005/8/layout/orgChart1"/>
+    <dgm:cxn modelId="{4B96A610-AF8E-4882-8A68-3835388F1870}" type="presOf" srcId="{C330D18D-477B-4F4C-A084-52BC2E257722}" destId="{7B059F1C-2A77-45CC-B8BA-795A28DAEB50}" srcOrd="0" destOrd="0" presId="urn:microsoft.com/office/officeart/2005/8/layout/orgChart1"/>
     <dgm:cxn modelId="{5E2DE12A-506E-4A33-AC44-9C06E9D0D258}" type="presOf" srcId="{8410C6A1-C0F5-4CA5-A1A1-5F41CEB57DD4}" destId="{C9EA0331-E1A5-4161-AED6-4013BA0E2278}" srcOrd="0" destOrd="0" presId="urn:microsoft.com/office/officeart/2005/8/layout/orgChart1"/>
+    <dgm:cxn modelId="{3F89FEEF-7463-4245-BD51-EA9D6EE2E091}" type="presOf" srcId="{176874B7-EEC5-4EBE-A759-BD1DAEC8B4AE}" destId="{2F5BB800-7A86-49A9-B404-D8FD24275A24}" srcOrd="0" destOrd="0" presId="urn:microsoft.com/office/officeart/2005/8/layout/orgChart1"/>
     <dgm:cxn modelId="{46EE5A8A-A40A-4033-98C7-1C720B74366E}" type="presOf" srcId="{1B4F5134-75F2-40BF-9FE6-09D1BDE96C4F}" destId="{429AA90F-03C1-41A5-9E95-EB63D2C5E337}" srcOrd="0" destOrd="0" presId="urn:microsoft.com/office/officeart/2005/8/layout/orgChart1"/>
     <dgm:cxn modelId="{0BBEC4A7-E8A9-4CCE-9338-B462E7EAA05F}" type="presOf" srcId="{30D72F0B-8627-4509-BD07-206D93348A6D}" destId="{357217D7-E997-4DC1-9529-B7B2E839F24F}" srcOrd="0" destOrd="0" presId="urn:microsoft.com/office/officeart/2005/8/layout/orgChart1"/>
-    <dgm:cxn modelId="{A8E6ADC5-AE8F-4AB1-B0F8-990A58F37BE0}" type="presOf" srcId="{9D2C36C9-572B-4D13-A39F-1155445FD442}" destId="{F601E592-7A11-4289-A717-589F96F0E7C1}" srcOrd="0" destOrd="0" presId="urn:microsoft.com/office/officeart/2005/8/layout/orgChart1"/>
-    <dgm:cxn modelId="{4F44D62C-B29E-4EB1-A246-9701D3AB7288}" type="presOf" srcId="{D2C9D5AA-95B1-46B9-B353-2365975D3EEF}" destId="{D0CC252B-A416-49BC-BDD3-B3B11793EB57}" srcOrd="1" destOrd="0" presId="urn:microsoft.com/office/officeart/2005/8/layout/orgChart1"/>
-    <dgm:cxn modelId="{C6C3E78D-AAB2-4A04-98C8-956A24ECF016}" type="presOf" srcId="{C08534DF-810C-4C4A-A162-CBC854E24ADC}" destId="{25206967-D74C-4BE5-BB8F-CC411DC4D379}" srcOrd="1" destOrd="0" presId="urn:microsoft.com/office/officeart/2005/8/layout/orgChart1"/>
-    <dgm:cxn modelId="{6B0947E4-3C52-431D-B3A5-803B73992F60}" srcId="{3716FBD4-3C5F-4D6C-94F0-71A031BDD296}" destId="{55F33DDB-F3FE-49EF-9E6E-D918B5B59CEC}" srcOrd="2" destOrd="0" parTransId="{C330D18D-477B-4F4C-A084-52BC2E257722}" sibTransId="{F4A42AD6-1952-4546-8D3F-CD7E5AC16FFE}"/>
+    <dgm:cxn modelId="{FDD27683-E3FE-4C36-8818-3A7181DA7E7D}" type="presOf" srcId="{9CDF2204-DF35-4930-8BEC-6ED3226E8D4C}" destId="{CC0EFF5C-38AD-48E6-86A5-F01F47114886}" srcOrd="0" destOrd="0" presId="urn:microsoft.com/office/officeart/2005/8/layout/orgChart1"/>
+    <dgm:cxn modelId="{E4FA17AA-3E32-4DB3-8828-C3DB865BAF0F}" type="presOf" srcId="{FBE49655-A8B8-4017-BD93-97827E67D2C2}" destId="{A3A6F7C8-397C-4BEE-8F83-883196A60EF1}" srcOrd="0" destOrd="0" presId="urn:microsoft.com/office/officeart/2005/8/layout/orgChart1"/>
+    <dgm:cxn modelId="{6B0947E4-3C52-431D-B3A5-803B73992F60}" srcId="{3716FBD4-3C5F-4D6C-94F0-71A031BDD296}" destId="{55F33DDB-F3FE-49EF-9E6E-D918B5B59CEC}" srcOrd="3" destOrd="0" parTransId="{C330D18D-477B-4F4C-A084-52BC2E257722}" sibTransId="{F4A42AD6-1952-4546-8D3F-CD7E5AC16FFE}"/>
+    <dgm:cxn modelId="{B147FE05-6489-4BC4-BEF1-0FFF84D7C26E}" type="presOf" srcId="{33A55FD1-C916-43B2-A6E5-649031493C92}" destId="{22202725-6EDB-40AA-853E-A71830DA2C87}" srcOrd="0" destOrd="0" presId="urn:microsoft.com/office/officeart/2005/8/layout/orgChart1"/>
+    <dgm:cxn modelId="{124EBF50-6999-464E-AA96-49107BB659C8}" type="presOf" srcId="{2E57C3C5-4903-445D-823A-42BE0737490C}" destId="{BB548C89-C98C-4DC4-8330-A28280CCED94}" srcOrd="0" destOrd="0" presId="urn:microsoft.com/office/officeart/2005/8/layout/orgChart1"/>
+    <dgm:cxn modelId="{3A1413B9-5776-464F-B650-37C31A741BD2}" type="presOf" srcId="{88A99C8B-61A9-4BA5-B059-B232DE710ABC}" destId="{382C2874-AC17-4C6C-AF45-9743FCBC0C75}" srcOrd="0" destOrd="0" presId="urn:microsoft.com/office/officeart/2005/8/layout/orgChart1"/>
     <dgm:cxn modelId="{78ABC1C8-BDB1-4F2A-BC62-6B2DCFA48B7D}" type="presOf" srcId="{591EFF60-65BB-4ADC-96AD-DB82D8960F90}" destId="{78D95E5D-F882-4706-914A-CD22C555EFDF}" srcOrd="0" destOrd="0" presId="urn:microsoft.com/office/officeart/2005/8/layout/orgChart1"/>
-    <dgm:cxn modelId="{6C4948F2-5956-41D7-83F3-40FB16CBAFBE}" srcId="{3716FBD4-3C5F-4D6C-94F0-71A031BDD296}" destId="{B16D12D9-70C8-4FA3-94A4-5FCD0C6314D8}" srcOrd="0" destOrd="0" parTransId="{176874B7-EEC5-4EBE-A759-BD1DAEC8B4AE}" sibTransId="{72454390-927E-44D9-BF65-DCE7297BECCF}"/>
+    <dgm:cxn modelId="{6C4948F2-5956-41D7-83F3-40FB16CBAFBE}" srcId="{3716FBD4-3C5F-4D6C-94F0-71A031BDD296}" destId="{B16D12D9-70C8-4FA3-94A4-5FCD0C6314D8}" srcOrd="1" destOrd="0" parTransId="{176874B7-EEC5-4EBE-A759-BD1DAEC8B4AE}" sibTransId="{72454390-927E-44D9-BF65-DCE7297BECCF}"/>
     <dgm:cxn modelId="{5345D4E4-DC5F-4B0A-A06E-9260AB7FA638}" srcId="{55F33DDB-F3FE-49EF-9E6E-D918B5B59CEC}" destId="{D2C9D5AA-95B1-46B9-B353-2365975D3EEF}" srcOrd="2" destOrd="0" parTransId="{B31B9A4B-16DB-4E49-93AD-6D53F6137659}" sibTransId="{D4DDAE1F-3E5C-48B3-82D7-B13E55842B3C}"/>
-    <dgm:cxn modelId="{D962E497-173A-4861-A89D-DA83ECBA770E}" type="presOf" srcId="{9F878B2F-24E6-454F-977A-16EAB2A26CF1}" destId="{38120314-31DC-478F-8C57-EBAFAA562BAB}" srcOrd="0" destOrd="0" presId="urn:microsoft.com/office/officeart/2005/8/layout/orgChart1"/>
-    <dgm:cxn modelId="{4EEA062F-4B6B-4813-B7ED-825E7591FD5D}" type="presOf" srcId="{9C5F8BBA-795F-4B0B-AB83-3DC27CE2B835}" destId="{5484E96B-9D16-4DB0-8F1D-242C4DA2623A}" srcOrd="0" destOrd="0" presId="urn:microsoft.com/office/officeart/2005/8/layout/orgChart1"/>
-    <dgm:cxn modelId="{85C6EB13-7213-4FE6-BB2E-11507A8DE578}" type="presOf" srcId="{D9C7C2CA-434E-49B5-A1E5-E6001E59A43F}" destId="{BDD7F359-A772-4273-A9B8-42DA708CB8D8}" srcOrd="0" destOrd="0" presId="urn:microsoft.com/office/officeart/2005/8/layout/orgChart1"/>
-    <dgm:cxn modelId="{DEC8AA31-D48F-478C-84D8-92DD4F70998B}" type="presOf" srcId="{55F33DDB-F3FE-49EF-9E6E-D918B5B59CEC}" destId="{B7301427-B76D-4A92-BE88-2ADB332D4263}" srcOrd="0" destOrd="0" presId="urn:microsoft.com/office/officeart/2005/8/layout/orgChart1"/>
-    <dgm:cxn modelId="{B1C490F0-1C76-4514-A92B-9A1605B1B773}" type="presOf" srcId="{1F0214E2-8F2B-4FC2-9C09-2EC8D18854A1}" destId="{84F84986-8C30-43FB-998C-2C108CE22EAC}" srcOrd="1" destOrd="0" presId="urn:microsoft.com/office/officeart/2005/8/layout/orgChart1"/>
+    <dgm:cxn modelId="{9DC98E56-CADB-41EE-B825-D7C01C9BCD68}" type="presOf" srcId="{D2C9D5AA-95B1-46B9-B353-2365975D3EEF}" destId="{2AB27E19-3434-4D1E-8B90-F342FC85AF8E}" srcOrd="0" destOrd="0" presId="urn:microsoft.com/office/officeart/2005/8/layout/orgChart1"/>
+    <dgm:cxn modelId="{E22CEE99-42B1-47AB-B6F5-DFC648A3D704}" type="presOf" srcId="{55F33DDB-F3FE-49EF-9E6E-D918B5B59CEC}" destId="{7F0DE215-8FC4-4A5E-8A91-2B3056656056}" srcOrd="1" destOrd="0" presId="urn:microsoft.com/office/officeart/2005/8/layout/orgChart1"/>
     <dgm:cxn modelId="{CB9870A7-F773-4D23-AFD8-41A07E24AFA6}" type="presOf" srcId="{451EFCF6-ED10-4C2F-B2C5-EB750C542AE0}" destId="{7637BC07-282D-4D14-9142-A0BB3442E843}" srcOrd="0" destOrd="0" presId="urn:microsoft.com/office/officeart/2005/8/layout/orgChart1"/>
+    <dgm:cxn modelId="{E1BDECC1-A23C-4796-ABD5-9DC2DD3BD694}" type="presOf" srcId="{3B4C7DB4-D5BF-4797-8143-5B2EE5A93FA3}" destId="{34815BF1-3058-43F4-AF44-7072D129B949}" srcOrd="0" destOrd="0" presId="urn:microsoft.com/office/officeart/2005/8/layout/orgChart1"/>
     <dgm:cxn modelId="{A96885E3-0A0E-4A0B-BFE0-B83B47A4677C}" srcId="{EE6960EE-FA4C-4892-AAFC-9BA1416C69B6}" destId="{9C5F8BBA-795F-4B0B-AB83-3DC27CE2B835}" srcOrd="2" destOrd="0" parTransId="{91BD2826-9564-4E68-A2DE-B95E59BD0ABA}" sibTransId="{9A4A6BD1-8EB8-4C9B-8E4D-2F2A43BE4CAE}"/>
-    <dgm:cxn modelId="{E1BDECC1-A23C-4796-ABD5-9DC2DD3BD694}" type="presOf" srcId="{3B4C7DB4-D5BF-4797-8143-5B2EE5A93FA3}" destId="{34815BF1-3058-43F4-AF44-7072D129B949}" srcOrd="0" destOrd="0" presId="urn:microsoft.com/office/officeart/2005/8/layout/orgChart1"/>
-    <dgm:cxn modelId="{4D69E061-ACD8-4309-B1FD-6C19BE1B53BC}" type="presOf" srcId="{33A55FD1-C916-43B2-A6E5-649031493C92}" destId="{22202725-6EDB-40AA-853E-A71830DA2C87}" srcOrd="0" destOrd="0" presId="urn:microsoft.com/office/officeart/2005/8/layout/orgChart1"/>
-    <dgm:cxn modelId="{F6B33006-3072-40F8-8CEE-DA7FA464787A}" type="presOf" srcId="{B16D12D9-70C8-4FA3-94A4-5FCD0C6314D8}" destId="{F9747D89-83FC-4FED-BC11-4F28DE71050F}" srcOrd="0" destOrd="0" presId="urn:microsoft.com/office/officeart/2005/8/layout/orgChart1"/>
-    <dgm:cxn modelId="{27366497-07F3-4C69-8EE0-6917E119854B}" type="presOf" srcId="{529E795D-9641-46EB-A1F9-4C395C9DD8E7}" destId="{F0DA768B-60EE-4EA6-92BA-3A73EC52CB7C}" srcOrd="0" destOrd="0" presId="urn:microsoft.com/office/officeart/2005/8/layout/orgChart1"/>
+    <dgm:cxn modelId="{F0DD0928-8309-43E7-8212-90A2EA14547C}" type="presOf" srcId="{D9C7C2CA-434E-49B5-A1E5-E6001E59A43F}" destId="{BDD7F359-A772-4273-A9B8-42DA708CB8D8}" srcOrd="0" destOrd="0" presId="urn:microsoft.com/office/officeart/2005/8/layout/orgChart1"/>
     <dgm:cxn modelId="{AA8ABE5A-B3C5-436F-8929-052D88B81B44}" type="presOf" srcId="{C9FDA09F-4D0F-44D6-995C-D46D1E859300}" destId="{0A3590E3-E4B7-4C71-9644-4DD31CBD934B}" srcOrd="1" destOrd="0" presId="urn:microsoft.com/office/officeart/2005/8/layout/orgChart1"/>
+    <dgm:cxn modelId="{738F7AFA-E50E-4CA5-8C10-F893CCBD6641}" srcId="{3716FBD4-3C5F-4D6C-94F0-71A031BDD296}" destId="{7979330E-D5D4-4A4A-8516-5E820A4F947E}" srcOrd="0" destOrd="0" parTransId="{9017FBA4-D0F2-4D41-B83D-E6CF6C5445B3}" sibTransId="{ABF74151-6FFD-42BB-81AC-1D7F1421F6C5}"/>
     <dgm:cxn modelId="{2E074ED4-C901-4B12-85A3-6DC1F67AA91C}" type="presOf" srcId="{E09CAA5C-462A-46B3-86FE-53B262FD9C67}" destId="{6FAFB9AE-8928-4169-893F-33077E1764D7}" srcOrd="0" destOrd="0" presId="urn:microsoft.com/office/officeart/2005/8/layout/orgChart1"/>
-    <dgm:cxn modelId="{52312A0C-79C2-4D54-8FD0-79126945025D}" type="presOf" srcId="{D9C7C2CA-434E-49B5-A1E5-E6001E59A43F}" destId="{CA327F2C-556C-4D98-80C1-A657A2ECFCBF}" srcOrd="1" destOrd="0" presId="urn:microsoft.com/office/officeart/2005/8/layout/orgChart1"/>
     <dgm:cxn modelId="{F7B92415-8EA8-432D-8781-6457A4DA8728}" type="presParOf" srcId="{357217D7-E997-4DC1-9529-B7B2E839F24F}" destId="{6C4A2A22-5130-46D4-B092-209F5E6DDA59}" srcOrd="0" destOrd="0" presId="urn:microsoft.com/office/officeart/2005/8/layout/orgChart1"/>
     <dgm:cxn modelId="{38BBF95D-F95E-46EC-8DAE-C266FA5614F2}" type="presParOf" srcId="{6C4A2A22-5130-46D4-B092-209F5E6DDA59}" destId="{19D831CB-458C-47D6-8D9C-3FE9F674AFC8}" srcOrd="0" destOrd="0" presId="urn:microsoft.com/office/officeart/2005/8/layout/orgChart1"/>
     <dgm:cxn modelId="{FDF0875E-95DC-4C59-8E00-30DAD4B544F1}" type="presParOf" srcId="{19D831CB-458C-47D6-8D9C-3FE9F674AFC8}" destId="{2F22C519-FE96-4D2C-9E49-C86A0F2C0CCC}" srcOrd="0" destOrd="0" presId="urn:microsoft.com/office/officeart/2005/8/layout/orgChart1"/>
@@ -3720,118 +3817,125 @@
     <dgm:cxn modelId="{4DEADD17-898D-4E08-B3FB-958F9000915F}" type="presParOf" srcId="{34E1EF08-9BBC-4C74-9CE2-C989C2BC6790}" destId="{B4362041-D265-4273-BBF3-BBDD1CC8F357}" srcOrd="0" destOrd="0" presId="urn:microsoft.com/office/officeart/2005/8/layout/orgChart1"/>
     <dgm:cxn modelId="{E52A3083-D566-4A69-BA95-86E461F5A74B}" type="presParOf" srcId="{34E1EF08-9BBC-4C74-9CE2-C989C2BC6790}" destId="{80D767F4-FF62-4CA2-94D9-6E4015EDBFA2}" srcOrd="1" destOrd="0" presId="urn:microsoft.com/office/officeart/2005/8/layout/orgChart1"/>
     <dgm:cxn modelId="{8CDAA3BF-E0C9-4CA1-A5C0-54C4F03021FB}" type="presParOf" srcId="{1A0CB7B4-33CB-4F16-A86D-5B89D85768BF}" destId="{A55062B0-9FD3-43CC-B5BC-0B8DEFEA703B}" srcOrd="1" destOrd="0" presId="urn:microsoft.com/office/officeart/2005/8/layout/orgChart1"/>
-    <dgm:cxn modelId="{29528F6A-CFFE-45A6-A8F4-C06D86090514}" type="presParOf" srcId="{A55062B0-9FD3-43CC-B5BC-0B8DEFEA703B}" destId="{2F5BB800-7A86-49A9-B404-D8FD24275A24}" srcOrd="0" destOrd="0" presId="urn:microsoft.com/office/officeart/2005/8/layout/orgChart1"/>
-    <dgm:cxn modelId="{A0CB0EE3-A89D-462D-8652-BB13B708F874}" type="presParOf" srcId="{A55062B0-9FD3-43CC-B5BC-0B8DEFEA703B}" destId="{D7003E84-33E0-4E0A-AD4E-D97A446E8784}" srcOrd="1" destOrd="0" presId="urn:microsoft.com/office/officeart/2005/8/layout/orgChart1"/>
-    <dgm:cxn modelId="{638F3338-BA33-4DD3-A1B0-8FF59F511C09}" type="presParOf" srcId="{D7003E84-33E0-4E0A-AD4E-D97A446E8784}" destId="{114C9BE5-DF29-446B-AE89-E4D1C6F85EA4}" srcOrd="0" destOrd="0" presId="urn:microsoft.com/office/officeart/2005/8/layout/orgChart1"/>
-    <dgm:cxn modelId="{D49C2C98-342C-4856-A9E3-9E309EC8EA35}" type="presParOf" srcId="{114C9BE5-DF29-446B-AE89-E4D1C6F85EA4}" destId="{F9747D89-83FC-4FED-BC11-4F28DE71050F}" srcOrd="0" destOrd="0" presId="urn:microsoft.com/office/officeart/2005/8/layout/orgChart1"/>
-    <dgm:cxn modelId="{BD044C9A-F106-4054-9AB4-F21D7DBF755F}" type="presParOf" srcId="{114C9BE5-DF29-446B-AE89-E4D1C6F85EA4}" destId="{535D0227-452F-4594-8F39-12D0C1149FB4}" srcOrd="1" destOrd="0" presId="urn:microsoft.com/office/officeart/2005/8/layout/orgChart1"/>
-    <dgm:cxn modelId="{C52569EB-B524-4F44-9039-5F022339F868}" type="presParOf" srcId="{D7003E84-33E0-4E0A-AD4E-D97A446E8784}" destId="{1F59AF9A-F228-4F10-B8A9-F473F8F19EA6}" srcOrd="1" destOrd="0" presId="urn:microsoft.com/office/officeart/2005/8/layout/orgChart1"/>
-    <dgm:cxn modelId="{DB61E992-B9CE-46F6-BD22-B6EBF55F8C61}" type="presParOf" srcId="{1F59AF9A-F228-4F10-B8A9-F473F8F19EA6}" destId="{A3A6F7C8-397C-4BEE-8F83-883196A60EF1}" srcOrd="0" destOrd="0" presId="urn:microsoft.com/office/officeart/2005/8/layout/orgChart1"/>
-    <dgm:cxn modelId="{1D23D297-7E4A-4D41-B1AE-00E98E9E33BB}" type="presParOf" srcId="{1F59AF9A-F228-4F10-B8A9-F473F8F19EA6}" destId="{34F17463-477D-49C5-8519-41F6C9C76D5B}" srcOrd="1" destOrd="0" presId="urn:microsoft.com/office/officeart/2005/8/layout/orgChart1"/>
-    <dgm:cxn modelId="{90AE9C2A-08DB-49FA-96A9-A417CD1E9D49}" type="presParOf" srcId="{34F17463-477D-49C5-8519-41F6C9C76D5B}" destId="{12D2E28F-1552-446A-B1D4-752436C90C03}" srcOrd="0" destOrd="0" presId="urn:microsoft.com/office/officeart/2005/8/layout/orgChart1"/>
-    <dgm:cxn modelId="{B82738CE-113B-4A1A-A010-F0B7AEEA433F}" type="presParOf" srcId="{12D2E28F-1552-446A-B1D4-752436C90C03}" destId="{BDD7F359-A772-4273-A9B8-42DA708CB8D8}" srcOrd="0" destOrd="0" presId="urn:microsoft.com/office/officeart/2005/8/layout/orgChart1"/>
-    <dgm:cxn modelId="{135D1B2A-3C5F-4AB0-8078-51C3CE5EEA67}" type="presParOf" srcId="{12D2E28F-1552-446A-B1D4-752436C90C03}" destId="{CA327F2C-556C-4D98-80C1-A657A2ECFCBF}" srcOrd="1" destOrd="0" presId="urn:microsoft.com/office/officeart/2005/8/layout/orgChart1"/>
-    <dgm:cxn modelId="{062CE139-D506-4D36-A08F-D98CF417AC6B}" type="presParOf" srcId="{34F17463-477D-49C5-8519-41F6C9C76D5B}" destId="{7D58D658-1EF8-420F-945B-FBCD7B329600}" srcOrd="1" destOrd="0" presId="urn:microsoft.com/office/officeart/2005/8/layout/orgChart1"/>
-    <dgm:cxn modelId="{5E3B0AF0-E0E2-4188-B157-32B8AE2B93EE}" type="presParOf" srcId="{34F17463-477D-49C5-8519-41F6C9C76D5B}" destId="{FA1E003D-60FB-422F-A787-9C8CD821BD15}" srcOrd="2" destOrd="0" presId="urn:microsoft.com/office/officeart/2005/8/layout/orgChart1"/>
-    <dgm:cxn modelId="{945B1743-5DE2-4B76-B6AE-BBCE87680598}" type="presParOf" srcId="{D7003E84-33E0-4E0A-AD4E-D97A446E8784}" destId="{B896A797-0970-48B3-B80F-BF9911397FDE}" srcOrd="2" destOrd="0" presId="urn:microsoft.com/office/officeart/2005/8/layout/orgChart1"/>
-    <dgm:cxn modelId="{E45489B9-A444-40FC-9F85-64225F878F9C}" type="presParOf" srcId="{A55062B0-9FD3-43CC-B5BC-0B8DEFEA703B}" destId="{4A96A4EA-CDD2-468D-8CF1-E8DCEA727108}" srcOrd="2" destOrd="0" presId="urn:microsoft.com/office/officeart/2005/8/layout/orgChart1"/>
-    <dgm:cxn modelId="{CFCD758E-2C10-455F-8583-60CCB0A1C09C}" type="presParOf" srcId="{A55062B0-9FD3-43CC-B5BC-0B8DEFEA703B}" destId="{81B23CA5-982B-4230-8E5C-4103EB66F1C7}" srcOrd="3" destOrd="0" presId="urn:microsoft.com/office/officeart/2005/8/layout/orgChart1"/>
-    <dgm:cxn modelId="{3445F4E4-D1FF-4833-9B96-683B7D3EA242}" type="presParOf" srcId="{81B23CA5-982B-4230-8E5C-4103EB66F1C7}" destId="{DCC1ED4D-ACAF-4302-B453-DA3DB81563DC}" srcOrd="0" destOrd="0" presId="urn:microsoft.com/office/officeart/2005/8/layout/orgChart1"/>
-    <dgm:cxn modelId="{302D39BA-41DC-4D60-968C-ABBD68A5EA96}" type="presParOf" srcId="{DCC1ED4D-ACAF-4302-B453-DA3DB81563DC}" destId="{CC0EFF5C-38AD-48E6-86A5-F01F47114886}" srcOrd="0" destOrd="0" presId="urn:microsoft.com/office/officeart/2005/8/layout/orgChart1"/>
-    <dgm:cxn modelId="{D12DB11C-39E0-40AB-939C-78E4E773A705}" type="presParOf" srcId="{DCC1ED4D-ACAF-4302-B453-DA3DB81563DC}" destId="{AF23D5C4-3B99-458B-818A-9ACD1707FC6E}" srcOrd="1" destOrd="0" presId="urn:microsoft.com/office/officeart/2005/8/layout/orgChart1"/>
-    <dgm:cxn modelId="{47647A03-B9E6-4890-8354-A29720DA6C13}" type="presParOf" srcId="{81B23CA5-982B-4230-8E5C-4103EB66F1C7}" destId="{B7CDDF09-3908-499C-AD53-03784217AD7A}" srcOrd="1" destOrd="0" presId="urn:microsoft.com/office/officeart/2005/8/layout/orgChart1"/>
-    <dgm:cxn modelId="{91185291-37AD-4A5B-A0C9-9C713E088E5A}" type="presParOf" srcId="{B7CDDF09-3908-499C-AD53-03784217AD7A}" destId="{3696C109-D2B8-4DDF-B71D-63D26E08D8BF}" srcOrd="0" destOrd="0" presId="urn:microsoft.com/office/officeart/2005/8/layout/orgChart1"/>
-    <dgm:cxn modelId="{5C2F7FF8-B882-4EEB-B28F-F37DFDBF7DAC}" type="presParOf" srcId="{B7CDDF09-3908-499C-AD53-03784217AD7A}" destId="{CC34AD6A-A0BC-4603-B682-5437D931C83F}" srcOrd="1" destOrd="0" presId="urn:microsoft.com/office/officeart/2005/8/layout/orgChart1"/>
-    <dgm:cxn modelId="{C17EF3BF-8D0D-4AD7-9F9F-C22F4FBA6A63}" type="presParOf" srcId="{CC34AD6A-A0BC-4603-B682-5437D931C83F}" destId="{6DC41E98-F9D2-475A-8053-D3F523D571AF}" srcOrd="0" destOrd="0" presId="urn:microsoft.com/office/officeart/2005/8/layout/orgChart1"/>
-    <dgm:cxn modelId="{85BFE796-1957-435B-B303-FFD47D62D285}" type="presParOf" srcId="{6DC41E98-F9D2-475A-8053-D3F523D571AF}" destId="{1FDC30F1-387E-4DB9-8503-8DE4AC0489F0}" srcOrd="0" destOrd="0" presId="urn:microsoft.com/office/officeart/2005/8/layout/orgChart1"/>
-    <dgm:cxn modelId="{BB060A52-9B58-47AB-9D55-051961A89138}" type="presParOf" srcId="{6DC41E98-F9D2-475A-8053-D3F523D571AF}" destId="{8C06F057-B079-47C7-9295-C4614CF74D64}" srcOrd="1" destOrd="0" presId="urn:microsoft.com/office/officeart/2005/8/layout/orgChart1"/>
-    <dgm:cxn modelId="{115F422A-5A7F-44FC-8893-BE67EE4EFC75}" type="presParOf" srcId="{CC34AD6A-A0BC-4603-B682-5437D931C83F}" destId="{BEEDE547-E129-4351-9240-7F7A24C9BBB3}" srcOrd="1" destOrd="0" presId="urn:microsoft.com/office/officeart/2005/8/layout/orgChart1"/>
-    <dgm:cxn modelId="{B2015DDB-B8CB-4CA0-A644-C16FD13FB403}" type="presParOf" srcId="{CC34AD6A-A0BC-4603-B682-5437D931C83F}" destId="{B4D24DFD-DFA0-47B8-B280-90252E7C5C2B}" srcOrd="2" destOrd="0" presId="urn:microsoft.com/office/officeart/2005/8/layout/orgChart1"/>
-    <dgm:cxn modelId="{D0B7291A-1312-4702-BBC1-2D81DAB499F8}" type="presParOf" srcId="{B7CDDF09-3908-499C-AD53-03784217AD7A}" destId="{64100A3E-937A-4304-B967-3B8B3D1B0D56}" srcOrd="2" destOrd="0" presId="urn:microsoft.com/office/officeart/2005/8/layout/orgChart1"/>
-    <dgm:cxn modelId="{F0867CCE-F0A9-4A89-86EC-6C9887D646E5}" type="presParOf" srcId="{B7CDDF09-3908-499C-AD53-03784217AD7A}" destId="{3641ACEC-0F63-4577-9A48-B0389FFA280F}" srcOrd="3" destOrd="0" presId="urn:microsoft.com/office/officeart/2005/8/layout/orgChart1"/>
-    <dgm:cxn modelId="{DDA33A63-5D19-467D-B991-8555B70A28F7}" type="presParOf" srcId="{3641ACEC-0F63-4577-9A48-B0389FFA280F}" destId="{C97EFCC2-535C-4A45-BBEE-430B29F26BB4}" srcOrd="0" destOrd="0" presId="urn:microsoft.com/office/officeart/2005/8/layout/orgChart1"/>
-    <dgm:cxn modelId="{64F18B26-23C9-4C65-AF3E-75E709D4CC3F}" type="presParOf" srcId="{C97EFCC2-535C-4A45-BBEE-430B29F26BB4}" destId="{1CA50B8E-5051-4B05-BD18-73373B9C07E4}" srcOrd="0" destOrd="0" presId="urn:microsoft.com/office/officeart/2005/8/layout/orgChart1"/>
-    <dgm:cxn modelId="{8B41C474-7324-4C94-8FF6-9A91C2485EDA}" type="presParOf" srcId="{C97EFCC2-535C-4A45-BBEE-430B29F26BB4}" destId="{018D4EAD-AEC9-4483-942A-187A631DE38F}" srcOrd="1" destOrd="0" presId="urn:microsoft.com/office/officeart/2005/8/layout/orgChart1"/>
-    <dgm:cxn modelId="{575C7ACA-11FD-4482-A2BF-8F539AE3FB9D}" type="presParOf" srcId="{3641ACEC-0F63-4577-9A48-B0389FFA280F}" destId="{25E7A0C7-FDD2-4ADB-A315-634D22BD886C}" srcOrd="1" destOrd="0" presId="urn:microsoft.com/office/officeart/2005/8/layout/orgChart1"/>
-    <dgm:cxn modelId="{E3ABB855-757A-4FC8-BEC6-ACD6F19D6261}" type="presParOf" srcId="{3641ACEC-0F63-4577-9A48-B0389FFA280F}" destId="{A4C2DCC6-0C85-4377-980D-202402FA7239}" srcOrd="2" destOrd="0" presId="urn:microsoft.com/office/officeart/2005/8/layout/orgChart1"/>
-    <dgm:cxn modelId="{73CFE3C5-F30D-4EAA-B48A-65104F610E51}" type="presParOf" srcId="{81B23CA5-982B-4230-8E5C-4103EB66F1C7}" destId="{45F16F36-3566-45C7-BBEF-1B0F9D602372}" srcOrd="2" destOrd="0" presId="urn:microsoft.com/office/officeart/2005/8/layout/orgChart1"/>
-    <dgm:cxn modelId="{9EBEE573-44F0-4BBF-894F-43BB36105AA7}" type="presParOf" srcId="{A55062B0-9FD3-43CC-B5BC-0B8DEFEA703B}" destId="{7B059F1C-2A77-45CC-B8BA-795A28DAEB50}" srcOrd="4" destOrd="0" presId="urn:microsoft.com/office/officeart/2005/8/layout/orgChart1"/>
-    <dgm:cxn modelId="{9267531C-78EB-4FE6-AAE4-95852CA814D3}" type="presParOf" srcId="{A55062B0-9FD3-43CC-B5BC-0B8DEFEA703B}" destId="{74EC8C06-B137-45E0-954B-83F6BA3AE99E}" srcOrd="5" destOrd="0" presId="urn:microsoft.com/office/officeart/2005/8/layout/orgChart1"/>
-    <dgm:cxn modelId="{D672ABA1-3B3D-4F00-AF27-B5967367BB51}" type="presParOf" srcId="{74EC8C06-B137-45E0-954B-83F6BA3AE99E}" destId="{C5BBFA1D-4DBE-404D-A27F-417239BF80D9}" srcOrd="0" destOrd="0" presId="urn:microsoft.com/office/officeart/2005/8/layout/orgChart1"/>
-    <dgm:cxn modelId="{B1F0ADFD-313D-4F43-ADD6-6197E93AF8BE}" type="presParOf" srcId="{C5BBFA1D-4DBE-404D-A27F-417239BF80D9}" destId="{B7301427-B76D-4A92-BE88-2ADB332D4263}" srcOrd="0" destOrd="0" presId="urn:microsoft.com/office/officeart/2005/8/layout/orgChart1"/>
-    <dgm:cxn modelId="{3D0A9EAD-53C8-4990-AB9E-E190E7AE9B34}" type="presParOf" srcId="{C5BBFA1D-4DBE-404D-A27F-417239BF80D9}" destId="{7F0DE215-8FC4-4A5E-8A91-2B3056656056}" srcOrd="1" destOrd="0" presId="urn:microsoft.com/office/officeart/2005/8/layout/orgChart1"/>
-    <dgm:cxn modelId="{110AA12E-D025-4DA8-A20F-13422EE1D3D7}" type="presParOf" srcId="{74EC8C06-B137-45E0-954B-83F6BA3AE99E}" destId="{26D001F6-360D-42E2-B061-954A40BB3043}" srcOrd="1" destOrd="0" presId="urn:microsoft.com/office/officeart/2005/8/layout/orgChart1"/>
-    <dgm:cxn modelId="{5CB05FEE-572A-432B-9484-F775A5E4B6D7}" type="presParOf" srcId="{26D001F6-360D-42E2-B061-954A40BB3043}" destId="{54504B6F-BACC-4F6A-A379-C64AE0971DA4}" srcOrd="0" destOrd="0" presId="urn:microsoft.com/office/officeart/2005/8/layout/orgChart1"/>
-    <dgm:cxn modelId="{EDB312B2-A49E-40DA-A43B-65EAB159C444}" type="presParOf" srcId="{26D001F6-360D-42E2-B061-954A40BB3043}" destId="{7F952B3A-DAFD-466C-9141-DD76AC8E98CE}" srcOrd="1" destOrd="0" presId="urn:microsoft.com/office/officeart/2005/8/layout/orgChart1"/>
-    <dgm:cxn modelId="{75477AE9-B11F-4295-9D6B-2B252CA91CD7}" type="presParOf" srcId="{7F952B3A-DAFD-466C-9141-DD76AC8E98CE}" destId="{13B9EF16-C78F-494F-9AA0-2D9F68A349D3}" srcOrd="0" destOrd="0" presId="urn:microsoft.com/office/officeart/2005/8/layout/orgChart1"/>
-    <dgm:cxn modelId="{E87E89A7-F35F-442B-BB7F-C0D9C634DB73}" type="presParOf" srcId="{13B9EF16-C78F-494F-9AA0-2D9F68A349D3}" destId="{81CAB74E-900C-44DA-A097-595FC72C39A4}" srcOrd="0" destOrd="0" presId="urn:microsoft.com/office/officeart/2005/8/layout/orgChart1"/>
-    <dgm:cxn modelId="{24889A5C-9475-406A-B300-DB8CCF2095C3}" type="presParOf" srcId="{13B9EF16-C78F-494F-9AA0-2D9F68A349D3}" destId="{25206967-D74C-4BE5-BB8F-CC411DC4D379}" srcOrd="1" destOrd="0" presId="urn:microsoft.com/office/officeart/2005/8/layout/orgChart1"/>
-    <dgm:cxn modelId="{F57D5A5C-52D9-4082-ACDD-18C279EC6396}" type="presParOf" srcId="{7F952B3A-DAFD-466C-9141-DD76AC8E98CE}" destId="{2F2621E2-035C-401F-BFA6-5416ECB1B600}" srcOrd="1" destOrd="0" presId="urn:microsoft.com/office/officeart/2005/8/layout/orgChart1"/>
-    <dgm:cxn modelId="{2B473A3E-7FF7-473F-941A-80CE920517BD}" type="presParOf" srcId="{7F952B3A-DAFD-466C-9141-DD76AC8E98CE}" destId="{F71065B9-7074-4C23-AEAF-0AF73F2D0ACB}" srcOrd="2" destOrd="0" presId="urn:microsoft.com/office/officeart/2005/8/layout/orgChart1"/>
-    <dgm:cxn modelId="{64129DBB-91D5-4289-AB38-F0EF2B9B955B}" type="presParOf" srcId="{26D001F6-360D-42E2-B061-954A40BB3043}" destId="{ED02F395-49D8-4077-9DE2-95636B94DCD8}" srcOrd="2" destOrd="0" presId="urn:microsoft.com/office/officeart/2005/8/layout/orgChart1"/>
-    <dgm:cxn modelId="{886C4F80-D6FA-4607-978C-A704157912A9}" type="presParOf" srcId="{26D001F6-360D-42E2-B061-954A40BB3043}" destId="{9841DF79-0E8B-48E7-B769-0C5346A95A3C}" srcOrd="3" destOrd="0" presId="urn:microsoft.com/office/officeart/2005/8/layout/orgChart1"/>
-    <dgm:cxn modelId="{87DC779F-2BDF-4BB8-88B4-7B5E92398FD0}" type="presParOf" srcId="{9841DF79-0E8B-48E7-B769-0C5346A95A3C}" destId="{65B935C4-C9C6-47F7-B938-0F50ACB64A35}" srcOrd="0" destOrd="0" presId="urn:microsoft.com/office/officeart/2005/8/layout/orgChart1"/>
-    <dgm:cxn modelId="{A6C55DF7-A6A3-4DBD-AD35-76DDDD2B6198}" type="presParOf" srcId="{65B935C4-C9C6-47F7-B938-0F50ACB64A35}" destId="{F2A6A286-5031-4E4E-88A4-4B1B4D30917E}" srcOrd="0" destOrd="0" presId="urn:microsoft.com/office/officeart/2005/8/layout/orgChart1"/>
-    <dgm:cxn modelId="{7187671A-8AE8-4BA5-9120-C3A18E4E389A}" type="presParOf" srcId="{65B935C4-C9C6-47F7-B938-0F50ACB64A35}" destId="{8135DA40-52DC-4B8F-84A3-B0975FF99609}" srcOrd="1" destOrd="0" presId="urn:microsoft.com/office/officeart/2005/8/layout/orgChart1"/>
-    <dgm:cxn modelId="{ECE292E9-4DB8-464C-9024-94C4D6C65D42}" type="presParOf" srcId="{9841DF79-0E8B-48E7-B769-0C5346A95A3C}" destId="{E068BD6F-17F7-4712-AB08-C1364B01F7DD}" srcOrd="1" destOrd="0" presId="urn:microsoft.com/office/officeart/2005/8/layout/orgChart1"/>
-    <dgm:cxn modelId="{3DECE567-8393-4E70-BF7F-8A0C7F44A49F}" type="presParOf" srcId="{E068BD6F-17F7-4712-AB08-C1364B01F7DD}" destId="{BB548C89-C98C-4DC4-8330-A28280CCED94}" srcOrd="0" destOrd="0" presId="urn:microsoft.com/office/officeart/2005/8/layout/orgChart1"/>
-    <dgm:cxn modelId="{DD70934B-E479-4547-9F37-9C4AAB326839}" type="presParOf" srcId="{E068BD6F-17F7-4712-AB08-C1364B01F7DD}" destId="{21BEE7E9-325D-44C5-A29C-16462E6A702E}" srcOrd="1" destOrd="0" presId="urn:microsoft.com/office/officeart/2005/8/layout/orgChart1"/>
-    <dgm:cxn modelId="{C181CF46-4AB1-47CF-9082-C6F76F4E83CB}" type="presParOf" srcId="{21BEE7E9-325D-44C5-A29C-16462E6A702E}" destId="{8BF8CF8F-2724-487A-A0B9-0FA426B5FBE0}" srcOrd="0" destOrd="0" presId="urn:microsoft.com/office/officeart/2005/8/layout/orgChart1"/>
-    <dgm:cxn modelId="{E9C52F72-FA18-4FEE-910B-48176741D49E}" type="presParOf" srcId="{8BF8CF8F-2724-487A-A0B9-0FA426B5FBE0}" destId="{197E904F-99D5-4CDD-9C91-07E78832DDD6}" srcOrd="0" destOrd="0" presId="urn:microsoft.com/office/officeart/2005/8/layout/orgChart1"/>
-    <dgm:cxn modelId="{2A8B72ED-A8E2-42F4-8CCB-B8ACDEF13579}" type="presParOf" srcId="{8BF8CF8F-2724-487A-A0B9-0FA426B5FBE0}" destId="{9217255E-81B6-43C1-8C48-572EEF1DDACE}" srcOrd="1" destOrd="0" presId="urn:microsoft.com/office/officeart/2005/8/layout/orgChart1"/>
-    <dgm:cxn modelId="{534B3D67-0226-4292-A073-699B1F7280F2}" type="presParOf" srcId="{21BEE7E9-325D-44C5-A29C-16462E6A702E}" destId="{EBB5A06D-6A39-413C-9DE5-41B31124FDC1}" srcOrd="1" destOrd="0" presId="urn:microsoft.com/office/officeart/2005/8/layout/orgChart1"/>
-    <dgm:cxn modelId="{EECBCDFC-9773-4F57-9796-2977CC2A615C}" type="presParOf" srcId="{21BEE7E9-325D-44C5-A29C-16462E6A702E}" destId="{59587DB9-C4A2-4F00-843D-DEE0DE036ACD}" srcOrd="2" destOrd="0" presId="urn:microsoft.com/office/officeart/2005/8/layout/orgChart1"/>
-    <dgm:cxn modelId="{5DB89DDA-8F85-4A25-96BA-1FF2E14E951E}" type="presParOf" srcId="{E068BD6F-17F7-4712-AB08-C1364B01F7DD}" destId="{F601E592-7A11-4289-A717-589F96F0E7C1}" srcOrd="2" destOrd="0" presId="urn:microsoft.com/office/officeart/2005/8/layout/orgChart1"/>
-    <dgm:cxn modelId="{ABE648AE-6081-408D-B554-AF6517932E8E}" type="presParOf" srcId="{E068BD6F-17F7-4712-AB08-C1364B01F7DD}" destId="{134E1854-3766-4817-93DA-4D94F56F3A65}" srcOrd="3" destOrd="0" presId="urn:microsoft.com/office/officeart/2005/8/layout/orgChart1"/>
-    <dgm:cxn modelId="{12AEEEB6-BA63-4431-AA32-682A6E541E5D}" type="presParOf" srcId="{134E1854-3766-4817-93DA-4D94F56F3A65}" destId="{D125C118-81CF-4341-9B5D-25BB188DD032}" srcOrd="0" destOrd="0" presId="urn:microsoft.com/office/officeart/2005/8/layout/orgChart1"/>
-    <dgm:cxn modelId="{1A984395-814A-4301-A8A4-04EF11A942D3}" type="presParOf" srcId="{D125C118-81CF-4341-9B5D-25BB188DD032}" destId="{502E229C-B5D4-494D-A93B-300A4CC6AA74}" srcOrd="0" destOrd="0" presId="urn:microsoft.com/office/officeart/2005/8/layout/orgChart1"/>
-    <dgm:cxn modelId="{471729B9-A602-4D32-8501-D26EDA73DF3E}" type="presParOf" srcId="{D125C118-81CF-4341-9B5D-25BB188DD032}" destId="{AE0F7EC3-81E9-4CFB-A882-9E51998501C7}" srcOrd="1" destOrd="0" presId="urn:microsoft.com/office/officeart/2005/8/layout/orgChart1"/>
-    <dgm:cxn modelId="{DE85D735-148A-4132-805B-959C3AD7358E}" type="presParOf" srcId="{134E1854-3766-4817-93DA-4D94F56F3A65}" destId="{D50DD254-23A6-4868-A391-5F43998EA32A}" srcOrd="1" destOrd="0" presId="urn:microsoft.com/office/officeart/2005/8/layout/orgChart1"/>
-    <dgm:cxn modelId="{A70E6616-CB8C-4D5C-A195-7362A180F7A3}" type="presParOf" srcId="{134E1854-3766-4817-93DA-4D94F56F3A65}" destId="{ED1DDAC8-7232-4885-9A76-3154A9CCEC4F}" srcOrd="2" destOrd="0" presId="urn:microsoft.com/office/officeart/2005/8/layout/orgChart1"/>
-    <dgm:cxn modelId="{9A46E4B9-8740-4EE3-ACB7-2EFAFDC96FAD}" type="presParOf" srcId="{E068BD6F-17F7-4712-AB08-C1364B01F7DD}" destId="{BEA9CC4C-6381-40BF-9897-F80C23F3E44E}" srcOrd="4" destOrd="0" presId="urn:microsoft.com/office/officeart/2005/8/layout/orgChart1"/>
-    <dgm:cxn modelId="{A8BCC203-1E6E-4D00-8768-A292FC410DF5}" type="presParOf" srcId="{E068BD6F-17F7-4712-AB08-C1364B01F7DD}" destId="{259CACC0-417F-46F5-BC7B-01F1CA654BF0}" srcOrd="5" destOrd="0" presId="urn:microsoft.com/office/officeart/2005/8/layout/orgChart1"/>
-    <dgm:cxn modelId="{CA1C6E24-99EF-4A7D-8CDD-01B196D5283F}" type="presParOf" srcId="{259CACC0-417F-46F5-BC7B-01F1CA654BF0}" destId="{5053F257-D9A3-43AE-8E29-78DBF1009618}" srcOrd="0" destOrd="0" presId="urn:microsoft.com/office/officeart/2005/8/layout/orgChart1"/>
-    <dgm:cxn modelId="{1FAAC3AF-800C-47E9-8CBA-02DADD55BABF}" type="presParOf" srcId="{5053F257-D9A3-43AE-8E29-78DBF1009618}" destId="{5484E96B-9D16-4DB0-8F1D-242C4DA2623A}" srcOrd="0" destOrd="0" presId="urn:microsoft.com/office/officeart/2005/8/layout/orgChart1"/>
-    <dgm:cxn modelId="{BC452D31-5090-49C3-A9D6-653C0365F1F4}" type="presParOf" srcId="{5053F257-D9A3-43AE-8E29-78DBF1009618}" destId="{5B856F03-06B7-41D7-90A4-34E0B8767D59}" srcOrd="1" destOrd="0" presId="urn:microsoft.com/office/officeart/2005/8/layout/orgChart1"/>
-    <dgm:cxn modelId="{F3D124C1-117C-4BDE-82E3-CFDDF7C00724}" type="presParOf" srcId="{259CACC0-417F-46F5-BC7B-01F1CA654BF0}" destId="{FA4C7E46-478B-44AF-9ED8-95D4F878B288}" srcOrd="1" destOrd="0" presId="urn:microsoft.com/office/officeart/2005/8/layout/orgChart1"/>
-    <dgm:cxn modelId="{65E81002-705F-44E6-B3EF-F7F914CFDCF4}" type="presParOf" srcId="{FA4C7E46-478B-44AF-9ED8-95D4F878B288}" destId="{C3E3873B-E45D-45B5-89AF-9B4493DD4BA4}" srcOrd="0" destOrd="0" presId="urn:microsoft.com/office/officeart/2005/8/layout/orgChart1"/>
-    <dgm:cxn modelId="{CB65CF44-453C-45E2-AF58-A7532F51894E}" type="presParOf" srcId="{FA4C7E46-478B-44AF-9ED8-95D4F878B288}" destId="{32278296-88F4-4B50-82BF-D48CBF6A789B}" srcOrd="1" destOrd="0" presId="urn:microsoft.com/office/officeart/2005/8/layout/orgChart1"/>
-    <dgm:cxn modelId="{00A80918-0D0A-4EA4-9C6C-61E6E4E8DCC8}" type="presParOf" srcId="{32278296-88F4-4B50-82BF-D48CBF6A789B}" destId="{80784CAB-ED58-425D-8D98-487E0023720B}" srcOrd="0" destOrd="0" presId="urn:microsoft.com/office/officeart/2005/8/layout/orgChart1"/>
-    <dgm:cxn modelId="{F8A83077-3DEE-41A7-91D4-623826AB6455}" type="presParOf" srcId="{80784CAB-ED58-425D-8D98-487E0023720B}" destId="{D5306EEC-79F4-4003-82E3-A11E6B2AB031}" srcOrd="0" destOrd="0" presId="urn:microsoft.com/office/officeart/2005/8/layout/orgChart1"/>
-    <dgm:cxn modelId="{DB8A174F-A69C-40BC-85AF-835355F0AE36}" type="presParOf" srcId="{80784CAB-ED58-425D-8D98-487E0023720B}" destId="{84F84986-8C30-43FB-998C-2C108CE22EAC}" srcOrd="1" destOrd="0" presId="urn:microsoft.com/office/officeart/2005/8/layout/orgChart1"/>
-    <dgm:cxn modelId="{F1A2B494-D846-4F16-9990-F51A370CC130}" type="presParOf" srcId="{32278296-88F4-4B50-82BF-D48CBF6A789B}" destId="{BA49C9FA-C6E3-4068-87A7-0BE6223974A2}" srcOrd="1" destOrd="0" presId="urn:microsoft.com/office/officeart/2005/8/layout/orgChart1"/>
-    <dgm:cxn modelId="{0BFC95E2-6045-41FB-9876-F669A8CC4AFE}" type="presParOf" srcId="{32278296-88F4-4B50-82BF-D48CBF6A789B}" destId="{FC82D9F5-178E-4F36-B11C-7FF58C3D700A}" srcOrd="2" destOrd="0" presId="urn:microsoft.com/office/officeart/2005/8/layout/orgChart1"/>
-    <dgm:cxn modelId="{1CA7B017-3F68-423D-8CDF-C8F2A4448EE2}" type="presParOf" srcId="{259CACC0-417F-46F5-BC7B-01F1CA654BF0}" destId="{D0F0F30A-D848-4F6F-8492-76DA19E76746}" srcOrd="2" destOrd="0" presId="urn:microsoft.com/office/officeart/2005/8/layout/orgChart1"/>
-    <dgm:cxn modelId="{C6717F7E-3DFC-4CA6-B429-BF9DAC9E40AA}" type="presParOf" srcId="{E068BD6F-17F7-4712-AB08-C1364B01F7DD}" destId="{38120314-31DC-478F-8C57-EBAFAA562BAB}" srcOrd="6" destOrd="0" presId="urn:microsoft.com/office/officeart/2005/8/layout/orgChart1"/>
-    <dgm:cxn modelId="{1CC8E128-C46E-47D6-8526-5D168DC35969}" type="presParOf" srcId="{E068BD6F-17F7-4712-AB08-C1364B01F7DD}" destId="{9AE62195-5338-42B7-A55D-2681B0632028}" srcOrd="7" destOrd="0" presId="urn:microsoft.com/office/officeart/2005/8/layout/orgChart1"/>
-    <dgm:cxn modelId="{3CD5EB41-95A9-47C8-B107-D52CEAE1D68D}" type="presParOf" srcId="{9AE62195-5338-42B7-A55D-2681B0632028}" destId="{1D28838B-F8F6-4502-BB68-66FB8F824C20}" srcOrd="0" destOrd="0" presId="urn:microsoft.com/office/officeart/2005/8/layout/orgChart1"/>
-    <dgm:cxn modelId="{5F7D734F-59C8-4ADC-8394-5687FBF5099A}" type="presParOf" srcId="{1D28838B-F8F6-4502-BB68-66FB8F824C20}" destId="{F4D3BADB-F675-4F0D-AC78-77D2F55085CE}" srcOrd="0" destOrd="0" presId="urn:microsoft.com/office/officeart/2005/8/layout/orgChart1"/>
-    <dgm:cxn modelId="{A7E2D97C-C534-4B1A-B9E2-55D22E2E050B}" type="presParOf" srcId="{1D28838B-F8F6-4502-BB68-66FB8F824C20}" destId="{770877B4-D7EA-4869-8F5D-8078F35418DA}" srcOrd="1" destOrd="0" presId="urn:microsoft.com/office/officeart/2005/8/layout/orgChart1"/>
-    <dgm:cxn modelId="{E51FF77A-20FC-47A4-BB3A-91808902354F}" type="presParOf" srcId="{9AE62195-5338-42B7-A55D-2681B0632028}" destId="{9D06B258-140C-4DB7-BA83-86D5580723A4}" srcOrd="1" destOrd="0" presId="urn:microsoft.com/office/officeart/2005/8/layout/orgChart1"/>
-    <dgm:cxn modelId="{CA502586-1FAD-4E73-A1C7-4860CC9128C3}" type="presParOf" srcId="{9D06B258-140C-4DB7-BA83-86D5580723A4}" destId="{658B4E26-1420-462B-995F-19C8E2CC3357}" srcOrd="0" destOrd="0" presId="urn:microsoft.com/office/officeart/2005/8/layout/orgChart1"/>
-    <dgm:cxn modelId="{6EF5A40B-4BE8-479C-9646-1861E6D8A6F9}" type="presParOf" srcId="{9D06B258-140C-4DB7-BA83-86D5580723A4}" destId="{367A1DC3-1D96-42E7-AC3F-3240CB684DA1}" srcOrd="1" destOrd="0" presId="urn:microsoft.com/office/officeart/2005/8/layout/orgChart1"/>
-    <dgm:cxn modelId="{C6893655-0B7E-4A33-AA1D-14607209AEBA}" type="presParOf" srcId="{367A1DC3-1D96-42E7-AC3F-3240CB684DA1}" destId="{FEE20894-16D5-4752-A4A0-49B11412380E}" srcOrd="0" destOrd="0" presId="urn:microsoft.com/office/officeart/2005/8/layout/orgChart1"/>
-    <dgm:cxn modelId="{32626399-32A9-4767-B137-2FF5EE3606A7}" type="presParOf" srcId="{FEE20894-16D5-4752-A4A0-49B11412380E}" destId="{22202725-6EDB-40AA-853E-A71830DA2C87}" srcOrd="0" destOrd="0" presId="urn:microsoft.com/office/officeart/2005/8/layout/orgChart1"/>
-    <dgm:cxn modelId="{19E015BC-4443-4FCA-A5C5-336DEAB21073}" type="presParOf" srcId="{FEE20894-16D5-4752-A4A0-49B11412380E}" destId="{6A5CFB99-A6C1-4AF7-8BE3-612ED22C908D}" srcOrd="1" destOrd="0" presId="urn:microsoft.com/office/officeart/2005/8/layout/orgChart1"/>
-    <dgm:cxn modelId="{9883ECFE-D5F8-4686-9EB5-2440378DAC7D}" type="presParOf" srcId="{367A1DC3-1D96-42E7-AC3F-3240CB684DA1}" destId="{4DA37158-5572-4E76-B2E1-46706B3B8CB8}" srcOrd="1" destOrd="0" presId="urn:microsoft.com/office/officeart/2005/8/layout/orgChart1"/>
-    <dgm:cxn modelId="{9BAB8F8D-E2E6-4894-9616-D3E79414FF43}" type="presParOf" srcId="{367A1DC3-1D96-42E7-AC3F-3240CB684DA1}" destId="{093E0B8D-2E5A-4CFC-982F-C2EA8F5B8B51}" srcOrd="2" destOrd="0" presId="urn:microsoft.com/office/officeart/2005/8/layout/orgChart1"/>
-    <dgm:cxn modelId="{9FBD3D5D-B60F-41DD-848E-4A4B7C289884}" type="presParOf" srcId="{9AE62195-5338-42B7-A55D-2681B0632028}" destId="{E14153A1-BE37-41E7-B87F-DC6C7787C886}" srcOrd="2" destOrd="0" presId="urn:microsoft.com/office/officeart/2005/8/layout/orgChart1"/>
-    <dgm:cxn modelId="{5B68D95D-232A-4478-A26B-B16DC225E6E3}" type="presParOf" srcId="{9841DF79-0E8B-48E7-B769-0C5346A95A3C}" destId="{61A0BCF7-78FF-4A9C-88D8-F83C1523AA1F}" srcOrd="2" destOrd="0" presId="urn:microsoft.com/office/officeart/2005/8/layout/orgChart1"/>
-    <dgm:cxn modelId="{1851E2E3-9C43-46A3-BAE4-E110AEE53352}" type="presParOf" srcId="{26D001F6-360D-42E2-B061-954A40BB3043}" destId="{7E8D883E-EDC2-4950-8E0C-7115A153DFF2}" srcOrd="4" destOrd="0" presId="urn:microsoft.com/office/officeart/2005/8/layout/orgChart1"/>
-    <dgm:cxn modelId="{6F18FAB3-51D7-48AF-9982-510AC7C9F466}" type="presParOf" srcId="{26D001F6-360D-42E2-B061-954A40BB3043}" destId="{B3EBF534-6C84-49F3-81A3-737746911158}" srcOrd="5" destOrd="0" presId="urn:microsoft.com/office/officeart/2005/8/layout/orgChart1"/>
-    <dgm:cxn modelId="{4B844EF2-868D-4163-A38C-3A229FC78D3A}" type="presParOf" srcId="{B3EBF534-6C84-49F3-81A3-737746911158}" destId="{C3F0C572-4D21-4A4C-AC9A-A28AA9F0074A}" srcOrd="0" destOrd="0" presId="urn:microsoft.com/office/officeart/2005/8/layout/orgChart1"/>
-    <dgm:cxn modelId="{081DD307-452C-4FD3-B59E-B556CC1210F8}" type="presParOf" srcId="{C3F0C572-4D21-4A4C-AC9A-A28AA9F0074A}" destId="{2AB27E19-3434-4D1E-8B90-F342FC85AF8E}" srcOrd="0" destOrd="0" presId="urn:microsoft.com/office/officeart/2005/8/layout/orgChart1"/>
-    <dgm:cxn modelId="{5D77A189-8C36-4A68-9BEF-ECA03FB41729}" type="presParOf" srcId="{C3F0C572-4D21-4A4C-AC9A-A28AA9F0074A}" destId="{D0CC252B-A416-49BC-BDD3-B3B11793EB57}" srcOrd="1" destOrd="0" presId="urn:microsoft.com/office/officeart/2005/8/layout/orgChart1"/>
-    <dgm:cxn modelId="{8D8150B2-34DB-412F-ADB2-14281EBA6202}" type="presParOf" srcId="{B3EBF534-6C84-49F3-81A3-737746911158}" destId="{E74635EC-486E-490D-82B5-409E635F1711}" srcOrd="1" destOrd="0" presId="urn:microsoft.com/office/officeart/2005/8/layout/orgChart1"/>
-    <dgm:cxn modelId="{782C1878-EDD6-43D2-B976-0396F14453B0}" type="presParOf" srcId="{E74635EC-486E-490D-82B5-409E635F1711}" destId="{F0DA768B-60EE-4EA6-92BA-3A73EC52CB7C}" srcOrd="0" destOrd="0" presId="urn:microsoft.com/office/officeart/2005/8/layout/orgChart1"/>
-    <dgm:cxn modelId="{AE2EBEFF-CFD6-4788-9185-39A87252C18F}" type="presParOf" srcId="{E74635EC-486E-490D-82B5-409E635F1711}" destId="{76236EE8-E116-4E4D-826D-982EC548F8BC}" srcOrd="1" destOrd="0" presId="urn:microsoft.com/office/officeart/2005/8/layout/orgChart1"/>
-    <dgm:cxn modelId="{C184050C-822D-46B5-845C-659CC3DEF866}" type="presParOf" srcId="{76236EE8-E116-4E4D-826D-982EC548F8BC}" destId="{D39959A2-8791-4B5F-BE3D-D906A6C7A375}" srcOrd="0" destOrd="0" presId="urn:microsoft.com/office/officeart/2005/8/layout/orgChart1"/>
-    <dgm:cxn modelId="{3EFB65D7-CD7E-4CB2-B2B3-A1EAD903ECCA}" type="presParOf" srcId="{D39959A2-8791-4B5F-BE3D-D906A6C7A375}" destId="{382C2874-AC17-4C6C-AF45-9743FCBC0C75}" srcOrd="0" destOrd="0" presId="urn:microsoft.com/office/officeart/2005/8/layout/orgChart1"/>
-    <dgm:cxn modelId="{96E468E9-B230-4266-AAFE-9660EECB720F}" type="presParOf" srcId="{D39959A2-8791-4B5F-BE3D-D906A6C7A375}" destId="{652BD52C-24BD-44EE-B696-68AE54825E8B}" srcOrd="1" destOrd="0" presId="urn:microsoft.com/office/officeart/2005/8/layout/orgChart1"/>
-    <dgm:cxn modelId="{854AAD90-4132-4517-BDAD-BD253B6E9EB0}" type="presParOf" srcId="{76236EE8-E116-4E4D-826D-982EC548F8BC}" destId="{0FCA0F70-4E0A-4B4A-9E99-BFBAF2D629F8}" srcOrd="1" destOrd="0" presId="urn:microsoft.com/office/officeart/2005/8/layout/orgChart1"/>
-    <dgm:cxn modelId="{36442754-142A-456C-B897-61238E1BB503}" type="presParOf" srcId="{76236EE8-E116-4E4D-826D-982EC548F8BC}" destId="{D9F7E894-D70B-40DD-80B0-727E1949C672}" srcOrd="2" destOrd="0" presId="urn:microsoft.com/office/officeart/2005/8/layout/orgChart1"/>
-    <dgm:cxn modelId="{3F7E033E-4640-4E5D-85FE-10BE931E2A05}" type="presParOf" srcId="{B3EBF534-6C84-49F3-81A3-737746911158}" destId="{0E76A7C4-1B5A-47CA-AF17-782C6E9A1489}" srcOrd="2" destOrd="0" presId="urn:microsoft.com/office/officeart/2005/8/layout/orgChart1"/>
-    <dgm:cxn modelId="{9DCC8425-6F98-420E-9008-14AD4F0FC52C}" type="presParOf" srcId="{74EC8C06-B137-45E0-954B-83F6BA3AE99E}" destId="{FA4E6E20-5668-4053-B140-A2F94EA5B47B}" srcOrd="2" destOrd="0" presId="urn:microsoft.com/office/officeart/2005/8/layout/orgChart1"/>
+    <dgm:cxn modelId="{976F9DD9-D794-444E-B5DF-3A14D20DF527}" type="presParOf" srcId="{A55062B0-9FD3-43CC-B5BC-0B8DEFEA703B}" destId="{ACA96EDD-3CA6-4167-A11B-957E107A250E}" srcOrd="0" destOrd="0" presId="urn:microsoft.com/office/officeart/2005/8/layout/orgChart1"/>
+    <dgm:cxn modelId="{CE90588F-52EF-479A-881E-4CF1669C81E2}" type="presParOf" srcId="{A55062B0-9FD3-43CC-B5BC-0B8DEFEA703B}" destId="{DC5FD263-2ED0-44B9-8FA3-5EEFA5011B80}" srcOrd="1" destOrd="0" presId="urn:microsoft.com/office/officeart/2005/8/layout/orgChart1"/>
+    <dgm:cxn modelId="{C40B9729-5E12-4CB7-B42F-BDA2F23EE927}" type="presParOf" srcId="{DC5FD263-2ED0-44B9-8FA3-5EEFA5011B80}" destId="{4DA6A65E-753F-423D-A487-F93757ACCBF5}" srcOrd="0" destOrd="0" presId="urn:microsoft.com/office/officeart/2005/8/layout/orgChart1"/>
+    <dgm:cxn modelId="{82FC4DAE-3B5C-4649-B03C-C0949ED3C282}" type="presParOf" srcId="{4DA6A65E-753F-423D-A487-F93757ACCBF5}" destId="{88E9A28C-7D5F-42DB-AF86-68098B6C6099}" srcOrd="0" destOrd="0" presId="urn:microsoft.com/office/officeart/2005/8/layout/orgChart1"/>
+    <dgm:cxn modelId="{814DF60A-80C3-4B68-ACD7-DC02C8E49C2C}" type="presParOf" srcId="{4DA6A65E-753F-423D-A487-F93757ACCBF5}" destId="{E6260200-7DC6-4A85-8E57-006D1C292FF4}" srcOrd="1" destOrd="0" presId="urn:microsoft.com/office/officeart/2005/8/layout/orgChart1"/>
+    <dgm:cxn modelId="{4710717C-EB0C-4058-BD3F-08AC5B4BF764}" type="presParOf" srcId="{DC5FD263-2ED0-44B9-8FA3-5EEFA5011B80}" destId="{3F7D2FA7-546F-403F-A968-1D7C656791C3}" srcOrd="1" destOrd="0" presId="urn:microsoft.com/office/officeart/2005/8/layout/orgChart1"/>
+    <dgm:cxn modelId="{6C975AC4-4859-478E-9DA2-AA796BA2041B}" type="presParOf" srcId="{DC5FD263-2ED0-44B9-8FA3-5EEFA5011B80}" destId="{79585A00-00CB-4C6F-9575-354F49F44106}" srcOrd="2" destOrd="0" presId="urn:microsoft.com/office/officeart/2005/8/layout/orgChart1"/>
+    <dgm:cxn modelId="{6986E0C2-B787-4851-9434-2121DB4671FE}" type="presParOf" srcId="{A55062B0-9FD3-43CC-B5BC-0B8DEFEA703B}" destId="{2F5BB800-7A86-49A9-B404-D8FD24275A24}" srcOrd="2" destOrd="0" presId="urn:microsoft.com/office/officeart/2005/8/layout/orgChart1"/>
+    <dgm:cxn modelId="{D5AE1E33-6607-4830-B656-742EE1FB26D5}" type="presParOf" srcId="{A55062B0-9FD3-43CC-B5BC-0B8DEFEA703B}" destId="{D7003E84-33E0-4E0A-AD4E-D97A446E8784}" srcOrd="3" destOrd="0" presId="urn:microsoft.com/office/officeart/2005/8/layout/orgChart1"/>
+    <dgm:cxn modelId="{C0106CBD-D982-45F7-A1BE-1E8569A64FDE}" type="presParOf" srcId="{D7003E84-33E0-4E0A-AD4E-D97A446E8784}" destId="{114C9BE5-DF29-446B-AE89-E4D1C6F85EA4}" srcOrd="0" destOrd="0" presId="urn:microsoft.com/office/officeart/2005/8/layout/orgChart1"/>
+    <dgm:cxn modelId="{42097FF0-83D1-455C-9B6B-4C505ED9D4C5}" type="presParOf" srcId="{114C9BE5-DF29-446B-AE89-E4D1C6F85EA4}" destId="{F9747D89-83FC-4FED-BC11-4F28DE71050F}" srcOrd="0" destOrd="0" presId="urn:microsoft.com/office/officeart/2005/8/layout/orgChart1"/>
+    <dgm:cxn modelId="{06CC4E1A-5D98-4C24-A0F1-C2402E16D257}" type="presParOf" srcId="{114C9BE5-DF29-446B-AE89-E4D1C6F85EA4}" destId="{535D0227-452F-4594-8F39-12D0C1149FB4}" srcOrd="1" destOrd="0" presId="urn:microsoft.com/office/officeart/2005/8/layout/orgChart1"/>
+    <dgm:cxn modelId="{531D9592-854D-4E5C-8420-E9A9C28608B9}" type="presParOf" srcId="{D7003E84-33E0-4E0A-AD4E-D97A446E8784}" destId="{1F59AF9A-F228-4F10-B8A9-F473F8F19EA6}" srcOrd="1" destOrd="0" presId="urn:microsoft.com/office/officeart/2005/8/layout/orgChart1"/>
+    <dgm:cxn modelId="{D261BD8B-F56A-4394-8D63-3B370BD93F65}" type="presParOf" srcId="{1F59AF9A-F228-4F10-B8A9-F473F8F19EA6}" destId="{A3A6F7C8-397C-4BEE-8F83-883196A60EF1}" srcOrd="0" destOrd="0" presId="urn:microsoft.com/office/officeart/2005/8/layout/orgChart1"/>
+    <dgm:cxn modelId="{13A5FEEA-8B2C-48AF-9580-295109593BD1}" type="presParOf" srcId="{1F59AF9A-F228-4F10-B8A9-F473F8F19EA6}" destId="{34F17463-477D-49C5-8519-41F6C9C76D5B}" srcOrd="1" destOrd="0" presId="urn:microsoft.com/office/officeart/2005/8/layout/orgChart1"/>
+    <dgm:cxn modelId="{3FD18ECF-1D37-4F49-A906-A202FBD7F443}" type="presParOf" srcId="{34F17463-477D-49C5-8519-41F6C9C76D5B}" destId="{12D2E28F-1552-446A-B1D4-752436C90C03}" srcOrd="0" destOrd="0" presId="urn:microsoft.com/office/officeart/2005/8/layout/orgChart1"/>
+    <dgm:cxn modelId="{E95E12C5-E234-4B8C-BDE4-9C63750BA71E}" type="presParOf" srcId="{12D2E28F-1552-446A-B1D4-752436C90C03}" destId="{BDD7F359-A772-4273-A9B8-42DA708CB8D8}" srcOrd="0" destOrd="0" presId="urn:microsoft.com/office/officeart/2005/8/layout/orgChart1"/>
+    <dgm:cxn modelId="{6CC5C18D-58F7-474D-B73E-23F641FD316B}" type="presParOf" srcId="{12D2E28F-1552-446A-B1D4-752436C90C03}" destId="{CA327F2C-556C-4D98-80C1-A657A2ECFCBF}" srcOrd="1" destOrd="0" presId="urn:microsoft.com/office/officeart/2005/8/layout/orgChart1"/>
+    <dgm:cxn modelId="{1AA07994-61E1-419B-B5D1-FB6002DD93FC}" type="presParOf" srcId="{34F17463-477D-49C5-8519-41F6C9C76D5B}" destId="{7D58D658-1EF8-420F-945B-FBCD7B329600}" srcOrd="1" destOrd="0" presId="urn:microsoft.com/office/officeart/2005/8/layout/orgChart1"/>
+    <dgm:cxn modelId="{DF1460CF-2443-4C25-BF4F-33D3DDC1CBE3}" type="presParOf" srcId="{34F17463-477D-49C5-8519-41F6C9C76D5B}" destId="{FA1E003D-60FB-422F-A787-9C8CD821BD15}" srcOrd="2" destOrd="0" presId="urn:microsoft.com/office/officeart/2005/8/layout/orgChart1"/>
+    <dgm:cxn modelId="{F88B0B80-198C-4396-AB4F-E3A3060F49F0}" type="presParOf" srcId="{D7003E84-33E0-4E0A-AD4E-D97A446E8784}" destId="{B896A797-0970-48B3-B80F-BF9911397FDE}" srcOrd="2" destOrd="0" presId="urn:microsoft.com/office/officeart/2005/8/layout/orgChart1"/>
+    <dgm:cxn modelId="{46222590-6077-4306-85FA-86DE162A1FB5}" type="presParOf" srcId="{A55062B0-9FD3-43CC-B5BC-0B8DEFEA703B}" destId="{4A96A4EA-CDD2-468D-8CF1-E8DCEA727108}" srcOrd="4" destOrd="0" presId="urn:microsoft.com/office/officeart/2005/8/layout/orgChart1"/>
+    <dgm:cxn modelId="{79DC85FE-BD9C-423F-95CA-C7CE4B092183}" type="presParOf" srcId="{A55062B0-9FD3-43CC-B5BC-0B8DEFEA703B}" destId="{81B23CA5-982B-4230-8E5C-4103EB66F1C7}" srcOrd="5" destOrd="0" presId="urn:microsoft.com/office/officeart/2005/8/layout/orgChart1"/>
+    <dgm:cxn modelId="{97EA7597-39E4-4B35-A79B-B6E8571FFBEB}" type="presParOf" srcId="{81B23CA5-982B-4230-8E5C-4103EB66F1C7}" destId="{DCC1ED4D-ACAF-4302-B453-DA3DB81563DC}" srcOrd="0" destOrd="0" presId="urn:microsoft.com/office/officeart/2005/8/layout/orgChart1"/>
+    <dgm:cxn modelId="{474122CC-C30E-4C9F-8ACF-4568BD343DD0}" type="presParOf" srcId="{DCC1ED4D-ACAF-4302-B453-DA3DB81563DC}" destId="{CC0EFF5C-38AD-48E6-86A5-F01F47114886}" srcOrd="0" destOrd="0" presId="urn:microsoft.com/office/officeart/2005/8/layout/orgChart1"/>
+    <dgm:cxn modelId="{A117FDAC-9F02-4E74-9CA9-45817BC58D5E}" type="presParOf" srcId="{DCC1ED4D-ACAF-4302-B453-DA3DB81563DC}" destId="{AF23D5C4-3B99-458B-818A-9ACD1707FC6E}" srcOrd="1" destOrd="0" presId="urn:microsoft.com/office/officeart/2005/8/layout/orgChart1"/>
+    <dgm:cxn modelId="{E9069E0E-7975-4DAF-A5BC-7489937CD1CB}" type="presParOf" srcId="{81B23CA5-982B-4230-8E5C-4103EB66F1C7}" destId="{B7CDDF09-3908-499C-AD53-03784217AD7A}" srcOrd="1" destOrd="0" presId="urn:microsoft.com/office/officeart/2005/8/layout/orgChart1"/>
+    <dgm:cxn modelId="{00328124-B4EB-4CB9-928C-7158D4E3DBEC}" type="presParOf" srcId="{B7CDDF09-3908-499C-AD53-03784217AD7A}" destId="{3696C109-D2B8-4DDF-B71D-63D26E08D8BF}" srcOrd="0" destOrd="0" presId="urn:microsoft.com/office/officeart/2005/8/layout/orgChart1"/>
+    <dgm:cxn modelId="{DEEB6F7F-EF50-41F3-B820-C476EE038E22}" type="presParOf" srcId="{B7CDDF09-3908-499C-AD53-03784217AD7A}" destId="{CC34AD6A-A0BC-4603-B682-5437D931C83F}" srcOrd="1" destOrd="0" presId="urn:microsoft.com/office/officeart/2005/8/layout/orgChart1"/>
+    <dgm:cxn modelId="{49859AC9-3FC9-4649-BF33-531742AACA7C}" type="presParOf" srcId="{CC34AD6A-A0BC-4603-B682-5437D931C83F}" destId="{6DC41E98-F9D2-475A-8053-D3F523D571AF}" srcOrd="0" destOrd="0" presId="urn:microsoft.com/office/officeart/2005/8/layout/orgChart1"/>
+    <dgm:cxn modelId="{F08DFFA5-22C2-4B39-813E-79909AE16036}" type="presParOf" srcId="{6DC41E98-F9D2-475A-8053-D3F523D571AF}" destId="{1FDC30F1-387E-4DB9-8503-8DE4AC0489F0}" srcOrd="0" destOrd="0" presId="urn:microsoft.com/office/officeart/2005/8/layout/orgChart1"/>
+    <dgm:cxn modelId="{CF78A069-0C8A-41BF-9B1F-2EF8C71C93E7}" type="presParOf" srcId="{6DC41E98-F9D2-475A-8053-D3F523D571AF}" destId="{8C06F057-B079-47C7-9295-C4614CF74D64}" srcOrd="1" destOrd="0" presId="urn:microsoft.com/office/officeart/2005/8/layout/orgChart1"/>
+    <dgm:cxn modelId="{85A72B98-9640-4FB5-859C-6B9CB14AC14E}" type="presParOf" srcId="{CC34AD6A-A0BC-4603-B682-5437D931C83F}" destId="{BEEDE547-E129-4351-9240-7F7A24C9BBB3}" srcOrd="1" destOrd="0" presId="urn:microsoft.com/office/officeart/2005/8/layout/orgChart1"/>
+    <dgm:cxn modelId="{E224A912-486C-46D0-9F92-F21C68B60EA0}" type="presParOf" srcId="{CC34AD6A-A0BC-4603-B682-5437D931C83F}" destId="{B4D24DFD-DFA0-47B8-B280-90252E7C5C2B}" srcOrd="2" destOrd="0" presId="urn:microsoft.com/office/officeart/2005/8/layout/orgChart1"/>
+    <dgm:cxn modelId="{8BB5630E-B0D4-4161-9202-3906A82DF606}" type="presParOf" srcId="{B7CDDF09-3908-499C-AD53-03784217AD7A}" destId="{64100A3E-937A-4304-B967-3B8B3D1B0D56}" srcOrd="2" destOrd="0" presId="urn:microsoft.com/office/officeart/2005/8/layout/orgChart1"/>
+    <dgm:cxn modelId="{E4733683-77C1-4322-8E23-91D73FF03752}" type="presParOf" srcId="{B7CDDF09-3908-499C-AD53-03784217AD7A}" destId="{3641ACEC-0F63-4577-9A48-B0389FFA280F}" srcOrd="3" destOrd="0" presId="urn:microsoft.com/office/officeart/2005/8/layout/orgChart1"/>
+    <dgm:cxn modelId="{454C8D4C-B16E-4CB5-85E9-E5FD856EEEEA}" type="presParOf" srcId="{3641ACEC-0F63-4577-9A48-B0389FFA280F}" destId="{C97EFCC2-535C-4A45-BBEE-430B29F26BB4}" srcOrd="0" destOrd="0" presId="urn:microsoft.com/office/officeart/2005/8/layout/orgChart1"/>
+    <dgm:cxn modelId="{7435291E-7E2C-4DCA-94EC-547E09B147CC}" type="presParOf" srcId="{C97EFCC2-535C-4A45-BBEE-430B29F26BB4}" destId="{1CA50B8E-5051-4B05-BD18-73373B9C07E4}" srcOrd="0" destOrd="0" presId="urn:microsoft.com/office/officeart/2005/8/layout/orgChart1"/>
+    <dgm:cxn modelId="{D4D3BE07-30A8-4D95-950B-D97D42E33AB4}" type="presParOf" srcId="{C97EFCC2-535C-4A45-BBEE-430B29F26BB4}" destId="{018D4EAD-AEC9-4483-942A-187A631DE38F}" srcOrd="1" destOrd="0" presId="urn:microsoft.com/office/officeart/2005/8/layout/orgChart1"/>
+    <dgm:cxn modelId="{7F8CD611-81D6-4926-9B37-CD45180A2578}" type="presParOf" srcId="{3641ACEC-0F63-4577-9A48-B0389FFA280F}" destId="{25E7A0C7-FDD2-4ADB-A315-634D22BD886C}" srcOrd="1" destOrd="0" presId="urn:microsoft.com/office/officeart/2005/8/layout/orgChart1"/>
+    <dgm:cxn modelId="{30D0486A-5B42-4410-B857-DE6F8D0DB79D}" type="presParOf" srcId="{3641ACEC-0F63-4577-9A48-B0389FFA280F}" destId="{A4C2DCC6-0C85-4377-980D-202402FA7239}" srcOrd="2" destOrd="0" presId="urn:microsoft.com/office/officeart/2005/8/layout/orgChart1"/>
+    <dgm:cxn modelId="{0319D3BE-D8E9-46B5-BD3E-608243B5C5CF}" type="presParOf" srcId="{81B23CA5-982B-4230-8E5C-4103EB66F1C7}" destId="{45F16F36-3566-45C7-BBEF-1B0F9D602372}" srcOrd="2" destOrd="0" presId="urn:microsoft.com/office/officeart/2005/8/layout/orgChart1"/>
+    <dgm:cxn modelId="{844912AA-8365-4C98-9EC8-655CE0F67BD1}" type="presParOf" srcId="{A55062B0-9FD3-43CC-B5BC-0B8DEFEA703B}" destId="{7B059F1C-2A77-45CC-B8BA-795A28DAEB50}" srcOrd="6" destOrd="0" presId="urn:microsoft.com/office/officeart/2005/8/layout/orgChart1"/>
+    <dgm:cxn modelId="{D5EBD27C-CC8A-49D3-B628-8A6D98C6F2FE}" type="presParOf" srcId="{A55062B0-9FD3-43CC-B5BC-0B8DEFEA703B}" destId="{74EC8C06-B137-45E0-954B-83F6BA3AE99E}" srcOrd="7" destOrd="0" presId="urn:microsoft.com/office/officeart/2005/8/layout/orgChart1"/>
+    <dgm:cxn modelId="{71C709EE-3B9E-4CFC-A3B1-83A89517F0B7}" type="presParOf" srcId="{74EC8C06-B137-45E0-954B-83F6BA3AE99E}" destId="{C5BBFA1D-4DBE-404D-A27F-417239BF80D9}" srcOrd="0" destOrd="0" presId="urn:microsoft.com/office/officeart/2005/8/layout/orgChart1"/>
+    <dgm:cxn modelId="{35A81BB5-F272-466E-B854-BD097B623928}" type="presParOf" srcId="{C5BBFA1D-4DBE-404D-A27F-417239BF80D9}" destId="{B7301427-B76D-4A92-BE88-2ADB332D4263}" srcOrd="0" destOrd="0" presId="urn:microsoft.com/office/officeart/2005/8/layout/orgChart1"/>
+    <dgm:cxn modelId="{8CB635A1-2BC7-4FE9-A0F2-E0DF2188A525}" type="presParOf" srcId="{C5BBFA1D-4DBE-404D-A27F-417239BF80D9}" destId="{7F0DE215-8FC4-4A5E-8A91-2B3056656056}" srcOrd="1" destOrd="0" presId="urn:microsoft.com/office/officeart/2005/8/layout/orgChart1"/>
+    <dgm:cxn modelId="{4798AE0B-A549-426E-AF15-2A7049EDB98D}" type="presParOf" srcId="{74EC8C06-B137-45E0-954B-83F6BA3AE99E}" destId="{26D001F6-360D-42E2-B061-954A40BB3043}" srcOrd="1" destOrd="0" presId="urn:microsoft.com/office/officeart/2005/8/layout/orgChart1"/>
+    <dgm:cxn modelId="{3E57BE45-91A4-4396-87DA-37E9F6C6299F}" type="presParOf" srcId="{26D001F6-360D-42E2-B061-954A40BB3043}" destId="{54504B6F-BACC-4F6A-A379-C64AE0971DA4}" srcOrd="0" destOrd="0" presId="urn:microsoft.com/office/officeart/2005/8/layout/orgChart1"/>
+    <dgm:cxn modelId="{62AB905A-77C9-4409-9FCB-EA2BE3009C9C}" type="presParOf" srcId="{26D001F6-360D-42E2-B061-954A40BB3043}" destId="{7F952B3A-DAFD-466C-9141-DD76AC8E98CE}" srcOrd="1" destOrd="0" presId="urn:microsoft.com/office/officeart/2005/8/layout/orgChart1"/>
+    <dgm:cxn modelId="{BB476CA1-FDA9-4391-A85A-7475DCC3B8DE}" type="presParOf" srcId="{7F952B3A-DAFD-466C-9141-DD76AC8E98CE}" destId="{13B9EF16-C78F-494F-9AA0-2D9F68A349D3}" srcOrd="0" destOrd="0" presId="urn:microsoft.com/office/officeart/2005/8/layout/orgChart1"/>
+    <dgm:cxn modelId="{BC88414F-BD99-4F33-92D8-BB60089A99CE}" type="presParOf" srcId="{13B9EF16-C78F-494F-9AA0-2D9F68A349D3}" destId="{81CAB74E-900C-44DA-A097-595FC72C39A4}" srcOrd="0" destOrd="0" presId="urn:microsoft.com/office/officeart/2005/8/layout/orgChart1"/>
+    <dgm:cxn modelId="{D2AA54F6-FA99-4FDA-989E-ACF9C5E25071}" type="presParOf" srcId="{13B9EF16-C78F-494F-9AA0-2D9F68A349D3}" destId="{25206967-D74C-4BE5-BB8F-CC411DC4D379}" srcOrd="1" destOrd="0" presId="urn:microsoft.com/office/officeart/2005/8/layout/orgChart1"/>
+    <dgm:cxn modelId="{007D8485-849C-4013-900D-69827899B2E6}" type="presParOf" srcId="{7F952B3A-DAFD-466C-9141-DD76AC8E98CE}" destId="{2F2621E2-035C-401F-BFA6-5416ECB1B600}" srcOrd="1" destOrd="0" presId="urn:microsoft.com/office/officeart/2005/8/layout/orgChart1"/>
+    <dgm:cxn modelId="{156831B4-0F2E-45C5-B109-973EBFC2EC76}" type="presParOf" srcId="{7F952B3A-DAFD-466C-9141-DD76AC8E98CE}" destId="{F71065B9-7074-4C23-AEAF-0AF73F2D0ACB}" srcOrd="2" destOrd="0" presId="urn:microsoft.com/office/officeart/2005/8/layout/orgChart1"/>
+    <dgm:cxn modelId="{1420D349-D84F-4BA3-AE25-DB23DA399875}" type="presParOf" srcId="{26D001F6-360D-42E2-B061-954A40BB3043}" destId="{ED02F395-49D8-4077-9DE2-95636B94DCD8}" srcOrd="2" destOrd="0" presId="urn:microsoft.com/office/officeart/2005/8/layout/orgChart1"/>
+    <dgm:cxn modelId="{19DAF6F3-6DDB-47B2-823A-93CEA8B60599}" type="presParOf" srcId="{26D001F6-360D-42E2-B061-954A40BB3043}" destId="{9841DF79-0E8B-48E7-B769-0C5346A95A3C}" srcOrd="3" destOrd="0" presId="urn:microsoft.com/office/officeart/2005/8/layout/orgChart1"/>
+    <dgm:cxn modelId="{99A7C7EC-2152-45FE-B446-40B0BD5F0298}" type="presParOf" srcId="{9841DF79-0E8B-48E7-B769-0C5346A95A3C}" destId="{65B935C4-C9C6-47F7-B938-0F50ACB64A35}" srcOrd="0" destOrd="0" presId="urn:microsoft.com/office/officeart/2005/8/layout/orgChart1"/>
+    <dgm:cxn modelId="{ECF8551F-85FC-438D-B46B-71FA418BD9C6}" type="presParOf" srcId="{65B935C4-C9C6-47F7-B938-0F50ACB64A35}" destId="{F2A6A286-5031-4E4E-88A4-4B1B4D30917E}" srcOrd="0" destOrd="0" presId="urn:microsoft.com/office/officeart/2005/8/layout/orgChart1"/>
+    <dgm:cxn modelId="{B18D649E-A3C9-457A-9028-F00B54BBD004}" type="presParOf" srcId="{65B935C4-C9C6-47F7-B938-0F50ACB64A35}" destId="{8135DA40-52DC-4B8F-84A3-B0975FF99609}" srcOrd="1" destOrd="0" presId="urn:microsoft.com/office/officeart/2005/8/layout/orgChart1"/>
+    <dgm:cxn modelId="{4E8AA11A-E4E5-4173-BCEA-B8C8394DFAB4}" type="presParOf" srcId="{9841DF79-0E8B-48E7-B769-0C5346A95A3C}" destId="{E068BD6F-17F7-4712-AB08-C1364B01F7DD}" srcOrd="1" destOrd="0" presId="urn:microsoft.com/office/officeart/2005/8/layout/orgChart1"/>
+    <dgm:cxn modelId="{F03DABD0-5E65-44D6-8781-76702531D3D3}" type="presParOf" srcId="{E068BD6F-17F7-4712-AB08-C1364B01F7DD}" destId="{BB548C89-C98C-4DC4-8330-A28280CCED94}" srcOrd="0" destOrd="0" presId="urn:microsoft.com/office/officeart/2005/8/layout/orgChart1"/>
+    <dgm:cxn modelId="{422A3C81-FCF5-4016-BD94-865DBD160F2C}" type="presParOf" srcId="{E068BD6F-17F7-4712-AB08-C1364B01F7DD}" destId="{21BEE7E9-325D-44C5-A29C-16462E6A702E}" srcOrd="1" destOrd="0" presId="urn:microsoft.com/office/officeart/2005/8/layout/orgChart1"/>
+    <dgm:cxn modelId="{927B0C9B-BC7E-4D61-9E8F-B220D1CA1371}" type="presParOf" srcId="{21BEE7E9-325D-44C5-A29C-16462E6A702E}" destId="{8BF8CF8F-2724-487A-A0B9-0FA426B5FBE0}" srcOrd="0" destOrd="0" presId="urn:microsoft.com/office/officeart/2005/8/layout/orgChart1"/>
+    <dgm:cxn modelId="{008B3452-F712-4BEB-B857-0B3A76C823E1}" type="presParOf" srcId="{8BF8CF8F-2724-487A-A0B9-0FA426B5FBE0}" destId="{197E904F-99D5-4CDD-9C91-07E78832DDD6}" srcOrd="0" destOrd="0" presId="urn:microsoft.com/office/officeart/2005/8/layout/orgChart1"/>
+    <dgm:cxn modelId="{008D96D9-B6A4-40D1-A08E-1F9E88103356}" type="presParOf" srcId="{8BF8CF8F-2724-487A-A0B9-0FA426B5FBE0}" destId="{9217255E-81B6-43C1-8C48-572EEF1DDACE}" srcOrd="1" destOrd="0" presId="urn:microsoft.com/office/officeart/2005/8/layout/orgChart1"/>
+    <dgm:cxn modelId="{C92220FF-C26D-45B9-A1B1-DE92F8BBC5F9}" type="presParOf" srcId="{21BEE7E9-325D-44C5-A29C-16462E6A702E}" destId="{EBB5A06D-6A39-413C-9DE5-41B31124FDC1}" srcOrd="1" destOrd="0" presId="urn:microsoft.com/office/officeart/2005/8/layout/orgChart1"/>
+    <dgm:cxn modelId="{3EA7DFFB-57B0-4071-B192-CBBE97507837}" type="presParOf" srcId="{21BEE7E9-325D-44C5-A29C-16462E6A702E}" destId="{59587DB9-C4A2-4F00-843D-DEE0DE036ACD}" srcOrd="2" destOrd="0" presId="urn:microsoft.com/office/officeart/2005/8/layout/orgChart1"/>
+    <dgm:cxn modelId="{692776C7-6E73-44C8-ADC3-FA8EC9168C17}" type="presParOf" srcId="{E068BD6F-17F7-4712-AB08-C1364B01F7DD}" destId="{F601E592-7A11-4289-A717-589F96F0E7C1}" srcOrd="2" destOrd="0" presId="urn:microsoft.com/office/officeart/2005/8/layout/orgChart1"/>
+    <dgm:cxn modelId="{7C8D079E-0F8E-4732-AED9-FC3456B295F9}" type="presParOf" srcId="{E068BD6F-17F7-4712-AB08-C1364B01F7DD}" destId="{134E1854-3766-4817-93DA-4D94F56F3A65}" srcOrd="3" destOrd="0" presId="urn:microsoft.com/office/officeart/2005/8/layout/orgChart1"/>
+    <dgm:cxn modelId="{B7E9D40F-3328-4A36-B67D-D04BCE6612A1}" type="presParOf" srcId="{134E1854-3766-4817-93DA-4D94F56F3A65}" destId="{D125C118-81CF-4341-9B5D-25BB188DD032}" srcOrd="0" destOrd="0" presId="urn:microsoft.com/office/officeart/2005/8/layout/orgChart1"/>
+    <dgm:cxn modelId="{98A66E1A-FEED-467E-8825-A945316DA64A}" type="presParOf" srcId="{D125C118-81CF-4341-9B5D-25BB188DD032}" destId="{502E229C-B5D4-494D-A93B-300A4CC6AA74}" srcOrd="0" destOrd="0" presId="urn:microsoft.com/office/officeart/2005/8/layout/orgChart1"/>
+    <dgm:cxn modelId="{A3C60848-4AA0-40EA-887E-01E0417FC6F0}" type="presParOf" srcId="{D125C118-81CF-4341-9B5D-25BB188DD032}" destId="{AE0F7EC3-81E9-4CFB-A882-9E51998501C7}" srcOrd="1" destOrd="0" presId="urn:microsoft.com/office/officeart/2005/8/layout/orgChart1"/>
+    <dgm:cxn modelId="{217E69D6-75CA-4586-87FF-8A01300AA2C2}" type="presParOf" srcId="{134E1854-3766-4817-93DA-4D94F56F3A65}" destId="{D50DD254-23A6-4868-A391-5F43998EA32A}" srcOrd="1" destOrd="0" presId="urn:microsoft.com/office/officeart/2005/8/layout/orgChart1"/>
+    <dgm:cxn modelId="{023DC368-088A-4AF4-B9EA-1D35FD89228B}" type="presParOf" srcId="{134E1854-3766-4817-93DA-4D94F56F3A65}" destId="{ED1DDAC8-7232-4885-9A76-3154A9CCEC4F}" srcOrd="2" destOrd="0" presId="urn:microsoft.com/office/officeart/2005/8/layout/orgChart1"/>
+    <dgm:cxn modelId="{85BC3EC9-2910-4623-8AA6-791BB9884B51}" type="presParOf" srcId="{E068BD6F-17F7-4712-AB08-C1364B01F7DD}" destId="{BEA9CC4C-6381-40BF-9897-F80C23F3E44E}" srcOrd="4" destOrd="0" presId="urn:microsoft.com/office/officeart/2005/8/layout/orgChart1"/>
+    <dgm:cxn modelId="{2E28A51C-C33E-4AEA-A214-79BBB0ED8914}" type="presParOf" srcId="{E068BD6F-17F7-4712-AB08-C1364B01F7DD}" destId="{259CACC0-417F-46F5-BC7B-01F1CA654BF0}" srcOrd="5" destOrd="0" presId="urn:microsoft.com/office/officeart/2005/8/layout/orgChart1"/>
+    <dgm:cxn modelId="{C617EF8E-1844-4221-B466-7CD2EF2B2FBC}" type="presParOf" srcId="{259CACC0-417F-46F5-BC7B-01F1CA654BF0}" destId="{5053F257-D9A3-43AE-8E29-78DBF1009618}" srcOrd="0" destOrd="0" presId="urn:microsoft.com/office/officeart/2005/8/layout/orgChart1"/>
+    <dgm:cxn modelId="{B759FDD2-0B54-4D1B-9448-8615D5AC6200}" type="presParOf" srcId="{5053F257-D9A3-43AE-8E29-78DBF1009618}" destId="{5484E96B-9D16-4DB0-8F1D-242C4DA2623A}" srcOrd="0" destOrd="0" presId="urn:microsoft.com/office/officeart/2005/8/layout/orgChart1"/>
+    <dgm:cxn modelId="{E5C5A72E-6479-4494-92BB-8CA630EBED8F}" type="presParOf" srcId="{5053F257-D9A3-43AE-8E29-78DBF1009618}" destId="{5B856F03-06B7-41D7-90A4-34E0B8767D59}" srcOrd="1" destOrd="0" presId="urn:microsoft.com/office/officeart/2005/8/layout/orgChart1"/>
+    <dgm:cxn modelId="{E9FA2E61-E49E-4912-A56D-E234AE0359A9}" type="presParOf" srcId="{259CACC0-417F-46F5-BC7B-01F1CA654BF0}" destId="{FA4C7E46-478B-44AF-9ED8-95D4F878B288}" srcOrd="1" destOrd="0" presId="urn:microsoft.com/office/officeart/2005/8/layout/orgChart1"/>
+    <dgm:cxn modelId="{CAE04752-19A0-4EB6-AD29-D841848B0352}" type="presParOf" srcId="{FA4C7E46-478B-44AF-9ED8-95D4F878B288}" destId="{C3E3873B-E45D-45B5-89AF-9B4493DD4BA4}" srcOrd="0" destOrd="0" presId="urn:microsoft.com/office/officeart/2005/8/layout/orgChart1"/>
+    <dgm:cxn modelId="{A7D384F9-472F-471C-975E-4FBDEAFB1857}" type="presParOf" srcId="{FA4C7E46-478B-44AF-9ED8-95D4F878B288}" destId="{32278296-88F4-4B50-82BF-D48CBF6A789B}" srcOrd="1" destOrd="0" presId="urn:microsoft.com/office/officeart/2005/8/layout/orgChart1"/>
+    <dgm:cxn modelId="{12C4799B-AB9A-4E08-B436-12D87177A288}" type="presParOf" srcId="{32278296-88F4-4B50-82BF-D48CBF6A789B}" destId="{80784CAB-ED58-425D-8D98-487E0023720B}" srcOrd="0" destOrd="0" presId="urn:microsoft.com/office/officeart/2005/8/layout/orgChart1"/>
+    <dgm:cxn modelId="{7BFC27FB-1174-4A42-821D-2143ABD7D751}" type="presParOf" srcId="{80784CAB-ED58-425D-8D98-487E0023720B}" destId="{D5306EEC-79F4-4003-82E3-A11E6B2AB031}" srcOrd="0" destOrd="0" presId="urn:microsoft.com/office/officeart/2005/8/layout/orgChart1"/>
+    <dgm:cxn modelId="{FD3A5EEA-0577-4677-8E94-FE319DEA7163}" type="presParOf" srcId="{80784CAB-ED58-425D-8D98-487E0023720B}" destId="{84F84986-8C30-43FB-998C-2C108CE22EAC}" srcOrd="1" destOrd="0" presId="urn:microsoft.com/office/officeart/2005/8/layout/orgChart1"/>
+    <dgm:cxn modelId="{BA61849F-6CE7-411F-9AF4-E3701F34808A}" type="presParOf" srcId="{32278296-88F4-4B50-82BF-D48CBF6A789B}" destId="{BA49C9FA-C6E3-4068-87A7-0BE6223974A2}" srcOrd="1" destOrd="0" presId="urn:microsoft.com/office/officeart/2005/8/layout/orgChart1"/>
+    <dgm:cxn modelId="{77052300-F1EA-4440-ABE3-474F62A6CF6A}" type="presParOf" srcId="{32278296-88F4-4B50-82BF-D48CBF6A789B}" destId="{FC82D9F5-178E-4F36-B11C-7FF58C3D700A}" srcOrd="2" destOrd="0" presId="urn:microsoft.com/office/officeart/2005/8/layout/orgChart1"/>
+    <dgm:cxn modelId="{D3173926-C2C5-4D13-AD21-B941D10C3FE1}" type="presParOf" srcId="{259CACC0-417F-46F5-BC7B-01F1CA654BF0}" destId="{D0F0F30A-D848-4F6F-8492-76DA19E76746}" srcOrd="2" destOrd="0" presId="urn:microsoft.com/office/officeart/2005/8/layout/orgChart1"/>
+    <dgm:cxn modelId="{981CDEAB-8AAB-4926-A81A-9AEBB9AF42D7}" type="presParOf" srcId="{E068BD6F-17F7-4712-AB08-C1364B01F7DD}" destId="{38120314-31DC-478F-8C57-EBAFAA562BAB}" srcOrd="6" destOrd="0" presId="urn:microsoft.com/office/officeart/2005/8/layout/orgChart1"/>
+    <dgm:cxn modelId="{5E2162E7-0BEE-4F05-B300-0037B139CC8F}" type="presParOf" srcId="{E068BD6F-17F7-4712-AB08-C1364B01F7DD}" destId="{9AE62195-5338-42B7-A55D-2681B0632028}" srcOrd="7" destOrd="0" presId="urn:microsoft.com/office/officeart/2005/8/layout/orgChart1"/>
+    <dgm:cxn modelId="{19155A9D-E5C6-4AFB-882B-22CEE9F089E9}" type="presParOf" srcId="{9AE62195-5338-42B7-A55D-2681B0632028}" destId="{1D28838B-F8F6-4502-BB68-66FB8F824C20}" srcOrd="0" destOrd="0" presId="urn:microsoft.com/office/officeart/2005/8/layout/orgChart1"/>
+    <dgm:cxn modelId="{ECB591AD-9915-4067-ABE3-98AC7D3DC67A}" type="presParOf" srcId="{1D28838B-F8F6-4502-BB68-66FB8F824C20}" destId="{F4D3BADB-F675-4F0D-AC78-77D2F55085CE}" srcOrd="0" destOrd="0" presId="urn:microsoft.com/office/officeart/2005/8/layout/orgChart1"/>
+    <dgm:cxn modelId="{DA0C954E-5DCE-49A3-B2D8-49E71A261C1D}" type="presParOf" srcId="{1D28838B-F8F6-4502-BB68-66FB8F824C20}" destId="{770877B4-D7EA-4869-8F5D-8078F35418DA}" srcOrd="1" destOrd="0" presId="urn:microsoft.com/office/officeart/2005/8/layout/orgChart1"/>
+    <dgm:cxn modelId="{EB135842-DE6C-4BDC-97A0-8A02A2A574BB}" type="presParOf" srcId="{9AE62195-5338-42B7-A55D-2681B0632028}" destId="{9D06B258-140C-4DB7-BA83-86D5580723A4}" srcOrd="1" destOrd="0" presId="urn:microsoft.com/office/officeart/2005/8/layout/orgChart1"/>
+    <dgm:cxn modelId="{913B0F75-03BB-477C-A6E2-025078946309}" type="presParOf" srcId="{9D06B258-140C-4DB7-BA83-86D5580723A4}" destId="{658B4E26-1420-462B-995F-19C8E2CC3357}" srcOrd="0" destOrd="0" presId="urn:microsoft.com/office/officeart/2005/8/layout/orgChart1"/>
+    <dgm:cxn modelId="{CC7341DA-B640-4D48-98FE-F794106698AF}" type="presParOf" srcId="{9D06B258-140C-4DB7-BA83-86D5580723A4}" destId="{367A1DC3-1D96-42E7-AC3F-3240CB684DA1}" srcOrd="1" destOrd="0" presId="urn:microsoft.com/office/officeart/2005/8/layout/orgChart1"/>
+    <dgm:cxn modelId="{98803D9A-1E1C-4767-8518-EC6EEAC8FE64}" type="presParOf" srcId="{367A1DC3-1D96-42E7-AC3F-3240CB684DA1}" destId="{FEE20894-16D5-4752-A4A0-49B11412380E}" srcOrd="0" destOrd="0" presId="urn:microsoft.com/office/officeart/2005/8/layout/orgChart1"/>
+    <dgm:cxn modelId="{4822CB12-F7BF-49CC-80C6-0A46E402FF6A}" type="presParOf" srcId="{FEE20894-16D5-4752-A4A0-49B11412380E}" destId="{22202725-6EDB-40AA-853E-A71830DA2C87}" srcOrd="0" destOrd="0" presId="urn:microsoft.com/office/officeart/2005/8/layout/orgChart1"/>
+    <dgm:cxn modelId="{41F3BEFB-08AC-4D68-9BDF-31AFF9302BAA}" type="presParOf" srcId="{FEE20894-16D5-4752-A4A0-49B11412380E}" destId="{6A5CFB99-A6C1-4AF7-8BE3-612ED22C908D}" srcOrd="1" destOrd="0" presId="urn:microsoft.com/office/officeart/2005/8/layout/orgChart1"/>
+    <dgm:cxn modelId="{9DAA4AFE-395A-4081-BFBE-2F27700B24EE}" type="presParOf" srcId="{367A1DC3-1D96-42E7-AC3F-3240CB684DA1}" destId="{4DA37158-5572-4E76-B2E1-46706B3B8CB8}" srcOrd="1" destOrd="0" presId="urn:microsoft.com/office/officeart/2005/8/layout/orgChart1"/>
+    <dgm:cxn modelId="{42D4DBC5-4F49-4413-8726-A1E70664FDB8}" type="presParOf" srcId="{367A1DC3-1D96-42E7-AC3F-3240CB684DA1}" destId="{093E0B8D-2E5A-4CFC-982F-C2EA8F5B8B51}" srcOrd="2" destOrd="0" presId="urn:microsoft.com/office/officeart/2005/8/layout/orgChart1"/>
+    <dgm:cxn modelId="{9173BC99-F2AD-49C8-961F-E844669CFE99}" type="presParOf" srcId="{9AE62195-5338-42B7-A55D-2681B0632028}" destId="{E14153A1-BE37-41E7-B87F-DC6C7787C886}" srcOrd="2" destOrd="0" presId="urn:microsoft.com/office/officeart/2005/8/layout/orgChart1"/>
+    <dgm:cxn modelId="{D838BF40-9060-4FD5-B894-1DBF16454A09}" type="presParOf" srcId="{9841DF79-0E8B-48E7-B769-0C5346A95A3C}" destId="{61A0BCF7-78FF-4A9C-88D8-F83C1523AA1F}" srcOrd="2" destOrd="0" presId="urn:microsoft.com/office/officeart/2005/8/layout/orgChart1"/>
+    <dgm:cxn modelId="{E38F0EFC-5AF1-4A67-9097-87C3BAAFD6F6}" type="presParOf" srcId="{26D001F6-360D-42E2-B061-954A40BB3043}" destId="{7E8D883E-EDC2-4950-8E0C-7115A153DFF2}" srcOrd="4" destOrd="0" presId="urn:microsoft.com/office/officeart/2005/8/layout/orgChart1"/>
+    <dgm:cxn modelId="{DE25D72A-BC14-4FDB-A7FF-FB988AE751FA}" type="presParOf" srcId="{26D001F6-360D-42E2-B061-954A40BB3043}" destId="{B3EBF534-6C84-49F3-81A3-737746911158}" srcOrd="5" destOrd="0" presId="urn:microsoft.com/office/officeart/2005/8/layout/orgChart1"/>
+    <dgm:cxn modelId="{F96EA59D-AFD7-4693-B329-CC5044EF8C75}" type="presParOf" srcId="{B3EBF534-6C84-49F3-81A3-737746911158}" destId="{C3F0C572-4D21-4A4C-AC9A-A28AA9F0074A}" srcOrd="0" destOrd="0" presId="urn:microsoft.com/office/officeart/2005/8/layout/orgChart1"/>
+    <dgm:cxn modelId="{F0437D4A-D51A-467A-8AE8-718C2BDF54B5}" type="presParOf" srcId="{C3F0C572-4D21-4A4C-AC9A-A28AA9F0074A}" destId="{2AB27E19-3434-4D1E-8B90-F342FC85AF8E}" srcOrd="0" destOrd="0" presId="urn:microsoft.com/office/officeart/2005/8/layout/orgChart1"/>
+    <dgm:cxn modelId="{187806A4-6A14-430A-820F-D49201D3E961}" type="presParOf" srcId="{C3F0C572-4D21-4A4C-AC9A-A28AA9F0074A}" destId="{D0CC252B-A416-49BC-BDD3-B3B11793EB57}" srcOrd="1" destOrd="0" presId="urn:microsoft.com/office/officeart/2005/8/layout/orgChart1"/>
+    <dgm:cxn modelId="{03D4C920-5BF1-4518-B87C-926DDF4C810E}" type="presParOf" srcId="{B3EBF534-6C84-49F3-81A3-737746911158}" destId="{E74635EC-486E-490D-82B5-409E635F1711}" srcOrd="1" destOrd="0" presId="urn:microsoft.com/office/officeart/2005/8/layout/orgChart1"/>
+    <dgm:cxn modelId="{FAEDE3FD-F514-4EDD-A5D6-394EB2042B86}" type="presParOf" srcId="{E74635EC-486E-490D-82B5-409E635F1711}" destId="{F0DA768B-60EE-4EA6-92BA-3A73EC52CB7C}" srcOrd="0" destOrd="0" presId="urn:microsoft.com/office/officeart/2005/8/layout/orgChart1"/>
+    <dgm:cxn modelId="{E643A84E-E969-427E-AE56-C9FCEB362C7E}" type="presParOf" srcId="{E74635EC-486E-490D-82B5-409E635F1711}" destId="{76236EE8-E116-4E4D-826D-982EC548F8BC}" srcOrd="1" destOrd="0" presId="urn:microsoft.com/office/officeart/2005/8/layout/orgChart1"/>
+    <dgm:cxn modelId="{CDD23FE7-09B0-4095-ACA5-D5A7F7AA17FD}" type="presParOf" srcId="{76236EE8-E116-4E4D-826D-982EC548F8BC}" destId="{D39959A2-8791-4B5F-BE3D-D906A6C7A375}" srcOrd="0" destOrd="0" presId="urn:microsoft.com/office/officeart/2005/8/layout/orgChart1"/>
+    <dgm:cxn modelId="{73694375-8DE5-410D-B543-BE8AB1A046C1}" type="presParOf" srcId="{D39959A2-8791-4B5F-BE3D-D906A6C7A375}" destId="{382C2874-AC17-4C6C-AF45-9743FCBC0C75}" srcOrd="0" destOrd="0" presId="urn:microsoft.com/office/officeart/2005/8/layout/orgChart1"/>
+    <dgm:cxn modelId="{0BBB21C6-8005-4F5F-A166-19101CEFA80C}" type="presParOf" srcId="{D39959A2-8791-4B5F-BE3D-D906A6C7A375}" destId="{652BD52C-24BD-44EE-B696-68AE54825E8B}" srcOrd="1" destOrd="0" presId="urn:microsoft.com/office/officeart/2005/8/layout/orgChart1"/>
+    <dgm:cxn modelId="{0F6C5C90-3E6B-4A6F-AF52-4E871CF6854A}" type="presParOf" srcId="{76236EE8-E116-4E4D-826D-982EC548F8BC}" destId="{0FCA0F70-4E0A-4B4A-9E99-BFBAF2D629F8}" srcOrd="1" destOrd="0" presId="urn:microsoft.com/office/officeart/2005/8/layout/orgChart1"/>
+    <dgm:cxn modelId="{939490F5-31B4-4CFB-BED8-1237E41C7854}" type="presParOf" srcId="{76236EE8-E116-4E4D-826D-982EC548F8BC}" destId="{D9F7E894-D70B-40DD-80B0-727E1949C672}" srcOrd="2" destOrd="0" presId="urn:microsoft.com/office/officeart/2005/8/layout/orgChart1"/>
+    <dgm:cxn modelId="{3FC9A9DA-5BCC-49EA-9603-317EFEC3E09F}" type="presParOf" srcId="{B3EBF534-6C84-49F3-81A3-737746911158}" destId="{0E76A7C4-1B5A-47CA-AF17-782C6E9A1489}" srcOrd="2" destOrd="0" presId="urn:microsoft.com/office/officeart/2005/8/layout/orgChart1"/>
+    <dgm:cxn modelId="{4906B6DE-F71A-492B-9193-3AE3DCC6B6C2}" type="presParOf" srcId="{74EC8C06-B137-45E0-954B-83F6BA3AE99E}" destId="{FA4E6E20-5668-4053-B140-A2F94EA5B47B}" srcOrd="2" destOrd="0" presId="urn:microsoft.com/office/officeart/2005/8/layout/orgChart1"/>
     <dgm:cxn modelId="{87CC12BE-8B08-4053-BB3D-472B9F8C1AA4}" type="presParOf" srcId="{1A0CB7B4-33CB-4F16-A86D-5B89D85768BF}" destId="{A4B61C13-3AD0-4C5F-8C9A-FA905C744F02}" srcOrd="2" destOrd="0" presId="urn:microsoft.com/office/officeart/2005/8/layout/orgChart1"/>
     <dgm:cxn modelId="{86DE64AA-2CA8-4A31-AA42-C48F411E8D27}" type="presParOf" srcId="{6C4A2A22-5130-46D4-B092-209F5E6DDA59}" destId="{DA97EA75-69C3-4B40-ACEB-4C94600A3522}" srcOrd="2" destOrd="0" presId="urn:microsoft.com/office/officeart/2005/8/layout/orgChart1"/>
   </dgm:cxnLst>
@@ -3860,8 +3964,8 @@
       </dsp:nvSpPr>
       <dsp:spPr>
         <a:xfrm>
-          <a:off x="9963513" y="3730065"/>
-          <a:ext cx="158449" cy="485913"/>
+          <a:off x="10032960" y="3695995"/>
+          <a:ext cx="150002" cy="460008"/>
         </a:xfrm>
         <a:custGeom>
           <a:avLst/>
@@ -3875,10 +3979,10 @@
                 <a:pt x="0" y="0"/>
               </a:moveTo>
               <a:lnTo>
-                <a:pt x="0" y="485913"/>
+                <a:pt x="0" y="460008"/>
               </a:lnTo>
               <a:lnTo>
-                <a:pt x="158449" y="485913"/>
+                <a:pt x="150002" y="460008"/>
               </a:lnTo>
             </a:path>
           </a:pathLst>
@@ -3913,8 +4017,8 @@
       </dsp:nvSpPr>
       <dsp:spPr>
         <a:xfrm>
-          <a:off x="9086218" y="2945464"/>
-          <a:ext cx="1299827" cy="256435"/>
+          <a:off x="9202436" y="2953222"/>
+          <a:ext cx="1230531" cy="242764"/>
         </a:xfrm>
         <a:custGeom>
           <a:avLst/>
@@ -3928,13 +4032,13 @@
                 <a:pt x="0" y="0"/>
               </a:moveTo>
               <a:lnTo>
-                <a:pt x="0" y="145520"/>
+                <a:pt x="0" y="137762"/>
               </a:lnTo>
               <a:lnTo>
-                <a:pt x="1299827" y="145520"/>
+                <a:pt x="1230531" y="137762"/>
               </a:lnTo>
               <a:lnTo>
-                <a:pt x="1299827" y="256435"/>
+                <a:pt x="1230531" y="242764"/>
               </a:lnTo>
             </a:path>
           </a:pathLst>
@@ -3969,8 +4073,8 @@
       </dsp:nvSpPr>
       <dsp:spPr>
         <a:xfrm>
-          <a:off x="8949434" y="4480061"/>
-          <a:ext cx="158449" cy="485913"/>
+          <a:off x="9072943" y="4406007"/>
+          <a:ext cx="150002" cy="460008"/>
         </a:xfrm>
         <a:custGeom>
           <a:avLst/>
@@ -3984,10 +4088,10 @@
                 <a:pt x="0" y="0"/>
               </a:moveTo>
               <a:lnTo>
-                <a:pt x="0" y="485913"/>
+                <a:pt x="0" y="460008"/>
               </a:lnTo>
               <a:lnTo>
-                <a:pt x="158449" y="485913"/>
+                <a:pt x="150002" y="460008"/>
               </a:lnTo>
             </a:path>
           </a:pathLst>
@@ -4022,8 +4126,8 @@
       </dsp:nvSpPr>
       <dsp:spPr>
         <a:xfrm>
-          <a:off x="8109512" y="3736984"/>
-          <a:ext cx="1262454" cy="214910"/>
+          <a:off x="8277799" y="3702545"/>
+          <a:ext cx="1195151" cy="203453"/>
         </a:xfrm>
         <a:custGeom>
           <a:avLst/>
@@ -4037,13 +4141,13 @@
                 <a:pt x="0" y="0"/>
               </a:moveTo>
               <a:lnTo>
-                <a:pt x="0" y="103995"/>
+                <a:pt x="0" y="98451"/>
               </a:lnTo>
               <a:lnTo>
-                <a:pt x="1262454" y="103995"/>
+                <a:pt x="1195151" y="98451"/>
               </a:lnTo>
               <a:lnTo>
-                <a:pt x="1262454" y="214910"/>
+                <a:pt x="1195151" y="203453"/>
               </a:lnTo>
             </a:path>
           </a:pathLst>
@@ -4078,8 +4182,8 @@
       </dsp:nvSpPr>
       <dsp:spPr>
         <a:xfrm>
-          <a:off x="7671271" y="4480061"/>
-          <a:ext cx="158449" cy="485913"/>
+          <a:off x="7862922" y="4406007"/>
+          <a:ext cx="150002" cy="460008"/>
         </a:xfrm>
         <a:custGeom>
           <a:avLst/>
@@ -4093,10 +4197,10 @@
                 <a:pt x="0" y="0"/>
               </a:moveTo>
               <a:lnTo>
-                <a:pt x="0" y="485913"/>
+                <a:pt x="0" y="460008"/>
               </a:lnTo>
               <a:lnTo>
-                <a:pt x="158449" y="485913"/>
+                <a:pt x="150002" y="460008"/>
               </a:lnTo>
             </a:path>
           </a:pathLst>
@@ -4131,8 +4235,8 @@
       </dsp:nvSpPr>
       <dsp:spPr>
         <a:xfrm>
-          <a:off x="8048084" y="3736984"/>
-          <a:ext cx="91440" cy="214910"/>
+          <a:off x="8217209" y="3702545"/>
+          <a:ext cx="91440" cy="203453"/>
         </a:xfrm>
         <a:custGeom>
           <a:avLst/>
@@ -4143,16 +4247,16 @@
           <a:pathLst>
             <a:path>
               <a:moveTo>
-                <a:pt x="61427" y="0"/>
+                <a:pt x="60590" y="0"/>
               </a:moveTo>
               <a:lnTo>
-                <a:pt x="61427" y="103995"/>
+                <a:pt x="60590" y="98451"/>
               </a:lnTo>
               <a:lnTo>
-                <a:pt x="45720" y="103995"/>
+                <a:pt x="45720" y="98451"/>
               </a:lnTo>
               <a:lnTo>
-                <a:pt x="45720" y="214910"/>
+                <a:pt x="45720" y="203453"/>
               </a:lnTo>
             </a:path>
           </a:pathLst>
@@ -4187,8 +4291,8 @@
       </dsp:nvSpPr>
       <dsp:spPr>
         <a:xfrm>
-          <a:off x="6947134" y="3736984"/>
-          <a:ext cx="1162377" cy="214910"/>
+          <a:off x="7177390" y="3702545"/>
+          <a:ext cx="1100409" cy="203453"/>
         </a:xfrm>
         <a:custGeom>
           <a:avLst/>
@@ -4199,16 +4303,16 @@
           <a:pathLst>
             <a:path>
               <a:moveTo>
-                <a:pt x="1162377" y="0"/>
+                <a:pt x="1100409" y="0"/>
               </a:moveTo>
               <a:lnTo>
-                <a:pt x="1162377" y="103995"/>
+                <a:pt x="1100409" y="98451"/>
               </a:lnTo>
               <a:lnTo>
-                <a:pt x="0" y="103995"/>
+                <a:pt x="0" y="98451"/>
               </a:lnTo>
               <a:lnTo>
-                <a:pt x="0" y="214910"/>
+                <a:pt x="0" y="203453"/>
               </a:lnTo>
             </a:path>
           </a:pathLst>
@@ -4243,8 +4347,8 @@
       </dsp:nvSpPr>
       <dsp:spPr>
         <a:xfrm>
-          <a:off x="5763175" y="3736984"/>
-          <a:ext cx="2346336" cy="214910"/>
+          <a:off x="6056550" y="3702545"/>
+          <a:ext cx="2221249" cy="203453"/>
         </a:xfrm>
         <a:custGeom>
           <a:avLst/>
@@ -4255,16 +4359,16 @@
           <a:pathLst>
             <a:path>
               <a:moveTo>
-                <a:pt x="2346336" y="0"/>
+                <a:pt x="2221249" y="0"/>
               </a:moveTo>
               <a:lnTo>
-                <a:pt x="2346336" y="103995"/>
+                <a:pt x="2221249" y="98451"/>
               </a:lnTo>
               <a:lnTo>
-                <a:pt x="0" y="103995"/>
+                <a:pt x="0" y="98451"/>
               </a:lnTo>
               <a:lnTo>
-                <a:pt x="0" y="214910"/>
+                <a:pt x="0" y="203453"/>
               </a:lnTo>
             </a:path>
           </a:pathLst>
@@ -4299,8 +4403,8 @@
       </dsp:nvSpPr>
       <dsp:spPr>
         <a:xfrm>
-          <a:off x="8109512" y="2945464"/>
-          <a:ext cx="976706" cy="263354"/>
+          <a:off x="8277799" y="2953222"/>
+          <a:ext cx="924636" cy="249314"/>
         </a:xfrm>
         <a:custGeom>
           <a:avLst/>
@@ -4311,16 +4415,16 @@
           <a:pathLst>
             <a:path>
               <a:moveTo>
-                <a:pt x="976706" y="0"/>
+                <a:pt x="924636" y="0"/>
               </a:moveTo>
               <a:lnTo>
-                <a:pt x="976706" y="152439"/>
+                <a:pt x="924636" y="144312"/>
               </a:lnTo>
               <a:lnTo>
-                <a:pt x="0" y="152439"/>
+                <a:pt x="0" y="144312"/>
               </a:lnTo>
               <a:lnTo>
-                <a:pt x="0" y="263354"/>
+                <a:pt x="0" y="249314"/>
               </a:lnTo>
             </a:path>
           </a:pathLst>
@@ -4355,8 +4459,8 @@
       </dsp:nvSpPr>
       <dsp:spPr>
         <a:xfrm>
-          <a:off x="6782885" y="2945464"/>
-          <a:ext cx="2303333" cy="256435"/>
+          <a:off x="7021897" y="2953222"/>
+          <a:ext cx="2180538" cy="242764"/>
         </a:xfrm>
         <a:custGeom>
           <a:avLst/>
@@ -4367,16 +4471,16 @@
           <a:pathLst>
             <a:path>
               <a:moveTo>
-                <a:pt x="2303333" y="0"/>
+                <a:pt x="2180538" y="0"/>
               </a:moveTo>
               <a:lnTo>
-                <a:pt x="2303333" y="145520"/>
+                <a:pt x="2180538" y="137762"/>
               </a:lnTo>
               <a:lnTo>
-                <a:pt x="0" y="145520"/>
+                <a:pt x="0" y="137762"/>
               </a:lnTo>
               <a:lnTo>
-                <a:pt x="0" y="256435"/>
+                <a:pt x="0" y="242764"/>
               </a:lnTo>
             </a:path>
           </a:pathLst>
@@ -4411,8 +4515,8 @@
       </dsp:nvSpPr>
       <dsp:spPr>
         <a:xfrm>
-          <a:off x="5646335" y="2230073"/>
-          <a:ext cx="3439883" cy="187224"/>
+          <a:off x="5340928" y="2275970"/>
+          <a:ext cx="3861508" cy="177243"/>
         </a:xfrm>
         <a:custGeom>
           <a:avLst/>
@@ -4426,13 +4530,13 @@
                 <a:pt x="0" y="0"/>
               </a:moveTo>
               <a:lnTo>
-                <a:pt x="0" y="76309"/>
+                <a:pt x="0" y="72241"/>
               </a:lnTo>
               <a:lnTo>
-                <a:pt x="3439883" y="76309"/>
+                <a:pt x="3861508" y="72241"/>
               </a:lnTo>
               <a:lnTo>
-                <a:pt x="3439883" y="187224"/>
+                <a:pt x="3861508" y="177243"/>
               </a:lnTo>
             </a:path>
           </a:pathLst>
@@ -4467,8 +4571,8 @@
       </dsp:nvSpPr>
       <dsp:spPr>
         <a:xfrm>
-          <a:off x="3747249" y="2980069"/>
-          <a:ext cx="158449" cy="1235909"/>
+          <a:off x="4148097" y="2985982"/>
+          <a:ext cx="150002" cy="1170020"/>
         </a:xfrm>
         <a:custGeom>
           <a:avLst/>
@@ -4482,10 +4586,10 @@
                 <a:pt x="0" y="0"/>
               </a:moveTo>
               <a:lnTo>
-                <a:pt x="0" y="1235909"/>
+                <a:pt x="0" y="1170020"/>
               </a:lnTo>
               <a:lnTo>
-                <a:pt x="158449" y="1235909"/>
+                <a:pt x="150002" y="1170020"/>
               </a:lnTo>
             </a:path>
           </a:pathLst>
@@ -4520,8 +4624,8 @@
       </dsp:nvSpPr>
       <dsp:spPr>
         <a:xfrm>
-          <a:off x="3747249" y="2980069"/>
-          <a:ext cx="158449" cy="485913"/>
+          <a:off x="4148097" y="2985982"/>
+          <a:ext cx="150002" cy="460008"/>
         </a:xfrm>
         <a:custGeom>
           <a:avLst/>
@@ -4535,10 +4639,10 @@
                 <a:pt x="0" y="0"/>
               </a:moveTo>
               <a:lnTo>
-                <a:pt x="0" y="485913"/>
+                <a:pt x="0" y="460008"/>
               </a:lnTo>
               <a:lnTo>
-                <a:pt x="158449" y="485913"/>
+                <a:pt x="150002" y="460008"/>
               </a:lnTo>
             </a:path>
           </a:pathLst>
@@ -4573,8 +4677,8 @@
       </dsp:nvSpPr>
       <dsp:spPr>
         <a:xfrm>
-          <a:off x="4169782" y="2230073"/>
-          <a:ext cx="1476552" cy="221829"/>
+          <a:off x="4548104" y="2275970"/>
+          <a:ext cx="792823" cy="210003"/>
         </a:xfrm>
         <a:custGeom>
           <a:avLst/>
@@ -4585,16 +4689,16 @@
           <a:pathLst>
             <a:path>
               <a:moveTo>
-                <a:pt x="1476552" y="0"/>
+                <a:pt x="792823" y="0"/>
               </a:moveTo>
               <a:lnTo>
-                <a:pt x="1476552" y="110914"/>
+                <a:pt x="792823" y="105001"/>
               </a:lnTo>
               <a:lnTo>
-                <a:pt x="0" y="110914"/>
+                <a:pt x="0" y="105001"/>
               </a:lnTo>
               <a:lnTo>
-                <a:pt x="0" y="221829"/>
+                <a:pt x="0" y="210003"/>
               </a:lnTo>
             </a:path>
           </a:pathLst>
@@ -4629,8 +4733,8 @@
       </dsp:nvSpPr>
       <dsp:spPr>
         <a:xfrm>
-          <a:off x="2469087" y="2980069"/>
-          <a:ext cx="158449" cy="485913"/>
+          <a:off x="2938075" y="2985982"/>
+          <a:ext cx="150002" cy="460008"/>
         </a:xfrm>
         <a:custGeom>
           <a:avLst/>
@@ -4644,10 +4748,10 @@
                 <a:pt x="0" y="0"/>
               </a:moveTo>
               <a:lnTo>
-                <a:pt x="0" y="485913"/>
+                <a:pt x="0" y="460008"/>
               </a:lnTo>
               <a:lnTo>
-                <a:pt x="158449" y="485913"/>
+                <a:pt x="150002" y="460008"/>
               </a:lnTo>
             </a:path>
           </a:pathLst>
@@ -4682,8 +4786,8 @@
       </dsp:nvSpPr>
       <dsp:spPr>
         <a:xfrm>
-          <a:off x="2891620" y="2230073"/>
-          <a:ext cx="2754714" cy="221829"/>
+          <a:off x="3338082" y="2275970"/>
+          <a:ext cx="2002845" cy="210003"/>
         </a:xfrm>
         <a:custGeom>
           <a:avLst/>
@@ -4694,16 +4798,16 @@
           <a:pathLst>
             <a:path>
               <a:moveTo>
-                <a:pt x="2754714" y="0"/>
+                <a:pt x="2002845" y="0"/>
               </a:moveTo>
               <a:lnTo>
-                <a:pt x="2754714" y="110914"/>
+                <a:pt x="2002845" y="105001"/>
               </a:lnTo>
               <a:lnTo>
-                <a:pt x="0" y="110914"/>
+                <a:pt x="0" y="105001"/>
               </a:lnTo>
               <a:lnTo>
-                <a:pt x="0" y="221829"/>
+                <a:pt x="0" y="210003"/>
               </a:lnTo>
             </a:path>
           </a:pathLst>
@@ -4731,6 +4835,68 @@
         <a:fontRef idx="minor"/>
       </dsp:style>
     </dsp:sp>
+    <dsp:sp modelId="{ACA96EDD-3CA6-4167-A11B-957E107A250E}">
+      <dsp:nvSpPr>
+        <dsp:cNvPr id="0" name=""/>
+        <dsp:cNvSpPr/>
+      </dsp:nvSpPr>
+      <dsp:spPr>
+        <a:xfrm>
+          <a:off x="2128061" y="2275970"/>
+          <a:ext cx="3212866" cy="210003"/>
+        </a:xfrm>
+        <a:custGeom>
+          <a:avLst/>
+          <a:gdLst/>
+          <a:ahLst/>
+          <a:cxnLst/>
+          <a:rect l="0" t="0" r="0" b="0"/>
+          <a:pathLst>
+            <a:path>
+              <a:moveTo>
+                <a:pt x="3212866" y="0"/>
+              </a:moveTo>
+              <a:lnTo>
+                <a:pt x="3212866" y="105001"/>
+              </a:lnTo>
+              <a:lnTo>
+                <a:pt x="0" y="105001"/>
+              </a:lnTo>
+              <a:lnTo>
+                <a:pt x="0" y="210003"/>
+              </a:lnTo>
+            </a:path>
+          </a:pathLst>
+        </a:custGeom>
+        <a:noFill/>
+        <a:ln w="12700" cap="flat" cmpd="sng" algn="ctr">
+          <a:solidFill>
+            <a:schemeClr val="accent2">
+              <a:shade val="80000"/>
+              <a:hueOff val="0"/>
+              <a:satOff val="0"/>
+              <a:lumOff val="0"/>
+              <a:alphaOff val="0"/>
+            </a:schemeClr>
+          </a:solidFill>
+          <a:prstDash val="solid"/>
+          <a:miter lim="800000"/>
+        </a:ln>
+        <a:effectLst/>
+      </dsp:spPr>
+      <dsp:style>
+        <a:lnRef idx="2">
+          <a:scrgbClr r="0" g="0" b="0"/>
+        </a:lnRef>
+        <a:fillRef idx="0">
+          <a:scrgbClr r="0" g="0" b="0"/>
+        </a:fillRef>
+        <a:effectRef idx="0">
+          <a:scrgbClr r="0" g="0" b="0"/>
+        </a:effectRef>
+        <a:fontRef idx="minor"/>
+      </dsp:style>
+    </dsp:sp>
     <dsp:sp modelId="{6FAFB9AE-8928-4169-893F-33077E1764D7}">
       <dsp:nvSpPr>
         <dsp:cNvPr id="0" name=""/>
@@ -4738,8 +4904,8 @@
       </dsp:nvSpPr>
       <dsp:spPr>
         <a:xfrm>
-          <a:off x="3090010" y="1480077"/>
-          <a:ext cx="2556324" cy="221829"/>
+          <a:off x="2920885" y="1565957"/>
+          <a:ext cx="2420042" cy="210003"/>
         </a:xfrm>
         <a:custGeom>
           <a:avLst/>
@@ -4753,13 +4919,13 @@
                 <a:pt x="0" y="0"/>
               </a:moveTo>
               <a:lnTo>
-                <a:pt x="0" y="110914"/>
+                <a:pt x="0" y="105001"/>
               </a:lnTo>
               <a:lnTo>
-                <a:pt x="2556324" y="110914"/>
+                <a:pt x="2420042" y="105001"/>
               </a:lnTo>
               <a:lnTo>
-                <a:pt x="2556324" y="221829"/>
+                <a:pt x="2420042" y="210003"/>
               </a:lnTo>
             </a:path>
           </a:pathLst>
@@ -4794,8 +4960,8 @@
       </dsp:nvSpPr>
       <dsp:spPr>
         <a:xfrm>
-          <a:off x="3090010" y="1480077"/>
-          <a:ext cx="1285081" cy="221829"/>
+          <a:off x="2920885" y="1565957"/>
+          <a:ext cx="1216571" cy="210003"/>
         </a:xfrm>
         <a:custGeom>
           <a:avLst/>
@@ -4809,13 +4975,13 @@
                 <a:pt x="0" y="0"/>
               </a:moveTo>
               <a:lnTo>
-                <a:pt x="0" y="110914"/>
+                <a:pt x="0" y="105001"/>
               </a:lnTo>
               <a:lnTo>
-                <a:pt x="1285081" y="110914"/>
+                <a:pt x="1216571" y="105001"/>
               </a:lnTo>
               <a:lnTo>
-                <a:pt x="1285081" y="221829"/>
+                <a:pt x="1216571" y="210003"/>
               </a:lnTo>
             </a:path>
           </a:pathLst>
@@ -4850,8 +5016,8 @@
       </dsp:nvSpPr>
       <dsp:spPr>
         <a:xfrm>
-          <a:off x="3044290" y="1480077"/>
-          <a:ext cx="91440" cy="221829"/>
+          <a:off x="2875165" y="1565957"/>
+          <a:ext cx="91440" cy="210003"/>
         </a:xfrm>
         <a:custGeom>
           <a:avLst/>
@@ -4865,7 +5031,7 @@
                 <a:pt x="45720" y="0"/>
               </a:moveTo>
               <a:lnTo>
-                <a:pt x="45720" y="221829"/>
+                <a:pt x="45720" y="210003"/>
               </a:lnTo>
             </a:path>
           </a:pathLst>
@@ -4906,8 +5072,8 @@
       </dsp:nvSpPr>
       <dsp:spPr>
         <a:xfrm>
-          <a:off x="1811847" y="1480077"/>
-          <a:ext cx="1278162" cy="221829"/>
+          <a:off x="1710864" y="1565957"/>
+          <a:ext cx="1210021" cy="210003"/>
         </a:xfrm>
         <a:custGeom>
           <a:avLst/>
@@ -4918,16 +5084,16 @@
           <a:pathLst>
             <a:path>
               <a:moveTo>
-                <a:pt x="1278162" y="0"/>
+                <a:pt x="1210021" y="0"/>
               </a:moveTo>
               <a:lnTo>
-                <a:pt x="1278162" y="110914"/>
+                <a:pt x="1210021" y="105001"/>
               </a:lnTo>
               <a:lnTo>
-                <a:pt x="0" y="110914"/>
+                <a:pt x="0" y="105001"/>
               </a:lnTo>
               <a:lnTo>
-                <a:pt x="0" y="221829"/>
+                <a:pt x="0" y="210003"/>
               </a:lnTo>
             </a:path>
           </a:pathLst>
@@ -4962,8 +5128,8 @@
       </dsp:nvSpPr>
       <dsp:spPr>
         <a:xfrm>
-          <a:off x="533685" y="1480077"/>
-          <a:ext cx="2556324" cy="221829"/>
+          <a:off x="500842" y="1565957"/>
+          <a:ext cx="2420042" cy="210003"/>
         </a:xfrm>
         <a:custGeom>
           <a:avLst/>
@@ -4974,16 +5140,16 @@
           <a:pathLst>
             <a:path>
               <a:moveTo>
-                <a:pt x="2556324" y="0"/>
+                <a:pt x="2420042" y="0"/>
               </a:moveTo>
               <a:lnTo>
-                <a:pt x="2556324" y="110914"/>
+                <a:pt x="2420042" y="105001"/>
               </a:lnTo>
               <a:lnTo>
-                <a:pt x="0" y="110914"/>
+                <a:pt x="0" y="105001"/>
               </a:lnTo>
               <a:lnTo>
-                <a:pt x="0" y="221829"/>
+                <a:pt x="0" y="210003"/>
               </a:lnTo>
             </a:path>
           </a:pathLst>
@@ -5018,8 +5184,8 @@
       </dsp:nvSpPr>
       <dsp:spPr>
         <a:xfrm>
-          <a:off x="2561843" y="951910"/>
-          <a:ext cx="1056332" cy="528166"/>
+          <a:off x="2420876" y="1065948"/>
+          <a:ext cx="1000017" cy="500008"/>
         </a:xfrm>
         <a:prstGeom prst="rect">
           <a:avLst/>
@@ -5075,8 +5241,8 @@
         </a:p>
       </dsp:txBody>
       <dsp:txXfrm>
-        <a:off x="2561843" y="951910"/>
-        <a:ext cx="1056332" cy="528166"/>
+        <a:off x="2420876" y="1065948"/>
+        <a:ext cx="1000017" cy="500008"/>
       </dsp:txXfrm>
     </dsp:sp>
     <dsp:sp modelId="{34815BF1-3058-43F4-AF44-7072D129B949}">
@@ -5086,8 +5252,8 @@
       </dsp:nvSpPr>
       <dsp:spPr>
         <a:xfrm>
-          <a:off x="5518" y="1701907"/>
-          <a:ext cx="1056332" cy="528166"/>
+          <a:off x="833" y="1775961"/>
+          <a:ext cx="1000017" cy="500008"/>
         </a:xfrm>
         <a:prstGeom prst="rect">
           <a:avLst/>
@@ -5143,8 +5309,8 @@
         </a:p>
       </dsp:txBody>
       <dsp:txXfrm>
-        <a:off x="5518" y="1701907"/>
-        <a:ext cx="1056332" cy="528166"/>
+        <a:off x="833" y="1775961"/>
+        <a:ext cx="1000017" cy="500008"/>
       </dsp:txXfrm>
     </dsp:sp>
     <dsp:sp modelId="{8F30FBC8-D80D-42A6-BB4B-72A945E2212D}">
@@ -5154,8 +5320,8 @@
       </dsp:nvSpPr>
       <dsp:spPr>
         <a:xfrm>
-          <a:off x="1283681" y="1701907"/>
-          <a:ext cx="1056332" cy="528166"/>
+          <a:off x="1210855" y="1775961"/>
+          <a:ext cx="1000017" cy="500008"/>
         </a:xfrm>
         <a:prstGeom prst="rect">
           <a:avLst/>
@@ -5266,8 +5432,8 @@
         </a:p>
       </dsp:txBody>
       <dsp:txXfrm>
-        <a:off x="1283681" y="1701907"/>
-        <a:ext cx="1056332" cy="528166"/>
+        <a:off x="1210855" y="1775961"/>
+        <a:ext cx="1000017" cy="500008"/>
       </dsp:txXfrm>
     </dsp:sp>
     <dsp:sp modelId="{C9EA0331-E1A5-4161-AED6-4013BA0E2278}">
@@ -5277,8 +5443,8 @@
       </dsp:nvSpPr>
       <dsp:spPr>
         <a:xfrm>
-          <a:off x="2561843" y="1701907"/>
-          <a:ext cx="1056332" cy="528166"/>
+          <a:off x="2420876" y="1775961"/>
+          <a:ext cx="1000017" cy="500008"/>
         </a:xfrm>
         <a:prstGeom prst="rect">
           <a:avLst/>
@@ -5334,8 +5500,8 @@
         </a:p>
       </dsp:txBody>
       <dsp:txXfrm>
-        <a:off x="2561843" y="1701907"/>
-        <a:ext cx="1056332" cy="528166"/>
+        <a:off x="2420876" y="1775961"/>
+        <a:ext cx="1000017" cy="500008"/>
       </dsp:txXfrm>
     </dsp:sp>
     <dsp:sp modelId="{7637BC07-282D-4D14-9142-A0BB3442E843}">
@@ -5345,8 +5511,8 @@
       </dsp:nvSpPr>
       <dsp:spPr>
         <a:xfrm>
-          <a:off x="3846925" y="1701907"/>
-          <a:ext cx="1056332" cy="528166"/>
+          <a:off x="3637448" y="1775961"/>
+          <a:ext cx="1000017" cy="500008"/>
         </a:xfrm>
         <a:prstGeom prst="rect">
           <a:avLst/>
@@ -5402,8 +5568,8 @@
         </a:p>
       </dsp:txBody>
       <dsp:txXfrm>
-        <a:off x="3846925" y="1701907"/>
-        <a:ext cx="1056332" cy="528166"/>
+        <a:off x="3637448" y="1775961"/>
+        <a:ext cx="1000017" cy="500008"/>
       </dsp:txXfrm>
     </dsp:sp>
     <dsp:sp modelId="{B4362041-D265-4273-BBF3-BBDD1CC8F357}">
@@ -5413,8 +5579,8 @@
       </dsp:nvSpPr>
       <dsp:spPr>
         <a:xfrm>
-          <a:off x="5118168" y="1701907"/>
-          <a:ext cx="1056332" cy="528166"/>
+          <a:off x="4840919" y="1775961"/>
+          <a:ext cx="1000017" cy="500008"/>
         </a:xfrm>
         <a:prstGeom prst="rect">
           <a:avLst/>
@@ -5470,8 +5636,76 @@
         </a:p>
       </dsp:txBody>
       <dsp:txXfrm>
-        <a:off x="5118168" y="1701907"/>
-        <a:ext cx="1056332" cy="528166"/>
+        <a:off x="4840919" y="1775961"/>
+        <a:ext cx="1000017" cy="500008"/>
+      </dsp:txXfrm>
+    </dsp:sp>
+    <dsp:sp modelId="{88E9A28C-7D5F-42DB-AF86-68098B6C6099}">
+      <dsp:nvSpPr>
+        <dsp:cNvPr id="0" name=""/>
+        <dsp:cNvSpPr/>
+      </dsp:nvSpPr>
+      <dsp:spPr>
+        <a:xfrm>
+          <a:off x="1628052" y="2485973"/>
+          <a:ext cx="1000017" cy="500008"/>
+        </a:xfrm>
+        <a:prstGeom prst="rect">
+          <a:avLst/>
+        </a:prstGeom>
+        <a:solidFill>
+          <a:srgbClr val="FBF3FF"/>
+        </a:solidFill>
+        <a:ln w="12700" cap="flat" cmpd="sng" algn="ctr">
+          <a:solidFill>
+            <a:srgbClr val="9E2A7D"/>
+          </a:solidFill>
+          <a:prstDash val="solid"/>
+          <a:miter lim="800000"/>
+        </a:ln>
+        <a:effectLst/>
+      </dsp:spPr>
+      <dsp:style>
+        <a:lnRef idx="2">
+          <a:scrgbClr r="0" g="0" b="0"/>
+        </a:lnRef>
+        <a:fillRef idx="1">
+          <a:scrgbClr r="0" g="0" b="0"/>
+        </a:fillRef>
+        <a:effectRef idx="0">
+          <a:scrgbClr r="0" g="0" b="0"/>
+        </a:effectRef>
+        <a:fontRef idx="minor">
+          <a:schemeClr val="lt1"/>
+        </a:fontRef>
+      </dsp:style>
+      <dsp:txBody>
+        <a:bodyPr spcFirstLastPara="0" vert="horz" wrap="square" lIns="6985" tIns="6985" rIns="6985" bIns="6985" numCol="1" spcCol="1270" anchor="ctr" anchorCtr="0">
+          <a:noAutofit/>
+        </a:bodyPr>
+        <a:lstStyle/>
+        <a:p>
+          <a:pPr lvl="0" algn="ctr" defTabSz="488950" rtl="0">
+            <a:lnSpc>
+              <a:spcPct val="90000"/>
+            </a:lnSpc>
+            <a:spcBef>
+              <a:spcPct val="0"/>
+            </a:spcBef>
+            <a:spcAft>
+              <a:spcPct val="35000"/>
+            </a:spcAft>
+          </a:pPr>
+          <a:r>
+            <a:rPr lang="en-US" sz="1100" kern="1200" dirty="0" err="1" smtClean="0"/>
+            <a:t>InfoScreen</a:t>
+          </a:r>
+          <a:endParaRPr lang="en-US" sz="1100" kern="1200" dirty="0"/>
+        </a:p>
+      </dsp:txBody>
+      <dsp:txXfrm>
+        <a:off x="1628052" y="2485973"/>
+        <a:ext cx="1000017" cy="500008"/>
       </dsp:txXfrm>
     </dsp:sp>
     <dsp:sp modelId="{F9747D89-83FC-4FED-BC11-4F28DE71050F}">
@@ -5481,8 +5715,8 @@
       </dsp:nvSpPr>
       <dsp:spPr>
         <a:xfrm>
-          <a:off x="2363453" y="2451903"/>
-          <a:ext cx="1056332" cy="528166"/>
+          <a:off x="2838073" y="2485973"/>
+          <a:ext cx="1000017" cy="500008"/>
         </a:xfrm>
         <a:prstGeom prst="rect">
           <a:avLst/>
@@ -5552,8 +5786,8 @@
         </a:p>
       </dsp:txBody>
       <dsp:txXfrm>
-        <a:off x="2363453" y="2451903"/>
-        <a:ext cx="1056332" cy="528166"/>
+        <a:off x="2838073" y="2485973"/>
+        <a:ext cx="1000017" cy="500008"/>
       </dsp:txXfrm>
     </dsp:sp>
     <dsp:sp modelId="{BDD7F359-A772-4273-A9B8-42DA708CB8D8}">
@@ -5563,8 +5797,8 @@
       </dsp:nvSpPr>
       <dsp:spPr>
         <a:xfrm>
-          <a:off x="2627537" y="3201899"/>
-          <a:ext cx="1056332" cy="528166"/>
+          <a:off x="3088078" y="3195986"/>
+          <a:ext cx="1000017" cy="500008"/>
         </a:xfrm>
         <a:prstGeom prst="rect">
           <a:avLst/>
@@ -5634,8 +5868,8 @@
         </a:p>
       </dsp:txBody>
       <dsp:txXfrm>
-        <a:off x="2627537" y="3201899"/>
-        <a:ext cx="1056332" cy="528166"/>
+        <a:off x="3088078" y="3195986"/>
+        <a:ext cx="1000017" cy="500008"/>
       </dsp:txXfrm>
     </dsp:sp>
     <dsp:sp modelId="{CC0EFF5C-38AD-48E6-86A5-F01F47114886}">
@@ -5645,8 +5879,8 @@
       </dsp:nvSpPr>
       <dsp:spPr>
         <a:xfrm>
-          <a:off x="3641616" y="2451903"/>
-          <a:ext cx="1056332" cy="528166"/>
+          <a:off x="4048095" y="2485973"/>
+          <a:ext cx="1000017" cy="500008"/>
         </a:xfrm>
         <a:prstGeom prst="rect">
           <a:avLst/>
@@ -5702,8 +5936,8 @@
         </a:p>
       </dsp:txBody>
       <dsp:txXfrm>
-        <a:off x="3641616" y="2451903"/>
-        <a:ext cx="1056332" cy="528166"/>
+        <a:off x="4048095" y="2485973"/>
+        <a:ext cx="1000017" cy="500008"/>
       </dsp:txXfrm>
     </dsp:sp>
     <dsp:sp modelId="{1FDC30F1-387E-4DB9-8503-8DE4AC0489F0}">
@@ -5713,8 +5947,8 @@
       </dsp:nvSpPr>
       <dsp:spPr>
         <a:xfrm>
-          <a:off x="3905699" y="3201899"/>
-          <a:ext cx="1056332" cy="528166"/>
+          <a:off x="4298099" y="3195986"/>
+          <a:ext cx="1000017" cy="500008"/>
         </a:xfrm>
         <a:prstGeom prst="rect">
           <a:avLst/>
@@ -5778,8 +6012,8 @@
         </a:p>
       </dsp:txBody>
       <dsp:txXfrm>
-        <a:off x="3905699" y="3201899"/>
-        <a:ext cx="1056332" cy="528166"/>
+        <a:off x="4298099" y="3195986"/>
+        <a:ext cx="1000017" cy="500008"/>
       </dsp:txXfrm>
     </dsp:sp>
     <dsp:sp modelId="{1CA50B8E-5051-4B05-BD18-73373B9C07E4}">
@@ -5789,8 +6023,8 @@
       </dsp:nvSpPr>
       <dsp:spPr>
         <a:xfrm>
-          <a:off x="3905699" y="3951895"/>
-          <a:ext cx="1056332" cy="528166"/>
+          <a:off x="4298099" y="3905998"/>
+          <a:ext cx="1000017" cy="500008"/>
         </a:xfrm>
         <a:prstGeom prst="rect">
           <a:avLst/>
@@ -5846,8 +6080,8 @@
         </a:p>
       </dsp:txBody>
       <dsp:txXfrm>
-        <a:off x="3905699" y="3951895"/>
-        <a:ext cx="1056332" cy="528166"/>
+        <a:off x="4298099" y="3905998"/>
+        <a:ext cx="1000017" cy="500008"/>
       </dsp:txXfrm>
     </dsp:sp>
     <dsp:sp modelId="{B7301427-B76D-4A92-BE88-2ADB332D4263}">
@@ -5857,8 +6091,8 @@
       </dsp:nvSpPr>
       <dsp:spPr>
         <a:xfrm>
-          <a:off x="8558052" y="2417297"/>
-          <a:ext cx="1056332" cy="528166"/>
+          <a:off x="8702427" y="2453213"/>
+          <a:ext cx="1000017" cy="500008"/>
         </a:xfrm>
         <a:prstGeom prst="rect">
           <a:avLst/>
@@ -5914,8 +6148,8 @@
         </a:p>
       </dsp:txBody>
       <dsp:txXfrm>
-        <a:off x="8558052" y="2417297"/>
-        <a:ext cx="1056332" cy="528166"/>
+        <a:off x="8702427" y="2453213"/>
+        <a:ext cx="1000017" cy="500008"/>
       </dsp:txXfrm>
     </dsp:sp>
     <dsp:sp modelId="{81CAB74E-900C-44DA-A097-595FC72C39A4}">
@@ -5925,8 +6159,8 @@
       </dsp:nvSpPr>
       <dsp:spPr>
         <a:xfrm>
-          <a:off x="6330828" y="3201899"/>
-          <a:ext cx="904115" cy="528166"/>
+          <a:off x="6593940" y="3195986"/>
+          <a:ext cx="855915" cy="500008"/>
         </a:xfrm>
         <a:prstGeom prst="rect">
           <a:avLst/>
@@ -5990,8 +6224,8 @@
         </a:p>
       </dsp:txBody>
       <dsp:txXfrm>
-        <a:off x="6330828" y="3201899"/>
-        <a:ext cx="904115" cy="528166"/>
+        <a:off x="6593940" y="3195986"/>
+        <a:ext cx="855915" cy="500008"/>
       </dsp:txXfrm>
     </dsp:sp>
     <dsp:sp modelId="{F2A6A286-5031-4E4E-88A4-4B1B4D30917E}">
@@ -6001,8 +6235,8 @@
       </dsp:nvSpPr>
       <dsp:spPr>
         <a:xfrm>
-          <a:off x="7581346" y="3208818"/>
-          <a:ext cx="1056332" cy="528166"/>
+          <a:off x="7777791" y="3202536"/>
+          <a:ext cx="1000017" cy="500008"/>
         </a:xfrm>
         <a:prstGeom prst="rect">
           <a:avLst/>
@@ -6058,8 +6292,8 @@
         </a:p>
       </dsp:txBody>
       <dsp:txXfrm>
-        <a:off x="7581346" y="3208818"/>
-        <a:ext cx="1056332" cy="528166"/>
+        <a:off x="7777791" y="3202536"/>
+        <a:ext cx="1000017" cy="500008"/>
       </dsp:txXfrm>
     </dsp:sp>
     <dsp:sp modelId="{197E904F-99D5-4CDD-9C91-07E78832DDD6}">
@@ -6069,8 +6303,8 @@
       </dsp:nvSpPr>
       <dsp:spPr>
         <a:xfrm>
-          <a:off x="5322283" y="3951895"/>
-          <a:ext cx="881784" cy="528166"/>
+          <a:off x="5639163" y="3905998"/>
+          <a:ext cx="834774" cy="500008"/>
         </a:xfrm>
         <a:prstGeom prst="rect">
           <a:avLst/>
@@ -6134,8 +6368,8 @@
         </a:p>
       </dsp:txBody>
       <dsp:txXfrm>
-        <a:off x="5322283" y="3951895"/>
-        <a:ext cx="881784" cy="528166"/>
+        <a:off x="5639163" y="3905998"/>
+        <a:ext cx="834774" cy="500008"/>
       </dsp:txXfrm>
     </dsp:sp>
     <dsp:sp modelId="{502E229C-B5D4-494D-A93B-300A4CC6AA74}">
@@ -6145,8 +6379,8 @@
       </dsp:nvSpPr>
       <dsp:spPr>
         <a:xfrm>
-          <a:off x="6418968" y="3951895"/>
-          <a:ext cx="1056332" cy="528166"/>
+          <a:off x="6677381" y="3905998"/>
+          <a:ext cx="1000017" cy="500008"/>
         </a:xfrm>
         <a:prstGeom prst="rect">
           <a:avLst/>
@@ -6202,8 +6436,8 @@
         </a:p>
       </dsp:txBody>
       <dsp:txXfrm>
-        <a:off x="6418968" y="3951895"/>
-        <a:ext cx="1056332" cy="528166"/>
+        <a:off x="6677381" y="3905998"/>
+        <a:ext cx="1000017" cy="500008"/>
       </dsp:txXfrm>
     </dsp:sp>
     <dsp:sp modelId="{5484E96B-9D16-4DB0-8F1D-242C4DA2623A}">
@@ -6213,8 +6447,8 @@
       </dsp:nvSpPr>
       <dsp:spPr>
         <a:xfrm>
-          <a:off x="7565638" y="3951895"/>
-          <a:ext cx="1056332" cy="528166"/>
+          <a:off x="7762920" y="3905998"/>
+          <a:ext cx="1000017" cy="500008"/>
         </a:xfrm>
         <a:prstGeom prst="rect">
           <a:avLst/>
@@ -6270,8 +6504,8 @@
         </a:p>
       </dsp:txBody>
       <dsp:txXfrm>
-        <a:off x="7565638" y="3951895"/>
-        <a:ext cx="1056332" cy="528166"/>
+        <a:off x="7762920" y="3905998"/>
+        <a:ext cx="1000017" cy="500008"/>
       </dsp:txXfrm>
     </dsp:sp>
     <dsp:sp modelId="{D5306EEC-79F4-4003-82E3-A11E6B2AB031}">
@@ -6281,8 +6515,8 @@
       </dsp:nvSpPr>
       <dsp:spPr>
         <a:xfrm>
-          <a:off x="7829721" y="4701891"/>
-          <a:ext cx="1056332" cy="528166"/>
+          <a:off x="8012925" y="4616011"/>
+          <a:ext cx="1000017" cy="500008"/>
         </a:xfrm>
         <a:prstGeom prst="rect">
           <a:avLst/>
@@ -6338,8 +6572,8 @@
         </a:p>
       </dsp:txBody>
       <dsp:txXfrm>
-        <a:off x="7829721" y="4701891"/>
-        <a:ext cx="1056332" cy="528166"/>
+        <a:off x="8012925" y="4616011"/>
+        <a:ext cx="1000017" cy="500008"/>
       </dsp:txXfrm>
     </dsp:sp>
     <dsp:sp modelId="{F4D3BADB-F675-4F0D-AC78-77D2F55085CE}">
@@ -6349,8 +6583,8 @@
       </dsp:nvSpPr>
       <dsp:spPr>
         <a:xfrm>
-          <a:off x="8843801" y="3951895"/>
-          <a:ext cx="1056332" cy="528166"/>
+          <a:off x="8972942" y="3905998"/>
+          <a:ext cx="1000017" cy="500008"/>
         </a:xfrm>
         <a:prstGeom prst="rect">
           <a:avLst/>
@@ -6406,8 +6640,8 @@
         </a:p>
       </dsp:txBody>
       <dsp:txXfrm>
-        <a:off x="8843801" y="3951895"/>
-        <a:ext cx="1056332" cy="528166"/>
+        <a:off x="8972942" y="3905998"/>
+        <a:ext cx="1000017" cy="500008"/>
       </dsp:txXfrm>
     </dsp:sp>
     <dsp:sp modelId="{22202725-6EDB-40AA-853E-A71830DA2C87}">
@@ -6417,8 +6651,8 @@
       </dsp:nvSpPr>
       <dsp:spPr>
         <a:xfrm>
-          <a:off x="9107884" y="4701891"/>
-          <a:ext cx="1056332" cy="528166"/>
+          <a:off x="9222946" y="4616011"/>
+          <a:ext cx="1000017" cy="500008"/>
         </a:xfrm>
         <a:prstGeom prst="rect">
           <a:avLst/>
@@ -6474,8 +6708,8 @@
         </a:p>
       </dsp:txBody>
       <dsp:txXfrm>
-        <a:off x="9107884" y="4701891"/>
-        <a:ext cx="1056332" cy="528166"/>
+        <a:off x="9222946" y="4616011"/>
+        <a:ext cx="1000017" cy="500008"/>
       </dsp:txXfrm>
     </dsp:sp>
     <dsp:sp modelId="{2AB27E19-3434-4D1E-8B90-F342FC85AF8E}">
@@ -6485,8 +6719,8 @@
       </dsp:nvSpPr>
       <dsp:spPr>
         <a:xfrm>
-          <a:off x="9857880" y="3201899"/>
-          <a:ext cx="1056332" cy="528166"/>
+          <a:off x="9932959" y="3195986"/>
+          <a:ext cx="1000017" cy="500008"/>
         </a:xfrm>
         <a:prstGeom prst="rect">
           <a:avLst/>
@@ -6556,8 +6790,8 @@
         </a:p>
       </dsp:txBody>
       <dsp:txXfrm>
-        <a:off x="9857880" y="3201899"/>
-        <a:ext cx="1056332" cy="528166"/>
+        <a:off x="9932959" y="3195986"/>
+        <a:ext cx="1000017" cy="500008"/>
       </dsp:txXfrm>
     </dsp:sp>
     <dsp:sp modelId="{382C2874-AC17-4C6C-AF45-9743FCBC0C75}">
@@ -6567,8 +6801,8 @@
       </dsp:nvSpPr>
       <dsp:spPr>
         <a:xfrm>
-          <a:off x="10121963" y="3951895"/>
-          <a:ext cx="1056332" cy="528166"/>
+          <a:off x="10182963" y="3905998"/>
+          <a:ext cx="1000017" cy="500008"/>
         </a:xfrm>
         <a:prstGeom prst="rect">
           <a:avLst/>
@@ -6638,8 +6872,8 @@
         </a:p>
       </dsp:txBody>
       <dsp:txXfrm>
-        <a:off x="10121963" y="3951895"/>
-        <a:ext cx="1056332" cy="528166"/>
+        <a:off x="10182963" y="3905998"/>
+        <a:ext cx="1000017" cy="500008"/>
       </dsp:txXfrm>
     </dsp:sp>
   </dsp:spTree>
@@ -8957,7 +9191,7 @@
           <a:p>
             <a:fld id="{D076180C-D2FE-4036-8AA8-F2E738DE3C3A}" type="datetimeFigureOut">
               <a:rPr lang="he-IL" smtClean="0"/>
-              <a:t>ו'/אב/תשפ"ג</a:t>
+              <a:t>כ'/כסלו/תשפ"ד</a:t>
             </a:fld>
             <a:endParaRPr lang="he-IL"/>
           </a:p>
@@ -9127,7 +9361,7 @@
           <a:p>
             <a:fld id="{D076180C-D2FE-4036-8AA8-F2E738DE3C3A}" type="datetimeFigureOut">
               <a:rPr lang="he-IL" smtClean="0"/>
-              <a:t>ו'/אב/תשפ"ג</a:t>
+              <a:t>כ'/כסלו/תשפ"ד</a:t>
             </a:fld>
             <a:endParaRPr lang="he-IL"/>
           </a:p>
@@ -9307,7 +9541,7 @@
           <a:p>
             <a:fld id="{D076180C-D2FE-4036-8AA8-F2E738DE3C3A}" type="datetimeFigureOut">
               <a:rPr lang="he-IL" smtClean="0"/>
-              <a:t>ו'/אב/תשפ"ג</a:t>
+              <a:t>כ'/כסלו/תשפ"ד</a:t>
             </a:fld>
             <a:endParaRPr lang="he-IL"/>
           </a:p>
@@ -9477,7 +9711,7 @@
           <a:p>
             <a:fld id="{D076180C-D2FE-4036-8AA8-F2E738DE3C3A}" type="datetimeFigureOut">
               <a:rPr lang="he-IL" smtClean="0"/>
-              <a:t>ו'/אב/תשפ"ג</a:t>
+              <a:t>כ'/כסלו/תשפ"ד</a:t>
             </a:fld>
             <a:endParaRPr lang="he-IL"/>
           </a:p>
@@ -9723,7 +9957,7 @@
           <a:p>
             <a:fld id="{D076180C-D2FE-4036-8AA8-F2E738DE3C3A}" type="datetimeFigureOut">
               <a:rPr lang="he-IL" smtClean="0"/>
-              <a:t>ו'/אב/תשפ"ג</a:t>
+              <a:t>כ'/כסלו/תשפ"ד</a:t>
             </a:fld>
             <a:endParaRPr lang="he-IL"/>
           </a:p>
@@ -9955,7 +10189,7 @@
           <a:p>
             <a:fld id="{D076180C-D2FE-4036-8AA8-F2E738DE3C3A}" type="datetimeFigureOut">
               <a:rPr lang="he-IL" smtClean="0"/>
-              <a:t>ו'/אב/תשפ"ג</a:t>
+              <a:t>כ'/כסלו/תשפ"ד</a:t>
             </a:fld>
             <a:endParaRPr lang="he-IL"/>
           </a:p>
@@ -10322,7 +10556,7 @@
           <a:p>
             <a:fld id="{D076180C-D2FE-4036-8AA8-F2E738DE3C3A}" type="datetimeFigureOut">
               <a:rPr lang="he-IL" smtClean="0"/>
-              <a:t>ו'/אב/תשפ"ג</a:t>
+              <a:t>כ'/כסלו/תשפ"ד</a:t>
             </a:fld>
             <a:endParaRPr lang="he-IL"/>
           </a:p>
@@ -10440,7 +10674,7 @@
           <a:p>
             <a:fld id="{D076180C-D2FE-4036-8AA8-F2E738DE3C3A}" type="datetimeFigureOut">
               <a:rPr lang="he-IL" smtClean="0"/>
-              <a:t>ו'/אב/תשפ"ג</a:t>
+              <a:t>כ'/כסלו/תשפ"ד</a:t>
             </a:fld>
             <a:endParaRPr lang="he-IL"/>
           </a:p>
@@ -10535,7 +10769,7 @@
           <a:p>
             <a:fld id="{D076180C-D2FE-4036-8AA8-F2E738DE3C3A}" type="datetimeFigureOut">
               <a:rPr lang="he-IL" smtClean="0"/>
-              <a:t>ו'/אב/תשפ"ג</a:t>
+              <a:t>כ'/כסלו/תשפ"ד</a:t>
             </a:fld>
             <a:endParaRPr lang="he-IL"/>
           </a:p>
@@ -10812,7 +11046,7 @@
           <a:p>
             <a:fld id="{D076180C-D2FE-4036-8AA8-F2E738DE3C3A}" type="datetimeFigureOut">
               <a:rPr lang="he-IL" smtClean="0"/>
-              <a:t>ו'/אב/תשפ"ג</a:t>
+              <a:t>כ'/כסלו/תשפ"ד</a:t>
             </a:fld>
             <a:endParaRPr lang="he-IL"/>
           </a:p>
@@ -11065,7 +11299,7 @@
           <a:p>
             <a:fld id="{D076180C-D2FE-4036-8AA8-F2E738DE3C3A}" type="datetimeFigureOut">
               <a:rPr lang="he-IL" smtClean="0"/>
-              <a:t>ו'/אב/תשפ"ג</a:t>
+              <a:t>כ'/כסלו/תשפ"ד</a:t>
             </a:fld>
             <a:endParaRPr lang="he-IL"/>
           </a:p>
@@ -11278,7 +11512,7 @@
           <a:p>
             <a:fld id="{D076180C-D2FE-4036-8AA8-F2E738DE3C3A}" type="datetimeFigureOut">
               <a:rPr lang="he-IL" smtClean="0"/>
-              <a:t>ו'/אב/תשפ"ג</a:t>
+              <a:t>כ'/כסלו/תשפ"ד</a:t>
             </a:fld>
             <a:endParaRPr lang="he-IL"/>
           </a:p>
@@ -11690,7 +11924,7 @@
           <p:nvPr>
             <p:extLst>
               <p:ext uri="{D42A27DB-BD31-4B8C-83A1-F6EECF244321}">
-                <p14:modId xmlns:p14="http://schemas.microsoft.com/office/powerpoint/2010/main" val="2548498285"/>
+                <p14:modId xmlns:p14="http://schemas.microsoft.com/office/powerpoint/2010/main" val="872622386"/>
               </p:ext>
             </p:extLst>
           </p:nvPr>

--- a/קומפוננטות.pptx
+++ b/קומפוננטות.pptx
@@ -2310,10 +2310,173 @@
     <dgm:pt modelId="{9017FBA4-D0F2-4D41-B83D-E6CF6C5445B3}" type="parTrans" cxnId="{738F7AFA-E50E-4CA5-8C10-F893CCBD6641}">
       <dgm:prSet/>
       <dgm:spPr/>
+      <dgm:t>
+        <a:bodyPr/>
+        <a:lstStyle/>
+        <a:p>
+          <a:pPr rtl="1"/>
+          <a:endParaRPr lang="he-IL"/>
+        </a:p>
+      </dgm:t>
     </dgm:pt>
     <dgm:pt modelId="{ABF74151-6FFD-42BB-81AC-1D7F1421F6C5}" type="sibTrans" cxnId="{738F7AFA-E50E-4CA5-8C10-F893CCBD6641}">
       <dgm:prSet/>
       <dgm:spPr/>
+      <dgm:t>
+        <a:bodyPr/>
+        <a:lstStyle/>
+        <a:p>
+          <a:pPr rtl="1"/>
+          <a:endParaRPr lang="he-IL"/>
+        </a:p>
+      </dgm:t>
+    </dgm:pt>
+    <dgm:pt modelId="{08518325-C501-4F43-87D2-9154DCEE7A51}">
+      <dgm:prSet phldrT="[Text]"/>
+      <dgm:spPr>
+        <a:solidFill>
+          <a:srgbClr val="FBF3FF"/>
+        </a:solidFill>
+        <a:ln>
+          <a:solidFill>
+            <a:srgbClr val="9E2A7D"/>
+          </a:solidFill>
+        </a:ln>
+      </dgm:spPr>
+      <dgm:t>
+        <a:bodyPr/>
+        <a:lstStyle/>
+        <a:p>
+          <a:pPr rtl="0"/>
+          <a:r>
+            <a:rPr lang="en-US" smtClean="0"/>
+            <a:t>ImageVideoInput</a:t>
+          </a:r>
+          <a:endParaRPr lang="en-US" dirty="0"/>
+        </a:p>
+      </dgm:t>
+    </dgm:pt>
+    <dgm:pt modelId="{37A0B328-7B1C-4859-9431-8893A93D12CF}" type="parTrans" cxnId="{DF590587-45CE-4731-91D0-2F0442977B13}">
+      <dgm:prSet/>
+      <dgm:spPr/>
+      <dgm:t>
+        <a:bodyPr/>
+        <a:lstStyle/>
+        <a:p>
+          <a:pPr rtl="1"/>
+          <a:endParaRPr lang="he-IL"/>
+        </a:p>
+      </dgm:t>
+    </dgm:pt>
+    <dgm:pt modelId="{83D3C49A-3EE3-4DAE-B4AB-7345372FCD28}" type="sibTrans" cxnId="{DF590587-45CE-4731-91D0-2F0442977B13}">
+      <dgm:prSet/>
+      <dgm:spPr/>
+      <dgm:t>
+        <a:bodyPr/>
+        <a:lstStyle/>
+        <a:p>
+          <a:pPr rtl="1"/>
+          <a:endParaRPr lang="he-IL"/>
+        </a:p>
+      </dgm:t>
+    </dgm:pt>
+    <dgm:pt modelId="{FC3B6D9A-F598-4FF3-91B6-7E93D4EDCC25}">
+      <dgm:prSet phldrT="[Text]"/>
+      <dgm:spPr>
+        <a:solidFill>
+          <a:srgbClr val="FBF3FF"/>
+        </a:solidFill>
+        <a:ln>
+          <a:solidFill>
+            <a:srgbClr val="9E2A7D"/>
+          </a:solidFill>
+        </a:ln>
+      </dgm:spPr>
+      <dgm:t>
+        <a:bodyPr/>
+        <a:lstStyle/>
+        <a:p>
+          <a:pPr rtl="0"/>
+          <a:r>
+            <a:rPr lang="en-US" dirty="0" err="1" smtClean="0"/>
+            <a:t>TextInput</a:t>
+          </a:r>
+          <a:endParaRPr lang="en-US" dirty="0"/>
+        </a:p>
+      </dgm:t>
+    </dgm:pt>
+    <dgm:pt modelId="{7EFA2406-CCF2-4D97-BDF2-00EF98CE1AC4}" type="parTrans" cxnId="{0A543E36-E47B-4884-B573-4AFB6F12C3AB}">
+      <dgm:prSet/>
+      <dgm:spPr/>
+      <dgm:t>
+        <a:bodyPr/>
+        <a:lstStyle/>
+        <a:p>
+          <a:pPr rtl="1"/>
+          <a:endParaRPr lang="he-IL"/>
+        </a:p>
+      </dgm:t>
+    </dgm:pt>
+    <dgm:pt modelId="{A422FF5B-71D5-407E-843F-FB8D7D1A289E}" type="sibTrans" cxnId="{0A543E36-E47B-4884-B573-4AFB6F12C3AB}">
+      <dgm:prSet/>
+      <dgm:spPr/>
+      <dgm:t>
+        <a:bodyPr/>
+        <a:lstStyle/>
+        <a:p>
+          <a:pPr rtl="1"/>
+          <a:endParaRPr lang="he-IL"/>
+        </a:p>
+      </dgm:t>
+    </dgm:pt>
+    <dgm:pt modelId="{FFDB7A8A-6186-4880-A386-5A5A0F686295}">
+      <dgm:prSet phldrT="[Text]"/>
+      <dgm:spPr>
+        <a:solidFill>
+          <a:srgbClr val="FBF3FF"/>
+        </a:solidFill>
+        <a:ln>
+          <a:solidFill>
+            <a:srgbClr val="9E2A7D"/>
+          </a:solidFill>
+        </a:ln>
+      </dgm:spPr>
+      <dgm:t>
+        <a:bodyPr/>
+        <a:lstStyle/>
+        <a:p>
+          <a:pPr rtl="0"/>
+          <a:r>
+            <a:rPr lang="en-US" smtClean="0"/>
+            <a:t>YoutubeInput</a:t>
+          </a:r>
+          <a:endParaRPr lang="en-US" dirty="0"/>
+        </a:p>
+      </dgm:t>
+    </dgm:pt>
+    <dgm:pt modelId="{B19D5D04-3D62-40F2-B012-2E3C63D77CFC}" type="parTrans" cxnId="{4B93EDB1-5D70-4269-8EEB-DCE484B74EDD}">
+      <dgm:prSet/>
+      <dgm:spPr/>
+      <dgm:t>
+        <a:bodyPr/>
+        <a:lstStyle/>
+        <a:p>
+          <a:pPr rtl="1"/>
+          <a:endParaRPr lang="he-IL"/>
+        </a:p>
+      </dgm:t>
+    </dgm:pt>
+    <dgm:pt modelId="{593AA380-D58E-475E-8DFE-C906CE595C3E}" type="sibTrans" cxnId="{4B93EDB1-5D70-4269-8EEB-DCE484B74EDD}">
+      <dgm:prSet/>
+      <dgm:spPr/>
+      <dgm:t>
+        <a:bodyPr/>
+        <a:lstStyle/>
+        <a:p>
+          <a:pPr rtl="1"/>
+          <a:endParaRPr lang="he-IL"/>
+        </a:p>
+      </dgm:t>
     </dgm:pt>
     <dgm:pt modelId="{357217D7-E997-4DC1-9529-B7B2E839F24F}" type="pres">
       <dgm:prSet presAssocID="{30D72F0B-8627-4509-BD07-206D93348A6D}" presName="hierChild1" presStyleCnt="0">
@@ -2781,7 +2944,7 @@
       <dgm:spPr/>
     </dgm:pt>
     <dgm:pt modelId="{A3A6F7C8-397C-4BEE-8F83-883196A60EF1}" type="pres">
-      <dgm:prSet presAssocID="{FBE49655-A8B8-4017-BD93-97827E67D2C2}" presName="Name37" presStyleLbl="parChTrans1D4" presStyleIdx="0" presStyleCnt="13"/>
+      <dgm:prSet presAssocID="{FBE49655-A8B8-4017-BD93-97827E67D2C2}" presName="Name37" presStyleLbl="parChTrans1D4" presStyleIdx="0" presStyleCnt="16"/>
       <dgm:spPr/>
       <dgm:t>
         <a:bodyPr/>
@@ -2805,7 +2968,7 @@
       <dgm:spPr/>
     </dgm:pt>
     <dgm:pt modelId="{BDD7F359-A772-4273-A9B8-42DA708CB8D8}" type="pres">
-      <dgm:prSet presAssocID="{D9C7C2CA-434E-49B5-A1E5-E6001E59A43F}" presName="rootText" presStyleLbl="node4" presStyleIdx="0" presStyleCnt="13">
+      <dgm:prSet presAssocID="{D9C7C2CA-434E-49B5-A1E5-E6001E59A43F}" presName="rootText" presStyleLbl="node4" presStyleIdx="0" presStyleCnt="16">
         <dgm:presLayoutVars>
           <dgm:chPref val="3"/>
         </dgm:presLayoutVars>
@@ -2820,7 +2983,7 @@
       </dgm:t>
     </dgm:pt>
     <dgm:pt modelId="{CA327F2C-556C-4D98-80C1-A657A2ECFCBF}" type="pres">
-      <dgm:prSet presAssocID="{D9C7C2CA-434E-49B5-A1E5-E6001E59A43F}" presName="rootConnector" presStyleLbl="node4" presStyleIdx="0" presStyleCnt="13"/>
+      <dgm:prSet presAssocID="{D9C7C2CA-434E-49B5-A1E5-E6001E59A43F}" presName="rootConnector" presStyleLbl="node4" presStyleIdx="0" presStyleCnt="16"/>
       <dgm:spPr/>
       <dgm:t>
         <a:bodyPr/>
@@ -2899,7 +3062,7 @@
       <dgm:spPr/>
     </dgm:pt>
     <dgm:pt modelId="{3696C109-D2B8-4DDF-B71D-63D26E08D8BF}" type="pres">
-      <dgm:prSet presAssocID="{DBE85596-CA97-4160-B69D-2C6E7888E444}" presName="Name37" presStyleLbl="parChTrans1D4" presStyleIdx="1" presStyleCnt="13"/>
+      <dgm:prSet presAssocID="{DBE85596-CA97-4160-B69D-2C6E7888E444}" presName="Name37" presStyleLbl="parChTrans1D4" presStyleIdx="1" presStyleCnt="16"/>
       <dgm:spPr/>
       <dgm:t>
         <a:bodyPr/>
@@ -2923,7 +3086,7 @@
       <dgm:spPr/>
     </dgm:pt>
     <dgm:pt modelId="{1FDC30F1-387E-4DB9-8503-8DE4AC0489F0}" type="pres">
-      <dgm:prSet presAssocID="{1695B8AE-F47A-40F1-A3F2-691EC3C5C9DD}" presName="rootText" presStyleLbl="node4" presStyleIdx="1" presStyleCnt="13">
+      <dgm:prSet presAssocID="{1695B8AE-F47A-40F1-A3F2-691EC3C5C9DD}" presName="rootText" presStyleLbl="node4" presStyleIdx="1" presStyleCnt="16">
         <dgm:presLayoutVars>
           <dgm:chPref val="3"/>
         </dgm:presLayoutVars>
@@ -2939,7 +3102,7 @@
       </dgm:t>
     </dgm:pt>
     <dgm:pt modelId="{8C06F057-B079-47C7-9295-C4614CF74D64}" type="pres">
-      <dgm:prSet presAssocID="{1695B8AE-F47A-40F1-A3F2-691EC3C5C9DD}" presName="rootConnector" presStyleLbl="node4" presStyleIdx="1" presStyleCnt="13"/>
+      <dgm:prSet presAssocID="{1695B8AE-F47A-40F1-A3F2-691EC3C5C9DD}" presName="rootConnector" presStyleLbl="node4" presStyleIdx="1" presStyleCnt="16"/>
       <dgm:spPr/>
       <dgm:t>
         <a:bodyPr/>
@@ -2959,7 +3122,7 @@
       <dgm:spPr/>
     </dgm:pt>
     <dgm:pt modelId="{64100A3E-937A-4304-B967-3B8B3D1B0D56}" type="pres">
-      <dgm:prSet presAssocID="{404A3F45-3A54-4659-817E-B99C1EE11929}" presName="Name37" presStyleLbl="parChTrans1D4" presStyleIdx="2" presStyleCnt="13"/>
+      <dgm:prSet presAssocID="{404A3F45-3A54-4659-817E-B99C1EE11929}" presName="Name37" presStyleLbl="parChTrans1D4" presStyleIdx="2" presStyleCnt="16"/>
       <dgm:spPr/>
       <dgm:t>
         <a:bodyPr/>
@@ -2983,7 +3146,7 @@
       <dgm:spPr/>
     </dgm:pt>
     <dgm:pt modelId="{1CA50B8E-5051-4B05-BD18-73373B9C07E4}" type="pres">
-      <dgm:prSet presAssocID="{67FAC17F-112D-4DE1-87A6-FAEFBF0C05C8}" presName="rootText" presStyleLbl="node4" presStyleIdx="2" presStyleCnt="13">
+      <dgm:prSet presAssocID="{67FAC17F-112D-4DE1-87A6-FAEFBF0C05C8}" presName="rootText" presStyleLbl="node4" presStyleIdx="2" presStyleCnt="16">
         <dgm:presLayoutVars>
           <dgm:chPref val="3"/>
         </dgm:presLayoutVars>
@@ -2999,7 +3162,7 @@
       </dgm:t>
     </dgm:pt>
     <dgm:pt modelId="{018D4EAD-AEC9-4483-942A-187A631DE38F}" type="pres">
-      <dgm:prSet presAssocID="{67FAC17F-112D-4DE1-87A6-FAEFBF0C05C8}" presName="rootConnector" presStyleLbl="node4" presStyleIdx="2" presStyleCnt="13"/>
+      <dgm:prSet presAssocID="{67FAC17F-112D-4DE1-87A6-FAEFBF0C05C8}" presName="rootConnector" presStyleLbl="node4" presStyleIdx="2" presStyleCnt="16"/>
       <dgm:spPr/>
       <dgm:t>
         <a:bodyPr/>
@@ -3078,7 +3241,7 @@
       <dgm:spPr/>
     </dgm:pt>
     <dgm:pt modelId="{54504B6F-BACC-4F6A-A379-C64AE0971DA4}" type="pres">
-      <dgm:prSet presAssocID="{109D664E-1681-4CD1-845F-12DB0FD5BECA}" presName="Name37" presStyleLbl="parChTrans1D4" presStyleIdx="3" presStyleCnt="13"/>
+      <dgm:prSet presAssocID="{109D664E-1681-4CD1-845F-12DB0FD5BECA}" presName="Name37" presStyleLbl="parChTrans1D4" presStyleIdx="3" presStyleCnt="16"/>
       <dgm:spPr/>
       <dgm:t>
         <a:bodyPr/>
@@ -3102,7 +3265,7 @@
       <dgm:spPr/>
     </dgm:pt>
     <dgm:pt modelId="{81CAB74E-900C-44DA-A097-595FC72C39A4}" type="pres">
-      <dgm:prSet presAssocID="{C08534DF-810C-4C4A-A162-CBC854E24ADC}" presName="rootText" presStyleLbl="node4" presStyleIdx="3" presStyleCnt="13" custScaleX="85590" custLinFactNeighborX="41932">
+      <dgm:prSet presAssocID="{C08534DF-810C-4C4A-A162-CBC854E24ADC}" presName="rootText" presStyleLbl="node4" presStyleIdx="3" presStyleCnt="16" custScaleX="85590" custLinFactNeighborX="41932">
         <dgm:presLayoutVars>
           <dgm:chPref val="3"/>
         </dgm:presLayoutVars>
@@ -3118,7 +3281,7 @@
       </dgm:t>
     </dgm:pt>
     <dgm:pt modelId="{25206967-D74C-4BE5-BB8F-CC411DC4D379}" type="pres">
-      <dgm:prSet presAssocID="{C08534DF-810C-4C4A-A162-CBC854E24ADC}" presName="rootConnector" presStyleLbl="node4" presStyleIdx="3" presStyleCnt="13"/>
+      <dgm:prSet presAssocID="{C08534DF-810C-4C4A-A162-CBC854E24ADC}" presName="rootConnector" presStyleLbl="node4" presStyleIdx="3" presStyleCnt="16"/>
       <dgm:spPr/>
       <dgm:t>
         <a:bodyPr/>
@@ -3138,7 +3301,7 @@
       <dgm:spPr/>
     </dgm:pt>
     <dgm:pt modelId="{ED02F395-49D8-4077-9DE2-95636B94DCD8}" type="pres">
-      <dgm:prSet presAssocID="{C0669DE6-7488-4277-AB5A-C897F06723CE}" presName="Name37" presStyleLbl="parChTrans1D4" presStyleIdx="4" presStyleCnt="13"/>
+      <dgm:prSet presAssocID="{C0669DE6-7488-4277-AB5A-C897F06723CE}" presName="Name37" presStyleLbl="parChTrans1D4" presStyleIdx="4" presStyleCnt="16"/>
       <dgm:spPr/>
       <dgm:t>
         <a:bodyPr/>
@@ -3162,7 +3325,7 @@
       <dgm:spPr/>
     </dgm:pt>
     <dgm:pt modelId="{F2A6A286-5031-4E4E-88A4-4B1B4D30917E}" type="pres">
-      <dgm:prSet presAssocID="{EE6960EE-FA4C-4892-AAFC-9BA1416C69B6}" presName="rootText" presStyleLbl="node4" presStyleIdx="4" presStyleCnt="13" custLinFactNeighborX="53725" custLinFactNeighborY="1310">
+      <dgm:prSet presAssocID="{EE6960EE-FA4C-4892-AAFC-9BA1416C69B6}" presName="rootText" presStyleLbl="node4" presStyleIdx="4" presStyleCnt="16" custLinFactNeighborX="53725" custLinFactNeighborY="1310">
         <dgm:presLayoutVars>
           <dgm:chPref val="3"/>
         </dgm:presLayoutVars>
@@ -3177,7 +3340,7 @@
       </dgm:t>
     </dgm:pt>
     <dgm:pt modelId="{8135DA40-52DC-4B8F-84A3-B0975FF99609}" type="pres">
-      <dgm:prSet presAssocID="{EE6960EE-FA4C-4892-AAFC-9BA1416C69B6}" presName="rootConnector" presStyleLbl="node4" presStyleIdx="4" presStyleCnt="13"/>
+      <dgm:prSet presAssocID="{EE6960EE-FA4C-4892-AAFC-9BA1416C69B6}" presName="rootConnector" presStyleLbl="node4" presStyleIdx="4" presStyleCnt="16"/>
       <dgm:spPr/>
       <dgm:t>
         <a:bodyPr/>
@@ -3193,7 +3356,7 @@
       <dgm:spPr/>
     </dgm:pt>
     <dgm:pt modelId="{BB548C89-C98C-4DC4-8330-A28280CCED94}" type="pres">
-      <dgm:prSet presAssocID="{2E57C3C5-4903-445D-823A-42BE0737490C}" presName="Name37" presStyleLbl="parChTrans1D4" presStyleIdx="5" presStyleCnt="13"/>
+      <dgm:prSet presAssocID="{2E57C3C5-4903-445D-823A-42BE0737490C}" presName="Name37" presStyleLbl="parChTrans1D4" presStyleIdx="5" presStyleCnt="16"/>
       <dgm:spPr/>
       <dgm:t>
         <a:bodyPr/>
@@ -3217,7 +3380,7 @@
       <dgm:spPr/>
     </dgm:pt>
     <dgm:pt modelId="{197E904F-99D5-4CDD-9C91-07E78832DDD6}" type="pres">
-      <dgm:prSet presAssocID="{B49E01E3-7CF0-4A02-977A-75AF04B690A5}" presName="rootText" presStyleLbl="node4" presStyleIdx="5" presStyleCnt="13" custScaleX="83476" custLinFactNeighborX="13104">
+      <dgm:prSet presAssocID="{B49E01E3-7CF0-4A02-977A-75AF04B690A5}" presName="rootText" presStyleLbl="node4" presStyleIdx="5" presStyleCnt="16" custScaleX="83476" custLinFactNeighborX="13104">
         <dgm:presLayoutVars>
           <dgm:chPref val="3"/>
         </dgm:presLayoutVars>
@@ -3233,7 +3396,7 @@
       </dgm:t>
     </dgm:pt>
     <dgm:pt modelId="{9217255E-81B6-43C1-8C48-572EEF1DDACE}" type="pres">
-      <dgm:prSet presAssocID="{B49E01E3-7CF0-4A02-977A-75AF04B690A5}" presName="rootConnector" presStyleLbl="node4" presStyleIdx="5" presStyleCnt="13"/>
+      <dgm:prSet presAssocID="{B49E01E3-7CF0-4A02-977A-75AF04B690A5}" presName="rootConnector" presStyleLbl="node4" presStyleIdx="5" presStyleCnt="16"/>
       <dgm:spPr/>
       <dgm:t>
         <a:bodyPr/>
@@ -3253,7 +3416,7 @@
       <dgm:spPr/>
     </dgm:pt>
     <dgm:pt modelId="{F601E592-7A11-4289-A717-589F96F0E7C1}" type="pres">
-      <dgm:prSet presAssocID="{9D2C36C9-572B-4D13-A39F-1155445FD442}" presName="Name37" presStyleLbl="parChTrans1D4" presStyleIdx="6" presStyleCnt="13"/>
+      <dgm:prSet presAssocID="{9D2C36C9-572B-4D13-A39F-1155445FD442}" presName="Name37" presStyleLbl="parChTrans1D4" presStyleIdx="6" presStyleCnt="16"/>
       <dgm:spPr/>
       <dgm:t>
         <a:bodyPr/>
@@ -3277,7 +3440,7 @@
       <dgm:spPr/>
     </dgm:pt>
     <dgm:pt modelId="{502E229C-B5D4-494D-A93B-300A4CC6AA74}" type="pres">
-      <dgm:prSet presAssocID="{C435BF3D-3F50-4781-911F-1403A325BDAF}" presName="rootText" presStyleLbl="node4" presStyleIdx="6" presStyleCnt="13" custLinFactNeighborX="12448">
+      <dgm:prSet presAssocID="{C435BF3D-3F50-4781-911F-1403A325BDAF}" presName="rootText" presStyleLbl="node4" presStyleIdx="6" presStyleCnt="16" custLinFactNeighborX="12448">
         <dgm:presLayoutVars>
           <dgm:chPref val="3"/>
         </dgm:presLayoutVars>
@@ -3293,7 +3456,7 @@
       </dgm:t>
     </dgm:pt>
     <dgm:pt modelId="{AE0F7EC3-81E9-4CFB-A882-9E51998501C7}" type="pres">
-      <dgm:prSet presAssocID="{C435BF3D-3F50-4781-911F-1403A325BDAF}" presName="rootConnector" presStyleLbl="node4" presStyleIdx="6" presStyleCnt="13"/>
+      <dgm:prSet presAssocID="{C435BF3D-3F50-4781-911F-1403A325BDAF}" presName="rootConnector" presStyleLbl="node4" presStyleIdx="6" presStyleCnt="16"/>
       <dgm:spPr/>
       <dgm:t>
         <a:bodyPr/>
@@ -3313,7 +3476,7 @@
       <dgm:spPr/>
     </dgm:pt>
     <dgm:pt modelId="{BEA9CC4C-6381-40BF-9897-F80C23F3E44E}" type="pres">
-      <dgm:prSet presAssocID="{91BD2826-9564-4E68-A2DE-B95E59BD0ABA}" presName="Name37" presStyleLbl="parChTrans1D4" presStyleIdx="7" presStyleCnt="13"/>
+      <dgm:prSet presAssocID="{91BD2826-9564-4E68-A2DE-B95E59BD0ABA}" presName="Name37" presStyleLbl="parChTrans1D4" presStyleIdx="7" presStyleCnt="16"/>
       <dgm:spPr/>
       <dgm:t>
         <a:bodyPr/>
@@ -3337,7 +3500,7 @@
       <dgm:spPr/>
     </dgm:pt>
     <dgm:pt modelId="{5484E96B-9D16-4DB0-8F1D-242C4DA2623A}" type="pres">
-      <dgm:prSet presAssocID="{9C5F8BBA-795F-4B0B-AB83-3DC27CE2B835}" presName="rootText" presStyleLbl="node4" presStyleIdx="7" presStyleCnt="13">
+      <dgm:prSet presAssocID="{9C5F8BBA-795F-4B0B-AB83-3DC27CE2B835}" presName="rootText" presStyleLbl="node4" presStyleIdx="7" presStyleCnt="16">
         <dgm:presLayoutVars>
           <dgm:chPref val="3"/>
         </dgm:presLayoutVars>
@@ -3352,7 +3515,7 @@
       </dgm:t>
     </dgm:pt>
     <dgm:pt modelId="{5B856F03-06B7-41D7-90A4-34E0B8767D59}" type="pres">
-      <dgm:prSet presAssocID="{9C5F8BBA-795F-4B0B-AB83-3DC27CE2B835}" presName="rootConnector" presStyleLbl="node4" presStyleIdx="7" presStyleCnt="13"/>
+      <dgm:prSet presAssocID="{9C5F8BBA-795F-4B0B-AB83-3DC27CE2B835}" presName="rootConnector" presStyleLbl="node4" presStyleIdx="7" presStyleCnt="16"/>
       <dgm:spPr/>
       <dgm:t>
         <a:bodyPr/>
@@ -3368,7 +3531,7 @@
       <dgm:spPr/>
     </dgm:pt>
     <dgm:pt modelId="{C3E3873B-E45D-45B5-89AF-9B4493DD4BA4}" type="pres">
-      <dgm:prSet presAssocID="{CFE51ED1-AC75-4A0D-839E-1FEEC730988E}" presName="Name37" presStyleLbl="parChTrans1D4" presStyleIdx="8" presStyleCnt="13"/>
+      <dgm:prSet presAssocID="{CFE51ED1-AC75-4A0D-839E-1FEEC730988E}" presName="Name37" presStyleLbl="parChTrans1D4" presStyleIdx="8" presStyleCnt="16"/>
       <dgm:spPr/>
       <dgm:t>
         <a:bodyPr/>
@@ -3392,7 +3555,7 @@
       <dgm:spPr/>
     </dgm:pt>
     <dgm:pt modelId="{D5306EEC-79F4-4003-82E3-A11E6B2AB031}" type="pres">
-      <dgm:prSet presAssocID="{1F0214E2-8F2B-4FC2-9C09-2EC8D18854A1}" presName="rootText" presStyleLbl="node4" presStyleIdx="8" presStyleCnt="13">
+      <dgm:prSet presAssocID="{1F0214E2-8F2B-4FC2-9C09-2EC8D18854A1}" presName="rootText" presStyleLbl="node4" presStyleIdx="8" presStyleCnt="16">
         <dgm:presLayoutVars>
           <dgm:chPref val="3"/>
         </dgm:presLayoutVars>
@@ -3407,7 +3570,7 @@
       </dgm:t>
     </dgm:pt>
     <dgm:pt modelId="{84F84986-8C30-43FB-998C-2C108CE22EAC}" type="pres">
-      <dgm:prSet presAssocID="{1F0214E2-8F2B-4FC2-9C09-2EC8D18854A1}" presName="rootConnector" presStyleLbl="node4" presStyleIdx="8" presStyleCnt="13"/>
+      <dgm:prSet presAssocID="{1F0214E2-8F2B-4FC2-9C09-2EC8D18854A1}" presName="rootConnector" presStyleLbl="node4" presStyleIdx="8" presStyleCnt="16"/>
       <dgm:spPr/>
       <dgm:t>
         <a:bodyPr/>
@@ -3422,6 +3585,162 @@
       <dgm:prSet presAssocID="{1F0214E2-8F2B-4FC2-9C09-2EC8D18854A1}" presName="hierChild4" presStyleCnt="0"/>
       <dgm:spPr/>
     </dgm:pt>
+    <dgm:pt modelId="{FB152E66-DA0D-4C23-AE4B-E730FE81F08F}" type="pres">
+      <dgm:prSet presAssocID="{37A0B328-7B1C-4859-9431-8893A93D12CF}" presName="Name37" presStyleLbl="parChTrans1D4" presStyleIdx="9" presStyleCnt="16"/>
+      <dgm:spPr/>
+    </dgm:pt>
+    <dgm:pt modelId="{83754893-7F12-48D2-8F6B-24D115451741}" type="pres">
+      <dgm:prSet presAssocID="{08518325-C501-4F43-87D2-9154DCEE7A51}" presName="hierRoot2" presStyleCnt="0">
+        <dgm:presLayoutVars>
+          <dgm:hierBranch val="init"/>
+        </dgm:presLayoutVars>
+      </dgm:prSet>
+      <dgm:spPr/>
+    </dgm:pt>
+    <dgm:pt modelId="{775EB0A0-2B36-45FA-8231-01AD68631129}" type="pres">
+      <dgm:prSet presAssocID="{08518325-C501-4F43-87D2-9154DCEE7A51}" presName="rootComposite" presStyleCnt="0"/>
+      <dgm:spPr/>
+    </dgm:pt>
+    <dgm:pt modelId="{373EC62E-E462-49F9-8F5A-E77BAAC92B4B}" type="pres">
+      <dgm:prSet presAssocID="{08518325-C501-4F43-87D2-9154DCEE7A51}" presName="rootText" presStyleLbl="node4" presStyleIdx="9" presStyleCnt="16">
+        <dgm:presLayoutVars>
+          <dgm:chPref val="3"/>
+        </dgm:presLayoutVars>
+      </dgm:prSet>
+      <dgm:spPr/>
+      <dgm:t>
+        <a:bodyPr/>
+        <a:lstStyle/>
+        <a:p>
+          <a:pPr rtl="1"/>
+          <a:endParaRPr lang="he-IL"/>
+        </a:p>
+      </dgm:t>
+    </dgm:pt>
+    <dgm:pt modelId="{4B529D5B-5A78-410B-899E-E4728BA50B34}" type="pres">
+      <dgm:prSet presAssocID="{08518325-C501-4F43-87D2-9154DCEE7A51}" presName="rootConnector" presStyleLbl="node4" presStyleIdx="9" presStyleCnt="16"/>
+      <dgm:spPr/>
+      <dgm:t>
+        <a:bodyPr/>
+        <a:lstStyle/>
+        <a:p>
+          <a:pPr rtl="1"/>
+          <a:endParaRPr lang="he-IL"/>
+        </a:p>
+      </dgm:t>
+    </dgm:pt>
+    <dgm:pt modelId="{C8676B5A-6FF3-45EB-A914-7E0BB916246D}" type="pres">
+      <dgm:prSet presAssocID="{08518325-C501-4F43-87D2-9154DCEE7A51}" presName="hierChild4" presStyleCnt="0"/>
+      <dgm:spPr/>
+    </dgm:pt>
+    <dgm:pt modelId="{DFE81ADF-9F26-4469-8390-8CCB466E9CFB}" type="pres">
+      <dgm:prSet presAssocID="{08518325-C501-4F43-87D2-9154DCEE7A51}" presName="hierChild5" presStyleCnt="0"/>
+      <dgm:spPr/>
+    </dgm:pt>
+    <dgm:pt modelId="{36F774D5-9A8C-4E9D-BD7E-D9D218E2828D}" type="pres">
+      <dgm:prSet presAssocID="{7EFA2406-CCF2-4D97-BDF2-00EF98CE1AC4}" presName="Name37" presStyleLbl="parChTrans1D4" presStyleIdx="10" presStyleCnt="16"/>
+      <dgm:spPr/>
+    </dgm:pt>
+    <dgm:pt modelId="{F7A51CAB-9F0D-4306-9E0B-F8847F31FDC0}" type="pres">
+      <dgm:prSet presAssocID="{FC3B6D9A-F598-4FF3-91B6-7E93D4EDCC25}" presName="hierRoot2" presStyleCnt="0">
+        <dgm:presLayoutVars>
+          <dgm:hierBranch val="init"/>
+        </dgm:presLayoutVars>
+      </dgm:prSet>
+      <dgm:spPr/>
+    </dgm:pt>
+    <dgm:pt modelId="{1E2EBC3F-DD04-405D-8B30-2E60022794B4}" type="pres">
+      <dgm:prSet presAssocID="{FC3B6D9A-F598-4FF3-91B6-7E93D4EDCC25}" presName="rootComposite" presStyleCnt="0"/>
+      <dgm:spPr/>
+    </dgm:pt>
+    <dgm:pt modelId="{AB5FDA5F-1622-4AC1-B007-DAEC26F8C5D2}" type="pres">
+      <dgm:prSet presAssocID="{FC3B6D9A-F598-4FF3-91B6-7E93D4EDCC25}" presName="rootText" presStyleLbl="node4" presStyleIdx="10" presStyleCnt="16">
+        <dgm:presLayoutVars>
+          <dgm:chPref val="3"/>
+        </dgm:presLayoutVars>
+      </dgm:prSet>
+      <dgm:spPr/>
+      <dgm:t>
+        <a:bodyPr/>
+        <a:lstStyle/>
+        <a:p>
+          <a:pPr rtl="1"/>
+          <a:endParaRPr lang="he-IL"/>
+        </a:p>
+      </dgm:t>
+    </dgm:pt>
+    <dgm:pt modelId="{BCF0D705-63FB-4241-9600-06EB54406ED8}" type="pres">
+      <dgm:prSet presAssocID="{FC3B6D9A-F598-4FF3-91B6-7E93D4EDCC25}" presName="rootConnector" presStyleLbl="node4" presStyleIdx="10" presStyleCnt="16"/>
+      <dgm:spPr/>
+      <dgm:t>
+        <a:bodyPr/>
+        <a:lstStyle/>
+        <a:p>
+          <a:pPr rtl="1"/>
+          <a:endParaRPr lang="he-IL"/>
+        </a:p>
+      </dgm:t>
+    </dgm:pt>
+    <dgm:pt modelId="{B0744CE3-E192-4F40-A286-A8D2CD066EB6}" type="pres">
+      <dgm:prSet presAssocID="{FC3B6D9A-F598-4FF3-91B6-7E93D4EDCC25}" presName="hierChild4" presStyleCnt="0"/>
+      <dgm:spPr/>
+    </dgm:pt>
+    <dgm:pt modelId="{C90BE547-D323-441E-9379-FDA0ACD41D30}" type="pres">
+      <dgm:prSet presAssocID="{FC3B6D9A-F598-4FF3-91B6-7E93D4EDCC25}" presName="hierChild5" presStyleCnt="0"/>
+      <dgm:spPr/>
+    </dgm:pt>
+    <dgm:pt modelId="{DE01B114-DA3D-46D5-8FD3-4E7007594EB2}" type="pres">
+      <dgm:prSet presAssocID="{B19D5D04-3D62-40F2-B012-2E3C63D77CFC}" presName="Name37" presStyleLbl="parChTrans1D4" presStyleIdx="11" presStyleCnt="16"/>
+      <dgm:spPr/>
+    </dgm:pt>
+    <dgm:pt modelId="{4CDE40D2-C51E-4355-8BBC-92A63197A4A0}" type="pres">
+      <dgm:prSet presAssocID="{FFDB7A8A-6186-4880-A386-5A5A0F686295}" presName="hierRoot2" presStyleCnt="0">
+        <dgm:presLayoutVars>
+          <dgm:hierBranch val="init"/>
+        </dgm:presLayoutVars>
+      </dgm:prSet>
+      <dgm:spPr/>
+    </dgm:pt>
+    <dgm:pt modelId="{01501078-BE47-41C5-B70D-AA7487D7FEFB}" type="pres">
+      <dgm:prSet presAssocID="{FFDB7A8A-6186-4880-A386-5A5A0F686295}" presName="rootComposite" presStyleCnt="0"/>
+      <dgm:spPr/>
+    </dgm:pt>
+    <dgm:pt modelId="{FCD7A964-5AF1-4929-AA64-4C8B84690965}" type="pres">
+      <dgm:prSet presAssocID="{FFDB7A8A-6186-4880-A386-5A5A0F686295}" presName="rootText" presStyleLbl="node4" presStyleIdx="11" presStyleCnt="16">
+        <dgm:presLayoutVars>
+          <dgm:chPref val="3"/>
+        </dgm:presLayoutVars>
+      </dgm:prSet>
+      <dgm:spPr/>
+      <dgm:t>
+        <a:bodyPr/>
+        <a:lstStyle/>
+        <a:p>
+          <a:pPr rtl="1"/>
+          <a:endParaRPr lang="he-IL"/>
+        </a:p>
+      </dgm:t>
+    </dgm:pt>
+    <dgm:pt modelId="{18FD0FB9-5771-493C-A2DA-A984E877E0CF}" type="pres">
+      <dgm:prSet presAssocID="{FFDB7A8A-6186-4880-A386-5A5A0F686295}" presName="rootConnector" presStyleLbl="node4" presStyleIdx="11" presStyleCnt="16"/>
+      <dgm:spPr/>
+      <dgm:t>
+        <a:bodyPr/>
+        <a:lstStyle/>
+        <a:p>
+          <a:pPr rtl="1"/>
+          <a:endParaRPr lang="he-IL"/>
+        </a:p>
+      </dgm:t>
+    </dgm:pt>
+    <dgm:pt modelId="{9CBBCC76-B2D6-40AC-A4DA-54D61075B1F5}" type="pres">
+      <dgm:prSet presAssocID="{FFDB7A8A-6186-4880-A386-5A5A0F686295}" presName="hierChild4" presStyleCnt="0"/>
+      <dgm:spPr/>
+    </dgm:pt>
+    <dgm:pt modelId="{88A8CD6D-0860-47B2-B24C-7F5ED0474DC8}" type="pres">
+      <dgm:prSet presAssocID="{FFDB7A8A-6186-4880-A386-5A5A0F686295}" presName="hierChild5" presStyleCnt="0"/>
+      <dgm:spPr/>
+    </dgm:pt>
     <dgm:pt modelId="{FC82D9F5-178E-4F36-B11C-7FF58C3D700A}" type="pres">
       <dgm:prSet presAssocID="{1F0214E2-8F2B-4FC2-9C09-2EC8D18854A1}" presName="hierChild5" presStyleCnt="0"/>
       <dgm:spPr/>
@@ -3431,7 +3750,7 @@
       <dgm:spPr/>
     </dgm:pt>
     <dgm:pt modelId="{38120314-31DC-478F-8C57-EBAFAA562BAB}" type="pres">
-      <dgm:prSet presAssocID="{9F878B2F-24E6-454F-977A-16EAB2A26CF1}" presName="Name37" presStyleLbl="parChTrans1D4" presStyleIdx="9" presStyleCnt="13"/>
+      <dgm:prSet presAssocID="{9F878B2F-24E6-454F-977A-16EAB2A26CF1}" presName="Name37" presStyleLbl="parChTrans1D4" presStyleIdx="12" presStyleCnt="16"/>
       <dgm:spPr/>
       <dgm:t>
         <a:bodyPr/>
@@ -3455,7 +3774,7 @@
       <dgm:spPr/>
     </dgm:pt>
     <dgm:pt modelId="{F4D3BADB-F675-4F0D-AC78-77D2F55085CE}" type="pres">
-      <dgm:prSet presAssocID="{B156CFBF-8FB9-4C28-93CE-3580C2B16D4E}" presName="rootText" presStyleLbl="node4" presStyleIdx="9" presStyleCnt="13">
+      <dgm:prSet presAssocID="{B156CFBF-8FB9-4C28-93CE-3580C2B16D4E}" presName="rootText" presStyleLbl="node4" presStyleIdx="12" presStyleCnt="16">
         <dgm:presLayoutVars>
           <dgm:chPref val="3"/>
         </dgm:presLayoutVars>
@@ -3471,7 +3790,7 @@
       </dgm:t>
     </dgm:pt>
     <dgm:pt modelId="{770877B4-D7EA-4869-8F5D-8078F35418DA}" type="pres">
-      <dgm:prSet presAssocID="{B156CFBF-8FB9-4C28-93CE-3580C2B16D4E}" presName="rootConnector" presStyleLbl="node4" presStyleIdx="9" presStyleCnt="13"/>
+      <dgm:prSet presAssocID="{B156CFBF-8FB9-4C28-93CE-3580C2B16D4E}" presName="rootConnector" presStyleLbl="node4" presStyleIdx="12" presStyleCnt="16"/>
       <dgm:spPr/>
       <dgm:t>
         <a:bodyPr/>
@@ -3487,7 +3806,7 @@
       <dgm:spPr/>
     </dgm:pt>
     <dgm:pt modelId="{658B4E26-1420-462B-995F-19C8E2CC3357}" type="pres">
-      <dgm:prSet presAssocID="{6C08CD29-9B4F-4608-824F-45B3CB8FF9FB}" presName="Name37" presStyleLbl="parChTrans1D4" presStyleIdx="10" presStyleCnt="13"/>
+      <dgm:prSet presAssocID="{6C08CD29-9B4F-4608-824F-45B3CB8FF9FB}" presName="Name37" presStyleLbl="parChTrans1D4" presStyleIdx="13" presStyleCnt="16"/>
       <dgm:spPr/>
       <dgm:t>
         <a:bodyPr/>
@@ -3511,7 +3830,7 @@
       <dgm:spPr/>
     </dgm:pt>
     <dgm:pt modelId="{22202725-6EDB-40AA-853E-A71830DA2C87}" type="pres">
-      <dgm:prSet presAssocID="{33A55FD1-C916-43B2-A6E5-649031493C92}" presName="rootText" presStyleLbl="node4" presStyleIdx="10" presStyleCnt="13">
+      <dgm:prSet presAssocID="{33A55FD1-C916-43B2-A6E5-649031493C92}" presName="rootText" presStyleLbl="node4" presStyleIdx="13" presStyleCnt="16">
         <dgm:presLayoutVars>
           <dgm:chPref val="3"/>
         </dgm:presLayoutVars>
@@ -3527,7 +3846,7 @@
       </dgm:t>
     </dgm:pt>
     <dgm:pt modelId="{6A5CFB99-A6C1-4AF7-8BE3-612ED22C908D}" type="pres">
-      <dgm:prSet presAssocID="{33A55FD1-C916-43B2-A6E5-649031493C92}" presName="rootConnector" presStyleLbl="node4" presStyleIdx="10" presStyleCnt="13"/>
+      <dgm:prSet presAssocID="{33A55FD1-C916-43B2-A6E5-649031493C92}" presName="rootConnector" presStyleLbl="node4" presStyleIdx="13" presStyleCnt="16"/>
       <dgm:spPr/>
       <dgm:t>
         <a:bodyPr/>
@@ -3555,7 +3874,7 @@
       <dgm:spPr/>
     </dgm:pt>
     <dgm:pt modelId="{7E8D883E-EDC2-4950-8E0C-7115A153DFF2}" type="pres">
-      <dgm:prSet presAssocID="{B31B9A4B-16DB-4E49-93AD-6D53F6137659}" presName="Name37" presStyleLbl="parChTrans1D4" presStyleIdx="11" presStyleCnt="13"/>
+      <dgm:prSet presAssocID="{B31B9A4B-16DB-4E49-93AD-6D53F6137659}" presName="Name37" presStyleLbl="parChTrans1D4" presStyleIdx="14" presStyleCnt="16"/>
       <dgm:spPr/>
       <dgm:t>
         <a:bodyPr/>
@@ -3579,7 +3898,7 @@
       <dgm:spPr/>
     </dgm:pt>
     <dgm:pt modelId="{2AB27E19-3434-4D1E-8B90-F342FC85AF8E}" type="pres">
-      <dgm:prSet presAssocID="{D2C9D5AA-95B1-46B9-B353-2365975D3EEF}" presName="rootText" presStyleLbl="node4" presStyleIdx="11" presStyleCnt="13">
+      <dgm:prSet presAssocID="{D2C9D5AA-95B1-46B9-B353-2365975D3EEF}" presName="rootText" presStyleLbl="node4" presStyleIdx="14" presStyleCnt="16">
         <dgm:presLayoutVars>
           <dgm:chPref val="3"/>
         </dgm:presLayoutVars>
@@ -3594,7 +3913,7 @@
       </dgm:t>
     </dgm:pt>
     <dgm:pt modelId="{D0CC252B-A416-49BC-BDD3-B3B11793EB57}" type="pres">
-      <dgm:prSet presAssocID="{D2C9D5AA-95B1-46B9-B353-2365975D3EEF}" presName="rootConnector" presStyleLbl="node4" presStyleIdx="11" presStyleCnt="13"/>
+      <dgm:prSet presAssocID="{D2C9D5AA-95B1-46B9-B353-2365975D3EEF}" presName="rootConnector" presStyleLbl="node4" presStyleIdx="14" presStyleCnt="16"/>
       <dgm:spPr/>
       <dgm:t>
         <a:bodyPr/>
@@ -3610,7 +3929,7 @@
       <dgm:spPr/>
     </dgm:pt>
     <dgm:pt modelId="{F0DA768B-60EE-4EA6-92BA-3A73EC52CB7C}" type="pres">
-      <dgm:prSet presAssocID="{529E795D-9641-46EB-A1F9-4C395C9DD8E7}" presName="Name37" presStyleLbl="parChTrans1D4" presStyleIdx="12" presStyleCnt="13"/>
+      <dgm:prSet presAssocID="{529E795D-9641-46EB-A1F9-4C395C9DD8E7}" presName="Name37" presStyleLbl="parChTrans1D4" presStyleIdx="15" presStyleCnt="16"/>
       <dgm:spPr/>
       <dgm:t>
         <a:bodyPr/>
@@ -3634,7 +3953,7 @@
       <dgm:spPr/>
     </dgm:pt>
     <dgm:pt modelId="{382C2874-AC17-4C6C-AF45-9743FCBC0C75}" type="pres">
-      <dgm:prSet presAssocID="{88A99C8B-61A9-4BA5-B059-B232DE710ABC}" presName="rootText" presStyleLbl="node4" presStyleIdx="12" presStyleCnt="13">
+      <dgm:prSet presAssocID="{88A99C8B-61A9-4BA5-B059-B232DE710ABC}" presName="rootText" presStyleLbl="node4" presStyleIdx="15" presStyleCnt="16">
         <dgm:presLayoutVars>
           <dgm:chPref val="3"/>
         </dgm:presLayoutVars>
@@ -3649,7 +3968,7 @@
       </dgm:t>
     </dgm:pt>
     <dgm:pt modelId="{652BD52C-24BD-44EE-B696-68AE54825E8B}" type="pres">
-      <dgm:prSet presAssocID="{88A99C8B-61A9-4BA5-B059-B232DE710ABC}" presName="rootConnector" presStyleLbl="node4" presStyleIdx="12" presStyleCnt="13"/>
+      <dgm:prSet presAssocID="{88A99C8B-61A9-4BA5-B059-B232DE710ABC}" presName="rootConnector" presStyleLbl="node4" presStyleIdx="15" presStyleCnt="16"/>
       <dgm:spPr/>
       <dgm:t>
         <a:bodyPr/>
@@ -3686,98 +4005,110 @@
     </dgm:pt>
   </dgm:ptLst>
   <dgm:cxnLst>
-    <dgm:cxn modelId="{439C6037-8D77-423D-BFB7-4B88080CC94B}" type="presOf" srcId="{9CDF2204-DF35-4930-8BEC-6ED3226E8D4C}" destId="{AF23D5C4-3B99-458B-818A-9ACD1707FC6E}" srcOrd="1" destOrd="0" presId="urn:microsoft.com/office/officeart/2005/8/layout/orgChart1"/>
-    <dgm:cxn modelId="{C29FAF13-E11A-4FDA-860E-3D3F72BE4F9E}" type="presOf" srcId="{B49E01E3-7CF0-4A02-977A-75AF04B690A5}" destId="{197E904F-99D5-4CDD-9C91-07E78832DDD6}" srcOrd="0" destOrd="0" presId="urn:microsoft.com/office/officeart/2005/8/layout/orgChart1"/>
-    <dgm:cxn modelId="{DDA5A756-9299-4917-AAFC-981DFE8E02A3}" type="presOf" srcId="{1F0214E2-8F2B-4FC2-9C09-2EC8D18854A1}" destId="{84F84986-8C30-43FB-998C-2C108CE22EAC}" srcOrd="1" destOrd="0" presId="urn:microsoft.com/office/officeart/2005/8/layout/orgChart1"/>
-    <dgm:cxn modelId="{5AE6A116-7DB4-4702-9E7A-5C299FFD1E8C}" srcId="{9CDF2204-DF35-4930-8BEC-6ED3226E8D4C}" destId="{67FAC17F-112D-4DE1-87A6-FAEFBF0C05C8}" srcOrd="1" destOrd="0" parTransId="{404A3F45-3A54-4659-817E-B99C1EE11929}" sibTransId="{77C2CAEF-738B-4EEC-98FE-C101544ED9C0}"/>
-    <dgm:cxn modelId="{D9A9CC3C-5C5B-412F-B9B0-7AC7EE108559}" type="presOf" srcId="{91BD2826-9564-4E68-A2DE-B95E59BD0ABA}" destId="{BEA9CC4C-6381-40BF-9897-F80C23F3E44E}" srcOrd="0" destOrd="0" presId="urn:microsoft.com/office/officeart/2005/8/layout/orgChart1"/>
+    <dgm:cxn modelId="{9BDFE948-A85E-43B0-96E6-A42844D2B994}" type="presOf" srcId="{BC679AAB-B4EF-431E-97D6-04B868D47101}" destId="{81FCCA99-E23F-44B6-82FE-CE4D95358963}" srcOrd="1" destOrd="0" presId="urn:microsoft.com/office/officeart/2005/8/layout/orgChart1"/>
+    <dgm:cxn modelId="{BC324AA7-AB8D-42B5-8C6D-EE4FC2C5FF10}" srcId="{EE6960EE-FA4C-4892-AAFC-9BA1416C69B6}" destId="{B156CFBF-8FB9-4C28-93CE-3580C2B16D4E}" srcOrd="3" destOrd="0" parTransId="{9F878B2F-24E6-454F-977A-16EAB2A26CF1}" sibTransId="{2B22AF17-3C55-4B88-B385-8558A702E22E}"/>
+    <dgm:cxn modelId="{CE3E13B5-2284-46AB-A736-18D99F1DDD2A}" srcId="{EE6960EE-FA4C-4892-AAFC-9BA1416C69B6}" destId="{C435BF3D-3F50-4781-911F-1403A325BDAF}" srcOrd="1" destOrd="0" parTransId="{9D2C36C9-572B-4D13-A39F-1155445FD442}" sibTransId="{05D8FB53-F9E3-4EDF-98D0-39C4240FA4DC}"/>
+    <dgm:cxn modelId="{2E074ED4-C901-4B12-85A3-6DC1F67AA91C}" type="presOf" srcId="{E09CAA5C-462A-46B3-86FE-53B262FD9C67}" destId="{6FAFB9AE-8928-4169-893F-33077E1764D7}" srcOrd="0" destOrd="0" presId="urn:microsoft.com/office/officeart/2005/8/layout/orgChart1"/>
+    <dgm:cxn modelId="{EB16A013-FE1E-40EC-AE47-FA075C68A239}" srcId="{BC679AAB-B4EF-431E-97D6-04B868D47101}" destId="{8410C6A1-C0F5-4CA5-A1A1-5F41CEB57DD4}" srcOrd="2" destOrd="0" parTransId="{3FD591D2-CB3A-4B1A-B5D3-02F9DF85F558}" sibTransId="{315A9D24-1055-411E-A54A-C46EE95A7F4D}"/>
+    <dgm:cxn modelId="{FF3E37FF-1AC6-4F3E-A87D-9E0ED9593117}" type="presOf" srcId="{9017FBA4-D0F2-4D41-B83D-E6CF6C5445B3}" destId="{ACA96EDD-3CA6-4167-A11B-957E107A250E}" srcOrd="0" destOrd="0" presId="urn:microsoft.com/office/officeart/2005/8/layout/orgChart1"/>
+    <dgm:cxn modelId="{79D37E03-1C02-4A37-A0A3-EA0223DE4022}" type="presOf" srcId="{3716FBD4-3C5F-4D6C-94F0-71A031BDD296}" destId="{80D767F4-FF62-4CA2-94D9-6E4015EDBFA2}" srcOrd="1" destOrd="0" presId="urn:microsoft.com/office/officeart/2005/8/layout/orgChart1"/>
+    <dgm:cxn modelId="{6B21FAA6-5B58-42BE-8DEE-4D805BE0B0E9}" type="presOf" srcId="{B156CFBF-8FB9-4C28-93CE-3580C2B16D4E}" destId="{770877B4-D7EA-4869-8F5D-8078F35418DA}" srcOrd="1" destOrd="0" presId="urn:microsoft.com/office/officeart/2005/8/layout/orgChart1"/>
+    <dgm:cxn modelId="{CB9870A7-F773-4D23-AFD8-41A07E24AFA6}" type="presOf" srcId="{451EFCF6-ED10-4C2F-B2C5-EB750C542AE0}" destId="{7637BC07-282D-4D14-9142-A0BB3442E843}" srcOrd="0" destOrd="0" presId="urn:microsoft.com/office/officeart/2005/8/layout/orgChart1"/>
+    <dgm:cxn modelId="{BE114542-B6A4-40A7-95E4-130576B63869}" type="presOf" srcId="{404A3F45-3A54-4659-817E-B99C1EE11929}" destId="{64100A3E-937A-4304-B967-3B8B3D1B0D56}" srcOrd="0" destOrd="0" presId="urn:microsoft.com/office/officeart/2005/8/layout/orgChart1"/>
+    <dgm:cxn modelId="{0394C306-BD6F-4640-A524-FB888D9A131C}" type="presOf" srcId="{B16D12D9-70C8-4FA3-94A4-5FCD0C6314D8}" destId="{F9747D89-83FC-4FED-BC11-4F28DE71050F}" srcOrd="0" destOrd="0" presId="urn:microsoft.com/office/officeart/2005/8/layout/orgChart1"/>
+    <dgm:cxn modelId="{0728366D-7377-4F98-AB45-E43C6F430427}" type="presOf" srcId="{55F33DDB-F3FE-49EF-9E6E-D918B5B59CEC}" destId="{B7301427-B76D-4A92-BE88-2ADB332D4263}" srcOrd="0" destOrd="0" presId="urn:microsoft.com/office/officeart/2005/8/layout/orgChart1"/>
+    <dgm:cxn modelId="{DA38C74B-4E66-4827-84E0-BD6699F7DBB6}" type="presOf" srcId="{529E795D-9641-46EB-A1F9-4C395C9DD8E7}" destId="{F0DA768B-60EE-4EA6-92BA-3A73EC52CB7C}" srcOrd="0" destOrd="0" presId="urn:microsoft.com/office/officeart/2005/8/layout/orgChart1"/>
+    <dgm:cxn modelId="{A96885E3-0A0E-4A0B-BFE0-B83B47A4677C}" srcId="{EE6960EE-FA4C-4892-AAFC-9BA1416C69B6}" destId="{9C5F8BBA-795F-4B0B-AB83-3DC27CE2B835}" srcOrd="2" destOrd="0" parTransId="{91BD2826-9564-4E68-A2DE-B95E59BD0ABA}" sibTransId="{9A4A6BD1-8EB8-4C9B-8E4D-2F2A43BE4CAE}"/>
+    <dgm:cxn modelId="{9DC98E56-CADB-41EE-B825-D7C01C9BCD68}" type="presOf" srcId="{D2C9D5AA-95B1-46B9-B353-2365975D3EEF}" destId="{2AB27E19-3434-4D1E-8B90-F342FC85AF8E}" srcOrd="0" destOrd="0" presId="urn:microsoft.com/office/officeart/2005/8/layout/orgChart1"/>
+    <dgm:cxn modelId="{66A6A7FF-1430-433D-9C87-88797ED7A6D8}" type="presOf" srcId="{3B4C7DB4-D5BF-4797-8143-5B2EE5A93FA3}" destId="{86678178-EAD0-433A-B360-19818A42A0B9}" srcOrd="1" destOrd="0" presId="urn:microsoft.com/office/officeart/2005/8/layout/orgChart1"/>
+    <dgm:cxn modelId="{E5984B82-7620-406A-908B-5EE2C23C9D69}" type="presOf" srcId="{C435BF3D-3F50-4781-911F-1403A325BDAF}" destId="{AE0F7EC3-81E9-4CFB-A882-9E51998501C7}" srcOrd="1" destOrd="0" presId="urn:microsoft.com/office/officeart/2005/8/layout/orgChart1"/>
+    <dgm:cxn modelId="{6659D67E-8C0B-4692-A906-7BC045692C53}" type="presOf" srcId="{FC3B6D9A-F598-4FF3-91B6-7E93D4EDCC25}" destId="{AB5FDA5F-1622-4AC1-B007-DAEC26F8C5D2}" srcOrd="0" destOrd="0" presId="urn:microsoft.com/office/officeart/2005/8/layout/orgChart1"/>
+    <dgm:cxn modelId="{5E18F997-BFCA-4651-8CFF-3939455D4247}" srcId="{30D72F0B-8627-4509-BD07-206D93348A6D}" destId="{BC679AAB-B4EF-431E-97D6-04B868D47101}" srcOrd="0" destOrd="0" parTransId="{90CD970A-C5F8-436D-BE8D-0D9054D3040E}" sibTransId="{AB0A3252-6781-4A32-9DCA-26765CA1D771}"/>
+    <dgm:cxn modelId="{3A1413B9-5776-464F-B650-37C31A741BD2}" type="presOf" srcId="{88A99C8B-61A9-4BA5-B059-B232DE710ABC}" destId="{382C2874-AC17-4C6C-AF45-9743FCBC0C75}" srcOrd="0" destOrd="0" presId="urn:microsoft.com/office/officeart/2005/8/layout/orgChart1"/>
+    <dgm:cxn modelId="{3BF6536E-D29A-4BF0-B985-DA1ECA056E27}" type="presOf" srcId="{7979330E-D5D4-4A4A-8516-5E820A4F947E}" destId="{E6260200-7DC6-4A85-8E57-006D1C292FF4}" srcOrd="1" destOrd="0" presId="urn:microsoft.com/office/officeart/2005/8/layout/orgChart1"/>
+    <dgm:cxn modelId="{2565436C-330A-4E93-9C5D-525B2D540D78}" type="presOf" srcId="{9F878B2F-24E6-454F-977A-16EAB2A26CF1}" destId="{38120314-31DC-478F-8C57-EBAFAA562BAB}" srcOrd="0" destOrd="0" presId="urn:microsoft.com/office/officeart/2005/8/layout/orgChart1"/>
+    <dgm:cxn modelId="{58D0659C-A78A-4484-9406-CC99D38CB04D}" type="presOf" srcId="{6C08CD29-9B4F-4608-824F-45B3CB8FF9FB}" destId="{658B4E26-1420-462B-995F-19C8E2CC3357}" srcOrd="0" destOrd="0" presId="urn:microsoft.com/office/officeart/2005/8/layout/orgChart1"/>
+    <dgm:cxn modelId="{C0A37E3B-E6A6-4291-92D0-7C16C61354C2}" type="presOf" srcId="{BC679AAB-B4EF-431E-97D6-04B868D47101}" destId="{2F22C519-FE96-4D2C-9E49-C86A0F2C0CCC}" srcOrd="0" destOrd="0" presId="urn:microsoft.com/office/officeart/2005/8/layout/orgChart1"/>
+    <dgm:cxn modelId="{EC49D4EA-A186-4300-9AFB-8BED14EF851F}" type="presOf" srcId="{37A0B328-7B1C-4859-9431-8893A93D12CF}" destId="{FB152E66-DA0D-4C23-AE4B-E730FE81F08F}" srcOrd="0" destOrd="0" presId="urn:microsoft.com/office/officeart/2005/8/layout/orgChart1"/>
     <dgm:cxn modelId="{5209A91F-CDA0-4C50-9AAA-193F85905A9A}" type="presOf" srcId="{109D664E-1681-4CD1-845F-12DB0FD5BECA}" destId="{54504B6F-BACC-4F6A-A379-C64AE0971DA4}" srcOrd="0" destOrd="0" presId="urn:microsoft.com/office/officeart/2005/8/layout/orgChart1"/>
-    <dgm:cxn modelId="{4410BF44-C030-4922-9AEB-EF6EAF12B09D}" type="presOf" srcId="{88A99C8B-61A9-4BA5-B059-B232DE710ABC}" destId="{652BD52C-24BD-44EE-B696-68AE54825E8B}" srcOrd="1" destOrd="0" presId="urn:microsoft.com/office/officeart/2005/8/layout/orgChart1"/>
-    <dgm:cxn modelId="{BE114542-B6A4-40A7-95E4-130576B63869}" type="presOf" srcId="{404A3F45-3A54-4659-817E-B99C1EE11929}" destId="{64100A3E-937A-4304-B967-3B8B3D1B0D56}" srcOrd="0" destOrd="0" presId="urn:microsoft.com/office/officeart/2005/8/layout/orgChart1"/>
-    <dgm:cxn modelId="{C1A32411-261D-4B48-B53E-6EE529B5A6A1}" type="presOf" srcId="{3716FBD4-3C5F-4D6C-94F0-71A031BDD296}" destId="{B4362041-D265-4273-BBF3-BBDD1CC8F357}" srcOrd="0" destOrd="0" presId="urn:microsoft.com/office/officeart/2005/8/layout/orgChart1"/>
-    <dgm:cxn modelId="{79D37E03-1C02-4A37-A0A3-EA0223DE4022}" type="presOf" srcId="{3716FBD4-3C5F-4D6C-94F0-71A031BDD296}" destId="{80D767F4-FF62-4CA2-94D9-6E4015EDBFA2}" srcOrd="1" destOrd="0" presId="urn:microsoft.com/office/officeart/2005/8/layout/orgChart1"/>
-    <dgm:cxn modelId="{F7BEA0CC-A49E-45E2-A056-D3C593780058}" type="presOf" srcId="{B156CFBF-8FB9-4C28-93CE-3580C2B16D4E}" destId="{F4D3BADB-F675-4F0D-AC78-77D2F55085CE}" srcOrd="0" destOrd="0" presId="urn:microsoft.com/office/officeart/2005/8/layout/orgChart1"/>
-    <dgm:cxn modelId="{6FC91CB5-9B12-409D-B620-0519E26FC63F}" type="presOf" srcId="{DBE85596-CA97-4160-B69D-2C6E7888E444}" destId="{3696C109-D2B8-4DDF-B71D-63D26E08D8BF}" srcOrd="0" destOrd="0" presId="urn:microsoft.com/office/officeart/2005/8/layout/orgChart1"/>
+    <dgm:cxn modelId="{4D5EA6BA-0F03-490B-803D-1F22AA47E8D7}" srcId="{BC679AAB-B4EF-431E-97D6-04B868D47101}" destId="{3716FBD4-3C5F-4D6C-94F0-71A031BDD296}" srcOrd="4" destOrd="0" parTransId="{E09CAA5C-462A-46B3-86FE-53B262FD9C67}" sibTransId="{F26809A2-EC37-430F-AB2C-D4F965425CE4}"/>
+    <dgm:cxn modelId="{1171F323-973A-4201-850D-C960FBAB36B3}" type="presOf" srcId="{33A55FD1-C916-43B2-A6E5-649031493C92}" destId="{6A5CFB99-A6C1-4AF7-8BE3-612ED22C908D}" srcOrd="1" destOrd="0" presId="urn:microsoft.com/office/officeart/2005/8/layout/orgChart1"/>
+    <dgm:cxn modelId="{99B8672C-6053-49C4-8BDB-1839A17A18E8}" type="presOf" srcId="{FFDB7A8A-6186-4880-A386-5A5A0F686295}" destId="{18FD0FB9-5771-493C-A2DA-A984E877E0CF}" srcOrd="1" destOrd="0" presId="urn:microsoft.com/office/officeart/2005/8/layout/orgChart1"/>
+    <dgm:cxn modelId="{B147FE05-6489-4BC4-BEF1-0FFF84D7C26E}" type="presOf" srcId="{33A55FD1-C916-43B2-A6E5-649031493C92}" destId="{22202725-6EDB-40AA-853E-A71830DA2C87}" srcOrd="0" destOrd="0" presId="urn:microsoft.com/office/officeart/2005/8/layout/orgChart1"/>
+    <dgm:cxn modelId="{E7E501E1-2215-4BD0-8B1E-30E76753E799}" type="presOf" srcId="{451EFCF6-ED10-4C2F-B2C5-EB750C542AE0}" destId="{0AA78D04-F27D-4CDF-AC21-38321A1ED0B5}" srcOrd="1" destOrd="0" presId="urn:microsoft.com/office/officeart/2005/8/layout/orgChart1"/>
+    <dgm:cxn modelId="{68514341-A1F1-4EBC-B6DE-D7E3B02366B1}" type="presOf" srcId="{C8B9830C-6D70-4FCD-ACA0-417D261B7E99}" destId="{4A96A4EA-CDD2-468D-8CF1-E8DCEA727108}" srcOrd="0" destOrd="0" presId="urn:microsoft.com/office/officeart/2005/8/layout/orgChart1"/>
+    <dgm:cxn modelId="{3F89FEEF-7463-4245-BD51-EA9D6EE2E091}" type="presOf" srcId="{176874B7-EEC5-4EBE-A759-BD1DAEC8B4AE}" destId="{2F5BB800-7A86-49A9-B404-D8FD24275A24}" srcOrd="0" destOrd="0" presId="urn:microsoft.com/office/officeart/2005/8/layout/orgChart1"/>
+    <dgm:cxn modelId="{A2BB8665-80F8-4482-8A3E-357F66B41F13}" srcId="{BC679AAB-B4EF-431E-97D6-04B868D47101}" destId="{3B4C7DB4-D5BF-4797-8143-5B2EE5A93FA3}" srcOrd="0" destOrd="0" parTransId="{1B4F5134-75F2-40BF-9FE6-09D1BDE96C4F}" sibTransId="{A41E1FCB-CECC-4CEC-8A64-67693FA22BDB}"/>
+    <dgm:cxn modelId="{CAE1B8D3-2E85-499C-93E1-A0DC6EBB5722}" type="presOf" srcId="{9C5F8BBA-795F-4B0B-AB83-3DC27CE2B835}" destId="{5B856F03-06B7-41D7-90A4-34E0B8767D59}" srcOrd="1" destOrd="0" presId="urn:microsoft.com/office/officeart/2005/8/layout/orgChart1"/>
+    <dgm:cxn modelId="{440F1E04-17C2-431A-93DC-6686FFBDCF87}" srcId="{D2C9D5AA-95B1-46B9-B353-2365975D3EEF}" destId="{88A99C8B-61A9-4BA5-B059-B232DE710ABC}" srcOrd="0" destOrd="0" parTransId="{529E795D-9641-46EB-A1F9-4C395C9DD8E7}" sibTransId="{093BA88D-002C-40BF-AD52-61FAD214A07F}"/>
+    <dgm:cxn modelId="{6C4948F2-5956-41D7-83F3-40FB16CBAFBE}" srcId="{3716FBD4-3C5F-4D6C-94F0-71A031BDD296}" destId="{B16D12D9-70C8-4FA3-94A4-5FCD0C6314D8}" srcOrd="1" destOrd="0" parTransId="{176874B7-EEC5-4EBE-A759-BD1DAEC8B4AE}" sibTransId="{72454390-927E-44D9-BF65-DCE7297BECCF}"/>
+    <dgm:cxn modelId="{7BAE2429-BF1A-4EE0-84F4-9DFE94AC6995}" type="presOf" srcId="{1695B8AE-F47A-40F1-A3F2-691EC3C5C9DD}" destId="{1FDC30F1-387E-4DB9-8503-8DE4AC0489F0}" srcOrd="0" destOrd="0" presId="urn:microsoft.com/office/officeart/2005/8/layout/orgChart1"/>
     <dgm:cxn modelId="{03D0D80A-04AD-4641-A28C-05839B674D5E}" type="presOf" srcId="{B31B9A4B-16DB-4E49-93AD-6D53F6137659}" destId="{7E8D883E-EDC2-4950-8E0C-7115A153DFF2}" srcOrd="0" destOrd="0" presId="urn:microsoft.com/office/officeart/2005/8/layout/orgChart1"/>
-    <dgm:cxn modelId="{440F1E04-17C2-431A-93DC-6686FFBDCF87}" srcId="{D2C9D5AA-95B1-46B9-B353-2365975D3EEF}" destId="{88A99C8B-61A9-4BA5-B059-B232DE710ABC}" srcOrd="0" destOrd="0" parTransId="{529E795D-9641-46EB-A1F9-4C395C9DD8E7}" sibTransId="{093BA88D-002C-40BF-AD52-61FAD214A07F}"/>
+    <dgm:cxn modelId="{58C7FF6D-5FC0-4A3D-9AAD-21C1DB58DE9A}" srcId="{55F33DDB-F3FE-49EF-9E6E-D918B5B59CEC}" destId="{EE6960EE-FA4C-4892-AAFC-9BA1416C69B6}" srcOrd="1" destOrd="0" parTransId="{C0669DE6-7488-4277-AB5A-C897F06723CE}" sibTransId="{87C1BC26-4383-4EAA-AAA3-C05C3D493E38}"/>
+    <dgm:cxn modelId="{E1BDECC1-A23C-4796-ABD5-9DC2DD3BD694}" type="presOf" srcId="{3B4C7DB4-D5BF-4797-8143-5B2EE5A93FA3}" destId="{34815BF1-3058-43F4-AF44-7072D129B949}" srcOrd="0" destOrd="0" presId="urn:microsoft.com/office/officeart/2005/8/layout/orgChart1"/>
+    <dgm:cxn modelId="{0A1DD8C3-8AC4-41BC-A086-50535B5B2A8C}" type="presOf" srcId="{1695B8AE-F47A-40F1-A3F2-691EC3C5C9DD}" destId="{8C06F057-B079-47C7-9295-C4614CF74D64}" srcOrd="1" destOrd="0" presId="urn:microsoft.com/office/officeart/2005/8/layout/orgChart1"/>
+    <dgm:cxn modelId="{9E555A53-64F2-4775-ADE5-11DF1C3F4C12}" type="presOf" srcId="{C9FDA09F-4D0F-44D6-995C-D46D1E859300}" destId="{8F30FBC8-D80D-42A6-BB4B-72A945E2212D}" srcOrd="0" destOrd="0" presId="urn:microsoft.com/office/officeart/2005/8/layout/orgChart1"/>
+    <dgm:cxn modelId="{81D3B3C8-7762-40D5-A996-C2661C705FA5}" type="presOf" srcId="{C08534DF-810C-4C4A-A162-CBC854E24ADC}" destId="{81CAB74E-900C-44DA-A097-595FC72C39A4}" srcOrd="0" destOrd="0" presId="urn:microsoft.com/office/officeart/2005/8/layout/orgChart1"/>
     <dgm:cxn modelId="{788C97C8-3F50-4946-B973-B0AD5D00DEEA}" srcId="{9CDF2204-DF35-4930-8BEC-6ED3226E8D4C}" destId="{1695B8AE-F47A-40F1-A3F2-691EC3C5C9DD}" srcOrd="0" destOrd="0" parTransId="{DBE85596-CA97-4160-B69D-2C6E7888E444}" sibTransId="{42FFA051-F5DD-46EC-B13D-D031A0C36ADA}"/>
-    <dgm:cxn modelId="{A2BB8665-80F8-4482-8A3E-357F66B41F13}" srcId="{BC679AAB-B4EF-431E-97D6-04B868D47101}" destId="{3B4C7DB4-D5BF-4797-8143-5B2EE5A93FA3}" srcOrd="0" destOrd="0" parTransId="{1B4F5134-75F2-40BF-9FE6-09D1BDE96C4F}" sibTransId="{A41E1FCB-CECC-4CEC-8A64-67693FA22BDB}"/>
-    <dgm:cxn modelId="{879E1AE5-D2C5-4E57-96CC-7238A6FA6E13}" srcId="{EE6960EE-FA4C-4892-AAFC-9BA1416C69B6}" destId="{B49E01E3-7CF0-4A02-977A-75AF04B690A5}" srcOrd="0" destOrd="0" parTransId="{2E57C3C5-4903-445D-823A-42BE0737490C}" sibTransId="{EAB6871B-40EE-4808-B0D6-A2691815F094}"/>
-    <dgm:cxn modelId="{9272F00E-F0CB-4861-9F35-9E37303F8900}" type="presOf" srcId="{C0669DE6-7488-4277-AB5A-C897F06723CE}" destId="{ED02F395-49D8-4077-9DE2-95636B94DCD8}" srcOrd="0" destOrd="0" presId="urn:microsoft.com/office/officeart/2005/8/layout/orgChart1"/>
-    <dgm:cxn modelId="{6B21FAA6-5B58-42BE-8DEE-4D805BE0B0E9}" type="presOf" srcId="{B156CFBF-8FB9-4C28-93CE-3580C2B16D4E}" destId="{770877B4-D7EA-4869-8F5D-8078F35418DA}" srcOrd="1" destOrd="0" presId="urn:microsoft.com/office/officeart/2005/8/layout/orgChart1"/>
-    <dgm:cxn modelId="{68514341-A1F1-4EBC-B6DE-D7E3B02366B1}" type="presOf" srcId="{C8B9830C-6D70-4FCD-ACA0-417D261B7E99}" destId="{4A96A4EA-CDD2-468D-8CF1-E8DCEA727108}" srcOrd="0" destOrd="0" presId="urn:microsoft.com/office/officeart/2005/8/layout/orgChart1"/>
-    <dgm:cxn modelId="{5E18F997-BFCA-4651-8CFF-3939455D4247}" srcId="{30D72F0B-8627-4509-BD07-206D93348A6D}" destId="{BC679AAB-B4EF-431E-97D6-04B868D47101}" srcOrd="0" destOrd="0" parTransId="{90CD970A-C5F8-436D-BE8D-0D9054D3040E}" sibTransId="{AB0A3252-6781-4A32-9DCA-26765CA1D771}"/>
-    <dgm:cxn modelId="{EB16A013-FE1E-40EC-AE47-FA075C68A239}" srcId="{BC679AAB-B4EF-431E-97D6-04B868D47101}" destId="{8410C6A1-C0F5-4CA5-A1A1-5F41CEB57DD4}" srcOrd="2" destOrd="0" parTransId="{3FD591D2-CB3A-4B1A-B5D3-02F9DF85F558}" sibTransId="{315A9D24-1055-411E-A54A-C46EE95A7F4D}"/>
-    <dgm:cxn modelId="{9BDFE948-A85E-43B0-96E6-A42844D2B994}" type="presOf" srcId="{BC679AAB-B4EF-431E-97D6-04B868D47101}" destId="{81FCCA99-E23F-44B6-82FE-CE4D95358963}" srcOrd="1" destOrd="0" presId="urn:microsoft.com/office/officeart/2005/8/layout/orgChart1"/>
     <dgm:cxn modelId="{D4572882-328E-4DF3-8DEE-FF8D45F24142}" srcId="{B16D12D9-70C8-4FA3-94A4-5FCD0C6314D8}" destId="{D9C7C2CA-434E-49B5-A1E5-E6001E59A43F}" srcOrd="0" destOrd="0" parTransId="{FBE49655-A8B8-4017-BD93-97827E67D2C2}" sibTransId="{FC96CAFC-F9EC-4AC3-8C95-D30DFF614B4C}"/>
-    <dgm:cxn modelId="{81D3B3C8-7762-40D5-A996-C2661C705FA5}" type="presOf" srcId="{C08534DF-810C-4C4A-A162-CBC854E24ADC}" destId="{81CAB74E-900C-44DA-A097-595FC72C39A4}" srcOrd="0" destOrd="0" presId="urn:microsoft.com/office/officeart/2005/8/layout/orgChart1"/>
-    <dgm:cxn modelId="{58D0659C-A78A-4484-9406-CC99D38CB04D}" type="presOf" srcId="{6C08CD29-9B4F-4608-824F-45B3CB8FF9FB}" destId="{658B4E26-1420-462B-995F-19C8E2CC3357}" srcOrd="0" destOrd="0" presId="urn:microsoft.com/office/officeart/2005/8/layout/orgChart1"/>
-    <dgm:cxn modelId="{58C7FF6D-5FC0-4A3D-9AAD-21C1DB58DE9A}" srcId="{55F33DDB-F3FE-49EF-9E6E-D918B5B59CEC}" destId="{EE6960EE-FA4C-4892-AAFC-9BA1416C69B6}" srcOrd="1" destOrd="0" parTransId="{C0669DE6-7488-4277-AB5A-C897F06723CE}" sibTransId="{87C1BC26-4383-4EAA-AAA3-C05C3D493E38}"/>
-    <dgm:cxn modelId="{0394C306-BD6F-4640-A524-FB888D9A131C}" type="presOf" srcId="{B16D12D9-70C8-4FA3-94A4-5FCD0C6314D8}" destId="{F9747D89-83FC-4FED-BC11-4F28DE71050F}" srcOrd="0" destOrd="0" presId="urn:microsoft.com/office/officeart/2005/8/layout/orgChart1"/>
+    <dgm:cxn modelId="{C27B00CD-CF9E-4FFE-9BBE-E3E61D43ED3A}" type="presOf" srcId="{2DD68A91-10FE-4222-92EE-13E57FCE63AB}" destId="{77393199-4630-4A5C-A719-115C0DC9B8D9}" srcOrd="0" destOrd="0" presId="urn:microsoft.com/office/officeart/2005/8/layout/orgChart1"/>
     <dgm:cxn modelId="{E9B6D672-2010-4E51-BE97-9770F43B0918}" type="presOf" srcId="{C435BF3D-3F50-4781-911F-1403A325BDAF}" destId="{502E229C-B5D4-494D-A93B-300A4CC6AA74}" srcOrd="0" destOrd="0" presId="urn:microsoft.com/office/officeart/2005/8/layout/orgChart1"/>
     <dgm:cxn modelId="{1AED60B8-215F-4E45-B7E7-3482F80E1CC7}" type="presOf" srcId="{8410C6A1-C0F5-4CA5-A1A1-5F41CEB57DD4}" destId="{31AA37E8-89E9-4D38-8D57-8365EAF07506}" srcOrd="1" destOrd="0" presId="urn:microsoft.com/office/officeart/2005/8/layout/orgChart1"/>
-    <dgm:cxn modelId="{BC324AA7-AB8D-42B5-8C6D-EE4FC2C5FF10}" srcId="{EE6960EE-FA4C-4892-AAFC-9BA1416C69B6}" destId="{B156CFBF-8FB9-4C28-93CE-3580C2B16D4E}" srcOrd="3" destOrd="0" parTransId="{9F878B2F-24E6-454F-977A-16EAB2A26CF1}" sibTransId="{2B22AF17-3C55-4B88-B385-8558A702E22E}"/>
+    <dgm:cxn modelId="{4410BF44-C030-4922-9AEB-EF6EAF12B09D}" type="presOf" srcId="{88A99C8B-61A9-4BA5-B059-B232DE710ABC}" destId="{652BD52C-24BD-44EE-B696-68AE54825E8B}" srcOrd="1" destOrd="0" presId="urn:microsoft.com/office/officeart/2005/8/layout/orgChart1"/>
+    <dgm:cxn modelId="{A67B218B-5781-4CFB-B0E6-6A83DE101BD3}" srcId="{3716FBD4-3C5F-4D6C-94F0-71A031BDD296}" destId="{9CDF2204-DF35-4930-8BEC-6ED3226E8D4C}" srcOrd="2" destOrd="0" parTransId="{C8B9830C-6D70-4FCD-ACA0-417D261B7E99}" sibTransId="{4AACA5E1-0C09-4463-9909-9F09077CAEE2}"/>
+    <dgm:cxn modelId="{AA8ABE5A-B3C5-436F-8929-052D88B81B44}" type="presOf" srcId="{C9FDA09F-4D0F-44D6-995C-D46D1E859300}" destId="{0A3590E3-E4B7-4C71-9644-4DD31CBD934B}" srcOrd="1" destOrd="0" presId="urn:microsoft.com/office/officeart/2005/8/layout/orgChart1"/>
+    <dgm:cxn modelId="{6B0947E4-3C52-431D-B3A5-803B73992F60}" srcId="{3716FBD4-3C5F-4D6C-94F0-71A031BDD296}" destId="{55F33DDB-F3FE-49EF-9E6E-D918B5B59CEC}" srcOrd="3" destOrd="0" parTransId="{C330D18D-477B-4F4C-A084-52BC2E257722}" sibTransId="{F4A42AD6-1952-4546-8D3F-CD7E5AC16FFE}"/>
+    <dgm:cxn modelId="{0A543E36-E47B-4884-B573-4AFB6F12C3AB}" srcId="{1F0214E2-8F2B-4FC2-9C09-2EC8D18854A1}" destId="{FC3B6D9A-F598-4FF3-91B6-7E93D4EDCC25}" srcOrd="1" destOrd="0" parTransId="{7EFA2406-CCF2-4D97-BDF2-00EF98CE1AC4}" sibTransId="{A422FF5B-71D5-407E-843F-FB8D7D1A289E}"/>
+    <dgm:cxn modelId="{E4FA17AA-3E32-4DB3-8828-C3DB865BAF0F}" type="presOf" srcId="{FBE49655-A8B8-4017-BD93-97827E67D2C2}" destId="{A3A6F7C8-397C-4BEE-8F83-883196A60EF1}" srcOrd="0" destOrd="0" presId="urn:microsoft.com/office/officeart/2005/8/layout/orgChart1"/>
+    <dgm:cxn modelId="{CB4C2E1A-2396-4EDD-BD27-35E6451A408E}" type="presOf" srcId="{C08534DF-810C-4C4A-A162-CBC854E24ADC}" destId="{25206967-D74C-4BE5-BB8F-CC411DC4D379}" srcOrd="1" destOrd="0" presId="urn:microsoft.com/office/officeart/2005/8/layout/orgChart1"/>
+    <dgm:cxn modelId="{E22CEE99-42B1-47AB-B6F5-DFC648A3D704}" type="presOf" srcId="{55F33DDB-F3FE-49EF-9E6E-D918B5B59CEC}" destId="{7F0DE215-8FC4-4A5E-8A91-2B3056656056}" srcOrd="1" destOrd="0" presId="urn:microsoft.com/office/officeart/2005/8/layout/orgChart1"/>
+    <dgm:cxn modelId="{5EAA0F02-322E-45B6-B8AD-F92D60F7691C}" type="presOf" srcId="{EE6960EE-FA4C-4892-AAFC-9BA1416C69B6}" destId="{F2A6A286-5031-4E4E-88A4-4B1B4D30917E}" srcOrd="0" destOrd="0" presId="urn:microsoft.com/office/officeart/2005/8/layout/orgChart1"/>
+    <dgm:cxn modelId="{D5BF218F-270A-435A-872A-CB4BE9E49E98}" type="presOf" srcId="{B49E01E3-7CF0-4A02-977A-75AF04B690A5}" destId="{9217255E-81B6-43C1-8C48-572EEF1DDACE}" srcOrd="1" destOrd="0" presId="urn:microsoft.com/office/officeart/2005/8/layout/orgChart1"/>
+    <dgm:cxn modelId="{FE7B8862-5874-4571-9172-331510574590}" srcId="{9C5F8BBA-795F-4B0B-AB83-3DC27CE2B835}" destId="{1F0214E2-8F2B-4FC2-9C09-2EC8D18854A1}" srcOrd="0" destOrd="0" parTransId="{CFE51ED1-AC75-4A0D-839E-1FEEC730988E}" sibTransId="{1C834F6E-3DDB-4B51-9153-9C1925D48E78}"/>
+    <dgm:cxn modelId="{D9A9CC3C-5C5B-412F-B9B0-7AC7EE108559}" type="presOf" srcId="{91BD2826-9564-4E68-A2DE-B95E59BD0ABA}" destId="{BEA9CC4C-6381-40BF-9897-F80C23F3E44E}" srcOrd="0" destOrd="0" presId="urn:microsoft.com/office/officeart/2005/8/layout/orgChart1"/>
+    <dgm:cxn modelId="{8BF2DD64-29BB-493C-9C70-217D014B721E}" type="presOf" srcId="{08518325-C501-4F43-87D2-9154DCEE7A51}" destId="{373EC62E-E462-49F9-8F5A-E77BAAC92B4B}" srcOrd="0" destOrd="0" presId="urn:microsoft.com/office/officeart/2005/8/layout/orgChart1"/>
+    <dgm:cxn modelId="{32199852-2284-4554-B093-4F3EA652B317}" srcId="{BC679AAB-B4EF-431E-97D6-04B868D47101}" destId="{451EFCF6-ED10-4C2F-B2C5-EB750C542AE0}" srcOrd="3" destOrd="0" parTransId="{591EFF60-65BB-4ADC-96AD-DB82D8960F90}" sibTransId="{A1A26685-5BC3-425F-889F-2D11B6BEC174}"/>
+    <dgm:cxn modelId="{42EAE2B0-F99E-43F2-B451-48364B744BEB}" type="presOf" srcId="{FC3B6D9A-F598-4FF3-91B6-7E93D4EDCC25}" destId="{BCF0D705-63FB-4241-9600-06EB54406ED8}" srcOrd="1" destOrd="0" presId="urn:microsoft.com/office/officeart/2005/8/layout/orgChart1"/>
+    <dgm:cxn modelId="{CC7AFE17-FDDE-4BCB-AF5D-8DA6021C6A77}" type="presOf" srcId="{D2C9D5AA-95B1-46B9-B353-2365975D3EEF}" destId="{D0CC252B-A416-49BC-BDD3-B3B11793EB57}" srcOrd="1" destOrd="0" presId="urn:microsoft.com/office/officeart/2005/8/layout/orgChart1"/>
+    <dgm:cxn modelId="{0CC35F8D-5043-4D07-94CD-9CA821CCEDF8}" type="presOf" srcId="{B16D12D9-70C8-4FA3-94A4-5FCD0C6314D8}" destId="{535D0227-452F-4594-8F39-12D0C1149FB4}" srcOrd="1" destOrd="0" presId="urn:microsoft.com/office/officeart/2005/8/layout/orgChart1"/>
+    <dgm:cxn modelId="{124EBF50-6999-464E-AA96-49107BB659C8}" type="presOf" srcId="{2E57C3C5-4903-445D-823A-42BE0737490C}" destId="{BB548C89-C98C-4DC4-8330-A28280CCED94}" srcOrd="0" destOrd="0" presId="urn:microsoft.com/office/officeart/2005/8/layout/orgChart1"/>
+    <dgm:cxn modelId="{0BBEC4A7-E8A9-4CCE-9338-B462E7EAA05F}" type="presOf" srcId="{30D72F0B-8627-4509-BD07-206D93348A6D}" destId="{357217D7-E997-4DC1-9529-B7B2E839F24F}" srcOrd="0" destOrd="0" presId="urn:microsoft.com/office/officeart/2005/8/layout/orgChart1"/>
+    <dgm:cxn modelId="{738F7AFA-E50E-4CA5-8C10-F893CCBD6641}" srcId="{3716FBD4-3C5F-4D6C-94F0-71A031BDD296}" destId="{7979330E-D5D4-4A4A-8516-5E820A4F947E}" srcOrd="0" destOrd="0" parTransId="{9017FBA4-D0F2-4D41-B83D-E6CF6C5445B3}" sibTransId="{ABF74151-6FFD-42BB-81AC-1D7F1421F6C5}"/>
+    <dgm:cxn modelId="{4C1A9132-D9D5-46CB-A4FC-33620DF32398}" type="presOf" srcId="{9C5F8BBA-795F-4B0B-AB83-3DC27CE2B835}" destId="{5484E96B-9D16-4DB0-8F1D-242C4DA2623A}" srcOrd="0" destOrd="0" presId="urn:microsoft.com/office/officeart/2005/8/layout/orgChart1"/>
+    <dgm:cxn modelId="{7CD4EE11-F624-4D44-A29A-F44C5D937887}" type="presOf" srcId="{08518325-C501-4F43-87D2-9154DCEE7A51}" destId="{4B529D5B-5A78-410B-899E-E4728BA50B34}" srcOrd="1" destOrd="0" presId="urn:microsoft.com/office/officeart/2005/8/layout/orgChart1"/>
+    <dgm:cxn modelId="{54F2789E-DD68-4A7E-B200-71994D692DB1}" type="presOf" srcId="{9D2C36C9-572B-4D13-A39F-1155445FD442}" destId="{F601E592-7A11-4289-A717-589F96F0E7C1}" srcOrd="0" destOrd="0" presId="urn:microsoft.com/office/officeart/2005/8/layout/orgChart1"/>
+    <dgm:cxn modelId="{46EE5A8A-A40A-4033-98C7-1C720B74366E}" type="presOf" srcId="{1B4F5134-75F2-40BF-9FE6-09D1BDE96C4F}" destId="{429AA90F-03C1-41A5-9E95-EB63D2C5E337}" srcOrd="0" destOrd="0" presId="urn:microsoft.com/office/officeart/2005/8/layout/orgChart1"/>
+    <dgm:cxn modelId="{F0DD0928-8309-43E7-8212-90A2EA14547C}" type="presOf" srcId="{D9C7C2CA-434E-49B5-A1E5-E6001E59A43F}" destId="{BDD7F359-A772-4273-A9B8-42DA708CB8D8}" srcOrd="0" destOrd="0" presId="urn:microsoft.com/office/officeart/2005/8/layout/orgChart1"/>
+    <dgm:cxn modelId="{5AE6A116-7DB4-4702-9E7A-5C299FFD1E8C}" srcId="{9CDF2204-DF35-4930-8BEC-6ED3226E8D4C}" destId="{67FAC17F-112D-4DE1-87A6-FAEFBF0C05C8}" srcOrd="1" destOrd="0" parTransId="{404A3F45-3A54-4659-817E-B99C1EE11929}" sibTransId="{77C2CAEF-738B-4EEC-98FE-C101544ED9C0}"/>
+    <dgm:cxn modelId="{439C6037-8D77-423D-BFB7-4B88080CC94B}" type="presOf" srcId="{9CDF2204-DF35-4930-8BEC-6ED3226E8D4C}" destId="{AF23D5C4-3B99-458B-818A-9ACD1707FC6E}" srcOrd="1" destOrd="0" presId="urn:microsoft.com/office/officeart/2005/8/layout/orgChart1"/>
+    <dgm:cxn modelId="{FDD27683-E3FE-4C36-8818-3A7181DA7E7D}" type="presOf" srcId="{9CDF2204-DF35-4930-8BEC-6ED3226E8D4C}" destId="{CC0EFF5C-38AD-48E6-86A5-F01F47114886}" srcOrd="0" destOrd="0" presId="urn:microsoft.com/office/officeart/2005/8/layout/orgChart1"/>
+    <dgm:cxn modelId="{2CD38859-C5C7-4476-BD28-95076A21BFE0}" type="presOf" srcId="{EE6960EE-FA4C-4892-AAFC-9BA1416C69B6}" destId="{8135DA40-52DC-4B8F-84A3-B0975FF99609}" srcOrd="1" destOrd="0" presId="urn:microsoft.com/office/officeart/2005/8/layout/orgChart1"/>
+    <dgm:cxn modelId="{F9590B18-1DF4-43B4-A18E-2D76AB4C01EB}" type="presOf" srcId="{CFE51ED1-AC75-4A0D-839E-1FEEC730988E}" destId="{C3E3873B-E45D-45B5-89AF-9B4493DD4BA4}" srcOrd="0" destOrd="0" presId="urn:microsoft.com/office/officeart/2005/8/layout/orgChart1"/>
+    <dgm:cxn modelId="{4B96A610-AF8E-4882-8A68-3835388F1870}" type="presOf" srcId="{C330D18D-477B-4F4C-A084-52BC2E257722}" destId="{7B059F1C-2A77-45CC-B8BA-795A28DAEB50}" srcOrd="0" destOrd="0" presId="urn:microsoft.com/office/officeart/2005/8/layout/orgChart1"/>
+    <dgm:cxn modelId="{5345D4E4-DC5F-4B0A-A06E-9260AB7FA638}" srcId="{55F33DDB-F3FE-49EF-9E6E-D918B5B59CEC}" destId="{D2C9D5AA-95B1-46B9-B353-2365975D3EEF}" srcOrd="2" destOrd="0" parTransId="{B31B9A4B-16DB-4E49-93AD-6D53F6137659}" sibTransId="{D4DDAE1F-3E5C-48B3-82D7-B13E55842B3C}"/>
+    <dgm:cxn modelId="{05AD5439-A99E-40DD-8BE8-E049A3C54C40}" srcId="{BC679AAB-B4EF-431E-97D6-04B868D47101}" destId="{C9FDA09F-4D0F-44D6-995C-D46D1E859300}" srcOrd="1" destOrd="0" parTransId="{2DD68A91-10FE-4222-92EE-13E57FCE63AB}" sibTransId="{F302BB99-5295-4C20-AAD3-F458A086B84E}"/>
+    <dgm:cxn modelId="{3009FEB7-54C2-41C1-9557-62F63A299277}" srcId="{55F33DDB-F3FE-49EF-9E6E-D918B5B59CEC}" destId="{C08534DF-810C-4C4A-A162-CBC854E24ADC}" srcOrd="0" destOrd="0" parTransId="{109D664E-1681-4CD1-845F-12DB0FD5BECA}" sibTransId="{AA47121E-C243-4D0D-A3F8-9E5D90EDBDE2}"/>
+    <dgm:cxn modelId="{5E2DE12A-506E-4A33-AC44-9C06E9D0D258}" type="presOf" srcId="{8410C6A1-C0F5-4CA5-A1A1-5F41CEB57DD4}" destId="{C9EA0331-E1A5-4161-AED6-4013BA0E2278}" srcOrd="0" destOrd="0" presId="urn:microsoft.com/office/officeart/2005/8/layout/orgChart1"/>
+    <dgm:cxn modelId="{13FE1BEE-8950-425C-A617-4296F1A2685D}" type="presOf" srcId="{D9C7C2CA-434E-49B5-A1E5-E6001E59A43F}" destId="{CA327F2C-556C-4D98-80C1-A657A2ECFCBF}" srcOrd="1" destOrd="0" presId="urn:microsoft.com/office/officeart/2005/8/layout/orgChart1"/>
+    <dgm:cxn modelId="{0ECF264B-C5EC-4F94-8005-3216D10D161E}" type="presOf" srcId="{67FAC17F-112D-4DE1-87A6-FAEFBF0C05C8}" destId="{018D4EAD-AEC9-4483-942A-187A631DE38F}" srcOrd="1" destOrd="0" presId="urn:microsoft.com/office/officeart/2005/8/layout/orgChart1"/>
+    <dgm:cxn modelId="{0A8D42D0-6A02-4229-BF9F-1A733E1A465C}" type="presOf" srcId="{3FD591D2-CB3A-4B1A-B5D3-02F9DF85F558}" destId="{E76B8D6A-5940-4854-8CA7-4C00FEE573D6}" srcOrd="0" destOrd="0" presId="urn:microsoft.com/office/officeart/2005/8/layout/orgChart1"/>
+    <dgm:cxn modelId="{879E1AE5-D2C5-4E57-96CC-7238A6FA6E13}" srcId="{EE6960EE-FA4C-4892-AAFC-9BA1416C69B6}" destId="{B49E01E3-7CF0-4A02-977A-75AF04B690A5}" srcOrd="0" destOrd="0" parTransId="{2E57C3C5-4903-445D-823A-42BE0737490C}" sibTransId="{EAB6871B-40EE-4808-B0D6-A2691815F094}"/>
+    <dgm:cxn modelId="{C1A32411-261D-4B48-B53E-6EE529B5A6A1}" type="presOf" srcId="{3716FBD4-3C5F-4D6C-94F0-71A031BDD296}" destId="{B4362041-D265-4273-BBF3-BBDD1CC8F357}" srcOrd="0" destOrd="0" presId="urn:microsoft.com/office/officeart/2005/8/layout/orgChart1"/>
+    <dgm:cxn modelId="{E66952FA-5155-417F-BB76-FB02A9C08676}" type="presOf" srcId="{1F0214E2-8F2B-4FC2-9C09-2EC8D18854A1}" destId="{D5306EEC-79F4-4003-82E3-A11E6B2AB031}" srcOrd="0" destOrd="0" presId="urn:microsoft.com/office/officeart/2005/8/layout/orgChart1"/>
+    <dgm:cxn modelId="{803CE6D4-0293-4328-B67C-37FB56BD5882}" type="presOf" srcId="{7EFA2406-CCF2-4D97-BDF2-00EF98CE1AC4}" destId="{36F774D5-9A8C-4E9D-BD7E-D9D218E2828D}" srcOrd="0" destOrd="0" presId="urn:microsoft.com/office/officeart/2005/8/layout/orgChart1"/>
+    <dgm:cxn modelId="{55CBB418-8F0A-42F3-8289-6AD37D6F0B55}" type="presOf" srcId="{67FAC17F-112D-4DE1-87A6-FAEFBF0C05C8}" destId="{1CA50B8E-5051-4B05-BD18-73373B9C07E4}" srcOrd="0" destOrd="0" presId="urn:microsoft.com/office/officeart/2005/8/layout/orgChart1"/>
+    <dgm:cxn modelId="{2FCD8D90-0B3B-4A2E-BFDA-D67B9B1759FD}" type="presOf" srcId="{FFDB7A8A-6186-4880-A386-5A5A0F686295}" destId="{FCD7A964-5AF1-4929-AA64-4C8B84690965}" srcOrd="0" destOrd="0" presId="urn:microsoft.com/office/officeart/2005/8/layout/orgChart1"/>
+    <dgm:cxn modelId="{9272F00E-F0CB-4861-9F35-9E37303F8900}" type="presOf" srcId="{C0669DE6-7488-4277-AB5A-C897F06723CE}" destId="{ED02F395-49D8-4077-9DE2-95636B94DCD8}" srcOrd="0" destOrd="0" presId="urn:microsoft.com/office/officeart/2005/8/layout/orgChart1"/>
+    <dgm:cxn modelId="{4B93EDB1-5D70-4269-8EEB-DCE484B74EDD}" srcId="{1F0214E2-8F2B-4FC2-9C09-2EC8D18854A1}" destId="{FFDB7A8A-6186-4880-A386-5A5A0F686295}" srcOrd="2" destOrd="0" parTransId="{B19D5D04-3D62-40F2-B012-2E3C63D77CFC}" sibTransId="{593AA380-D58E-475E-8DFE-C906CE595C3E}"/>
+    <dgm:cxn modelId="{5C99F449-9313-4460-8369-34197FB25FDF}" type="presOf" srcId="{B19D5D04-3D62-40F2-B012-2E3C63D77CFC}" destId="{DE01B114-DA3D-46D5-8FD3-4E7007594EB2}" srcOrd="0" destOrd="0" presId="urn:microsoft.com/office/officeart/2005/8/layout/orgChart1"/>
+    <dgm:cxn modelId="{6FC91CB5-9B12-409D-B620-0519E26FC63F}" type="presOf" srcId="{DBE85596-CA97-4160-B69D-2C6E7888E444}" destId="{3696C109-D2B8-4DDF-B71D-63D26E08D8BF}" srcOrd="0" destOrd="0" presId="urn:microsoft.com/office/officeart/2005/8/layout/orgChart1"/>
+    <dgm:cxn modelId="{DDA5A756-9299-4917-AAFC-981DFE8E02A3}" type="presOf" srcId="{1F0214E2-8F2B-4FC2-9C09-2EC8D18854A1}" destId="{84F84986-8C30-43FB-998C-2C108CE22EAC}" srcOrd="1" destOrd="0" presId="urn:microsoft.com/office/officeart/2005/8/layout/orgChart1"/>
     <dgm:cxn modelId="{16BA1D4C-9740-4233-8AC4-830173883048}" srcId="{B156CFBF-8FB9-4C28-93CE-3580C2B16D4E}" destId="{33A55FD1-C916-43B2-A6E5-649031493C92}" srcOrd="0" destOrd="0" parTransId="{6C08CD29-9B4F-4608-824F-45B3CB8FF9FB}" sibTransId="{CEC76D3D-9E2E-484F-AB81-844C76169042}"/>
-    <dgm:cxn modelId="{C0A37E3B-E6A6-4291-92D0-7C16C61354C2}" type="presOf" srcId="{BC679AAB-B4EF-431E-97D6-04B868D47101}" destId="{2F22C519-FE96-4D2C-9E49-C86A0F2C0CCC}" srcOrd="0" destOrd="0" presId="urn:microsoft.com/office/officeart/2005/8/layout/orgChart1"/>
-    <dgm:cxn modelId="{F9590B18-1DF4-43B4-A18E-2D76AB4C01EB}" type="presOf" srcId="{CFE51ED1-AC75-4A0D-839E-1FEEC730988E}" destId="{C3E3873B-E45D-45B5-89AF-9B4493DD4BA4}" srcOrd="0" destOrd="0" presId="urn:microsoft.com/office/officeart/2005/8/layout/orgChart1"/>
-    <dgm:cxn modelId="{E7E501E1-2215-4BD0-8B1E-30E76753E799}" type="presOf" srcId="{451EFCF6-ED10-4C2F-B2C5-EB750C542AE0}" destId="{0AA78D04-F27D-4CDF-AC21-38321A1ED0B5}" srcOrd="1" destOrd="0" presId="urn:microsoft.com/office/officeart/2005/8/layout/orgChart1"/>
-    <dgm:cxn modelId="{32199852-2284-4554-B093-4F3EA652B317}" srcId="{BC679AAB-B4EF-431E-97D6-04B868D47101}" destId="{451EFCF6-ED10-4C2F-B2C5-EB750C542AE0}" srcOrd="3" destOrd="0" parTransId="{591EFF60-65BB-4ADC-96AD-DB82D8960F90}" sibTransId="{A1A26685-5BC3-425F-889F-2D11B6BEC174}"/>
-    <dgm:cxn modelId="{0A8D42D0-6A02-4229-BF9F-1A733E1A465C}" type="presOf" srcId="{3FD591D2-CB3A-4B1A-B5D3-02F9DF85F558}" destId="{E76B8D6A-5940-4854-8CA7-4C00FEE573D6}" srcOrd="0" destOrd="0" presId="urn:microsoft.com/office/officeart/2005/8/layout/orgChart1"/>
-    <dgm:cxn modelId="{3009FEB7-54C2-41C1-9557-62F63A299277}" srcId="{55F33DDB-F3FE-49EF-9E6E-D918B5B59CEC}" destId="{C08534DF-810C-4C4A-A162-CBC854E24ADC}" srcOrd="0" destOrd="0" parTransId="{109D664E-1681-4CD1-845F-12DB0FD5BECA}" sibTransId="{AA47121E-C243-4D0D-A3F8-9E5D90EDBDE2}"/>
-    <dgm:cxn modelId="{D5BF218F-270A-435A-872A-CB4BE9E49E98}" type="presOf" srcId="{B49E01E3-7CF0-4A02-977A-75AF04B690A5}" destId="{9217255E-81B6-43C1-8C48-572EEF1DDACE}" srcOrd="1" destOrd="0" presId="urn:microsoft.com/office/officeart/2005/8/layout/orgChart1"/>
-    <dgm:cxn modelId="{DA38C74B-4E66-4827-84E0-BD6699F7DBB6}" type="presOf" srcId="{529E795D-9641-46EB-A1F9-4C395C9DD8E7}" destId="{F0DA768B-60EE-4EA6-92BA-3A73EC52CB7C}" srcOrd="0" destOrd="0" presId="urn:microsoft.com/office/officeart/2005/8/layout/orgChart1"/>
-    <dgm:cxn modelId="{A67B218B-5781-4CFB-B0E6-6A83DE101BD3}" srcId="{3716FBD4-3C5F-4D6C-94F0-71A031BDD296}" destId="{9CDF2204-DF35-4930-8BEC-6ED3226E8D4C}" srcOrd="2" destOrd="0" parTransId="{C8B9830C-6D70-4FCD-ACA0-417D261B7E99}" sibTransId="{4AACA5E1-0C09-4463-9909-9F09077CAEE2}"/>
-    <dgm:cxn modelId="{0ECF264B-C5EC-4F94-8005-3216D10D161E}" type="presOf" srcId="{67FAC17F-112D-4DE1-87A6-FAEFBF0C05C8}" destId="{018D4EAD-AEC9-4483-942A-187A631DE38F}" srcOrd="1" destOrd="0" presId="urn:microsoft.com/office/officeart/2005/8/layout/orgChart1"/>
-    <dgm:cxn modelId="{FE7B8862-5874-4571-9172-331510574590}" srcId="{9C5F8BBA-795F-4B0B-AB83-3DC27CE2B835}" destId="{1F0214E2-8F2B-4FC2-9C09-2EC8D18854A1}" srcOrd="0" destOrd="0" parTransId="{CFE51ED1-AC75-4A0D-839E-1FEEC730988E}" sibTransId="{1C834F6E-3DDB-4B51-9153-9C1925D48E78}"/>
-    <dgm:cxn modelId="{CB4C2E1A-2396-4EDD-BD27-35E6451A408E}" type="presOf" srcId="{C08534DF-810C-4C4A-A162-CBC854E24ADC}" destId="{25206967-D74C-4BE5-BB8F-CC411DC4D379}" srcOrd="1" destOrd="0" presId="urn:microsoft.com/office/officeart/2005/8/layout/orgChart1"/>
-    <dgm:cxn modelId="{2CD38859-C5C7-4476-BD28-95076A21BFE0}" type="presOf" srcId="{EE6960EE-FA4C-4892-AAFC-9BA1416C69B6}" destId="{8135DA40-52DC-4B8F-84A3-B0975FF99609}" srcOrd="1" destOrd="0" presId="urn:microsoft.com/office/officeart/2005/8/layout/orgChart1"/>
-    <dgm:cxn modelId="{54F2789E-DD68-4A7E-B200-71994D692DB1}" type="presOf" srcId="{9D2C36C9-572B-4D13-A39F-1155445FD442}" destId="{F601E592-7A11-4289-A717-589F96F0E7C1}" srcOrd="0" destOrd="0" presId="urn:microsoft.com/office/officeart/2005/8/layout/orgChart1"/>
-    <dgm:cxn modelId="{05AD5439-A99E-40DD-8BE8-E049A3C54C40}" srcId="{BC679AAB-B4EF-431E-97D6-04B868D47101}" destId="{C9FDA09F-4D0F-44D6-995C-D46D1E859300}" srcOrd="1" destOrd="0" parTransId="{2DD68A91-10FE-4222-92EE-13E57FCE63AB}" sibTransId="{F302BB99-5295-4C20-AAD3-F458A086B84E}"/>
+    <dgm:cxn modelId="{C29FAF13-E11A-4FDA-860E-3D3F72BE4F9E}" type="presOf" srcId="{B49E01E3-7CF0-4A02-977A-75AF04B690A5}" destId="{197E904F-99D5-4CDD-9C91-07E78832DDD6}" srcOrd="0" destOrd="0" presId="urn:microsoft.com/office/officeart/2005/8/layout/orgChart1"/>
+    <dgm:cxn modelId="{DF590587-45CE-4731-91D0-2F0442977B13}" srcId="{1F0214E2-8F2B-4FC2-9C09-2EC8D18854A1}" destId="{08518325-C501-4F43-87D2-9154DCEE7A51}" srcOrd="0" destOrd="0" parTransId="{37A0B328-7B1C-4859-9431-8893A93D12CF}" sibTransId="{83D3C49A-3EE3-4DAE-B4AB-7345372FCD28}"/>
+    <dgm:cxn modelId="{F7BEA0CC-A49E-45E2-A056-D3C593780058}" type="presOf" srcId="{B156CFBF-8FB9-4C28-93CE-3580C2B16D4E}" destId="{F4D3BADB-F675-4F0D-AC78-77D2F55085CE}" srcOrd="0" destOrd="0" presId="urn:microsoft.com/office/officeart/2005/8/layout/orgChart1"/>
+    <dgm:cxn modelId="{78ABC1C8-BDB1-4F2A-BC62-6B2DCFA48B7D}" type="presOf" srcId="{591EFF60-65BB-4ADC-96AD-DB82D8960F90}" destId="{78D95E5D-F882-4706-914A-CD22C555EFDF}" srcOrd="0" destOrd="0" presId="urn:microsoft.com/office/officeart/2005/8/layout/orgChart1"/>
     <dgm:cxn modelId="{D429EBFF-B971-4B7A-BCC1-D23FF7DC2326}" type="presOf" srcId="{7979330E-D5D4-4A4A-8516-5E820A4F947E}" destId="{88E9A28C-7D5F-42DB-AF86-68098B6C6099}" srcOrd="0" destOrd="0" presId="urn:microsoft.com/office/officeart/2005/8/layout/orgChart1"/>
-    <dgm:cxn modelId="{7BAE2429-BF1A-4EE0-84F4-9DFE94AC6995}" type="presOf" srcId="{1695B8AE-F47A-40F1-A3F2-691EC3C5C9DD}" destId="{1FDC30F1-387E-4DB9-8503-8DE4AC0489F0}" srcOrd="0" destOrd="0" presId="urn:microsoft.com/office/officeart/2005/8/layout/orgChart1"/>
-    <dgm:cxn modelId="{66A6A7FF-1430-433D-9C87-88797ED7A6D8}" type="presOf" srcId="{3B4C7DB4-D5BF-4797-8143-5B2EE5A93FA3}" destId="{86678178-EAD0-433A-B360-19818A42A0B9}" srcOrd="1" destOrd="0" presId="urn:microsoft.com/office/officeart/2005/8/layout/orgChart1"/>
-    <dgm:cxn modelId="{5EAA0F02-322E-45B6-B8AD-F92D60F7691C}" type="presOf" srcId="{EE6960EE-FA4C-4892-AAFC-9BA1416C69B6}" destId="{F2A6A286-5031-4E4E-88A4-4B1B4D30917E}" srcOrd="0" destOrd="0" presId="urn:microsoft.com/office/officeart/2005/8/layout/orgChart1"/>
-    <dgm:cxn modelId="{FF3E37FF-1AC6-4F3E-A87D-9E0ED9593117}" type="presOf" srcId="{9017FBA4-D0F2-4D41-B83D-E6CF6C5445B3}" destId="{ACA96EDD-3CA6-4167-A11B-957E107A250E}" srcOrd="0" destOrd="0" presId="urn:microsoft.com/office/officeart/2005/8/layout/orgChart1"/>
-    <dgm:cxn modelId="{E66952FA-5155-417F-BB76-FB02A9C08676}" type="presOf" srcId="{1F0214E2-8F2B-4FC2-9C09-2EC8D18854A1}" destId="{D5306EEC-79F4-4003-82E3-A11E6B2AB031}" srcOrd="0" destOrd="0" presId="urn:microsoft.com/office/officeart/2005/8/layout/orgChart1"/>
-    <dgm:cxn modelId="{CC7AFE17-FDDE-4BCB-AF5D-8DA6021C6A77}" type="presOf" srcId="{D2C9D5AA-95B1-46B9-B353-2365975D3EEF}" destId="{D0CC252B-A416-49BC-BDD3-B3B11793EB57}" srcOrd="1" destOrd="0" presId="urn:microsoft.com/office/officeart/2005/8/layout/orgChart1"/>
-    <dgm:cxn modelId="{9E555A53-64F2-4775-ADE5-11DF1C3F4C12}" type="presOf" srcId="{C9FDA09F-4D0F-44D6-995C-D46D1E859300}" destId="{8F30FBC8-D80D-42A6-BB4B-72A945E2212D}" srcOrd="0" destOrd="0" presId="urn:microsoft.com/office/officeart/2005/8/layout/orgChart1"/>
-    <dgm:cxn modelId="{0A1DD8C3-8AC4-41BC-A086-50535B5B2A8C}" type="presOf" srcId="{1695B8AE-F47A-40F1-A3F2-691EC3C5C9DD}" destId="{8C06F057-B079-47C7-9295-C4614CF74D64}" srcOrd="1" destOrd="0" presId="urn:microsoft.com/office/officeart/2005/8/layout/orgChart1"/>
-    <dgm:cxn modelId="{3BF6536E-D29A-4BF0-B985-DA1ECA056E27}" type="presOf" srcId="{7979330E-D5D4-4A4A-8516-5E820A4F947E}" destId="{E6260200-7DC6-4A85-8E57-006D1C292FF4}" srcOrd="1" destOrd="0" presId="urn:microsoft.com/office/officeart/2005/8/layout/orgChart1"/>
-    <dgm:cxn modelId="{55CBB418-8F0A-42F3-8289-6AD37D6F0B55}" type="presOf" srcId="{67FAC17F-112D-4DE1-87A6-FAEFBF0C05C8}" destId="{1CA50B8E-5051-4B05-BD18-73373B9C07E4}" srcOrd="0" destOrd="0" presId="urn:microsoft.com/office/officeart/2005/8/layout/orgChart1"/>
-    <dgm:cxn modelId="{13FE1BEE-8950-425C-A617-4296F1A2685D}" type="presOf" srcId="{D9C7C2CA-434E-49B5-A1E5-E6001E59A43F}" destId="{CA327F2C-556C-4D98-80C1-A657A2ECFCBF}" srcOrd="1" destOrd="0" presId="urn:microsoft.com/office/officeart/2005/8/layout/orgChart1"/>
-    <dgm:cxn modelId="{CE3E13B5-2284-46AB-A736-18D99F1DDD2A}" srcId="{EE6960EE-FA4C-4892-AAFC-9BA1416C69B6}" destId="{C435BF3D-3F50-4781-911F-1403A325BDAF}" srcOrd="1" destOrd="0" parTransId="{9D2C36C9-572B-4D13-A39F-1155445FD442}" sibTransId="{05D8FB53-F9E3-4EDF-98D0-39C4240FA4DC}"/>
-    <dgm:cxn modelId="{E5984B82-7620-406A-908B-5EE2C23C9D69}" type="presOf" srcId="{C435BF3D-3F50-4781-911F-1403A325BDAF}" destId="{AE0F7EC3-81E9-4CFB-A882-9E51998501C7}" srcOrd="1" destOrd="0" presId="urn:microsoft.com/office/officeart/2005/8/layout/orgChart1"/>
-    <dgm:cxn modelId="{1171F323-973A-4201-850D-C960FBAB36B3}" type="presOf" srcId="{33A55FD1-C916-43B2-A6E5-649031493C92}" destId="{6A5CFB99-A6C1-4AF7-8BE3-612ED22C908D}" srcOrd="1" destOrd="0" presId="urn:microsoft.com/office/officeart/2005/8/layout/orgChart1"/>
-    <dgm:cxn modelId="{CAE1B8D3-2E85-499C-93E1-A0DC6EBB5722}" type="presOf" srcId="{9C5F8BBA-795F-4B0B-AB83-3DC27CE2B835}" destId="{5B856F03-06B7-41D7-90A4-34E0B8767D59}" srcOrd="1" destOrd="0" presId="urn:microsoft.com/office/officeart/2005/8/layout/orgChart1"/>
-    <dgm:cxn modelId="{4D5EA6BA-0F03-490B-803D-1F22AA47E8D7}" srcId="{BC679AAB-B4EF-431E-97D6-04B868D47101}" destId="{3716FBD4-3C5F-4D6C-94F0-71A031BDD296}" srcOrd="4" destOrd="0" parTransId="{E09CAA5C-462A-46B3-86FE-53B262FD9C67}" sibTransId="{F26809A2-EC37-430F-AB2C-D4F965425CE4}"/>
-    <dgm:cxn modelId="{0728366D-7377-4F98-AB45-E43C6F430427}" type="presOf" srcId="{55F33DDB-F3FE-49EF-9E6E-D918B5B59CEC}" destId="{B7301427-B76D-4A92-BE88-2ADB332D4263}" srcOrd="0" destOrd="0" presId="urn:microsoft.com/office/officeart/2005/8/layout/orgChart1"/>
-    <dgm:cxn modelId="{2565436C-330A-4E93-9C5D-525B2D540D78}" type="presOf" srcId="{9F878B2F-24E6-454F-977A-16EAB2A26CF1}" destId="{38120314-31DC-478F-8C57-EBAFAA562BAB}" srcOrd="0" destOrd="0" presId="urn:microsoft.com/office/officeart/2005/8/layout/orgChart1"/>
-    <dgm:cxn modelId="{4C1A9132-D9D5-46CB-A4FC-33620DF32398}" type="presOf" srcId="{9C5F8BBA-795F-4B0B-AB83-3DC27CE2B835}" destId="{5484E96B-9D16-4DB0-8F1D-242C4DA2623A}" srcOrd="0" destOrd="0" presId="urn:microsoft.com/office/officeart/2005/8/layout/orgChart1"/>
-    <dgm:cxn modelId="{C27B00CD-CF9E-4FFE-9BBE-E3E61D43ED3A}" type="presOf" srcId="{2DD68A91-10FE-4222-92EE-13E57FCE63AB}" destId="{77393199-4630-4A5C-A719-115C0DC9B8D9}" srcOrd="0" destOrd="0" presId="urn:microsoft.com/office/officeart/2005/8/layout/orgChart1"/>
-    <dgm:cxn modelId="{0CC35F8D-5043-4D07-94CD-9CA821CCEDF8}" type="presOf" srcId="{B16D12D9-70C8-4FA3-94A4-5FCD0C6314D8}" destId="{535D0227-452F-4594-8F39-12D0C1149FB4}" srcOrd="1" destOrd="0" presId="urn:microsoft.com/office/officeart/2005/8/layout/orgChart1"/>
-    <dgm:cxn modelId="{4B96A610-AF8E-4882-8A68-3835388F1870}" type="presOf" srcId="{C330D18D-477B-4F4C-A084-52BC2E257722}" destId="{7B059F1C-2A77-45CC-B8BA-795A28DAEB50}" srcOrd="0" destOrd="0" presId="urn:microsoft.com/office/officeart/2005/8/layout/orgChart1"/>
-    <dgm:cxn modelId="{5E2DE12A-506E-4A33-AC44-9C06E9D0D258}" type="presOf" srcId="{8410C6A1-C0F5-4CA5-A1A1-5F41CEB57DD4}" destId="{C9EA0331-E1A5-4161-AED6-4013BA0E2278}" srcOrd="0" destOrd="0" presId="urn:microsoft.com/office/officeart/2005/8/layout/orgChart1"/>
-    <dgm:cxn modelId="{3F89FEEF-7463-4245-BD51-EA9D6EE2E091}" type="presOf" srcId="{176874B7-EEC5-4EBE-A759-BD1DAEC8B4AE}" destId="{2F5BB800-7A86-49A9-B404-D8FD24275A24}" srcOrd="0" destOrd="0" presId="urn:microsoft.com/office/officeart/2005/8/layout/orgChart1"/>
-    <dgm:cxn modelId="{46EE5A8A-A40A-4033-98C7-1C720B74366E}" type="presOf" srcId="{1B4F5134-75F2-40BF-9FE6-09D1BDE96C4F}" destId="{429AA90F-03C1-41A5-9E95-EB63D2C5E337}" srcOrd="0" destOrd="0" presId="urn:microsoft.com/office/officeart/2005/8/layout/orgChart1"/>
-    <dgm:cxn modelId="{0BBEC4A7-E8A9-4CCE-9338-B462E7EAA05F}" type="presOf" srcId="{30D72F0B-8627-4509-BD07-206D93348A6D}" destId="{357217D7-E997-4DC1-9529-B7B2E839F24F}" srcOrd="0" destOrd="0" presId="urn:microsoft.com/office/officeart/2005/8/layout/orgChart1"/>
-    <dgm:cxn modelId="{FDD27683-E3FE-4C36-8818-3A7181DA7E7D}" type="presOf" srcId="{9CDF2204-DF35-4930-8BEC-6ED3226E8D4C}" destId="{CC0EFF5C-38AD-48E6-86A5-F01F47114886}" srcOrd="0" destOrd="0" presId="urn:microsoft.com/office/officeart/2005/8/layout/orgChart1"/>
-    <dgm:cxn modelId="{E4FA17AA-3E32-4DB3-8828-C3DB865BAF0F}" type="presOf" srcId="{FBE49655-A8B8-4017-BD93-97827E67D2C2}" destId="{A3A6F7C8-397C-4BEE-8F83-883196A60EF1}" srcOrd="0" destOrd="0" presId="urn:microsoft.com/office/officeart/2005/8/layout/orgChart1"/>
-    <dgm:cxn modelId="{6B0947E4-3C52-431D-B3A5-803B73992F60}" srcId="{3716FBD4-3C5F-4D6C-94F0-71A031BDD296}" destId="{55F33DDB-F3FE-49EF-9E6E-D918B5B59CEC}" srcOrd="3" destOrd="0" parTransId="{C330D18D-477B-4F4C-A084-52BC2E257722}" sibTransId="{F4A42AD6-1952-4546-8D3F-CD7E5AC16FFE}"/>
-    <dgm:cxn modelId="{B147FE05-6489-4BC4-BEF1-0FFF84D7C26E}" type="presOf" srcId="{33A55FD1-C916-43B2-A6E5-649031493C92}" destId="{22202725-6EDB-40AA-853E-A71830DA2C87}" srcOrd="0" destOrd="0" presId="urn:microsoft.com/office/officeart/2005/8/layout/orgChart1"/>
-    <dgm:cxn modelId="{124EBF50-6999-464E-AA96-49107BB659C8}" type="presOf" srcId="{2E57C3C5-4903-445D-823A-42BE0737490C}" destId="{BB548C89-C98C-4DC4-8330-A28280CCED94}" srcOrd="0" destOrd="0" presId="urn:microsoft.com/office/officeart/2005/8/layout/orgChart1"/>
-    <dgm:cxn modelId="{3A1413B9-5776-464F-B650-37C31A741BD2}" type="presOf" srcId="{88A99C8B-61A9-4BA5-B059-B232DE710ABC}" destId="{382C2874-AC17-4C6C-AF45-9743FCBC0C75}" srcOrd="0" destOrd="0" presId="urn:microsoft.com/office/officeart/2005/8/layout/orgChart1"/>
-    <dgm:cxn modelId="{78ABC1C8-BDB1-4F2A-BC62-6B2DCFA48B7D}" type="presOf" srcId="{591EFF60-65BB-4ADC-96AD-DB82D8960F90}" destId="{78D95E5D-F882-4706-914A-CD22C555EFDF}" srcOrd="0" destOrd="0" presId="urn:microsoft.com/office/officeart/2005/8/layout/orgChart1"/>
-    <dgm:cxn modelId="{6C4948F2-5956-41D7-83F3-40FB16CBAFBE}" srcId="{3716FBD4-3C5F-4D6C-94F0-71A031BDD296}" destId="{B16D12D9-70C8-4FA3-94A4-5FCD0C6314D8}" srcOrd="1" destOrd="0" parTransId="{176874B7-EEC5-4EBE-A759-BD1DAEC8B4AE}" sibTransId="{72454390-927E-44D9-BF65-DCE7297BECCF}"/>
-    <dgm:cxn modelId="{5345D4E4-DC5F-4B0A-A06E-9260AB7FA638}" srcId="{55F33DDB-F3FE-49EF-9E6E-D918B5B59CEC}" destId="{D2C9D5AA-95B1-46B9-B353-2365975D3EEF}" srcOrd="2" destOrd="0" parTransId="{B31B9A4B-16DB-4E49-93AD-6D53F6137659}" sibTransId="{D4DDAE1F-3E5C-48B3-82D7-B13E55842B3C}"/>
-    <dgm:cxn modelId="{9DC98E56-CADB-41EE-B825-D7C01C9BCD68}" type="presOf" srcId="{D2C9D5AA-95B1-46B9-B353-2365975D3EEF}" destId="{2AB27E19-3434-4D1E-8B90-F342FC85AF8E}" srcOrd="0" destOrd="0" presId="urn:microsoft.com/office/officeart/2005/8/layout/orgChart1"/>
-    <dgm:cxn modelId="{E22CEE99-42B1-47AB-B6F5-DFC648A3D704}" type="presOf" srcId="{55F33DDB-F3FE-49EF-9E6E-D918B5B59CEC}" destId="{7F0DE215-8FC4-4A5E-8A91-2B3056656056}" srcOrd="1" destOrd="0" presId="urn:microsoft.com/office/officeart/2005/8/layout/orgChart1"/>
-    <dgm:cxn modelId="{CB9870A7-F773-4D23-AFD8-41A07E24AFA6}" type="presOf" srcId="{451EFCF6-ED10-4C2F-B2C5-EB750C542AE0}" destId="{7637BC07-282D-4D14-9142-A0BB3442E843}" srcOrd="0" destOrd="0" presId="urn:microsoft.com/office/officeart/2005/8/layout/orgChart1"/>
-    <dgm:cxn modelId="{E1BDECC1-A23C-4796-ABD5-9DC2DD3BD694}" type="presOf" srcId="{3B4C7DB4-D5BF-4797-8143-5B2EE5A93FA3}" destId="{34815BF1-3058-43F4-AF44-7072D129B949}" srcOrd="0" destOrd="0" presId="urn:microsoft.com/office/officeart/2005/8/layout/orgChart1"/>
-    <dgm:cxn modelId="{A96885E3-0A0E-4A0B-BFE0-B83B47A4677C}" srcId="{EE6960EE-FA4C-4892-AAFC-9BA1416C69B6}" destId="{9C5F8BBA-795F-4B0B-AB83-3DC27CE2B835}" srcOrd="2" destOrd="0" parTransId="{91BD2826-9564-4E68-A2DE-B95E59BD0ABA}" sibTransId="{9A4A6BD1-8EB8-4C9B-8E4D-2F2A43BE4CAE}"/>
-    <dgm:cxn modelId="{F0DD0928-8309-43E7-8212-90A2EA14547C}" type="presOf" srcId="{D9C7C2CA-434E-49B5-A1E5-E6001E59A43F}" destId="{BDD7F359-A772-4273-A9B8-42DA708CB8D8}" srcOrd="0" destOrd="0" presId="urn:microsoft.com/office/officeart/2005/8/layout/orgChart1"/>
-    <dgm:cxn modelId="{AA8ABE5A-B3C5-436F-8929-052D88B81B44}" type="presOf" srcId="{C9FDA09F-4D0F-44D6-995C-D46D1E859300}" destId="{0A3590E3-E4B7-4C71-9644-4DD31CBD934B}" srcOrd="1" destOrd="0" presId="urn:microsoft.com/office/officeart/2005/8/layout/orgChart1"/>
-    <dgm:cxn modelId="{738F7AFA-E50E-4CA5-8C10-F893CCBD6641}" srcId="{3716FBD4-3C5F-4D6C-94F0-71A031BDD296}" destId="{7979330E-D5D4-4A4A-8516-5E820A4F947E}" srcOrd="0" destOrd="0" parTransId="{9017FBA4-D0F2-4D41-B83D-E6CF6C5445B3}" sibTransId="{ABF74151-6FFD-42BB-81AC-1D7F1421F6C5}"/>
-    <dgm:cxn modelId="{2E074ED4-C901-4B12-85A3-6DC1F67AA91C}" type="presOf" srcId="{E09CAA5C-462A-46B3-86FE-53B262FD9C67}" destId="{6FAFB9AE-8928-4169-893F-33077E1764D7}" srcOrd="0" destOrd="0" presId="urn:microsoft.com/office/officeart/2005/8/layout/orgChart1"/>
     <dgm:cxn modelId="{F7B92415-8EA8-432D-8781-6457A4DA8728}" type="presParOf" srcId="{357217D7-E997-4DC1-9529-B7B2E839F24F}" destId="{6C4A2A22-5130-46D4-B092-209F5E6DDA59}" srcOrd="0" destOrd="0" presId="urn:microsoft.com/office/officeart/2005/8/layout/orgChart1"/>
     <dgm:cxn modelId="{38BBF95D-F95E-46EC-8DAE-C266FA5614F2}" type="presParOf" srcId="{6C4A2A22-5130-46D4-B092-209F5E6DDA59}" destId="{19D831CB-458C-47D6-8D9C-3FE9F674AFC8}" srcOrd="0" destOrd="0" presId="urn:microsoft.com/office/officeart/2005/8/layout/orgChart1"/>
     <dgm:cxn modelId="{FDF0875E-95DC-4C59-8E00-30DAD4B544F1}" type="presParOf" srcId="{19D831CB-458C-47D6-8D9C-3FE9F674AFC8}" destId="{2F22C519-FE96-4D2C-9E49-C86A0F2C0CCC}" srcOrd="0" destOrd="0" presId="urn:microsoft.com/office/officeart/2005/8/layout/orgChart1"/>
@@ -3904,6 +4235,27 @@
     <dgm:cxn modelId="{7BFC27FB-1174-4A42-821D-2143ABD7D751}" type="presParOf" srcId="{80784CAB-ED58-425D-8D98-487E0023720B}" destId="{D5306EEC-79F4-4003-82E3-A11E6B2AB031}" srcOrd="0" destOrd="0" presId="urn:microsoft.com/office/officeart/2005/8/layout/orgChart1"/>
     <dgm:cxn modelId="{FD3A5EEA-0577-4677-8E94-FE319DEA7163}" type="presParOf" srcId="{80784CAB-ED58-425D-8D98-487E0023720B}" destId="{84F84986-8C30-43FB-998C-2C108CE22EAC}" srcOrd="1" destOrd="0" presId="urn:microsoft.com/office/officeart/2005/8/layout/orgChart1"/>
     <dgm:cxn modelId="{BA61849F-6CE7-411F-9AF4-E3701F34808A}" type="presParOf" srcId="{32278296-88F4-4B50-82BF-D48CBF6A789B}" destId="{BA49C9FA-C6E3-4068-87A7-0BE6223974A2}" srcOrd="1" destOrd="0" presId="urn:microsoft.com/office/officeart/2005/8/layout/orgChart1"/>
+    <dgm:cxn modelId="{507C552C-9E43-4EF7-806A-964ED6E38FD5}" type="presParOf" srcId="{BA49C9FA-C6E3-4068-87A7-0BE6223974A2}" destId="{FB152E66-DA0D-4C23-AE4B-E730FE81F08F}" srcOrd="0" destOrd="0" presId="urn:microsoft.com/office/officeart/2005/8/layout/orgChart1"/>
+    <dgm:cxn modelId="{272D0690-B7C3-43CA-A625-08142055EA8E}" type="presParOf" srcId="{BA49C9FA-C6E3-4068-87A7-0BE6223974A2}" destId="{83754893-7F12-48D2-8F6B-24D115451741}" srcOrd="1" destOrd="0" presId="urn:microsoft.com/office/officeart/2005/8/layout/orgChart1"/>
+    <dgm:cxn modelId="{2E762022-E01F-4C5D-94C8-20D7745B7FF4}" type="presParOf" srcId="{83754893-7F12-48D2-8F6B-24D115451741}" destId="{775EB0A0-2B36-45FA-8231-01AD68631129}" srcOrd="0" destOrd="0" presId="urn:microsoft.com/office/officeart/2005/8/layout/orgChart1"/>
+    <dgm:cxn modelId="{18732230-FFD1-4875-AC15-E4EE7A7EC699}" type="presParOf" srcId="{775EB0A0-2B36-45FA-8231-01AD68631129}" destId="{373EC62E-E462-49F9-8F5A-E77BAAC92B4B}" srcOrd="0" destOrd="0" presId="urn:microsoft.com/office/officeart/2005/8/layout/orgChart1"/>
+    <dgm:cxn modelId="{67D8970F-E47D-44F5-9653-703C449B8319}" type="presParOf" srcId="{775EB0A0-2B36-45FA-8231-01AD68631129}" destId="{4B529D5B-5A78-410B-899E-E4728BA50B34}" srcOrd="1" destOrd="0" presId="urn:microsoft.com/office/officeart/2005/8/layout/orgChart1"/>
+    <dgm:cxn modelId="{41C60162-C156-4132-B276-4DADFD8B67B1}" type="presParOf" srcId="{83754893-7F12-48D2-8F6B-24D115451741}" destId="{C8676B5A-6FF3-45EB-A914-7E0BB916246D}" srcOrd="1" destOrd="0" presId="urn:microsoft.com/office/officeart/2005/8/layout/orgChart1"/>
+    <dgm:cxn modelId="{581F5013-4269-40D2-950A-C7F5AE03FD6E}" type="presParOf" srcId="{83754893-7F12-48D2-8F6B-24D115451741}" destId="{DFE81ADF-9F26-4469-8390-8CCB466E9CFB}" srcOrd="2" destOrd="0" presId="urn:microsoft.com/office/officeart/2005/8/layout/orgChart1"/>
+    <dgm:cxn modelId="{A01773D5-CC42-4193-BF5F-7021D70BD914}" type="presParOf" srcId="{BA49C9FA-C6E3-4068-87A7-0BE6223974A2}" destId="{36F774D5-9A8C-4E9D-BD7E-D9D218E2828D}" srcOrd="2" destOrd="0" presId="urn:microsoft.com/office/officeart/2005/8/layout/orgChart1"/>
+    <dgm:cxn modelId="{D98A8F37-1A1E-4193-8CDF-FEB5F9CC7520}" type="presParOf" srcId="{BA49C9FA-C6E3-4068-87A7-0BE6223974A2}" destId="{F7A51CAB-9F0D-4306-9E0B-F8847F31FDC0}" srcOrd="3" destOrd="0" presId="urn:microsoft.com/office/officeart/2005/8/layout/orgChart1"/>
+    <dgm:cxn modelId="{ED38C431-A615-4440-AAC9-13D60368B51B}" type="presParOf" srcId="{F7A51CAB-9F0D-4306-9E0B-F8847F31FDC0}" destId="{1E2EBC3F-DD04-405D-8B30-2E60022794B4}" srcOrd="0" destOrd="0" presId="urn:microsoft.com/office/officeart/2005/8/layout/orgChart1"/>
+    <dgm:cxn modelId="{C4612463-09A7-4D28-89A2-7C2E1BF6E31E}" type="presParOf" srcId="{1E2EBC3F-DD04-405D-8B30-2E60022794B4}" destId="{AB5FDA5F-1622-4AC1-B007-DAEC26F8C5D2}" srcOrd="0" destOrd="0" presId="urn:microsoft.com/office/officeart/2005/8/layout/orgChart1"/>
+    <dgm:cxn modelId="{A9E039AD-A2C5-4400-97DE-8001B51D60CB}" type="presParOf" srcId="{1E2EBC3F-DD04-405D-8B30-2E60022794B4}" destId="{BCF0D705-63FB-4241-9600-06EB54406ED8}" srcOrd="1" destOrd="0" presId="urn:microsoft.com/office/officeart/2005/8/layout/orgChart1"/>
+    <dgm:cxn modelId="{1B7D9661-70DA-42F1-9F36-792EB89F01F1}" type="presParOf" srcId="{F7A51CAB-9F0D-4306-9E0B-F8847F31FDC0}" destId="{B0744CE3-E192-4F40-A286-A8D2CD066EB6}" srcOrd="1" destOrd="0" presId="urn:microsoft.com/office/officeart/2005/8/layout/orgChart1"/>
+    <dgm:cxn modelId="{0A11CAFC-EEE3-4638-A5F5-79F0BE2D8AA0}" type="presParOf" srcId="{F7A51CAB-9F0D-4306-9E0B-F8847F31FDC0}" destId="{C90BE547-D323-441E-9379-FDA0ACD41D30}" srcOrd="2" destOrd="0" presId="urn:microsoft.com/office/officeart/2005/8/layout/orgChart1"/>
+    <dgm:cxn modelId="{643C88AE-5A12-46F5-8198-28CB74CC60BF}" type="presParOf" srcId="{BA49C9FA-C6E3-4068-87A7-0BE6223974A2}" destId="{DE01B114-DA3D-46D5-8FD3-4E7007594EB2}" srcOrd="4" destOrd="0" presId="urn:microsoft.com/office/officeart/2005/8/layout/orgChart1"/>
+    <dgm:cxn modelId="{6D7B7226-06B9-4794-B1BB-2E83309359B8}" type="presParOf" srcId="{BA49C9FA-C6E3-4068-87A7-0BE6223974A2}" destId="{4CDE40D2-C51E-4355-8BBC-92A63197A4A0}" srcOrd="5" destOrd="0" presId="urn:microsoft.com/office/officeart/2005/8/layout/orgChart1"/>
+    <dgm:cxn modelId="{0BB8CE90-6D4B-413A-AFBB-4FC6F562AEF0}" type="presParOf" srcId="{4CDE40D2-C51E-4355-8BBC-92A63197A4A0}" destId="{01501078-BE47-41C5-B70D-AA7487D7FEFB}" srcOrd="0" destOrd="0" presId="urn:microsoft.com/office/officeart/2005/8/layout/orgChart1"/>
+    <dgm:cxn modelId="{8C9318A1-6830-42B1-A7C8-930E0171081D}" type="presParOf" srcId="{01501078-BE47-41C5-B70D-AA7487D7FEFB}" destId="{FCD7A964-5AF1-4929-AA64-4C8B84690965}" srcOrd="0" destOrd="0" presId="urn:microsoft.com/office/officeart/2005/8/layout/orgChart1"/>
+    <dgm:cxn modelId="{F199584D-0E34-48F6-966D-3950E3420FBE}" type="presParOf" srcId="{01501078-BE47-41C5-B70D-AA7487D7FEFB}" destId="{18FD0FB9-5771-493C-A2DA-A984E877E0CF}" srcOrd="1" destOrd="0" presId="urn:microsoft.com/office/officeart/2005/8/layout/orgChart1"/>
+    <dgm:cxn modelId="{90AE4EDB-190B-4D9E-8660-EEB63C293847}" type="presParOf" srcId="{4CDE40D2-C51E-4355-8BBC-92A63197A4A0}" destId="{9CBBCC76-B2D6-40AC-A4DA-54D61075B1F5}" srcOrd="1" destOrd="0" presId="urn:microsoft.com/office/officeart/2005/8/layout/orgChart1"/>
+    <dgm:cxn modelId="{3993DAA2-B4EC-43BA-83AF-7ABA2F73C04E}" type="presParOf" srcId="{4CDE40D2-C51E-4355-8BBC-92A63197A4A0}" destId="{88A8CD6D-0860-47B2-B24C-7F5ED0474DC8}" srcOrd="2" destOrd="0" presId="urn:microsoft.com/office/officeart/2005/8/layout/orgChart1"/>
     <dgm:cxn modelId="{77052300-F1EA-4440-ABE3-474F62A6CF6A}" type="presParOf" srcId="{32278296-88F4-4B50-82BF-D48CBF6A789B}" destId="{FC82D9F5-178E-4F36-B11C-7FF58C3D700A}" srcOrd="2" destOrd="0" presId="urn:microsoft.com/office/officeart/2005/8/layout/orgChart1"/>
     <dgm:cxn modelId="{D3173926-C2C5-4D13-AD21-B941D10C3FE1}" type="presParOf" srcId="{259CACC0-417F-46F5-BC7B-01F1CA654BF0}" destId="{D0F0F30A-D848-4F6F-8492-76DA19E76746}" srcOrd="2" destOrd="0" presId="urn:microsoft.com/office/officeart/2005/8/layout/orgChart1"/>
     <dgm:cxn modelId="{981CDEAB-8AAB-4926-A81A-9AEBB9AF42D7}" type="presParOf" srcId="{E068BD6F-17F7-4712-AB08-C1364B01F7DD}" destId="{38120314-31DC-478F-8C57-EBAFAA562BAB}" srcOrd="6" destOrd="0" presId="urn:microsoft.com/office/officeart/2005/8/layout/orgChart1"/>
@@ -3964,7 +4316,7 @@
       </dsp:nvSpPr>
       <dsp:spPr>
         <a:xfrm>
-          <a:off x="10032960" y="3695995"/>
+          <a:off x="10032960" y="2630976"/>
           <a:ext cx="150002" cy="460008"/>
         </a:xfrm>
         <a:custGeom>
@@ -4017,7 +4369,7 @@
       </dsp:nvSpPr>
       <dsp:spPr>
         <a:xfrm>
-          <a:off x="9202436" y="2953222"/>
+          <a:off x="9202436" y="1888203"/>
           <a:ext cx="1230531" cy="242764"/>
         </a:xfrm>
         <a:custGeom>
@@ -4073,7 +4425,7 @@
       </dsp:nvSpPr>
       <dsp:spPr>
         <a:xfrm>
-          <a:off x="9072943" y="4406007"/>
+          <a:off x="9072943" y="3340988"/>
           <a:ext cx="150002" cy="460008"/>
         </a:xfrm>
         <a:custGeom>
@@ -4126,7 +4478,7 @@
       </dsp:nvSpPr>
       <dsp:spPr>
         <a:xfrm>
-          <a:off x="8277799" y="3702545"/>
+          <a:off x="8277799" y="2637526"/>
           <a:ext cx="1195151" cy="203453"/>
         </a:xfrm>
         <a:custGeom>
@@ -4175,14 +4527,132 @@
         <a:fontRef idx="minor"/>
       </dsp:style>
     </dsp:sp>
-    <dsp:sp modelId="{C3E3873B-E45D-45B5-89AF-9B4493DD4BA4}">
+    <dsp:sp modelId="{DE01B114-DA3D-46D5-8FD3-4E7007594EB2}">
       <dsp:nvSpPr>
         <dsp:cNvPr id="0" name=""/>
         <dsp:cNvSpPr/>
       </dsp:nvSpPr>
       <dsp:spPr>
         <a:xfrm>
-          <a:off x="7862922" y="4406007"/>
+          <a:off x="7862922" y="4051001"/>
+          <a:ext cx="150002" cy="1880033"/>
+        </a:xfrm>
+        <a:custGeom>
+          <a:avLst/>
+          <a:gdLst/>
+          <a:ahLst/>
+          <a:cxnLst/>
+          <a:rect l="0" t="0" r="0" b="0"/>
+          <a:pathLst>
+            <a:path>
+              <a:moveTo>
+                <a:pt x="0" y="0"/>
+              </a:moveTo>
+              <a:lnTo>
+                <a:pt x="0" y="1880033"/>
+              </a:lnTo>
+              <a:lnTo>
+                <a:pt x="150002" y="1880033"/>
+              </a:lnTo>
+            </a:path>
+          </a:pathLst>
+        </a:custGeom>
+        <a:noFill/>
+        <a:ln w="12700" cap="flat" cmpd="sng" algn="ctr">
+          <a:solidFill>
+            <a:schemeClr val="accent2">
+              <a:shade val="80000"/>
+              <a:hueOff val="0"/>
+              <a:satOff val="0"/>
+              <a:lumOff val="0"/>
+              <a:alphaOff val="0"/>
+            </a:schemeClr>
+          </a:solidFill>
+          <a:prstDash val="solid"/>
+          <a:miter lim="800000"/>
+        </a:ln>
+        <a:effectLst/>
+      </dsp:spPr>
+      <dsp:style>
+        <a:lnRef idx="2">
+          <a:scrgbClr r="0" g="0" b="0"/>
+        </a:lnRef>
+        <a:fillRef idx="0">
+          <a:scrgbClr r="0" g="0" b="0"/>
+        </a:fillRef>
+        <a:effectRef idx="0">
+          <a:scrgbClr r="0" g="0" b="0"/>
+        </a:effectRef>
+        <a:fontRef idx="minor"/>
+      </dsp:style>
+    </dsp:sp>
+    <dsp:sp modelId="{36F774D5-9A8C-4E9D-BD7E-D9D218E2828D}">
+      <dsp:nvSpPr>
+        <dsp:cNvPr id="0" name=""/>
+        <dsp:cNvSpPr/>
+      </dsp:nvSpPr>
+      <dsp:spPr>
+        <a:xfrm>
+          <a:off x="7862922" y="4051001"/>
+          <a:ext cx="150002" cy="1170020"/>
+        </a:xfrm>
+        <a:custGeom>
+          <a:avLst/>
+          <a:gdLst/>
+          <a:ahLst/>
+          <a:cxnLst/>
+          <a:rect l="0" t="0" r="0" b="0"/>
+          <a:pathLst>
+            <a:path>
+              <a:moveTo>
+                <a:pt x="0" y="0"/>
+              </a:moveTo>
+              <a:lnTo>
+                <a:pt x="0" y="1170020"/>
+              </a:lnTo>
+              <a:lnTo>
+                <a:pt x="150002" y="1170020"/>
+              </a:lnTo>
+            </a:path>
+          </a:pathLst>
+        </a:custGeom>
+        <a:noFill/>
+        <a:ln w="12700" cap="flat" cmpd="sng" algn="ctr">
+          <a:solidFill>
+            <a:schemeClr val="accent2">
+              <a:shade val="80000"/>
+              <a:hueOff val="0"/>
+              <a:satOff val="0"/>
+              <a:lumOff val="0"/>
+              <a:alphaOff val="0"/>
+            </a:schemeClr>
+          </a:solidFill>
+          <a:prstDash val="solid"/>
+          <a:miter lim="800000"/>
+        </a:ln>
+        <a:effectLst/>
+      </dsp:spPr>
+      <dsp:style>
+        <a:lnRef idx="2">
+          <a:scrgbClr r="0" g="0" b="0"/>
+        </a:lnRef>
+        <a:fillRef idx="0">
+          <a:scrgbClr r="0" g="0" b="0"/>
+        </a:fillRef>
+        <a:effectRef idx="0">
+          <a:scrgbClr r="0" g="0" b="0"/>
+        </a:effectRef>
+        <a:fontRef idx="minor"/>
+      </dsp:style>
+    </dsp:sp>
+    <dsp:sp modelId="{FB152E66-DA0D-4C23-AE4B-E730FE81F08F}">
+      <dsp:nvSpPr>
+        <dsp:cNvPr id="0" name=""/>
+        <dsp:cNvSpPr/>
+      </dsp:nvSpPr>
+      <dsp:spPr>
+        <a:xfrm>
+          <a:off x="7862922" y="4051001"/>
           <a:ext cx="150002" cy="460008"/>
         </a:xfrm>
         <a:custGeom>
@@ -4208,6 +4678,62 @@
         <a:noFill/>
         <a:ln w="12700" cap="flat" cmpd="sng" algn="ctr">
           <a:solidFill>
+            <a:schemeClr val="accent2">
+              <a:shade val="80000"/>
+              <a:hueOff val="0"/>
+              <a:satOff val="0"/>
+              <a:lumOff val="0"/>
+              <a:alphaOff val="0"/>
+            </a:schemeClr>
+          </a:solidFill>
+          <a:prstDash val="solid"/>
+          <a:miter lim="800000"/>
+        </a:ln>
+        <a:effectLst/>
+      </dsp:spPr>
+      <dsp:style>
+        <a:lnRef idx="2">
+          <a:scrgbClr r="0" g="0" b="0"/>
+        </a:lnRef>
+        <a:fillRef idx="0">
+          <a:scrgbClr r="0" g="0" b="0"/>
+        </a:fillRef>
+        <a:effectRef idx="0">
+          <a:scrgbClr r="0" g="0" b="0"/>
+        </a:effectRef>
+        <a:fontRef idx="minor"/>
+      </dsp:style>
+    </dsp:sp>
+    <dsp:sp modelId="{C3E3873B-E45D-45B5-89AF-9B4493DD4BA4}">
+      <dsp:nvSpPr>
+        <dsp:cNvPr id="0" name=""/>
+        <dsp:cNvSpPr/>
+      </dsp:nvSpPr>
+      <dsp:spPr>
+        <a:xfrm>
+          <a:off x="8217209" y="3340988"/>
+          <a:ext cx="91440" cy="210003"/>
+        </a:xfrm>
+        <a:custGeom>
+          <a:avLst/>
+          <a:gdLst/>
+          <a:ahLst/>
+          <a:cxnLst/>
+          <a:rect l="0" t="0" r="0" b="0"/>
+          <a:pathLst>
+            <a:path>
+              <a:moveTo>
+                <a:pt x="45720" y="0"/>
+              </a:moveTo>
+              <a:lnTo>
+                <a:pt x="45720" y="210003"/>
+              </a:lnTo>
+            </a:path>
+          </a:pathLst>
+        </a:custGeom>
+        <a:noFill/>
+        <a:ln w="12700" cap="flat" cmpd="sng" algn="ctr">
+          <a:solidFill>
             <a:srgbClr val="9E2A7D"/>
           </a:solidFill>
           <a:prstDash val="solid"/>
@@ -4235,7 +4761,7 @@
       </dsp:nvSpPr>
       <dsp:spPr>
         <a:xfrm>
-          <a:off x="8217209" y="3702545"/>
+          <a:off x="8217209" y="2637526"/>
           <a:ext cx="91440" cy="203453"/>
         </a:xfrm>
         <a:custGeom>
@@ -4291,7 +4817,7 @@
       </dsp:nvSpPr>
       <dsp:spPr>
         <a:xfrm>
-          <a:off x="7177390" y="3702545"/>
+          <a:off x="7177390" y="2637526"/>
           <a:ext cx="1100409" cy="203453"/>
         </a:xfrm>
         <a:custGeom>
@@ -4347,7 +4873,7 @@
       </dsp:nvSpPr>
       <dsp:spPr>
         <a:xfrm>
-          <a:off x="6056550" y="3702545"/>
+          <a:off x="6056550" y="2637526"/>
           <a:ext cx="2221249" cy="203453"/>
         </a:xfrm>
         <a:custGeom>
@@ -4403,7 +4929,7 @@
       </dsp:nvSpPr>
       <dsp:spPr>
         <a:xfrm>
-          <a:off x="8277799" y="2953222"/>
+          <a:off x="8277799" y="1888203"/>
           <a:ext cx="924636" cy="249314"/>
         </a:xfrm>
         <a:custGeom>
@@ -4459,7 +4985,7 @@
       </dsp:nvSpPr>
       <dsp:spPr>
         <a:xfrm>
-          <a:off x="7021897" y="2953222"/>
+          <a:off x="7021897" y="1888203"/>
           <a:ext cx="2180538" cy="242764"/>
         </a:xfrm>
         <a:custGeom>
@@ -4515,7 +5041,7 @@
       </dsp:nvSpPr>
       <dsp:spPr>
         <a:xfrm>
-          <a:off x="5340928" y="2275970"/>
+          <a:off x="5340928" y="1210951"/>
           <a:ext cx="3861508" cy="177243"/>
         </a:xfrm>
         <a:custGeom>
@@ -4571,7 +5097,7 @@
       </dsp:nvSpPr>
       <dsp:spPr>
         <a:xfrm>
-          <a:off x="4148097" y="2985982"/>
+          <a:off x="4148097" y="1920963"/>
           <a:ext cx="150002" cy="1170020"/>
         </a:xfrm>
         <a:custGeom>
@@ -4624,7 +5150,7 @@
       </dsp:nvSpPr>
       <dsp:spPr>
         <a:xfrm>
-          <a:off x="4148097" y="2985982"/>
+          <a:off x="4148097" y="1920963"/>
           <a:ext cx="150002" cy="460008"/>
         </a:xfrm>
         <a:custGeom>
@@ -4677,7 +5203,7 @@
       </dsp:nvSpPr>
       <dsp:spPr>
         <a:xfrm>
-          <a:off x="4548104" y="2275970"/>
+          <a:off x="4548104" y="1210951"/>
           <a:ext cx="792823" cy="210003"/>
         </a:xfrm>
         <a:custGeom>
@@ -4733,7 +5259,7 @@
       </dsp:nvSpPr>
       <dsp:spPr>
         <a:xfrm>
-          <a:off x="2938075" y="2985982"/>
+          <a:off x="2938075" y="1920963"/>
           <a:ext cx="150002" cy="460008"/>
         </a:xfrm>
         <a:custGeom>
@@ -4786,7 +5312,7 @@
       </dsp:nvSpPr>
       <dsp:spPr>
         <a:xfrm>
-          <a:off x="3338082" y="2275970"/>
+          <a:off x="3338082" y="1210951"/>
           <a:ext cx="2002845" cy="210003"/>
         </a:xfrm>
         <a:custGeom>
@@ -4842,7 +5368,7 @@
       </dsp:nvSpPr>
       <dsp:spPr>
         <a:xfrm>
-          <a:off x="2128061" y="2275970"/>
+          <a:off x="2128061" y="1210951"/>
           <a:ext cx="3212866" cy="210003"/>
         </a:xfrm>
         <a:custGeom>
@@ -4904,7 +5430,7 @@
       </dsp:nvSpPr>
       <dsp:spPr>
         <a:xfrm>
-          <a:off x="2920885" y="1565957"/>
+          <a:off x="2920885" y="500938"/>
           <a:ext cx="2420042" cy="210003"/>
         </a:xfrm>
         <a:custGeom>
@@ -4960,7 +5486,7 @@
       </dsp:nvSpPr>
       <dsp:spPr>
         <a:xfrm>
-          <a:off x="2920885" y="1565957"/>
+          <a:off x="2920885" y="500938"/>
           <a:ext cx="1216571" cy="210003"/>
         </a:xfrm>
         <a:custGeom>
@@ -5016,7 +5542,7 @@
       </dsp:nvSpPr>
       <dsp:spPr>
         <a:xfrm>
-          <a:off x="2875165" y="1565957"/>
+          <a:off x="2875165" y="500938"/>
           <a:ext cx="91440" cy="210003"/>
         </a:xfrm>
         <a:custGeom>
@@ -5072,7 +5598,7 @@
       </dsp:nvSpPr>
       <dsp:spPr>
         <a:xfrm>
-          <a:off x="1710864" y="1565957"/>
+          <a:off x="1710864" y="500938"/>
           <a:ext cx="1210021" cy="210003"/>
         </a:xfrm>
         <a:custGeom>
@@ -5128,7 +5654,7 @@
       </dsp:nvSpPr>
       <dsp:spPr>
         <a:xfrm>
-          <a:off x="500842" y="1565957"/>
+          <a:off x="500842" y="500938"/>
           <a:ext cx="2420042" cy="210003"/>
         </a:xfrm>
         <a:custGeom>
@@ -5184,7 +5710,7 @@
       </dsp:nvSpPr>
       <dsp:spPr>
         <a:xfrm>
-          <a:off x="2420876" y="1065948"/>
+          <a:off x="2420876" y="929"/>
           <a:ext cx="1000017" cy="500008"/>
         </a:xfrm>
         <a:prstGeom prst="rect">
@@ -5241,7 +5767,7 @@
         </a:p>
       </dsp:txBody>
       <dsp:txXfrm>
-        <a:off x="2420876" y="1065948"/>
+        <a:off x="2420876" y="929"/>
         <a:ext cx="1000017" cy="500008"/>
       </dsp:txXfrm>
     </dsp:sp>
@@ -5252,7 +5778,7 @@
       </dsp:nvSpPr>
       <dsp:spPr>
         <a:xfrm>
-          <a:off x="833" y="1775961"/>
+          <a:off x="833" y="710942"/>
           <a:ext cx="1000017" cy="500008"/>
         </a:xfrm>
         <a:prstGeom prst="rect">
@@ -5309,7 +5835,7 @@
         </a:p>
       </dsp:txBody>
       <dsp:txXfrm>
-        <a:off x="833" y="1775961"/>
+        <a:off x="833" y="710942"/>
         <a:ext cx="1000017" cy="500008"/>
       </dsp:txXfrm>
     </dsp:sp>
@@ -5320,7 +5846,7 @@
       </dsp:nvSpPr>
       <dsp:spPr>
         <a:xfrm>
-          <a:off x="1210855" y="1775961"/>
+          <a:off x="1210855" y="710942"/>
           <a:ext cx="1000017" cy="500008"/>
         </a:xfrm>
         <a:prstGeom prst="rect">
@@ -5432,7 +5958,7 @@
         </a:p>
       </dsp:txBody>
       <dsp:txXfrm>
-        <a:off x="1210855" y="1775961"/>
+        <a:off x="1210855" y="710942"/>
         <a:ext cx="1000017" cy="500008"/>
       </dsp:txXfrm>
     </dsp:sp>
@@ -5443,7 +5969,7 @@
       </dsp:nvSpPr>
       <dsp:spPr>
         <a:xfrm>
-          <a:off x="2420876" y="1775961"/>
+          <a:off x="2420876" y="710942"/>
           <a:ext cx="1000017" cy="500008"/>
         </a:xfrm>
         <a:prstGeom prst="rect">
@@ -5500,7 +6026,7 @@
         </a:p>
       </dsp:txBody>
       <dsp:txXfrm>
-        <a:off x="2420876" y="1775961"/>
+        <a:off x="2420876" y="710942"/>
         <a:ext cx="1000017" cy="500008"/>
       </dsp:txXfrm>
     </dsp:sp>
@@ -5511,7 +6037,7 @@
       </dsp:nvSpPr>
       <dsp:spPr>
         <a:xfrm>
-          <a:off x="3637448" y="1775961"/>
+          <a:off x="3637448" y="710942"/>
           <a:ext cx="1000017" cy="500008"/>
         </a:xfrm>
         <a:prstGeom prst="rect">
@@ -5568,7 +6094,7 @@
         </a:p>
       </dsp:txBody>
       <dsp:txXfrm>
-        <a:off x="3637448" y="1775961"/>
+        <a:off x="3637448" y="710942"/>
         <a:ext cx="1000017" cy="500008"/>
       </dsp:txXfrm>
     </dsp:sp>
@@ -5579,7 +6105,7 @@
       </dsp:nvSpPr>
       <dsp:spPr>
         <a:xfrm>
-          <a:off x="4840919" y="1775961"/>
+          <a:off x="4840919" y="710942"/>
           <a:ext cx="1000017" cy="500008"/>
         </a:xfrm>
         <a:prstGeom prst="rect">
@@ -5636,7 +6162,7 @@
         </a:p>
       </dsp:txBody>
       <dsp:txXfrm>
-        <a:off x="4840919" y="1775961"/>
+        <a:off x="4840919" y="710942"/>
         <a:ext cx="1000017" cy="500008"/>
       </dsp:txXfrm>
     </dsp:sp>
@@ -5647,7 +6173,7 @@
       </dsp:nvSpPr>
       <dsp:spPr>
         <a:xfrm>
-          <a:off x="1628052" y="2485973"/>
+          <a:off x="1628052" y="1420955"/>
           <a:ext cx="1000017" cy="500008"/>
         </a:xfrm>
         <a:prstGeom prst="rect">
@@ -5704,7 +6230,7 @@
         </a:p>
       </dsp:txBody>
       <dsp:txXfrm>
-        <a:off x="1628052" y="2485973"/>
+        <a:off x="1628052" y="1420955"/>
         <a:ext cx="1000017" cy="500008"/>
       </dsp:txXfrm>
     </dsp:sp>
@@ -5715,7 +6241,7 @@
       </dsp:nvSpPr>
       <dsp:spPr>
         <a:xfrm>
-          <a:off x="2838073" y="2485973"/>
+          <a:off x="2838073" y="1420955"/>
           <a:ext cx="1000017" cy="500008"/>
         </a:xfrm>
         <a:prstGeom prst="rect">
@@ -5786,7 +6312,7 @@
         </a:p>
       </dsp:txBody>
       <dsp:txXfrm>
-        <a:off x="2838073" y="2485973"/>
+        <a:off x="2838073" y="1420955"/>
         <a:ext cx="1000017" cy="500008"/>
       </dsp:txXfrm>
     </dsp:sp>
@@ -5797,7 +6323,7 @@
       </dsp:nvSpPr>
       <dsp:spPr>
         <a:xfrm>
-          <a:off x="3088078" y="3195986"/>
+          <a:off x="3088078" y="2130967"/>
           <a:ext cx="1000017" cy="500008"/>
         </a:xfrm>
         <a:prstGeom prst="rect">
@@ -5868,7 +6394,7 @@
         </a:p>
       </dsp:txBody>
       <dsp:txXfrm>
-        <a:off x="3088078" y="3195986"/>
+        <a:off x="3088078" y="2130967"/>
         <a:ext cx="1000017" cy="500008"/>
       </dsp:txXfrm>
     </dsp:sp>
@@ -5879,7 +6405,7 @@
       </dsp:nvSpPr>
       <dsp:spPr>
         <a:xfrm>
-          <a:off x="4048095" y="2485973"/>
+          <a:off x="4048095" y="1420955"/>
           <a:ext cx="1000017" cy="500008"/>
         </a:xfrm>
         <a:prstGeom prst="rect">
@@ -5936,7 +6462,7 @@
         </a:p>
       </dsp:txBody>
       <dsp:txXfrm>
-        <a:off x="4048095" y="2485973"/>
+        <a:off x="4048095" y="1420955"/>
         <a:ext cx="1000017" cy="500008"/>
       </dsp:txXfrm>
     </dsp:sp>
@@ -5947,7 +6473,7 @@
       </dsp:nvSpPr>
       <dsp:spPr>
         <a:xfrm>
-          <a:off x="4298099" y="3195986"/>
+          <a:off x="4298099" y="2130967"/>
           <a:ext cx="1000017" cy="500008"/>
         </a:xfrm>
         <a:prstGeom prst="rect">
@@ -6012,7 +6538,7 @@
         </a:p>
       </dsp:txBody>
       <dsp:txXfrm>
-        <a:off x="4298099" y="3195986"/>
+        <a:off x="4298099" y="2130967"/>
         <a:ext cx="1000017" cy="500008"/>
       </dsp:txXfrm>
     </dsp:sp>
@@ -6023,7 +6549,7 @@
       </dsp:nvSpPr>
       <dsp:spPr>
         <a:xfrm>
-          <a:off x="4298099" y="3905998"/>
+          <a:off x="4298099" y="2840980"/>
           <a:ext cx="1000017" cy="500008"/>
         </a:xfrm>
         <a:prstGeom prst="rect">
@@ -6080,7 +6606,7 @@
         </a:p>
       </dsp:txBody>
       <dsp:txXfrm>
-        <a:off x="4298099" y="3905998"/>
+        <a:off x="4298099" y="2840980"/>
         <a:ext cx="1000017" cy="500008"/>
       </dsp:txXfrm>
     </dsp:sp>
@@ -6091,7 +6617,7 @@
       </dsp:nvSpPr>
       <dsp:spPr>
         <a:xfrm>
-          <a:off x="8702427" y="2453213"/>
+          <a:off x="8702427" y="1388194"/>
           <a:ext cx="1000017" cy="500008"/>
         </a:xfrm>
         <a:prstGeom prst="rect">
@@ -6148,7 +6674,7 @@
         </a:p>
       </dsp:txBody>
       <dsp:txXfrm>
-        <a:off x="8702427" y="2453213"/>
+        <a:off x="8702427" y="1388194"/>
         <a:ext cx="1000017" cy="500008"/>
       </dsp:txXfrm>
     </dsp:sp>
@@ -6159,7 +6685,7 @@
       </dsp:nvSpPr>
       <dsp:spPr>
         <a:xfrm>
-          <a:off x="6593940" y="3195986"/>
+          <a:off x="6593940" y="2130967"/>
           <a:ext cx="855915" cy="500008"/>
         </a:xfrm>
         <a:prstGeom prst="rect">
@@ -6224,7 +6750,7 @@
         </a:p>
       </dsp:txBody>
       <dsp:txXfrm>
-        <a:off x="6593940" y="3195986"/>
+        <a:off x="6593940" y="2130967"/>
         <a:ext cx="855915" cy="500008"/>
       </dsp:txXfrm>
     </dsp:sp>
@@ -6235,7 +6761,7 @@
       </dsp:nvSpPr>
       <dsp:spPr>
         <a:xfrm>
-          <a:off x="7777791" y="3202536"/>
+          <a:off x="7777791" y="2137517"/>
           <a:ext cx="1000017" cy="500008"/>
         </a:xfrm>
         <a:prstGeom prst="rect">
@@ -6292,7 +6818,7 @@
         </a:p>
       </dsp:txBody>
       <dsp:txXfrm>
-        <a:off x="7777791" y="3202536"/>
+        <a:off x="7777791" y="2137517"/>
         <a:ext cx="1000017" cy="500008"/>
       </dsp:txXfrm>
     </dsp:sp>
@@ -6303,7 +6829,7 @@
       </dsp:nvSpPr>
       <dsp:spPr>
         <a:xfrm>
-          <a:off x="5639163" y="3905998"/>
+          <a:off x="5639163" y="2840980"/>
           <a:ext cx="834774" cy="500008"/>
         </a:xfrm>
         <a:prstGeom prst="rect">
@@ -6368,7 +6894,7 @@
         </a:p>
       </dsp:txBody>
       <dsp:txXfrm>
-        <a:off x="5639163" y="3905998"/>
+        <a:off x="5639163" y="2840980"/>
         <a:ext cx="834774" cy="500008"/>
       </dsp:txXfrm>
     </dsp:sp>
@@ -6379,7 +6905,7 @@
       </dsp:nvSpPr>
       <dsp:spPr>
         <a:xfrm>
-          <a:off x="6677381" y="3905998"/>
+          <a:off x="6677381" y="2840980"/>
           <a:ext cx="1000017" cy="500008"/>
         </a:xfrm>
         <a:prstGeom prst="rect">
@@ -6436,7 +6962,7 @@
         </a:p>
       </dsp:txBody>
       <dsp:txXfrm>
-        <a:off x="6677381" y="3905998"/>
+        <a:off x="6677381" y="2840980"/>
         <a:ext cx="1000017" cy="500008"/>
       </dsp:txXfrm>
     </dsp:sp>
@@ -6447,7 +6973,7 @@
       </dsp:nvSpPr>
       <dsp:spPr>
         <a:xfrm>
-          <a:off x="7762920" y="3905998"/>
+          <a:off x="7762920" y="2840980"/>
           <a:ext cx="1000017" cy="500008"/>
         </a:xfrm>
         <a:prstGeom prst="rect">
@@ -6504,7 +7030,7 @@
         </a:p>
       </dsp:txBody>
       <dsp:txXfrm>
-        <a:off x="7762920" y="3905998"/>
+        <a:off x="7762920" y="2840980"/>
         <a:ext cx="1000017" cy="500008"/>
       </dsp:txXfrm>
     </dsp:sp>
@@ -6515,7 +7041,7 @@
       </dsp:nvSpPr>
       <dsp:spPr>
         <a:xfrm>
-          <a:off x="8012925" y="4616011"/>
+          <a:off x="7762920" y="3550992"/>
           <a:ext cx="1000017" cy="500008"/>
         </a:xfrm>
         <a:prstGeom prst="rect">
@@ -6572,18 +7098,18 @@
         </a:p>
       </dsp:txBody>
       <dsp:txXfrm>
-        <a:off x="8012925" y="4616011"/>
+        <a:off x="7762920" y="3550992"/>
         <a:ext cx="1000017" cy="500008"/>
       </dsp:txXfrm>
     </dsp:sp>
-    <dsp:sp modelId="{F4D3BADB-F675-4F0D-AC78-77D2F55085CE}">
+    <dsp:sp modelId="{373EC62E-E462-49F9-8F5A-E77BAAC92B4B}">
       <dsp:nvSpPr>
         <dsp:cNvPr id="0" name=""/>
         <dsp:cNvSpPr/>
       </dsp:nvSpPr>
       <dsp:spPr>
         <a:xfrm>
-          <a:off x="8972942" y="3905998"/>
+          <a:off x="8012925" y="4261005"/>
           <a:ext cx="1000017" cy="500008"/>
         </a:xfrm>
         <a:prstGeom prst="rect">
@@ -6633,25 +7159,25 @@
             </a:spcAft>
           </a:pPr>
           <a:r>
-            <a:rPr lang="en-US" sz="1100" kern="1200" dirty="0" err="1" smtClean="0"/>
-            <a:t>DropDownCard</a:t>
+            <a:rPr lang="en-US" sz="1100" kern="1200" smtClean="0"/>
+            <a:t>ImageVideoInput</a:t>
           </a:r>
           <a:endParaRPr lang="en-US" sz="1100" kern="1200" dirty="0"/>
         </a:p>
       </dsp:txBody>
       <dsp:txXfrm>
-        <a:off x="8972942" y="3905998"/>
+        <a:off x="8012925" y="4261005"/>
         <a:ext cx="1000017" cy="500008"/>
       </dsp:txXfrm>
     </dsp:sp>
-    <dsp:sp modelId="{22202725-6EDB-40AA-853E-A71830DA2C87}">
+    <dsp:sp modelId="{AB5FDA5F-1622-4AC1-B007-DAEC26F8C5D2}">
       <dsp:nvSpPr>
         <dsp:cNvPr id="0" name=""/>
         <dsp:cNvSpPr/>
       </dsp:nvSpPr>
       <dsp:spPr>
         <a:xfrm>
-          <a:off x="9222946" y="4616011"/>
+          <a:off x="8012925" y="4971017"/>
           <a:ext cx="1000017" cy="500008"/>
         </a:xfrm>
         <a:prstGeom prst="rect">
@@ -6702,13 +7228,217 @@
           </a:pPr>
           <a:r>
             <a:rPr lang="en-US" sz="1100" kern="1200" dirty="0" err="1" smtClean="0"/>
+            <a:t>TextInput</a:t>
+          </a:r>
+          <a:endParaRPr lang="en-US" sz="1100" kern="1200" dirty="0"/>
+        </a:p>
+      </dsp:txBody>
+      <dsp:txXfrm>
+        <a:off x="8012925" y="4971017"/>
+        <a:ext cx="1000017" cy="500008"/>
+      </dsp:txXfrm>
+    </dsp:sp>
+    <dsp:sp modelId="{FCD7A964-5AF1-4929-AA64-4C8B84690965}">
+      <dsp:nvSpPr>
+        <dsp:cNvPr id="0" name=""/>
+        <dsp:cNvSpPr/>
+      </dsp:nvSpPr>
+      <dsp:spPr>
+        <a:xfrm>
+          <a:off x="8012925" y="5681030"/>
+          <a:ext cx="1000017" cy="500008"/>
+        </a:xfrm>
+        <a:prstGeom prst="rect">
+          <a:avLst/>
+        </a:prstGeom>
+        <a:solidFill>
+          <a:srgbClr val="FBF3FF"/>
+        </a:solidFill>
+        <a:ln w="12700" cap="flat" cmpd="sng" algn="ctr">
+          <a:solidFill>
+            <a:srgbClr val="9E2A7D"/>
+          </a:solidFill>
+          <a:prstDash val="solid"/>
+          <a:miter lim="800000"/>
+        </a:ln>
+        <a:effectLst/>
+      </dsp:spPr>
+      <dsp:style>
+        <a:lnRef idx="2">
+          <a:scrgbClr r="0" g="0" b="0"/>
+        </a:lnRef>
+        <a:fillRef idx="1">
+          <a:scrgbClr r="0" g="0" b="0"/>
+        </a:fillRef>
+        <a:effectRef idx="0">
+          <a:scrgbClr r="0" g="0" b="0"/>
+        </a:effectRef>
+        <a:fontRef idx="minor">
+          <a:schemeClr val="lt1"/>
+        </a:fontRef>
+      </dsp:style>
+      <dsp:txBody>
+        <a:bodyPr spcFirstLastPara="0" vert="horz" wrap="square" lIns="6985" tIns="6985" rIns="6985" bIns="6985" numCol="1" spcCol="1270" anchor="ctr" anchorCtr="0">
+          <a:noAutofit/>
+        </a:bodyPr>
+        <a:lstStyle/>
+        <a:p>
+          <a:pPr lvl="0" algn="ctr" defTabSz="488950" rtl="0">
+            <a:lnSpc>
+              <a:spcPct val="90000"/>
+            </a:lnSpc>
+            <a:spcBef>
+              <a:spcPct val="0"/>
+            </a:spcBef>
+            <a:spcAft>
+              <a:spcPct val="35000"/>
+            </a:spcAft>
+          </a:pPr>
+          <a:r>
+            <a:rPr lang="en-US" sz="1100" kern="1200" smtClean="0"/>
+            <a:t>YoutubeInput</a:t>
+          </a:r>
+          <a:endParaRPr lang="en-US" sz="1100" kern="1200" dirty="0"/>
+        </a:p>
+      </dsp:txBody>
+      <dsp:txXfrm>
+        <a:off x="8012925" y="5681030"/>
+        <a:ext cx="1000017" cy="500008"/>
+      </dsp:txXfrm>
+    </dsp:sp>
+    <dsp:sp modelId="{F4D3BADB-F675-4F0D-AC78-77D2F55085CE}">
+      <dsp:nvSpPr>
+        <dsp:cNvPr id="0" name=""/>
+        <dsp:cNvSpPr/>
+      </dsp:nvSpPr>
+      <dsp:spPr>
+        <a:xfrm>
+          <a:off x="8972942" y="2840980"/>
+          <a:ext cx="1000017" cy="500008"/>
+        </a:xfrm>
+        <a:prstGeom prst="rect">
+          <a:avLst/>
+        </a:prstGeom>
+        <a:solidFill>
+          <a:srgbClr val="FBF3FF"/>
+        </a:solidFill>
+        <a:ln w="12700" cap="flat" cmpd="sng" algn="ctr">
+          <a:solidFill>
+            <a:srgbClr val="9E2A7D"/>
+          </a:solidFill>
+          <a:prstDash val="solid"/>
+          <a:miter lim="800000"/>
+        </a:ln>
+        <a:effectLst/>
+      </dsp:spPr>
+      <dsp:style>
+        <a:lnRef idx="2">
+          <a:scrgbClr r="0" g="0" b="0"/>
+        </a:lnRef>
+        <a:fillRef idx="1">
+          <a:scrgbClr r="0" g="0" b="0"/>
+        </a:fillRef>
+        <a:effectRef idx="0">
+          <a:scrgbClr r="0" g="0" b="0"/>
+        </a:effectRef>
+        <a:fontRef idx="minor">
+          <a:schemeClr val="lt1"/>
+        </a:fontRef>
+      </dsp:style>
+      <dsp:txBody>
+        <a:bodyPr spcFirstLastPara="0" vert="horz" wrap="square" lIns="6985" tIns="6985" rIns="6985" bIns="6985" numCol="1" spcCol="1270" anchor="ctr" anchorCtr="0">
+          <a:noAutofit/>
+        </a:bodyPr>
+        <a:lstStyle/>
+        <a:p>
+          <a:pPr lvl="0" algn="ctr" defTabSz="488950" rtl="0">
+            <a:lnSpc>
+              <a:spcPct val="90000"/>
+            </a:lnSpc>
+            <a:spcBef>
+              <a:spcPct val="0"/>
+            </a:spcBef>
+            <a:spcAft>
+              <a:spcPct val="35000"/>
+            </a:spcAft>
+          </a:pPr>
+          <a:r>
+            <a:rPr lang="en-US" sz="1100" kern="1200" dirty="0" err="1" smtClean="0"/>
+            <a:t>DropDownCard</a:t>
+          </a:r>
+          <a:endParaRPr lang="en-US" sz="1100" kern="1200" dirty="0"/>
+        </a:p>
+      </dsp:txBody>
+      <dsp:txXfrm>
+        <a:off x="8972942" y="2840980"/>
+        <a:ext cx="1000017" cy="500008"/>
+      </dsp:txXfrm>
+    </dsp:sp>
+    <dsp:sp modelId="{22202725-6EDB-40AA-853E-A71830DA2C87}">
+      <dsp:nvSpPr>
+        <dsp:cNvPr id="0" name=""/>
+        <dsp:cNvSpPr/>
+      </dsp:nvSpPr>
+      <dsp:spPr>
+        <a:xfrm>
+          <a:off x="9222946" y="3550992"/>
+          <a:ext cx="1000017" cy="500008"/>
+        </a:xfrm>
+        <a:prstGeom prst="rect">
+          <a:avLst/>
+        </a:prstGeom>
+        <a:solidFill>
+          <a:srgbClr val="FBF3FF"/>
+        </a:solidFill>
+        <a:ln w="12700" cap="flat" cmpd="sng" algn="ctr">
+          <a:solidFill>
+            <a:srgbClr val="9E2A7D"/>
+          </a:solidFill>
+          <a:prstDash val="solid"/>
+          <a:miter lim="800000"/>
+        </a:ln>
+        <a:effectLst/>
+      </dsp:spPr>
+      <dsp:style>
+        <a:lnRef idx="2">
+          <a:scrgbClr r="0" g="0" b="0"/>
+        </a:lnRef>
+        <a:fillRef idx="1">
+          <a:scrgbClr r="0" g="0" b="0"/>
+        </a:fillRef>
+        <a:effectRef idx="0">
+          <a:scrgbClr r="0" g="0" b="0"/>
+        </a:effectRef>
+        <a:fontRef idx="minor">
+          <a:schemeClr val="lt1"/>
+        </a:fontRef>
+      </dsp:style>
+      <dsp:txBody>
+        <a:bodyPr spcFirstLastPara="0" vert="horz" wrap="square" lIns="6985" tIns="6985" rIns="6985" bIns="6985" numCol="1" spcCol="1270" anchor="ctr" anchorCtr="0">
+          <a:noAutofit/>
+        </a:bodyPr>
+        <a:lstStyle/>
+        <a:p>
+          <a:pPr lvl="0" algn="ctr" defTabSz="488950" rtl="0">
+            <a:lnSpc>
+              <a:spcPct val="90000"/>
+            </a:lnSpc>
+            <a:spcBef>
+              <a:spcPct val="0"/>
+            </a:spcBef>
+            <a:spcAft>
+              <a:spcPct val="35000"/>
+            </a:spcAft>
+          </a:pPr>
+          <a:r>
+            <a:rPr lang="en-US" sz="1100" kern="1200" dirty="0" err="1" smtClean="0"/>
             <a:t>DropDown</a:t>
           </a:r>
           <a:endParaRPr lang="en-US" sz="1100" kern="1200" dirty="0"/>
         </a:p>
       </dsp:txBody>
       <dsp:txXfrm>
-        <a:off x="9222946" y="4616011"/>
+        <a:off x="9222946" y="3550992"/>
         <a:ext cx="1000017" cy="500008"/>
       </dsp:txXfrm>
     </dsp:sp>
@@ -6719,7 +7449,7 @@
       </dsp:nvSpPr>
       <dsp:spPr>
         <a:xfrm>
-          <a:off x="9932959" y="3195986"/>
+          <a:off x="9932959" y="2130967"/>
           <a:ext cx="1000017" cy="500008"/>
         </a:xfrm>
         <a:prstGeom prst="rect">
@@ -6790,7 +7520,7 @@
         </a:p>
       </dsp:txBody>
       <dsp:txXfrm>
-        <a:off x="9932959" y="3195986"/>
+        <a:off x="9932959" y="2130967"/>
         <a:ext cx="1000017" cy="500008"/>
       </dsp:txXfrm>
     </dsp:sp>
@@ -6801,7 +7531,7 @@
       </dsp:nvSpPr>
       <dsp:spPr>
         <a:xfrm>
-          <a:off x="10182963" y="3905998"/>
+          <a:off x="10182963" y="2840980"/>
           <a:ext cx="1000017" cy="500008"/>
         </a:xfrm>
         <a:prstGeom prst="rect">
@@ -6872,7 +7602,7 @@
         </a:p>
       </dsp:txBody>
       <dsp:txXfrm>
-        <a:off x="10182963" y="3905998"/>
+        <a:off x="10182963" y="2840980"/>
         <a:ext cx="1000017" cy="500008"/>
       </dsp:txXfrm>
     </dsp:sp>
@@ -9191,7 +9921,7 @@
           <a:p>
             <a:fld id="{D076180C-D2FE-4036-8AA8-F2E738DE3C3A}" type="datetimeFigureOut">
               <a:rPr lang="he-IL" smtClean="0"/>
-              <a:t>כ'/כסלו/תשפ"ד</a:t>
+              <a:t>ד'/אדר א/תשפ"ד</a:t>
             </a:fld>
             <a:endParaRPr lang="he-IL"/>
           </a:p>
@@ -9361,7 +10091,7 @@
           <a:p>
             <a:fld id="{D076180C-D2FE-4036-8AA8-F2E738DE3C3A}" type="datetimeFigureOut">
               <a:rPr lang="he-IL" smtClean="0"/>
-              <a:t>כ'/כסלו/תשפ"ד</a:t>
+              <a:t>ד'/אדר א/תשפ"ד</a:t>
             </a:fld>
             <a:endParaRPr lang="he-IL"/>
           </a:p>
@@ -9541,7 +10271,7 @@
           <a:p>
             <a:fld id="{D076180C-D2FE-4036-8AA8-F2E738DE3C3A}" type="datetimeFigureOut">
               <a:rPr lang="he-IL" smtClean="0"/>
-              <a:t>כ'/כסלו/תשפ"ד</a:t>
+              <a:t>ד'/אדר א/תשפ"ד</a:t>
             </a:fld>
             <a:endParaRPr lang="he-IL"/>
           </a:p>
@@ -9711,7 +10441,7 @@
           <a:p>
             <a:fld id="{D076180C-D2FE-4036-8AA8-F2E738DE3C3A}" type="datetimeFigureOut">
               <a:rPr lang="he-IL" smtClean="0"/>
-              <a:t>כ'/כסלו/תשפ"ד</a:t>
+              <a:t>ד'/אדר א/תשפ"ד</a:t>
             </a:fld>
             <a:endParaRPr lang="he-IL"/>
           </a:p>
@@ -9957,7 +10687,7 @@
           <a:p>
             <a:fld id="{D076180C-D2FE-4036-8AA8-F2E738DE3C3A}" type="datetimeFigureOut">
               <a:rPr lang="he-IL" smtClean="0"/>
-              <a:t>כ'/כסלו/תשפ"ד</a:t>
+              <a:t>ד'/אדר א/תשפ"ד</a:t>
             </a:fld>
             <a:endParaRPr lang="he-IL"/>
           </a:p>
@@ -10189,7 +10919,7 @@
           <a:p>
             <a:fld id="{D076180C-D2FE-4036-8AA8-F2E738DE3C3A}" type="datetimeFigureOut">
               <a:rPr lang="he-IL" smtClean="0"/>
-              <a:t>כ'/כסלו/תשפ"ד</a:t>
+              <a:t>ד'/אדר א/תשפ"ד</a:t>
             </a:fld>
             <a:endParaRPr lang="he-IL"/>
           </a:p>
@@ -10556,7 +11286,7 @@
           <a:p>
             <a:fld id="{D076180C-D2FE-4036-8AA8-F2E738DE3C3A}" type="datetimeFigureOut">
               <a:rPr lang="he-IL" smtClean="0"/>
-              <a:t>כ'/כסלו/תשפ"ד</a:t>
+              <a:t>ד'/אדר א/תשפ"ד</a:t>
             </a:fld>
             <a:endParaRPr lang="he-IL"/>
           </a:p>
@@ -10674,7 +11404,7 @@
           <a:p>
             <a:fld id="{D076180C-D2FE-4036-8AA8-F2E738DE3C3A}" type="datetimeFigureOut">
               <a:rPr lang="he-IL" smtClean="0"/>
-              <a:t>כ'/כסלו/תשפ"ד</a:t>
+              <a:t>ד'/אדר א/תשפ"ד</a:t>
             </a:fld>
             <a:endParaRPr lang="he-IL"/>
           </a:p>
@@ -10769,7 +11499,7 @@
           <a:p>
             <a:fld id="{D076180C-D2FE-4036-8AA8-F2E738DE3C3A}" type="datetimeFigureOut">
               <a:rPr lang="he-IL" smtClean="0"/>
-              <a:t>כ'/כסלו/תשפ"ד</a:t>
+              <a:t>ד'/אדר א/תשפ"ד</a:t>
             </a:fld>
             <a:endParaRPr lang="he-IL"/>
           </a:p>
@@ -11046,7 +11776,7 @@
           <a:p>
             <a:fld id="{D076180C-D2FE-4036-8AA8-F2E738DE3C3A}" type="datetimeFigureOut">
               <a:rPr lang="he-IL" smtClean="0"/>
-              <a:t>כ'/כסלו/תשפ"ד</a:t>
+              <a:t>ד'/אדר א/תשפ"ד</a:t>
             </a:fld>
             <a:endParaRPr lang="he-IL"/>
           </a:p>
@@ -11299,7 +12029,7 @@
           <a:p>
             <a:fld id="{D076180C-D2FE-4036-8AA8-F2E738DE3C3A}" type="datetimeFigureOut">
               <a:rPr lang="he-IL" smtClean="0"/>
-              <a:t>כ'/כסלו/תשפ"ד</a:t>
+              <a:t>ד'/אדר א/תשפ"ד</a:t>
             </a:fld>
             <a:endParaRPr lang="he-IL"/>
           </a:p>
@@ -11512,7 +12242,7 @@
           <a:p>
             <a:fld id="{D076180C-D2FE-4036-8AA8-F2E738DE3C3A}" type="datetimeFigureOut">
               <a:rPr lang="he-IL" smtClean="0"/>
-              <a:t>כ'/כסלו/תשפ"ד</a:t>
+              <a:t>ד'/אדר א/תשפ"ד</a:t>
             </a:fld>
             <a:endParaRPr lang="he-IL"/>
           </a:p>
@@ -11924,7 +12654,7 @@
           <p:nvPr>
             <p:extLst>
               <p:ext uri="{D42A27DB-BD31-4B8C-83A1-F6EECF244321}">
-                <p14:modId xmlns:p14="http://schemas.microsoft.com/office/powerpoint/2010/main" val="872622386"/>
+                <p14:modId xmlns:p14="http://schemas.microsoft.com/office/powerpoint/2010/main" val="2062438227"/>
               </p:ext>
             </p:extLst>
           </p:nvPr>
